--- a/Jeopardy_Questions.pptx
+++ b/Jeopardy_Questions.pptx
@@ -4,10 +4,15 @@
   <p:sldMasterIdLst>
     <p:sldMasterId id="2147483648" r:id="rId1"/>
   </p:sldMasterIdLst>
+  <p:notesMasterIdLst>
+    <p:notesMasterId r:id="rId7"/>
+  </p:notesMasterIdLst>
   <p:sldIdLst>
     <p:sldId id="256" r:id="rId2"/>
-    <p:sldId id="257" r:id="rId3"/>
-    <p:sldId id="258" r:id="rId4"/>
+    <p:sldId id="258" r:id="rId3"/>
+    <p:sldId id="257" r:id="rId4"/>
+    <p:sldId id="260" r:id="rId5"/>
+    <p:sldId id="259" r:id="rId6"/>
   </p:sldIdLst>
   <p:sldSz cx="12192000" cy="6858000"/>
   <p:notesSz cx="6858000" cy="9144000"/>
@@ -107,6 +112,4128 @@
     </a:lvl9pPr>
   </p:defaultTextStyle>
 </p:presentation>
+</file>
+
+<file path=ppt/commentAuthors.xml><?xml version="1.0" encoding="utf-8"?>
+<p:cmAuthorLst xmlns:a="http://schemas.openxmlformats.org/drawingml/2006/main" xmlns:r="http://schemas.openxmlformats.org/officeDocument/2006/relationships" xmlns:p="http://schemas.openxmlformats.org/presentationml/2006/main">
+  <p:cmAuthor id="1" name="Louisa Reilly" initials="LR" lastIdx="1" clrIdx="0">
+    <p:extLst>
+      <p:ext uri="{19B8F6BF-5375-455C-9EA6-DF929625EA0E}">
+        <p15:presenceInfo xmlns:p15="http://schemas.microsoft.com/office/powerpoint/2012/main" userId="1e67f2daabdf6520" providerId="Windows Live"/>
+      </p:ext>
+    </p:extLst>
+  </p:cmAuthor>
+</p:cmAuthorLst>
+</file>
+
+<file path=ppt/diagrams/colors1.xml><?xml version="1.0" encoding="utf-8"?>
+<dgm:colorsDef xmlns:dgm="http://schemas.openxmlformats.org/drawingml/2006/diagram" xmlns:a="http://schemas.openxmlformats.org/drawingml/2006/main" uniqueId="urn:microsoft.com/office/officeart/2005/8/colors/accent1_2">
+  <dgm:title val=""/>
+  <dgm:desc val=""/>
+  <dgm:catLst>
+    <dgm:cat type="accent1" pri="11200"/>
+  </dgm:catLst>
+  <dgm:styleLbl name="node0">
+    <dgm:fillClrLst meth="repeat">
+      <a:schemeClr val="accent1"/>
+    </dgm:fillClrLst>
+    <dgm:linClrLst meth="repeat">
+      <a:schemeClr val="lt1"/>
+    </dgm:linClrLst>
+    <dgm:effectClrLst/>
+    <dgm:txLinClrLst/>
+    <dgm:txFillClrLst/>
+    <dgm:txEffectClrLst/>
+  </dgm:styleLbl>
+  <dgm:styleLbl name="alignNode1">
+    <dgm:fillClrLst meth="repeat">
+      <a:schemeClr val="accent1"/>
+    </dgm:fillClrLst>
+    <dgm:linClrLst meth="repeat">
+      <a:schemeClr val="accent1"/>
+    </dgm:linClrLst>
+    <dgm:effectClrLst/>
+    <dgm:txLinClrLst/>
+    <dgm:txFillClrLst/>
+    <dgm:txEffectClrLst/>
+  </dgm:styleLbl>
+  <dgm:styleLbl name="node1">
+    <dgm:fillClrLst meth="repeat">
+      <a:schemeClr val="accent1"/>
+    </dgm:fillClrLst>
+    <dgm:linClrLst meth="repeat">
+      <a:schemeClr val="lt1"/>
+    </dgm:linClrLst>
+    <dgm:effectClrLst/>
+    <dgm:txLinClrLst/>
+    <dgm:txFillClrLst/>
+    <dgm:txEffectClrLst/>
+  </dgm:styleLbl>
+  <dgm:styleLbl name="lnNode1">
+    <dgm:fillClrLst meth="repeat">
+      <a:schemeClr val="accent1"/>
+    </dgm:fillClrLst>
+    <dgm:linClrLst meth="repeat">
+      <a:schemeClr val="lt1"/>
+    </dgm:linClrLst>
+    <dgm:effectClrLst/>
+    <dgm:txLinClrLst/>
+    <dgm:txFillClrLst/>
+    <dgm:txEffectClrLst/>
+  </dgm:styleLbl>
+  <dgm:styleLbl name="vennNode1">
+    <dgm:fillClrLst meth="repeat">
+      <a:schemeClr val="accent1">
+        <a:alpha val="50000"/>
+      </a:schemeClr>
+    </dgm:fillClrLst>
+    <dgm:linClrLst meth="repeat">
+      <a:schemeClr val="lt1"/>
+    </dgm:linClrLst>
+    <dgm:effectClrLst/>
+    <dgm:txLinClrLst/>
+    <dgm:txFillClrLst/>
+    <dgm:txEffectClrLst/>
+  </dgm:styleLbl>
+  <dgm:styleLbl name="node2">
+    <dgm:fillClrLst meth="repeat">
+      <a:schemeClr val="accent1"/>
+    </dgm:fillClrLst>
+    <dgm:linClrLst meth="repeat">
+      <a:schemeClr val="lt1"/>
+    </dgm:linClrLst>
+    <dgm:effectClrLst/>
+    <dgm:txLinClrLst/>
+    <dgm:txFillClrLst/>
+    <dgm:txEffectClrLst/>
+  </dgm:styleLbl>
+  <dgm:styleLbl name="node3">
+    <dgm:fillClrLst meth="repeat">
+      <a:schemeClr val="accent1"/>
+    </dgm:fillClrLst>
+    <dgm:linClrLst meth="repeat">
+      <a:schemeClr val="lt1"/>
+    </dgm:linClrLst>
+    <dgm:effectClrLst/>
+    <dgm:txLinClrLst/>
+    <dgm:txFillClrLst/>
+    <dgm:txEffectClrLst/>
+  </dgm:styleLbl>
+  <dgm:styleLbl name="node4">
+    <dgm:fillClrLst meth="repeat">
+      <a:schemeClr val="accent1"/>
+    </dgm:fillClrLst>
+    <dgm:linClrLst meth="repeat">
+      <a:schemeClr val="lt1"/>
+    </dgm:linClrLst>
+    <dgm:effectClrLst/>
+    <dgm:txLinClrLst/>
+    <dgm:txFillClrLst/>
+    <dgm:txEffectClrLst/>
+  </dgm:styleLbl>
+  <dgm:styleLbl name="fgImgPlace1">
+    <dgm:fillClrLst meth="repeat">
+      <a:schemeClr val="accent1">
+        <a:tint val="50000"/>
+      </a:schemeClr>
+    </dgm:fillClrLst>
+    <dgm:linClrLst meth="repeat">
+      <a:schemeClr val="lt1"/>
+    </dgm:linClrLst>
+    <dgm:effectClrLst/>
+    <dgm:txLinClrLst/>
+    <dgm:txFillClrLst meth="repeat">
+      <a:schemeClr val="lt1"/>
+    </dgm:txFillClrLst>
+    <dgm:txEffectClrLst/>
+  </dgm:styleLbl>
+  <dgm:styleLbl name="alignImgPlace1">
+    <dgm:fillClrLst meth="repeat">
+      <a:schemeClr val="accent1">
+        <a:tint val="50000"/>
+      </a:schemeClr>
+    </dgm:fillClrLst>
+    <dgm:linClrLst meth="repeat">
+      <a:schemeClr val="lt1"/>
+    </dgm:linClrLst>
+    <dgm:effectClrLst/>
+    <dgm:txLinClrLst/>
+    <dgm:txFillClrLst meth="repeat">
+      <a:schemeClr val="lt1"/>
+    </dgm:txFillClrLst>
+    <dgm:txEffectClrLst/>
+  </dgm:styleLbl>
+  <dgm:styleLbl name="bgImgPlace1">
+    <dgm:fillClrLst meth="repeat">
+      <a:schemeClr val="accent1">
+        <a:tint val="50000"/>
+      </a:schemeClr>
+    </dgm:fillClrLst>
+    <dgm:linClrLst meth="repeat">
+      <a:schemeClr val="lt1"/>
+    </dgm:linClrLst>
+    <dgm:effectClrLst/>
+    <dgm:txLinClrLst/>
+    <dgm:txFillClrLst meth="repeat">
+      <a:schemeClr val="lt1"/>
+    </dgm:txFillClrLst>
+    <dgm:txEffectClrLst/>
+  </dgm:styleLbl>
+  <dgm:styleLbl name="sibTrans2D1">
+    <dgm:fillClrLst meth="repeat">
+      <a:schemeClr val="accent1">
+        <a:tint val="60000"/>
+      </a:schemeClr>
+    </dgm:fillClrLst>
+    <dgm:linClrLst meth="repeat">
+      <a:schemeClr val="accent1">
+        <a:tint val="60000"/>
+      </a:schemeClr>
+    </dgm:linClrLst>
+    <dgm:effectClrLst/>
+    <dgm:txLinClrLst/>
+    <dgm:txFillClrLst/>
+    <dgm:txEffectClrLst/>
+  </dgm:styleLbl>
+  <dgm:styleLbl name="fgSibTrans2D1">
+    <dgm:fillClrLst meth="repeat">
+      <a:schemeClr val="accent1">
+        <a:tint val="60000"/>
+      </a:schemeClr>
+    </dgm:fillClrLst>
+    <dgm:linClrLst meth="repeat">
+      <a:schemeClr val="accent1">
+        <a:tint val="60000"/>
+      </a:schemeClr>
+    </dgm:linClrLst>
+    <dgm:effectClrLst/>
+    <dgm:txLinClrLst/>
+    <dgm:txFillClrLst/>
+    <dgm:txEffectClrLst/>
+  </dgm:styleLbl>
+  <dgm:styleLbl name="bgSibTrans2D1">
+    <dgm:fillClrLst meth="repeat">
+      <a:schemeClr val="accent1">
+        <a:tint val="60000"/>
+      </a:schemeClr>
+    </dgm:fillClrLst>
+    <dgm:linClrLst meth="repeat">
+      <a:schemeClr val="accent1">
+        <a:tint val="60000"/>
+      </a:schemeClr>
+    </dgm:linClrLst>
+    <dgm:effectClrLst/>
+    <dgm:txLinClrLst/>
+    <dgm:txFillClrLst/>
+    <dgm:txEffectClrLst/>
+  </dgm:styleLbl>
+  <dgm:styleLbl name="sibTrans1D1">
+    <dgm:fillClrLst meth="repeat">
+      <a:schemeClr val="accent1"/>
+    </dgm:fillClrLst>
+    <dgm:linClrLst meth="repeat">
+      <a:schemeClr val="accent1"/>
+    </dgm:linClrLst>
+    <dgm:effectClrLst/>
+    <dgm:txLinClrLst/>
+    <dgm:txFillClrLst meth="repeat">
+      <a:schemeClr val="tx1"/>
+    </dgm:txFillClrLst>
+    <dgm:txEffectClrLst/>
+  </dgm:styleLbl>
+  <dgm:styleLbl name="callout">
+    <dgm:fillClrLst meth="repeat">
+      <a:schemeClr val="accent1"/>
+    </dgm:fillClrLst>
+    <dgm:linClrLst meth="repeat">
+      <a:schemeClr val="accent1">
+        <a:tint val="50000"/>
+      </a:schemeClr>
+    </dgm:linClrLst>
+    <dgm:effectClrLst/>
+    <dgm:txLinClrLst/>
+    <dgm:txFillClrLst meth="repeat">
+      <a:schemeClr val="tx1"/>
+    </dgm:txFillClrLst>
+    <dgm:txEffectClrLst/>
+  </dgm:styleLbl>
+  <dgm:styleLbl name="asst0">
+    <dgm:fillClrLst meth="repeat">
+      <a:schemeClr val="accent1"/>
+    </dgm:fillClrLst>
+    <dgm:linClrLst meth="repeat">
+      <a:schemeClr val="lt1"/>
+    </dgm:linClrLst>
+    <dgm:effectClrLst/>
+    <dgm:txLinClrLst/>
+    <dgm:txFillClrLst/>
+    <dgm:txEffectClrLst/>
+  </dgm:styleLbl>
+  <dgm:styleLbl name="asst1">
+    <dgm:fillClrLst meth="repeat">
+      <a:schemeClr val="accent1"/>
+    </dgm:fillClrLst>
+    <dgm:linClrLst meth="repeat">
+      <a:schemeClr val="lt1"/>
+    </dgm:linClrLst>
+    <dgm:effectClrLst/>
+    <dgm:txLinClrLst/>
+    <dgm:txFillClrLst/>
+    <dgm:txEffectClrLst/>
+  </dgm:styleLbl>
+  <dgm:styleLbl name="asst2">
+    <dgm:fillClrLst meth="repeat">
+      <a:schemeClr val="accent1"/>
+    </dgm:fillClrLst>
+    <dgm:linClrLst meth="repeat">
+      <a:schemeClr val="lt1"/>
+    </dgm:linClrLst>
+    <dgm:effectClrLst/>
+    <dgm:txLinClrLst/>
+    <dgm:txFillClrLst/>
+    <dgm:txEffectClrLst/>
+  </dgm:styleLbl>
+  <dgm:styleLbl name="asst3">
+    <dgm:fillClrLst meth="repeat">
+      <a:schemeClr val="accent1"/>
+    </dgm:fillClrLst>
+    <dgm:linClrLst meth="repeat">
+      <a:schemeClr val="lt1"/>
+    </dgm:linClrLst>
+    <dgm:effectClrLst/>
+    <dgm:txLinClrLst/>
+    <dgm:txFillClrLst/>
+    <dgm:txEffectClrLst/>
+  </dgm:styleLbl>
+  <dgm:styleLbl name="asst4">
+    <dgm:fillClrLst meth="repeat">
+      <a:schemeClr val="accent1"/>
+    </dgm:fillClrLst>
+    <dgm:linClrLst meth="repeat">
+      <a:schemeClr val="lt1"/>
+    </dgm:linClrLst>
+    <dgm:effectClrLst/>
+    <dgm:txLinClrLst/>
+    <dgm:txFillClrLst/>
+    <dgm:txEffectClrLst/>
+  </dgm:styleLbl>
+  <dgm:styleLbl name="parChTrans2D1">
+    <dgm:fillClrLst meth="repeat">
+      <a:schemeClr val="accent1">
+        <a:tint val="60000"/>
+      </a:schemeClr>
+    </dgm:fillClrLst>
+    <dgm:linClrLst meth="repeat">
+      <a:schemeClr val="accent1">
+        <a:tint val="60000"/>
+      </a:schemeClr>
+    </dgm:linClrLst>
+    <dgm:effectClrLst/>
+    <dgm:txLinClrLst/>
+    <dgm:txFillClrLst meth="repeat">
+      <a:schemeClr val="lt1"/>
+    </dgm:txFillClrLst>
+    <dgm:txEffectClrLst/>
+  </dgm:styleLbl>
+  <dgm:styleLbl name="parChTrans2D2">
+    <dgm:fillClrLst meth="repeat">
+      <a:schemeClr val="accent1"/>
+    </dgm:fillClrLst>
+    <dgm:linClrLst meth="repeat">
+      <a:schemeClr val="accent1"/>
+    </dgm:linClrLst>
+    <dgm:effectClrLst/>
+    <dgm:txLinClrLst/>
+    <dgm:txFillClrLst meth="repeat">
+      <a:schemeClr val="lt1"/>
+    </dgm:txFillClrLst>
+    <dgm:txEffectClrLst/>
+  </dgm:styleLbl>
+  <dgm:styleLbl name="parChTrans2D3">
+    <dgm:fillClrLst meth="repeat">
+      <a:schemeClr val="accent1"/>
+    </dgm:fillClrLst>
+    <dgm:linClrLst meth="repeat">
+      <a:schemeClr val="accent1"/>
+    </dgm:linClrLst>
+    <dgm:effectClrLst/>
+    <dgm:txLinClrLst/>
+    <dgm:txFillClrLst meth="repeat">
+      <a:schemeClr val="lt1"/>
+    </dgm:txFillClrLst>
+    <dgm:txEffectClrLst/>
+  </dgm:styleLbl>
+  <dgm:styleLbl name="parChTrans2D4">
+    <dgm:fillClrLst meth="repeat">
+      <a:schemeClr val="accent1"/>
+    </dgm:fillClrLst>
+    <dgm:linClrLst meth="repeat">
+      <a:schemeClr val="accent1"/>
+    </dgm:linClrLst>
+    <dgm:effectClrLst/>
+    <dgm:txLinClrLst/>
+    <dgm:txFillClrLst meth="repeat">
+      <a:schemeClr val="lt1"/>
+    </dgm:txFillClrLst>
+    <dgm:txEffectClrLst/>
+  </dgm:styleLbl>
+  <dgm:styleLbl name="parChTrans1D1">
+    <dgm:fillClrLst meth="repeat">
+      <a:schemeClr val="accent1"/>
+    </dgm:fillClrLst>
+    <dgm:linClrLst meth="repeat">
+      <a:schemeClr val="accent1">
+        <a:shade val="60000"/>
+      </a:schemeClr>
+    </dgm:linClrLst>
+    <dgm:effectClrLst/>
+    <dgm:txLinClrLst/>
+    <dgm:txFillClrLst meth="repeat">
+      <a:schemeClr val="tx1"/>
+    </dgm:txFillClrLst>
+    <dgm:txEffectClrLst/>
+  </dgm:styleLbl>
+  <dgm:styleLbl name="parChTrans1D2">
+    <dgm:fillClrLst meth="repeat">
+      <a:schemeClr val="accent1"/>
+    </dgm:fillClrLst>
+    <dgm:linClrLst meth="repeat">
+      <a:schemeClr val="accent1">
+        <a:shade val="60000"/>
+      </a:schemeClr>
+    </dgm:linClrLst>
+    <dgm:effectClrLst/>
+    <dgm:txLinClrLst/>
+    <dgm:txFillClrLst meth="repeat">
+      <a:schemeClr val="tx1"/>
+    </dgm:txFillClrLst>
+    <dgm:txEffectClrLst/>
+  </dgm:styleLbl>
+  <dgm:styleLbl name="parChTrans1D3">
+    <dgm:fillClrLst meth="repeat">
+      <a:schemeClr val="accent1"/>
+    </dgm:fillClrLst>
+    <dgm:linClrLst meth="repeat">
+      <a:schemeClr val="accent1">
+        <a:shade val="80000"/>
+      </a:schemeClr>
+    </dgm:linClrLst>
+    <dgm:effectClrLst/>
+    <dgm:txLinClrLst/>
+    <dgm:txFillClrLst meth="repeat">
+      <a:schemeClr val="tx1"/>
+    </dgm:txFillClrLst>
+    <dgm:txEffectClrLst/>
+  </dgm:styleLbl>
+  <dgm:styleLbl name="parChTrans1D4">
+    <dgm:fillClrLst meth="repeat">
+      <a:schemeClr val="accent1"/>
+    </dgm:fillClrLst>
+    <dgm:linClrLst meth="repeat">
+      <a:schemeClr val="accent1">
+        <a:shade val="80000"/>
+      </a:schemeClr>
+    </dgm:linClrLst>
+    <dgm:effectClrLst/>
+    <dgm:txLinClrLst/>
+    <dgm:txFillClrLst meth="repeat">
+      <a:schemeClr val="tx1"/>
+    </dgm:txFillClrLst>
+    <dgm:txEffectClrLst/>
+  </dgm:styleLbl>
+  <dgm:styleLbl name="fgAcc1">
+    <dgm:fillClrLst meth="repeat">
+      <a:schemeClr val="lt1">
+        <a:alpha val="90000"/>
+      </a:schemeClr>
+    </dgm:fillClrLst>
+    <dgm:linClrLst meth="repeat">
+      <a:schemeClr val="accent1"/>
+    </dgm:linClrLst>
+    <dgm:effectClrLst/>
+    <dgm:txLinClrLst/>
+    <dgm:txFillClrLst meth="repeat">
+      <a:schemeClr val="dk1"/>
+    </dgm:txFillClrLst>
+    <dgm:txEffectClrLst/>
+  </dgm:styleLbl>
+  <dgm:styleLbl name="conFgAcc1">
+    <dgm:fillClrLst meth="repeat">
+      <a:schemeClr val="lt1">
+        <a:alpha val="90000"/>
+      </a:schemeClr>
+    </dgm:fillClrLst>
+    <dgm:linClrLst meth="repeat">
+      <a:schemeClr val="accent1"/>
+    </dgm:linClrLst>
+    <dgm:effectClrLst/>
+    <dgm:txLinClrLst/>
+    <dgm:txFillClrLst meth="repeat">
+      <a:schemeClr val="dk1"/>
+    </dgm:txFillClrLst>
+    <dgm:txEffectClrLst/>
+  </dgm:styleLbl>
+  <dgm:styleLbl name="alignAcc1">
+    <dgm:fillClrLst meth="repeat">
+      <a:schemeClr val="lt1">
+        <a:alpha val="90000"/>
+      </a:schemeClr>
+    </dgm:fillClrLst>
+    <dgm:linClrLst meth="repeat">
+      <a:schemeClr val="accent1"/>
+    </dgm:linClrLst>
+    <dgm:effectClrLst/>
+    <dgm:txLinClrLst/>
+    <dgm:txFillClrLst meth="repeat">
+      <a:schemeClr val="dk1"/>
+    </dgm:txFillClrLst>
+    <dgm:txEffectClrLst/>
+  </dgm:styleLbl>
+  <dgm:styleLbl name="trAlignAcc1">
+    <dgm:fillClrLst meth="repeat">
+      <a:schemeClr val="lt1">
+        <a:alpha val="40000"/>
+      </a:schemeClr>
+    </dgm:fillClrLst>
+    <dgm:linClrLst meth="repeat">
+      <a:schemeClr val="accent1"/>
+    </dgm:linClrLst>
+    <dgm:effectClrLst/>
+    <dgm:txLinClrLst/>
+    <dgm:txFillClrLst meth="repeat">
+      <a:schemeClr val="dk1"/>
+    </dgm:txFillClrLst>
+    <dgm:txEffectClrLst/>
+  </dgm:styleLbl>
+  <dgm:styleLbl name="bgAcc1">
+    <dgm:fillClrLst meth="repeat">
+      <a:schemeClr val="lt1">
+        <a:alpha val="90000"/>
+      </a:schemeClr>
+    </dgm:fillClrLst>
+    <dgm:linClrLst meth="repeat">
+      <a:schemeClr val="accent1"/>
+    </dgm:linClrLst>
+    <dgm:effectClrLst/>
+    <dgm:txLinClrLst/>
+    <dgm:txFillClrLst meth="repeat">
+      <a:schemeClr val="dk1"/>
+    </dgm:txFillClrLst>
+    <dgm:txEffectClrLst/>
+  </dgm:styleLbl>
+  <dgm:styleLbl name="solidFgAcc1">
+    <dgm:fillClrLst meth="repeat">
+      <a:schemeClr val="lt1"/>
+    </dgm:fillClrLst>
+    <dgm:linClrLst meth="repeat">
+      <a:schemeClr val="accent1"/>
+    </dgm:linClrLst>
+    <dgm:effectClrLst/>
+    <dgm:txLinClrLst/>
+    <dgm:txFillClrLst meth="repeat">
+      <a:schemeClr val="dk1"/>
+    </dgm:txFillClrLst>
+    <dgm:txEffectClrLst/>
+  </dgm:styleLbl>
+  <dgm:styleLbl name="solidAlignAcc1">
+    <dgm:fillClrLst meth="repeat">
+      <a:schemeClr val="lt1"/>
+    </dgm:fillClrLst>
+    <dgm:linClrLst meth="repeat">
+      <a:schemeClr val="accent1"/>
+    </dgm:linClrLst>
+    <dgm:effectClrLst/>
+    <dgm:txLinClrLst/>
+    <dgm:txFillClrLst meth="repeat">
+      <a:schemeClr val="dk1"/>
+    </dgm:txFillClrLst>
+    <dgm:txEffectClrLst/>
+  </dgm:styleLbl>
+  <dgm:styleLbl name="solidBgAcc1">
+    <dgm:fillClrLst meth="repeat">
+      <a:schemeClr val="lt1"/>
+    </dgm:fillClrLst>
+    <dgm:linClrLst meth="repeat">
+      <a:schemeClr val="accent1"/>
+    </dgm:linClrLst>
+    <dgm:effectClrLst/>
+    <dgm:txLinClrLst/>
+    <dgm:txFillClrLst meth="repeat">
+      <a:schemeClr val="dk1"/>
+    </dgm:txFillClrLst>
+    <dgm:txEffectClrLst/>
+  </dgm:styleLbl>
+  <dgm:styleLbl name="fgAccFollowNode1">
+    <dgm:fillClrLst meth="repeat">
+      <a:schemeClr val="accent1">
+        <a:alpha val="90000"/>
+        <a:tint val="40000"/>
+      </a:schemeClr>
+    </dgm:fillClrLst>
+    <dgm:linClrLst meth="repeat">
+      <a:schemeClr val="accent1">
+        <a:alpha val="90000"/>
+        <a:tint val="40000"/>
+      </a:schemeClr>
+    </dgm:linClrLst>
+    <dgm:effectClrLst/>
+    <dgm:txLinClrLst/>
+    <dgm:txFillClrLst meth="repeat">
+      <a:schemeClr val="dk1"/>
+    </dgm:txFillClrLst>
+    <dgm:txEffectClrLst/>
+  </dgm:styleLbl>
+  <dgm:styleLbl name="alignAccFollowNode1">
+    <dgm:fillClrLst meth="repeat">
+      <a:schemeClr val="accent1">
+        <a:alpha val="90000"/>
+        <a:tint val="40000"/>
+      </a:schemeClr>
+    </dgm:fillClrLst>
+    <dgm:linClrLst meth="repeat">
+      <a:schemeClr val="accent1">
+        <a:alpha val="90000"/>
+        <a:tint val="40000"/>
+      </a:schemeClr>
+    </dgm:linClrLst>
+    <dgm:effectClrLst/>
+    <dgm:txLinClrLst/>
+    <dgm:txFillClrLst meth="repeat">
+      <a:schemeClr val="dk1"/>
+    </dgm:txFillClrLst>
+    <dgm:txEffectClrLst/>
+  </dgm:styleLbl>
+  <dgm:styleLbl name="bgAccFollowNode1">
+    <dgm:fillClrLst meth="repeat">
+      <a:schemeClr val="accent1">
+        <a:alpha val="90000"/>
+        <a:tint val="40000"/>
+      </a:schemeClr>
+    </dgm:fillClrLst>
+    <dgm:linClrLst meth="repeat">
+      <a:schemeClr val="accent1">
+        <a:alpha val="90000"/>
+        <a:tint val="40000"/>
+      </a:schemeClr>
+    </dgm:linClrLst>
+    <dgm:effectClrLst/>
+    <dgm:txLinClrLst/>
+    <dgm:txFillClrLst meth="repeat">
+      <a:schemeClr val="dk1"/>
+    </dgm:txFillClrLst>
+    <dgm:txEffectClrLst/>
+  </dgm:styleLbl>
+  <dgm:styleLbl name="fgAcc0">
+    <dgm:fillClrLst meth="repeat">
+      <a:schemeClr val="lt1">
+        <a:alpha val="90000"/>
+      </a:schemeClr>
+    </dgm:fillClrLst>
+    <dgm:linClrLst meth="repeat">
+      <a:schemeClr val="accent1"/>
+    </dgm:linClrLst>
+    <dgm:effectClrLst/>
+    <dgm:txLinClrLst/>
+    <dgm:txFillClrLst meth="repeat">
+      <a:schemeClr val="dk1"/>
+    </dgm:txFillClrLst>
+    <dgm:txEffectClrLst/>
+  </dgm:styleLbl>
+  <dgm:styleLbl name="fgAcc2">
+    <dgm:fillClrLst meth="repeat">
+      <a:schemeClr val="lt1">
+        <a:alpha val="90000"/>
+      </a:schemeClr>
+    </dgm:fillClrLst>
+    <dgm:linClrLst meth="repeat">
+      <a:schemeClr val="accent1"/>
+    </dgm:linClrLst>
+    <dgm:effectClrLst/>
+    <dgm:txLinClrLst/>
+    <dgm:txFillClrLst meth="repeat">
+      <a:schemeClr val="dk1"/>
+    </dgm:txFillClrLst>
+    <dgm:txEffectClrLst/>
+  </dgm:styleLbl>
+  <dgm:styleLbl name="fgAcc3">
+    <dgm:fillClrLst meth="repeat">
+      <a:schemeClr val="lt1">
+        <a:alpha val="90000"/>
+      </a:schemeClr>
+    </dgm:fillClrLst>
+    <dgm:linClrLst meth="repeat">
+      <a:schemeClr val="accent1"/>
+    </dgm:linClrLst>
+    <dgm:effectClrLst/>
+    <dgm:txLinClrLst/>
+    <dgm:txFillClrLst meth="repeat">
+      <a:schemeClr val="dk1"/>
+    </dgm:txFillClrLst>
+    <dgm:txEffectClrLst/>
+  </dgm:styleLbl>
+  <dgm:styleLbl name="fgAcc4">
+    <dgm:fillClrLst meth="repeat">
+      <a:schemeClr val="lt1">
+        <a:alpha val="90000"/>
+      </a:schemeClr>
+    </dgm:fillClrLst>
+    <dgm:linClrLst meth="repeat">
+      <a:schemeClr val="accent1"/>
+    </dgm:linClrLst>
+    <dgm:effectClrLst/>
+    <dgm:txLinClrLst/>
+    <dgm:txFillClrLst meth="repeat">
+      <a:schemeClr val="dk1"/>
+    </dgm:txFillClrLst>
+    <dgm:txEffectClrLst/>
+  </dgm:styleLbl>
+  <dgm:styleLbl name="bgShp">
+    <dgm:fillClrLst meth="repeat">
+      <a:schemeClr val="accent1">
+        <a:tint val="40000"/>
+      </a:schemeClr>
+    </dgm:fillClrLst>
+    <dgm:linClrLst meth="repeat">
+      <a:schemeClr val="accent1"/>
+    </dgm:linClrLst>
+    <dgm:effectClrLst/>
+    <dgm:txLinClrLst/>
+    <dgm:txFillClrLst meth="repeat">
+      <a:schemeClr val="dk1"/>
+    </dgm:txFillClrLst>
+    <dgm:txEffectClrLst/>
+  </dgm:styleLbl>
+  <dgm:styleLbl name="dkBgShp">
+    <dgm:fillClrLst meth="repeat">
+      <a:schemeClr val="accent1">
+        <a:shade val="80000"/>
+      </a:schemeClr>
+    </dgm:fillClrLst>
+    <dgm:linClrLst meth="repeat">
+      <a:schemeClr val="accent1"/>
+    </dgm:linClrLst>
+    <dgm:effectClrLst/>
+    <dgm:txLinClrLst/>
+    <dgm:txFillClrLst meth="repeat">
+      <a:schemeClr val="lt1"/>
+    </dgm:txFillClrLst>
+    <dgm:txEffectClrLst/>
+  </dgm:styleLbl>
+  <dgm:styleLbl name="trBgShp">
+    <dgm:fillClrLst meth="repeat">
+      <a:schemeClr val="accent1">
+        <a:tint val="50000"/>
+        <a:alpha val="40000"/>
+      </a:schemeClr>
+    </dgm:fillClrLst>
+    <dgm:linClrLst meth="repeat">
+      <a:schemeClr val="accent1"/>
+    </dgm:linClrLst>
+    <dgm:effectClrLst/>
+    <dgm:txLinClrLst/>
+    <dgm:txFillClrLst meth="repeat">
+      <a:schemeClr val="lt1"/>
+    </dgm:txFillClrLst>
+    <dgm:txEffectClrLst/>
+  </dgm:styleLbl>
+  <dgm:styleLbl name="fgShp">
+    <dgm:fillClrLst meth="repeat">
+      <a:schemeClr val="accent1">
+        <a:tint val="60000"/>
+      </a:schemeClr>
+    </dgm:fillClrLst>
+    <dgm:linClrLst meth="repeat">
+      <a:schemeClr val="lt1"/>
+    </dgm:linClrLst>
+    <dgm:effectClrLst/>
+    <dgm:txLinClrLst/>
+    <dgm:txFillClrLst meth="repeat">
+      <a:schemeClr val="dk1"/>
+    </dgm:txFillClrLst>
+    <dgm:txEffectClrLst/>
+  </dgm:styleLbl>
+  <dgm:styleLbl name="revTx">
+    <dgm:fillClrLst meth="repeat">
+      <a:schemeClr val="lt1">
+        <a:alpha val="0"/>
+      </a:schemeClr>
+    </dgm:fillClrLst>
+    <dgm:linClrLst meth="repeat">
+      <a:schemeClr val="dk1">
+        <a:alpha val="0"/>
+      </a:schemeClr>
+    </dgm:linClrLst>
+    <dgm:effectClrLst/>
+    <dgm:txLinClrLst/>
+    <dgm:txFillClrLst meth="repeat">
+      <a:schemeClr val="tx1"/>
+    </dgm:txFillClrLst>
+    <dgm:txEffectClrLst/>
+  </dgm:styleLbl>
+</dgm:colorsDef>
+</file>
+
+<file path=ppt/diagrams/data1.xml><?xml version="1.0" encoding="utf-8"?>
+<dgm:dataModel xmlns:dgm="http://schemas.openxmlformats.org/drawingml/2006/diagram" xmlns:a="http://schemas.openxmlformats.org/drawingml/2006/main">
+  <dgm:ptLst>
+    <dgm:pt modelId="{3ABE6F74-961D-4DDC-A5AB-7D13308716D3}" type="doc">
+      <dgm:prSet loTypeId="urn:microsoft.com/office/officeart/2008/layout/IncreasingCircleProcess" loCatId="list" qsTypeId="urn:microsoft.com/office/officeart/2005/8/quickstyle/simple1" qsCatId="simple" csTypeId="urn:microsoft.com/office/officeart/2005/8/colors/accent1_2" csCatId="accent1" phldr="1"/>
+      <dgm:spPr/>
+      <dgm:t>
+        <a:bodyPr/>
+        <a:lstStyle/>
+        <a:p>
+          <a:endParaRPr lang="en-US"/>
+        </a:p>
+      </dgm:t>
+    </dgm:pt>
+    <dgm:pt modelId="{191676A3-8410-42AF-9938-1E7AB1211F37}">
+      <dgm:prSet phldrT="[Text]"/>
+      <dgm:spPr/>
+      <dgm:t>
+        <a:bodyPr/>
+        <a:lstStyle/>
+        <a:p>
+          <a:r>
+            <a:rPr lang="en-US" dirty="0"/>
+            <a:t>1964</a:t>
+          </a:r>
+        </a:p>
+      </dgm:t>
+    </dgm:pt>
+    <dgm:pt modelId="{EBB3D2B7-3346-43DC-9F46-7317296593F8}" type="parTrans" cxnId="{208E9F61-7588-487A-892A-7C5B0460C493}">
+      <dgm:prSet/>
+      <dgm:spPr/>
+      <dgm:t>
+        <a:bodyPr/>
+        <a:lstStyle/>
+        <a:p>
+          <a:endParaRPr lang="en-US"/>
+        </a:p>
+      </dgm:t>
+    </dgm:pt>
+    <dgm:pt modelId="{CCA3E6EF-7444-4332-AD30-86A13FC159FE}" type="sibTrans" cxnId="{208E9F61-7588-487A-892A-7C5B0460C493}">
+      <dgm:prSet/>
+      <dgm:spPr/>
+      <dgm:t>
+        <a:bodyPr/>
+        <a:lstStyle/>
+        <a:p>
+          <a:endParaRPr lang="en-US"/>
+        </a:p>
+      </dgm:t>
+    </dgm:pt>
+    <dgm:pt modelId="{5F1D4CFE-C245-4025-9724-C4305A904BA0}">
+      <dgm:prSet phldrT="[Text]"/>
+      <dgm:spPr/>
+      <dgm:t>
+        <a:bodyPr/>
+        <a:lstStyle/>
+        <a:p>
+          <a:r>
+            <a:rPr lang="en-US" dirty="0"/>
+            <a:t>Created by Merv Griffin</a:t>
+          </a:r>
+        </a:p>
+      </dgm:t>
+    </dgm:pt>
+    <dgm:pt modelId="{6DA39336-49BF-442E-8AB7-B0387F7154F9}" type="parTrans" cxnId="{4B367AF3-FD48-4838-833A-3D6F9F092A49}">
+      <dgm:prSet/>
+      <dgm:spPr/>
+      <dgm:t>
+        <a:bodyPr/>
+        <a:lstStyle/>
+        <a:p>
+          <a:endParaRPr lang="en-US"/>
+        </a:p>
+      </dgm:t>
+    </dgm:pt>
+    <dgm:pt modelId="{F1649061-7E6D-4494-8E13-ACBA924EA512}" type="sibTrans" cxnId="{4B367AF3-FD48-4838-833A-3D6F9F092A49}">
+      <dgm:prSet/>
+      <dgm:spPr/>
+      <dgm:t>
+        <a:bodyPr/>
+        <a:lstStyle/>
+        <a:p>
+          <a:endParaRPr lang="en-US"/>
+        </a:p>
+      </dgm:t>
+    </dgm:pt>
+    <dgm:pt modelId="{2C6BFF9E-46A7-4286-AFE0-831AB7391B7A}">
+      <dgm:prSet phldrT="[Text]"/>
+      <dgm:spPr/>
+      <dgm:t>
+        <a:bodyPr/>
+        <a:lstStyle/>
+        <a:p>
+          <a:r>
+            <a:rPr lang="en-US" dirty="0"/>
+            <a:t>1964 - 1975</a:t>
+          </a:r>
+        </a:p>
+      </dgm:t>
+    </dgm:pt>
+    <dgm:pt modelId="{045E8103-DFCB-43FA-B923-66B6712FF257}" type="parTrans" cxnId="{ACC68CAE-D44A-4BA7-B1FC-6B8056A6A9FC}">
+      <dgm:prSet/>
+      <dgm:spPr/>
+      <dgm:t>
+        <a:bodyPr/>
+        <a:lstStyle/>
+        <a:p>
+          <a:endParaRPr lang="en-US"/>
+        </a:p>
+      </dgm:t>
+    </dgm:pt>
+    <dgm:pt modelId="{88AA743B-2FE0-4CE2-87A2-2327ECA69178}" type="sibTrans" cxnId="{ACC68CAE-D44A-4BA7-B1FC-6B8056A6A9FC}">
+      <dgm:prSet/>
+      <dgm:spPr/>
+      <dgm:t>
+        <a:bodyPr/>
+        <a:lstStyle/>
+        <a:p>
+          <a:endParaRPr lang="en-US"/>
+        </a:p>
+      </dgm:t>
+    </dgm:pt>
+    <dgm:pt modelId="{5CAC4291-9C67-439B-9980-728E7565BC21}">
+      <dgm:prSet phldrT="[Text]"/>
+      <dgm:spPr/>
+      <dgm:t>
+        <a:bodyPr/>
+        <a:lstStyle/>
+        <a:p>
+          <a:r>
+            <a:rPr lang="en-US" dirty="0"/>
+            <a:t>Aired on NBC</a:t>
+          </a:r>
+        </a:p>
+      </dgm:t>
+    </dgm:pt>
+    <dgm:pt modelId="{5F30FF42-EE8B-46E3-8DA4-410ABEAB6531}" type="parTrans" cxnId="{E130CB67-24BF-47B9-8585-705D763A99AF}">
+      <dgm:prSet/>
+      <dgm:spPr/>
+      <dgm:t>
+        <a:bodyPr/>
+        <a:lstStyle/>
+        <a:p>
+          <a:endParaRPr lang="en-US"/>
+        </a:p>
+      </dgm:t>
+    </dgm:pt>
+    <dgm:pt modelId="{A6816715-F2A2-49F0-94D6-26CF6BB72570}" type="sibTrans" cxnId="{E130CB67-24BF-47B9-8585-705D763A99AF}">
+      <dgm:prSet/>
+      <dgm:spPr/>
+      <dgm:t>
+        <a:bodyPr/>
+        <a:lstStyle/>
+        <a:p>
+          <a:endParaRPr lang="en-US"/>
+        </a:p>
+      </dgm:t>
+    </dgm:pt>
+    <dgm:pt modelId="{8E48A549-86E6-4EF5-809F-8F66E59526AC}">
+      <dgm:prSet phldrT="[Text]"/>
+      <dgm:spPr/>
+      <dgm:t>
+        <a:bodyPr/>
+        <a:lstStyle/>
+        <a:p>
+          <a:r>
+            <a:rPr lang="en-US" dirty="0"/>
+            <a:t>2020 - Present</a:t>
+          </a:r>
+        </a:p>
+      </dgm:t>
+    </dgm:pt>
+    <dgm:pt modelId="{3D79B994-0832-4228-A5A0-8136AEA21FE1}" type="parTrans" cxnId="{0999682C-6E8F-428E-9604-C730DBA69793}">
+      <dgm:prSet/>
+      <dgm:spPr/>
+      <dgm:t>
+        <a:bodyPr/>
+        <a:lstStyle/>
+        <a:p>
+          <a:endParaRPr lang="en-US"/>
+        </a:p>
+      </dgm:t>
+    </dgm:pt>
+    <dgm:pt modelId="{EBB48DAA-7C9B-45B8-890F-F92DD4680747}" type="sibTrans" cxnId="{0999682C-6E8F-428E-9604-C730DBA69793}">
+      <dgm:prSet/>
+      <dgm:spPr/>
+      <dgm:t>
+        <a:bodyPr/>
+        <a:lstStyle/>
+        <a:p>
+          <a:endParaRPr lang="en-US"/>
+        </a:p>
+      </dgm:t>
+    </dgm:pt>
+    <dgm:pt modelId="{9D637352-96D2-46A3-9409-8FF6E611ECBC}">
+      <dgm:prSet phldrT="[Text]"/>
+      <dgm:spPr/>
+      <dgm:t>
+        <a:bodyPr/>
+        <a:lstStyle/>
+        <a:p>
+          <a:r>
+            <a:rPr lang="en-US" dirty="0"/>
+            <a:t>Since</a:t>
+          </a:r>
+          <a:r>
+            <a:rPr lang="en-US" baseline="0" dirty="0"/>
+            <a:t> Trebek’s Death, different hosts but still going strong</a:t>
+          </a:r>
+          <a:endParaRPr lang="en-US" dirty="0"/>
+        </a:p>
+      </dgm:t>
+    </dgm:pt>
+    <dgm:pt modelId="{CCEF061D-AD35-4D01-BA8E-C63B9D53E367}" type="parTrans" cxnId="{0624C6FD-C93C-436F-BB32-FC1503EECE18}">
+      <dgm:prSet/>
+      <dgm:spPr/>
+      <dgm:t>
+        <a:bodyPr/>
+        <a:lstStyle/>
+        <a:p>
+          <a:endParaRPr lang="en-US"/>
+        </a:p>
+      </dgm:t>
+    </dgm:pt>
+    <dgm:pt modelId="{045DC904-CBD3-43D1-A778-FD81CEA49E38}" type="sibTrans" cxnId="{0624C6FD-C93C-436F-BB32-FC1503EECE18}">
+      <dgm:prSet/>
+      <dgm:spPr/>
+      <dgm:t>
+        <a:bodyPr/>
+        <a:lstStyle/>
+        <a:p>
+          <a:endParaRPr lang="en-US"/>
+        </a:p>
+      </dgm:t>
+    </dgm:pt>
+    <dgm:pt modelId="{91C13499-95DC-4849-8638-A5B161DE4DD9}">
+      <dgm:prSet/>
+      <dgm:spPr/>
+      <dgm:t>
+        <a:bodyPr/>
+        <a:lstStyle/>
+        <a:p>
+          <a:r>
+            <a:rPr lang="en-US" dirty="0"/>
+            <a:t>Answer </a:t>
+          </a:r>
+          <a:r>
+            <a:rPr lang="en-US" dirty="0">
+              <a:sym typeface="Wingdings" panose="05000000000000000000" pitchFamily="2" charset="2"/>
+            </a:rPr>
+            <a:t> Question</a:t>
+          </a:r>
+          <a:endParaRPr lang="en-US" dirty="0"/>
+        </a:p>
+      </dgm:t>
+    </dgm:pt>
+    <dgm:pt modelId="{B12BEB67-BE49-43BD-9CA7-99A8AA978538}" type="parTrans" cxnId="{2E1D013F-0BEA-436B-A72C-C3C7BC5EA0B2}">
+      <dgm:prSet/>
+      <dgm:spPr/>
+      <dgm:t>
+        <a:bodyPr/>
+        <a:lstStyle/>
+        <a:p>
+          <a:endParaRPr lang="en-US"/>
+        </a:p>
+      </dgm:t>
+    </dgm:pt>
+    <dgm:pt modelId="{A120F3F3-5669-4392-B308-BE5C55032C29}" type="sibTrans" cxnId="{2E1D013F-0BEA-436B-A72C-C3C7BC5EA0B2}">
+      <dgm:prSet/>
+      <dgm:spPr/>
+      <dgm:t>
+        <a:bodyPr/>
+        <a:lstStyle/>
+        <a:p>
+          <a:endParaRPr lang="en-US"/>
+        </a:p>
+      </dgm:t>
+    </dgm:pt>
+    <dgm:pt modelId="{7D8E495F-BEE2-408D-8760-F315A3D3E1CE}">
+      <dgm:prSet/>
+      <dgm:spPr/>
+      <dgm:t>
+        <a:bodyPr/>
+        <a:lstStyle/>
+        <a:p>
+          <a:r>
+            <a:rPr lang="en-US" dirty="0"/>
+            <a:t>1984 - 2020</a:t>
+          </a:r>
+        </a:p>
+      </dgm:t>
+    </dgm:pt>
+    <dgm:pt modelId="{FC65017F-8078-49E3-A03F-BCE34EBFB17C}" type="parTrans" cxnId="{42D1968A-138C-4FF9-ACB2-28FAB69B54F6}">
+      <dgm:prSet/>
+      <dgm:spPr/>
+      <dgm:t>
+        <a:bodyPr/>
+        <a:lstStyle/>
+        <a:p>
+          <a:endParaRPr lang="en-US"/>
+        </a:p>
+      </dgm:t>
+    </dgm:pt>
+    <dgm:pt modelId="{08AAD6CC-1FF8-4A5A-8A50-0EFD4425FABF}" type="sibTrans" cxnId="{42D1968A-138C-4FF9-ACB2-28FAB69B54F6}">
+      <dgm:prSet/>
+      <dgm:spPr/>
+      <dgm:t>
+        <a:bodyPr/>
+        <a:lstStyle/>
+        <a:p>
+          <a:endParaRPr lang="en-US"/>
+        </a:p>
+      </dgm:t>
+    </dgm:pt>
+    <dgm:pt modelId="{8CCE0479-13A4-400D-92D7-150AE4F62C37}">
+      <dgm:prSet/>
+      <dgm:spPr/>
+      <dgm:t>
+        <a:bodyPr/>
+        <a:lstStyle/>
+        <a:p>
+          <a:r>
+            <a:rPr lang="en-US" dirty="0"/>
+            <a:t>Revived by Sony and hosted by Alex Trebek</a:t>
+          </a:r>
+        </a:p>
+      </dgm:t>
+    </dgm:pt>
+    <dgm:pt modelId="{E1C247AD-984A-4136-9042-FA8A615D73B3}" type="parTrans" cxnId="{E2DF8BDE-F145-4A7B-B425-3C6071D68EB7}">
+      <dgm:prSet/>
+      <dgm:spPr/>
+      <dgm:t>
+        <a:bodyPr/>
+        <a:lstStyle/>
+        <a:p>
+          <a:endParaRPr lang="en-US"/>
+        </a:p>
+      </dgm:t>
+    </dgm:pt>
+    <dgm:pt modelId="{0B95A6BE-739C-4D1B-A086-F2D6E5414572}" type="sibTrans" cxnId="{E2DF8BDE-F145-4A7B-B425-3C6071D68EB7}">
+      <dgm:prSet/>
+      <dgm:spPr/>
+      <dgm:t>
+        <a:bodyPr/>
+        <a:lstStyle/>
+        <a:p>
+          <a:endParaRPr lang="en-US"/>
+        </a:p>
+      </dgm:t>
+    </dgm:pt>
+    <dgm:pt modelId="{24500A36-8746-4F77-86D3-E32E52C6B335}" type="pres">
+      <dgm:prSet presAssocID="{3ABE6F74-961D-4DDC-A5AB-7D13308716D3}" presName="Name0" presStyleCnt="0">
+        <dgm:presLayoutVars>
+          <dgm:chMax val="7"/>
+          <dgm:chPref val="7"/>
+          <dgm:dir/>
+          <dgm:animOne val="branch"/>
+          <dgm:animLvl val="lvl"/>
+        </dgm:presLayoutVars>
+      </dgm:prSet>
+      <dgm:spPr/>
+    </dgm:pt>
+    <dgm:pt modelId="{D54C9AF4-D9D1-432C-9960-584D53DF1707}" type="pres">
+      <dgm:prSet presAssocID="{191676A3-8410-42AF-9938-1E7AB1211F37}" presName="composite" presStyleCnt="0"/>
+      <dgm:spPr/>
+    </dgm:pt>
+    <dgm:pt modelId="{6029B6C8-FF0B-4500-A497-D01DBE23006D}" type="pres">
+      <dgm:prSet presAssocID="{191676A3-8410-42AF-9938-1E7AB1211F37}" presName="BackAccent" presStyleLbl="bgShp" presStyleIdx="0" presStyleCnt="4"/>
+      <dgm:spPr/>
+    </dgm:pt>
+    <dgm:pt modelId="{C3DAAA24-D822-42A9-ADF1-2FE0C93FBF24}" type="pres">
+      <dgm:prSet presAssocID="{191676A3-8410-42AF-9938-1E7AB1211F37}" presName="Accent" presStyleLbl="alignNode1" presStyleIdx="0" presStyleCnt="4"/>
+      <dgm:spPr/>
+    </dgm:pt>
+    <dgm:pt modelId="{2E3568A9-3B17-46D4-9721-79A998B42F8A}" type="pres">
+      <dgm:prSet presAssocID="{191676A3-8410-42AF-9938-1E7AB1211F37}" presName="Child" presStyleLbl="revTx" presStyleIdx="0" presStyleCnt="8">
+        <dgm:presLayoutVars>
+          <dgm:chMax val="0"/>
+          <dgm:chPref val="0"/>
+          <dgm:bulletEnabled val="1"/>
+        </dgm:presLayoutVars>
+      </dgm:prSet>
+      <dgm:spPr/>
+    </dgm:pt>
+    <dgm:pt modelId="{3428A333-D234-4BFD-AF5C-D636DA7B574F}" type="pres">
+      <dgm:prSet presAssocID="{191676A3-8410-42AF-9938-1E7AB1211F37}" presName="Parent" presStyleLbl="revTx" presStyleIdx="1" presStyleCnt="8">
+        <dgm:presLayoutVars>
+          <dgm:chMax val="1"/>
+          <dgm:chPref val="1"/>
+          <dgm:bulletEnabled val="1"/>
+        </dgm:presLayoutVars>
+      </dgm:prSet>
+      <dgm:spPr/>
+    </dgm:pt>
+    <dgm:pt modelId="{0C420BD5-6AA0-40E0-8125-0DF937C8E43D}" type="pres">
+      <dgm:prSet presAssocID="{CCA3E6EF-7444-4332-AD30-86A13FC159FE}" presName="sibTrans" presStyleCnt="0"/>
+      <dgm:spPr/>
+    </dgm:pt>
+    <dgm:pt modelId="{F0207B23-51C6-4EA7-999E-7EB3B79AA109}" type="pres">
+      <dgm:prSet presAssocID="{2C6BFF9E-46A7-4286-AFE0-831AB7391B7A}" presName="composite" presStyleCnt="0"/>
+      <dgm:spPr/>
+    </dgm:pt>
+    <dgm:pt modelId="{38FCB55A-DBB9-4AA7-B12B-70FD3087A427}" type="pres">
+      <dgm:prSet presAssocID="{2C6BFF9E-46A7-4286-AFE0-831AB7391B7A}" presName="BackAccent" presStyleLbl="bgShp" presStyleIdx="1" presStyleCnt="4"/>
+      <dgm:spPr/>
+    </dgm:pt>
+    <dgm:pt modelId="{6EED9024-2801-4B5A-92FF-DB1147F7FF6A}" type="pres">
+      <dgm:prSet presAssocID="{2C6BFF9E-46A7-4286-AFE0-831AB7391B7A}" presName="Accent" presStyleLbl="alignNode1" presStyleIdx="1" presStyleCnt="4"/>
+      <dgm:spPr/>
+    </dgm:pt>
+    <dgm:pt modelId="{594E39AA-9F57-48B7-B469-25A70C74D2B4}" type="pres">
+      <dgm:prSet presAssocID="{2C6BFF9E-46A7-4286-AFE0-831AB7391B7A}" presName="Child" presStyleLbl="revTx" presStyleIdx="2" presStyleCnt="8">
+        <dgm:presLayoutVars>
+          <dgm:chMax val="0"/>
+          <dgm:chPref val="0"/>
+          <dgm:bulletEnabled val="1"/>
+        </dgm:presLayoutVars>
+      </dgm:prSet>
+      <dgm:spPr/>
+    </dgm:pt>
+    <dgm:pt modelId="{4531AC43-9E97-4CBD-9B1A-314507175D78}" type="pres">
+      <dgm:prSet presAssocID="{2C6BFF9E-46A7-4286-AFE0-831AB7391B7A}" presName="Parent" presStyleLbl="revTx" presStyleIdx="3" presStyleCnt="8">
+        <dgm:presLayoutVars>
+          <dgm:chMax val="1"/>
+          <dgm:chPref val="1"/>
+          <dgm:bulletEnabled val="1"/>
+        </dgm:presLayoutVars>
+      </dgm:prSet>
+      <dgm:spPr/>
+    </dgm:pt>
+    <dgm:pt modelId="{341AD6FB-9B84-439C-9449-63047AD671B8}" type="pres">
+      <dgm:prSet presAssocID="{88AA743B-2FE0-4CE2-87A2-2327ECA69178}" presName="sibTrans" presStyleCnt="0"/>
+      <dgm:spPr/>
+    </dgm:pt>
+    <dgm:pt modelId="{DA9FFDBF-C269-484C-AD97-59CB93C9B9AA}" type="pres">
+      <dgm:prSet presAssocID="{7D8E495F-BEE2-408D-8760-F315A3D3E1CE}" presName="composite" presStyleCnt="0"/>
+      <dgm:spPr/>
+    </dgm:pt>
+    <dgm:pt modelId="{69A3383A-5E49-4E58-A006-5BA78A2C54F5}" type="pres">
+      <dgm:prSet presAssocID="{7D8E495F-BEE2-408D-8760-F315A3D3E1CE}" presName="BackAccent" presStyleLbl="bgShp" presStyleIdx="2" presStyleCnt="4"/>
+      <dgm:spPr/>
+    </dgm:pt>
+    <dgm:pt modelId="{A303BA18-9DB8-474E-A65D-FCEB4C18BB56}" type="pres">
+      <dgm:prSet presAssocID="{7D8E495F-BEE2-408D-8760-F315A3D3E1CE}" presName="Accent" presStyleLbl="alignNode1" presStyleIdx="2" presStyleCnt="4"/>
+      <dgm:spPr/>
+    </dgm:pt>
+    <dgm:pt modelId="{CF56ACD1-9F75-45BB-9C2C-33E0604C45F3}" type="pres">
+      <dgm:prSet presAssocID="{7D8E495F-BEE2-408D-8760-F315A3D3E1CE}" presName="Child" presStyleLbl="revTx" presStyleIdx="4" presStyleCnt="8">
+        <dgm:presLayoutVars>
+          <dgm:chMax val="0"/>
+          <dgm:chPref val="0"/>
+          <dgm:bulletEnabled val="1"/>
+        </dgm:presLayoutVars>
+      </dgm:prSet>
+      <dgm:spPr/>
+    </dgm:pt>
+    <dgm:pt modelId="{373FE0C5-24F5-43AC-ADA0-CD64F3064912}" type="pres">
+      <dgm:prSet presAssocID="{7D8E495F-BEE2-408D-8760-F315A3D3E1CE}" presName="Parent" presStyleLbl="revTx" presStyleIdx="5" presStyleCnt="8">
+        <dgm:presLayoutVars>
+          <dgm:chMax val="1"/>
+          <dgm:chPref val="1"/>
+          <dgm:bulletEnabled val="1"/>
+        </dgm:presLayoutVars>
+      </dgm:prSet>
+      <dgm:spPr/>
+    </dgm:pt>
+    <dgm:pt modelId="{4EDF9039-1743-4A6B-90E9-198DA717A8D8}" type="pres">
+      <dgm:prSet presAssocID="{08AAD6CC-1FF8-4A5A-8A50-0EFD4425FABF}" presName="sibTrans" presStyleCnt="0"/>
+      <dgm:spPr/>
+    </dgm:pt>
+    <dgm:pt modelId="{3CD11E10-3014-4C43-A0B7-272DFC382535}" type="pres">
+      <dgm:prSet presAssocID="{8E48A549-86E6-4EF5-809F-8F66E59526AC}" presName="composite" presStyleCnt="0"/>
+      <dgm:spPr/>
+    </dgm:pt>
+    <dgm:pt modelId="{367BDB5C-E67D-4F82-AD45-271AC6C843E7}" type="pres">
+      <dgm:prSet presAssocID="{8E48A549-86E6-4EF5-809F-8F66E59526AC}" presName="BackAccent" presStyleLbl="bgShp" presStyleIdx="3" presStyleCnt="4"/>
+      <dgm:spPr/>
+    </dgm:pt>
+    <dgm:pt modelId="{3C61677C-FFF0-44B6-9887-EC770C352EBB}" type="pres">
+      <dgm:prSet presAssocID="{8E48A549-86E6-4EF5-809F-8F66E59526AC}" presName="Accent" presStyleLbl="alignNode1" presStyleIdx="3" presStyleCnt="4"/>
+      <dgm:spPr/>
+    </dgm:pt>
+    <dgm:pt modelId="{02900125-F79C-4E23-ACBE-701AB158C62D}" type="pres">
+      <dgm:prSet presAssocID="{8E48A549-86E6-4EF5-809F-8F66E59526AC}" presName="Child" presStyleLbl="revTx" presStyleIdx="6" presStyleCnt="8">
+        <dgm:presLayoutVars>
+          <dgm:chMax val="0"/>
+          <dgm:chPref val="0"/>
+          <dgm:bulletEnabled val="1"/>
+        </dgm:presLayoutVars>
+      </dgm:prSet>
+      <dgm:spPr/>
+    </dgm:pt>
+    <dgm:pt modelId="{1ED3E9C6-C913-4D20-ADEF-F628B707788E}" type="pres">
+      <dgm:prSet presAssocID="{8E48A549-86E6-4EF5-809F-8F66E59526AC}" presName="Parent" presStyleLbl="revTx" presStyleIdx="7" presStyleCnt="8">
+        <dgm:presLayoutVars>
+          <dgm:chMax val="1"/>
+          <dgm:chPref val="1"/>
+          <dgm:bulletEnabled val="1"/>
+        </dgm:presLayoutVars>
+      </dgm:prSet>
+      <dgm:spPr/>
+    </dgm:pt>
+  </dgm:ptLst>
+  <dgm:cxnLst>
+    <dgm:cxn modelId="{AED89919-F16F-47EE-944C-973B10BD47AA}" type="presOf" srcId="{3ABE6F74-961D-4DDC-A5AB-7D13308716D3}" destId="{24500A36-8746-4F77-86D3-E32E52C6B335}" srcOrd="0" destOrd="0" presId="urn:microsoft.com/office/officeart/2008/layout/IncreasingCircleProcess"/>
+    <dgm:cxn modelId="{5F920C29-3466-461F-8E8B-F8DBB4320D00}" type="presOf" srcId="{9D637352-96D2-46A3-9409-8FF6E611ECBC}" destId="{02900125-F79C-4E23-ACBE-701AB158C62D}" srcOrd="0" destOrd="0" presId="urn:microsoft.com/office/officeart/2008/layout/IncreasingCircleProcess"/>
+    <dgm:cxn modelId="{0999682C-6E8F-428E-9604-C730DBA69793}" srcId="{3ABE6F74-961D-4DDC-A5AB-7D13308716D3}" destId="{8E48A549-86E6-4EF5-809F-8F66E59526AC}" srcOrd="3" destOrd="0" parTransId="{3D79B994-0832-4228-A5A0-8136AEA21FE1}" sibTransId="{EBB48DAA-7C9B-45B8-890F-F92DD4680747}"/>
+    <dgm:cxn modelId="{C35CD83A-FD4A-4670-9637-B3F681E82F7B}" type="presOf" srcId="{8E48A549-86E6-4EF5-809F-8F66E59526AC}" destId="{1ED3E9C6-C913-4D20-ADEF-F628B707788E}" srcOrd="0" destOrd="0" presId="urn:microsoft.com/office/officeart/2008/layout/IncreasingCircleProcess"/>
+    <dgm:cxn modelId="{2E1D013F-0BEA-436B-A72C-C3C7BC5EA0B2}" srcId="{5F1D4CFE-C245-4025-9724-C4305A904BA0}" destId="{91C13499-95DC-4849-8638-A5B161DE4DD9}" srcOrd="0" destOrd="0" parTransId="{B12BEB67-BE49-43BD-9CA7-99A8AA978538}" sibTransId="{A120F3F3-5669-4392-B308-BE5C55032C29}"/>
+    <dgm:cxn modelId="{208E9F61-7588-487A-892A-7C5B0460C493}" srcId="{3ABE6F74-961D-4DDC-A5AB-7D13308716D3}" destId="{191676A3-8410-42AF-9938-1E7AB1211F37}" srcOrd="0" destOrd="0" parTransId="{EBB3D2B7-3346-43DC-9F46-7317296593F8}" sibTransId="{CCA3E6EF-7444-4332-AD30-86A13FC159FE}"/>
+    <dgm:cxn modelId="{E130CB67-24BF-47B9-8585-705D763A99AF}" srcId="{2C6BFF9E-46A7-4286-AFE0-831AB7391B7A}" destId="{5CAC4291-9C67-439B-9980-728E7565BC21}" srcOrd="0" destOrd="0" parTransId="{5F30FF42-EE8B-46E3-8DA4-410ABEAB6531}" sibTransId="{A6816715-F2A2-49F0-94D6-26CF6BB72570}"/>
+    <dgm:cxn modelId="{A8BF584D-6D86-4557-812F-F8E25CA25E4F}" type="presOf" srcId="{8CCE0479-13A4-400D-92D7-150AE4F62C37}" destId="{CF56ACD1-9F75-45BB-9C2C-33E0604C45F3}" srcOrd="0" destOrd="0" presId="urn:microsoft.com/office/officeart/2008/layout/IncreasingCircleProcess"/>
+    <dgm:cxn modelId="{6EE41D79-9D69-49BD-A5B4-FD749145B328}" type="presOf" srcId="{91C13499-95DC-4849-8638-A5B161DE4DD9}" destId="{2E3568A9-3B17-46D4-9721-79A998B42F8A}" srcOrd="0" destOrd="1" presId="urn:microsoft.com/office/officeart/2008/layout/IncreasingCircleProcess"/>
+    <dgm:cxn modelId="{42D1968A-138C-4FF9-ACB2-28FAB69B54F6}" srcId="{3ABE6F74-961D-4DDC-A5AB-7D13308716D3}" destId="{7D8E495F-BEE2-408D-8760-F315A3D3E1CE}" srcOrd="2" destOrd="0" parTransId="{FC65017F-8078-49E3-A03F-BCE34EBFB17C}" sibTransId="{08AAD6CC-1FF8-4A5A-8A50-0EFD4425FABF}"/>
+    <dgm:cxn modelId="{8267BAA4-C822-4DBF-90B9-2B4DCE26D2E8}" type="presOf" srcId="{191676A3-8410-42AF-9938-1E7AB1211F37}" destId="{3428A333-D234-4BFD-AF5C-D636DA7B574F}" srcOrd="0" destOrd="0" presId="urn:microsoft.com/office/officeart/2008/layout/IncreasingCircleProcess"/>
+    <dgm:cxn modelId="{ACC68CAE-D44A-4BA7-B1FC-6B8056A6A9FC}" srcId="{3ABE6F74-961D-4DDC-A5AB-7D13308716D3}" destId="{2C6BFF9E-46A7-4286-AFE0-831AB7391B7A}" srcOrd="1" destOrd="0" parTransId="{045E8103-DFCB-43FA-B923-66B6712FF257}" sibTransId="{88AA743B-2FE0-4CE2-87A2-2327ECA69178}"/>
+    <dgm:cxn modelId="{952FBECE-F3CB-4365-A11F-7CE607D9B1A5}" type="presOf" srcId="{7D8E495F-BEE2-408D-8760-F315A3D3E1CE}" destId="{373FE0C5-24F5-43AC-ADA0-CD64F3064912}" srcOrd="0" destOrd="0" presId="urn:microsoft.com/office/officeart/2008/layout/IncreasingCircleProcess"/>
+    <dgm:cxn modelId="{DCEA63DA-51EC-417B-AE1B-D17695DF89C4}" type="presOf" srcId="{5F1D4CFE-C245-4025-9724-C4305A904BA0}" destId="{2E3568A9-3B17-46D4-9721-79A998B42F8A}" srcOrd="0" destOrd="0" presId="urn:microsoft.com/office/officeart/2008/layout/IncreasingCircleProcess"/>
+    <dgm:cxn modelId="{1E861ADB-3C8B-4D90-9A98-A3ABF9132E6C}" type="presOf" srcId="{5CAC4291-9C67-439B-9980-728E7565BC21}" destId="{594E39AA-9F57-48B7-B469-25A70C74D2B4}" srcOrd="0" destOrd="0" presId="urn:microsoft.com/office/officeart/2008/layout/IncreasingCircleProcess"/>
+    <dgm:cxn modelId="{FE6939DB-D7D9-4003-9FEC-5904FE4EBC21}" type="presOf" srcId="{2C6BFF9E-46A7-4286-AFE0-831AB7391B7A}" destId="{4531AC43-9E97-4CBD-9B1A-314507175D78}" srcOrd="0" destOrd="0" presId="urn:microsoft.com/office/officeart/2008/layout/IncreasingCircleProcess"/>
+    <dgm:cxn modelId="{E2DF8BDE-F145-4A7B-B425-3C6071D68EB7}" srcId="{7D8E495F-BEE2-408D-8760-F315A3D3E1CE}" destId="{8CCE0479-13A4-400D-92D7-150AE4F62C37}" srcOrd="0" destOrd="0" parTransId="{E1C247AD-984A-4136-9042-FA8A615D73B3}" sibTransId="{0B95A6BE-739C-4D1B-A086-F2D6E5414572}"/>
+    <dgm:cxn modelId="{4B367AF3-FD48-4838-833A-3D6F9F092A49}" srcId="{191676A3-8410-42AF-9938-1E7AB1211F37}" destId="{5F1D4CFE-C245-4025-9724-C4305A904BA0}" srcOrd="0" destOrd="0" parTransId="{6DA39336-49BF-442E-8AB7-B0387F7154F9}" sibTransId="{F1649061-7E6D-4494-8E13-ACBA924EA512}"/>
+    <dgm:cxn modelId="{0624C6FD-C93C-436F-BB32-FC1503EECE18}" srcId="{8E48A549-86E6-4EF5-809F-8F66E59526AC}" destId="{9D637352-96D2-46A3-9409-8FF6E611ECBC}" srcOrd="0" destOrd="0" parTransId="{CCEF061D-AD35-4D01-BA8E-C63B9D53E367}" sibTransId="{045DC904-CBD3-43D1-A778-FD81CEA49E38}"/>
+    <dgm:cxn modelId="{628E7040-972E-40C7-BC76-EC06186A5B31}" type="presParOf" srcId="{24500A36-8746-4F77-86D3-E32E52C6B335}" destId="{D54C9AF4-D9D1-432C-9960-584D53DF1707}" srcOrd="0" destOrd="0" presId="urn:microsoft.com/office/officeart/2008/layout/IncreasingCircleProcess"/>
+    <dgm:cxn modelId="{B1ACBF63-B788-4CD5-A283-F984A167F4DB}" type="presParOf" srcId="{D54C9AF4-D9D1-432C-9960-584D53DF1707}" destId="{6029B6C8-FF0B-4500-A497-D01DBE23006D}" srcOrd="0" destOrd="0" presId="urn:microsoft.com/office/officeart/2008/layout/IncreasingCircleProcess"/>
+    <dgm:cxn modelId="{0663D48B-C5D2-4127-994F-861E395B7053}" type="presParOf" srcId="{D54C9AF4-D9D1-432C-9960-584D53DF1707}" destId="{C3DAAA24-D822-42A9-ADF1-2FE0C93FBF24}" srcOrd="1" destOrd="0" presId="urn:microsoft.com/office/officeart/2008/layout/IncreasingCircleProcess"/>
+    <dgm:cxn modelId="{7385DD46-898A-4692-910B-5BAF9B7CA8D5}" type="presParOf" srcId="{D54C9AF4-D9D1-432C-9960-584D53DF1707}" destId="{2E3568A9-3B17-46D4-9721-79A998B42F8A}" srcOrd="2" destOrd="0" presId="urn:microsoft.com/office/officeart/2008/layout/IncreasingCircleProcess"/>
+    <dgm:cxn modelId="{48274BC0-0E8F-4697-9B87-FC89F3AD25DC}" type="presParOf" srcId="{D54C9AF4-D9D1-432C-9960-584D53DF1707}" destId="{3428A333-D234-4BFD-AF5C-D636DA7B574F}" srcOrd="3" destOrd="0" presId="urn:microsoft.com/office/officeart/2008/layout/IncreasingCircleProcess"/>
+    <dgm:cxn modelId="{E1F0C0A4-2310-4E2B-8C10-C2977FA995CB}" type="presParOf" srcId="{24500A36-8746-4F77-86D3-E32E52C6B335}" destId="{0C420BD5-6AA0-40E0-8125-0DF937C8E43D}" srcOrd="1" destOrd="0" presId="urn:microsoft.com/office/officeart/2008/layout/IncreasingCircleProcess"/>
+    <dgm:cxn modelId="{411B48E5-A767-4F41-B15B-59416D02FAC3}" type="presParOf" srcId="{24500A36-8746-4F77-86D3-E32E52C6B335}" destId="{F0207B23-51C6-4EA7-999E-7EB3B79AA109}" srcOrd="2" destOrd="0" presId="urn:microsoft.com/office/officeart/2008/layout/IncreasingCircleProcess"/>
+    <dgm:cxn modelId="{CB03FA42-9F01-40D0-A98B-943605114AA3}" type="presParOf" srcId="{F0207B23-51C6-4EA7-999E-7EB3B79AA109}" destId="{38FCB55A-DBB9-4AA7-B12B-70FD3087A427}" srcOrd="0" destOrd="0" presId="urn:microsoft.com/office/officeart/2008/layout/IncreasingCircleProcess"/>
+    <dgm:cxn modelId="{31ECC891-053D-4485-8B5A-C3E8FE03B25D}" type="presParOf" srcId="{F0207B23-51C6-4EA7-999E-7EB3B79AA109}" destId="{6EED9024-2801-4B5A-92FF-DB1147F7FF6A}" srcOrd="1" destOrd="0" presId="urn:microsoft.com/office/officeart/2008/layout/IncreasingCircleProcess"/>
+    <dgm:cxn modelId="{D3F41A4A-DBDB-4574-839C-A6CA03FE5B2A}" type="presParOf" srcId="{F0207B23-51C6-4EA7-999E-7EB3B79AA109}" destId="{594E39AA-9F57-48B7-B469-25A70C74D2B4}" srcOrd="2" destOrd="0" presId="urn:microsoft.com/office/officeart/2008/layout/IncreasingCircleProcess"/>
+    <dgm:cxn modelId="{D9E62E63-DAF9-4BC7-8B8C-7D09D60274DE}" type="presParOf" srcId="{F0207B23-51C6-4EA7-999E-7EB3B79AA109}" destId="{4531AC43-9E97-4CBD-9B1A-314507175D78}" srcOrd="3" destOrd="0" presId="urn:microsoft.com/office/officeart/2008/layout/IncreasingCircleProcess"/>
+    <dgm:cxn modelId="{E71C0197-9614-46D2-B245-D3CE0FC62867}" type="presParOf" srcId="{24500A36-8746-4F77-86D3-E32E52C6B335}" destId="{341AD6FB-9B84-439C-9449-63047AD671B8}" srcOrd="3" destOrd="0" presId="urn:microsoft.com/office/officeart/2008/layout/IncreasingCircleProcess"/>
+    <dgm:cxn modelId="{9401D5BB-66F4-4CB4-AFAF-9AA80262B55C}" type="presParOf" srcId="{24500A36-8746-4F77-86D3-E32E52C6B335}" destId="{DA9FFDBF-C269-484C-AD97-59CB93C9B9AA}" srcOrd="4" destOrd="0" presId="urn:microsoft.com/office/officeart/2008/layout/IncreasingCircleProcess"/>
+    <dgm:cxn modelId="{79467B0B-63A2-4AE3-9C1F-D4DD573ADF7A}" type="presParOf" srcId="{DA9FFDBF-C269-484C-AD97-59CB93C9B9AA}" destId="{69A3383A-5E49-4E58-A006-5BA78A2C54F5}" srcOrd="0" destOrd="0" presId="urn:microsoft.com/office/officeart/2008/layout/IncreasingCircleProcess"/>
+    <dgm:cxn modelId="{C0AE182E-4E97-46D8-9D2E-00804637B42D}" type="presParOf" srcId="{DA9FFDBF-C269-484C-AD97-59CB93C9B9AA}" destId="{A303BA18-9DB8-474E-A65D-FCEB4C18BB56}" srcOrd="1" destOrd="0" presId="urn:microsoft.com/office/officeart/2008/layout/IncreasingCircleProcess"/>
+    <dgm:cxn modelId="{B3F7413A-F8BC-4DE5-BEB2-1FACFE508C55}" type="presParOf" srcId="{DA9FFDBF-C269-484C-AD97-59CB93C9B9AA}" destId="{CF56ACD1-9F75-45BB-9C2C-33E0604C45F3}" srcOrd="2" destOrd="0" presId="urn:microsoft.com/office/officeart/2008/layout/IncreasingCircleProcess"/>
+    <dgm:cxn modelId="{DF954C91-6178-4B14-93E3-BBB09E6D8A5D}" type="presParOf" srcId="{DA9FFDBF-C269-484C-AD97-59CB93C9B9AA}" destId="{373FE0C5-24F5-43AC-ADA0-CD64F3064912}" srcOrd="3" destOrd="0" presId="urn:microsoft.com/office/officeart/2008/layout/IncreasingCircleProcess"/>
+    <dgm:cxn modelId="{A2B10BBB-24A2-4129-8648-79A391513529}" type="presParOf" srcId="{24500A36-8746-4F77-86D3-E32E52C6B335}" destId="{4EDF9039-1743-4A6B-90E9-198DA717A8D8}" srcOrd="5" destOrd="0" presId="urn:microsoft.com/office/officeart/2008/layout/IncreasingCircleProcess"/>
+    <dgm:cxn modelId="{964AA238-A787-4411-B4E2-DF348A834DC1}" type="presParOf" srcId="{24500A36-8746-4F77-86D3-E32E52C6B335}" destId="{3CD11E10-3014-4C43-A0B7-272DFC382535}" srcOrd="6" destOrd="0" presId="urn:microsoft.com/office/officeart/2008/layout/IncreasingCircleProcess"/>
+    <dgm:cxn modelId="{340B935A-66F8-46DF-B6C2-E7582332688D}" type="presParOf" srcId="{3CD11E10-3014-4C43-A0B7-272DFC382535}" destId="{367BDB5C-E67D-4F82-AD45-271AC6C843E7}" srcOrd="0" destOrd="0" presId="urn:microsoft.com/office/officeart/2008/layout/IncreasingCircleProcess"/>
+    <dgm:cxn modelId="{A9007A15-6F9A-4BAC-8FF3-66AD701624B6}" type="presParOf" srcId="{3CD11E10-3014-4C43-A0B7-272DFC382535}" destId="{3C61677C-FFF0-44B6-9887-EC770C352EBB}" srcOrd="1" destOrd="0" presId="urn:microsoft.com/office/officeart/2008/layout/IncreasingCircleProcess"/>
+    <dgm:cxn modelId="{289A7198-5F8E-4133-A2A7-CD31F237D687}" type="presParOf" srcId="{3CD11E10-3014-4C43-A0B7-272DFC382535}" destId="{02900125-F79C-4E23-ACBE-701AB158C62D}" srcOrd="2" destOrd="0" presId="urn:microsoft.com/office/officeart/2008/layout/IncreasingCircleProcess"/>
+    <dgm:cxn modelId="{B5592538-C837-4E86-A399-9CBB6FFF1F33}" type="presParOf" srcId="{3CD11E10-3014-4C43-A0B7-272DFC382535}" destId="{1ED3E9C6-C913-4D20-ADEF-F628B707788E}" srcOrd="3" destOrd="0" presId="urn:microsoft.com/office/officeart/2008/layout/IncreasingCircleProcess"/>
+  </dgm:cxnLst>
+  <dgm:bg/>
+  <dgm:whole/>
+  <dgm:extLst>
+    <a:ext uri="http://schemas.microsoft.com/office/drawing/2008/diagram">
+      <dsp:dataModelExt xmlns:dsp="http://schemas.microsoft.com/office/drawing/2008/diagram" relId="rId6" minVer="http://schemas.openxmlformats.org/drawingml/2006/diagram"/>
+    </a:ext>
+  </dgm:extLst>
+</dgm:dataModel>
+</file>
+
+<file path=ppt/diagrams/drawing1.xml><?xml version="1.0" encoding="utf-8"?>
+<dsp:drawing xmlns:dgm="http://schemas.openxmlformats.org/drawingml/2006/diagram" xmlns:dsp="http://schemas.microsoft.com/office/drawing/2008/diagram" xmlns:a="http://schemas.openxmlformats.org/drawingml/2006/main">
+  <dsp:spTree>
+    <dsp:nvGrpSpPr>
+      <dsp:cNvPr id="0" name=""/>
+      <dsp:cNvGrpSpPr/>
+    </dsp:nvGrpSpPr>
+    <dsp:grpSpPr/>
+    <dsp:sp modelId="{6029B6C8-FF0B-4500-A497-D01DBE23006D}">
+      <dsp:nvSpPr>
+        <dsp:cNvPr id="0" name=""/>
+        <dsp:cNvSpPr/>
+      </dsp:nvSpPr>
+      <dsp:spPr>
+        <a:xfrm>
+          <a:off x="1690" y="0"/>
+          <a:ext cx="594335" cy="594335"/>
+        </a:xfrm>
+        <a:prstGeom prst="ellipse">
+          <a:avLst/>
+        </a:prstGeom>
+        <a:solidFill>
+          <a:schemeClr val="accent1">
+            <a:tint val="40000"/>
+            <a:hueOff val="0"/>
+            <a:satOff val="0"/>
+            <a:lumOff val="0"/>
+            <a:alphaOff val="0"/>
+          </a:schemeClr>
+        </a:solidFill>
+        <a:ln>
+          <a:noFill/>
+        </a:ln>
+        <a:effectLst/>
+      </dsp:spPr>
+      <dsp:style>
+        <a:lnRef idx="0">
+          <a:scrgbClr r="0" g="0" b="0"/>
+        </a:lnRef>
+        <a:fillRef idx="1">
+          <a:scrgbClr r="0" g="0" b="0"/>
+        </a:fillRef>
+        <a:effectRef idx="0">
+          <a:scrgbClr r="0" g="0" b="0"/>
+        </a:effectRef>
+        <a:fontRef idx="minor"/>
+      </dsp:style>
+    </dsp:sp>
+    <dsp:sp modelId="{C3DAAA24-D822-42A9-ADF1-2FE0C93FBF24}">
+      <dsp:nvSpPr>
+        <dsp:cNvPr id="0" name=""/>
+        <dsp:cNvSpPr/>
+      </dsp:nvSpPr>
+      <dsp:spPr>
+        <a:xfrm>
+          <a:off x="61123" y="59433"/>
+          <a:ext cx="475468" cy="475468"/>
+        </a:xfrm>
+        <a:prstGeom prst="chord">
+          <a:avLst>
+            <a:gd name="adj1" fmla="val 1800000"/>
+            <a:gd name="adj2" fmla="val 9000000"/>
+          </a:avLst>
+        </a:prstGeom>
+        <a:solidFill>
+          <a:schemeClr val="accent1">
+            <a:hueOff val="0"/>
+            <a:satOff val="0"/>
+            <a:lumOff val="0"/>
+            <a:alphaOff val="0"/>
+          </a:schemeClr>
+        </a:solidFill>
+        <a:ln w="15875" cap="rnd" cmpd="sng" algn="ctr">
+          <a:solidFill>
+            <a:schemeClr val="accent1">
+              <a:hueOff val="0"/>
+              <a:satOff val="0"/>
+              <a:lumOff val="0"/>
+              <a:alphaOff val="0"/>
+            </a:schemeClr>
+          </a:solidFill>
+          <a:prstDash val="solid"/>
+        </a:ln>
+        <a:effectLst/>
+      </dsp:spPr>
+      <dsp:style>
+        <a:lnRef idx="2">
+          <a:scrgbClr r="0" g="0" b="0"/>
+        </a:lnRef>
+        <a:fillRef idx="1">
+          <a:scrgbClr r="0" g="0" b="0"/>
+        </a:fillRef>
+        <a:effectRef idx="0">
+          <a:scrgbClr r="0" g="0" b="0"/>
+        </a:effectRef>
+        <a:fontRef idx="minor">
+          <a:schemeClr val="lt1"/>
+        </a:fontRef>
+      </dsp:style>
+    </dsp:sp>
+    <dsp:sp modelId="{2E3568A9-3B17-46D4-9721-79A998B42F8A}">
+      <dsp:nvSpPr>
+        <dsp:cNvPr id="0" name=""/>
+        <dsp:cNvSpPr/>
+      </dsp:nvSpPr>
+      <dsp:spPr>
+        <a:xfrm>
+          <a:off x="719845" y="594335"/>
+          <a:ext cx="1758241" cy="2501159"/>
+        </a:xfrm>
+        <a:prstGeom prst="rect">
+          <a:avLst/>
+        </a:prstGeom>
+        <a:noFill/>
+        <a:ln>
+          <a:noFill/>
+        </a:ln>
+        <a:effectLst/>
+      </dsp:spPr>
+      <dsp:style>
+        <a:lnRef idx="0">
+          <a:scrgbClr r="0" g="0" b="0"/>
+        </a:lnRef>
+        <a:fillRef idx="0">
+          <a:scrgbClr r="0" g="0" b="0"/>
+        </a:fillRef>
+        <a:effectRef idx="0">
+          <a:scrgbClr r="0" g="0" b="0"/>
+        </a:effectRef>
+        <a:fontRef idx="minor"/>
+      </dsp:style>
+      <dsp:txBody>
+        <a:bodyPr spcFirstLastPara="0" vert="horz" wrap="square" lIns="48260" tIns="48260" rIns="48260" bIns="48260" numCol="1" spcCol="1270" anchor="t" anchorCtr="0">
+          <a:noAutofit/>
+        </a:bodyPr>
+        <a:lstStyle/>
+        <a:p>
+          <a:pPr marL="0" lvl="0" indent="0" algn="l" defTabSz="844550">
+            <a:lnSpc>
+              <a:spcPct val="90000"/>
+            </a:lnSpc>
+            <a:spcBef>
+              <a:spcPct val="0"/>
+            </a:spcBef>
+            <a:spcAft>
+              <a:spcPct val="35000"/>
+            </a:spcAft>
+            <a:buNone/>
+          </a:pPr>
+          <a:r>
+            <a:rPr lang="en-US" sz="1900" kern="1200" dirty="0"/>
+            <a:t>Created by Merv Griffin</a:t>
+          </a:r>
+        </a:p>
+        <a:p>
+          <a:pPr marL="114300" lvl="1" indent="-114300" algn="l" defTabSz="666750">
+            <a:lnSpc>
+              <a:spcPct val="90000"/>
+            </a:lnSpc>
+            <a:spcBef>
+              <a:spcPct val="0"/>
+            </a:spcBef>
+            <a:spcAft>
+              <a:spcPct val="15000"/>
+            </a:spcAft>
+            <a:buChar char="•"/>
+          </a:pPr>
+          <a:r>
+            <a:rPr lang="en-US" sz="1500" kern="1200" dirty="0"/>
+            <a:t>Answer </a:t>
+          </a:r>
+          <a:r>
+            <a:rPr lang="en-US" sz="1500" kern="1200" dirty="0">
+              <a:sym typeface="Wingdings" panose="05000000000000000000" pitchFamily="2" charset="2"/>
+            </a:rPr>
+            <a:t> Question</a:t>
+          </a:r>
+          <a:endParaRPr lang="en-US" sz="1500" kern="1200" dirty="0"/>
+        </a:p>
+      </dsp:txBody>
+      <dsp:txXfrm>
+        <a:off x="719845" y="594335"/>
+        <a:ext cx="1758241" cy="2501159"/>
+      </dsp:txXfrm>
+    </dsp:sp>
+    <dsp:sp modelId="{3428A333-D234-4BFD-AF5C-D636DA7B574F}">
+      <dsp:nvSpPr>
+        <dsp:cNvPr id="0" name=""/>
+        <dsp:cNvSpPr/>
+      </dsp:nvSpPr>
+      <dsp:spPr>
+        <a:xfrm>
+          <a:off x="719845" y="0"/>
+          <a:ext cx="1758241" cy="594335"/>
+        </a:xfrm>
+        <a:prstGeom prst="rect">
+          <a:avLst/>
+        </a:prstGeom>
+        <a:noFill/>
+        <a:ln>
+          <a:noFill/>
+        </a:ln>
+        <a:effectLst/>
+      </dsp:spPr>
+      <dsp:style>
+        <a:lnRef idx="0">
+          <a:scrgbClr r="0" g="0" b="0"/>
+        </a:lnRef>
+        <a:fillRef idx="0">
+          <a:scrgbClr r="0" g="0" b="0"/>
+        </a:fillRef>
+        <a:effectRef idx="0">
+          <a:scrgbClr r="0" g="0" b="0"/>
+        </a:effectRef>
+        <a:fontRef idx="minor"/>
+      </dsp:style>
+      <dsp:txBody>
+        <a:bodyPr spcFirstLastPara="0" vert="horz" wrap="square" lIns="48260" tIns="48260" rIns="48260" bIns="48260" numCol="1" spcCol="1270" anchor="b" anchorCtr="0">
+          <a:noAutofit/>
+        </a:bodyPr>
+        <a:lstStyle/>
+        <a:p>
+          <a:pPr marL="0" lvl="0" indent="0" algn="l" defTabSz="844550">
+            <a:lnSpc>
+              <a:spcPct val="90000"/>
+            </a:lnSpc>
+            <a:spcBef>
+              <a:spcPct val="0"/>
+            </a:spcBef>
+            <a:spcAft>
+              <a:spcPct val="35000"/>
+            </a:spcAft>
+            <a:buNone/>
+          </a:pPr>
+          <a:r>
+            <a:rPr lang="en-US" sz="1900" kern="1200" dirty="0"/>
+            <a:t>1964</a:t>
+          </a:r>
+        </a:p>
+      </dsp:txBody>
+      <dsp:txXfrm>
+        <a:off x="719845" y="0"/>
+        <a:ext cx="1758241" cy="594335"/>
+      </dsp:txXfrm>
+    </dsp:sp>
+    <dsp:sp modelId="{38FCB55A-DBB9-4AA7-B12B-70FD3087A427}">
+      <dsp:nvSpPr>
+        <dsp:cNvPr id="0" name=""/>
+        <dsp:cNvSpPr/>
+      </dsp:nvSpPr>
+      <dsp:spPr>
+        <a:xfrm>
+          <a:off x="2601906" y="0"/>
+          <a:ext cx="594335" cy="594335"/>
+        </a:xfrm>
+        <a:prstGeom prst="ellipse">
+          <a:avLst/>
+        </a:prstGeom>
+        <a:solidFill>
+          <a:schemeClr val="accent1">
+            <a:tint val="40000"/>
+            <a:hueOff val="0"/>
+            <a:satOff val="0"/>
+            <a:lumOff val="0"/>
+            <a:alphaOff val="0"/>
+          </a:schemeClr>
+        </a:solidFill>
+        <a:ln>
+          <a:noFill/>
+        </a:ln>
+        <a:effectLst/>
+      </dsp:spPr>
+      <dsp:style>
+        <a:lnRef idx="0">
+          <a:scrgbClr r="0" g="0" b="0"/>
+        </a:lnRef>
+        <a:fillRef idx="1">
+          <a:scrgbClr r="0" g="0" b="0"/>
+        </a:fillRef>
+        <a:effectRef idx="0">
+          <a:scrgbClr r="0" g="0" b="0"/>
+        </a:effectRef>
+        <a:fontRef idx="minor"/>
+      </dsp:style>
+    </dsp:sp>
+    <dsp:sp modelId="{6EED9024-2801-4B5A-92FF-DB1147F7FF6A}">
+      <dsp:nvSpPr>
+        <dsp:cNvPr id="0" name=""/>
+        <dsp:cNvSpPr/>
+      </dsp:nvSpPr>
+      <dsp:spPr>
+        <a:xfrm>
+          <a:off x="2661339" y="59433"/>
+          <a:ext cx="475468" cy="475468"/>
+        </a:xfrm>
+        <a:prstGeom prst="chord">
+          <a:avLst>
+            <a:gd name="adj1" fmla="val 0"/>
+            <a:gd name="adj2" fmla="val 10800000"/>
+          </a:avLst>
+        </a:prstGeom>
+        <a:solidFill>
+          <a:schemeClr val="accent1">
+            <a:hueOff val="0"/>
+            <a:satOff val="0"/>
+            <a:lumOff val="0"/>
+            <a:alphaOff val="0"/>
+          </a:schemeClr>
+        </a:solidFill>
+        <a:ln w="15875" cap="rnd" cmpd="sng" algn="ctr">
+          <a:solidFill>
+            <a:schemeClr val="accent1">
+              <a:hueOff val="0"/>
+              <a:satOff val="0"/>
+              <a:lumOff val="0"/>
+              <a:alphaOff val="0"/>
+            </a:schemeClr>
+          </a:solidFill>
+          <a:prstDash val="solid"/>
+        </a:ln>
+        <a:effectLst/>
+      </dsp:spPr>
+      <dsp:style>
+        <a:lnRef idx="2">
+          <a:scrgbClr r="0" g="0" b="0"/>
+        </a:lnRef>
+        <a:fillRef idx="1">
+          <a:scrgbClr r="0" g="0" b="0"/>
+        </a:fillRef>
+        <a:effectRef idx="0">
+          <a:scrgbClr r="0" g="0" b="0"/>
+        </a:effectRef>
+        <a:fontRef idx="minor">
+          <a:schemeClr val="lt1"/>
+        </a:fontRef>
+      </dsp:style>
+    </dsp:sp>
+    <dsp:sp modelId="{594E39AA-9F57-48B7-B469-25A70C74D2B4}">
+      <dsp:nvSpPr>
+        <dsp:cNvPr id="0" name=""/>
+        <dsp:cNvSpPr/>
+      </dsp:nvSpPr>
+      <dsp:spPr>
+        <a:xfrm>
+          <a:off x="3320060" y="594335"/>
+          <a:ext cx="1758241" cy="2501159"/>
+        </a:xfrm>
+        <a:prstGeom prst="rect">
+          <a:avLst/>
+        </a:prstGeom>
+        <a:noFill/>
+        <a:ln>
+          <a:noFill/>
+        </a:ln>
+        <a:effectLst/>
+      </dsp:spPr>
+      <dsp:style>
+        <a:lnRef idx="0">
+          <a:scrgbClr r="0" g="0" b="0"/>
+        </a:lnRef>
+        <a:fillRef idx="0">
+          <a:scrgbClr r="0" g="0" b="0"/>
+        </a:fillRef>
+        <a:effectRef idx="0">
+          <a:scrgbClr r="0" g="0" b="0"/>
+        </a:effectRef>
+        <a:fontRef idx="minor"/>
+      </dsp:style>
+      <dsp:txBody>
+        <a:bodyPr spcFirstLastPara="0" vert="horz" wrap="square" lIns="48260" tIns="48260" rIns="48260" bIns="48260" numCol="1" spcCol="1270" anchor="t" anchorCtr="0">
+          <a:noAutofit/>
+        </a:bodyPr>
+        <a:lstStyle/>
+        <a:p>
+          <a:pPr marL="0" lvl="0" indent="0" algn="l" defTabSz="844550">
+            <a:lnSpc>
+              <a:spcPct val="90000"/>
+            </a:lnSpc>
+            <a:spcBef>
+              <a:spcPct val="0"/>
+            </a:spcBef>
+            <a:spcAft>
+              <a:spcPct val="35000"/>
+            </a:spcAft>
+            <a:buNone/>
+          </a:pPr>
+          <a:r>
+            <a:rPr lang="en-US" sz="1900" kern="1200" dirty="0"/>
+            <a:t>Aired on NBC</a:t>
+          </a:r>
+        </a:p>
+      </dsp:txBody>
+      <dsp:txXfrm>
+        <a:off x="3320060" y="594335"/>
+        <a:ext cx="1758241" cy="2501159"/>
+      </dsp:txXfrm>
+    </dsp:sp>
+    <dsp:sp modelId="{4531AC43-9E97-4CBD-9B1A-314507175D78}">
+      <dsp:nvSpPr>
+        <dsp:cNvPr id="0" name=""/>
+        <dsp:cNvSpPr/>
+      </dsp:nvSpPr>
+      <dsp:spPr>
+        <a:xfrm>
+          <a:off x="3320060" y="0"/>
+          <a:ext cx="1758241" cy="594335"/>
+        </a:xfrm>
+        <a:prstGeom prst="rect">
+          <a:avLst/>
+        </a:prstGeom>
+        <a:noFill/>
+        <a:ln>
+          <a:noFill/>
+        </a:ln>
+        <a:effectLst/>
+      </dsp:spPr>
+      <dsp:style>
+        <a:lnRef idx="0">
+          <a:scrgbClr r="0" g="0" b="0"/>
+        </a:lnRef>
+        <a:fillRef idx="0">
+          <a:scrgbClr r="0" g="0" b="0"/>
+        </a:fillRef>
+        <a:effectRef idx="0">
+          <a:scrgbClr r="0" g="0" b="0"/>
+        </a:effectRef>
+        <a:fontRef idx="minor"/>
+      </dsp:style>
+      <dsp:txBody>
+        <a:bodyPr spcFirstLastPara="0" vert="horz" wrap="square" lIns="48260" tIns="48260" rIns="48260" bIns="48260" numCol="1" spcCol="1270" anchor="b" anchorCtr="0">
+          <a:noAutofit/>
+        </a:bodyPr>
+        <a:lstStyle/>
+        <a:p>
+          <a:pPr marL="0" lvl="0" indent="0" algn="l" defTabSz="844550">
+            <a:lnSpc>
+              <a:spcPct val="90000"/>
+            </a:lnSpc>
+            <a:spcBef>
+              <a:spcPct val="0"/>
+            </a:spcBef>
+            <a:spcAft>
+              <a:spcPct val="35000"/>
+            </a:spcAft>
+            <a:buNone/>
+          </a:pPr>
+          <a:r>
+            <a:rPr lang="en-US" sz="1900" kern="1200" dirty="0"/>
+            <a:t>1964 - 1975</a:t>
+          </a:r>
+        </a:p>
+      </dsp:txBody>
+      <dsp:txXfrm>
+        <a:off x="3320060" y="0"/>
+        <a:ext cx="1758241" cy="594335"/>
+      </dsp:txXfrm>
+    </dsp:sp>
+    <dsp:sp modelId="{69A3383A-5E49-4E58-A006-5BA78A2C54F5}">
+      <dsp:nvSpPr>
+        <dsp:cNvPr id="0" name=""/>
+        <dsp:cNvSpPr/>
+      </dsp:nvSpPr>
+      <dsp:spPr>
+        <a:xfrm>
+          <a:off x="5202121" y="0"/>
+          <a:ext cx="594335" cy="594335"/>
+        </a:xfrm>
+        <a:prstGeom prst="ellipse">
+          <a:avLst/>
+        </a:prstGeom>
+        <a:solidFill>
+          <a:schemeClr val="accent1">
+            <a:tint val="40000"/>
+            <a:hueOff val="0"/>
+            <a:satOff val="0"/>
+            <a:lumOff val="0"/>
+            <a:alphaOff val="0"/>
+          </a:schemeClr>
+        </a:solidFill>
+        <a:ln>
+          <a:noFill/>
+        </a:ln>
+        <a:effectLst/>
+      </dsp:spPr>
+      <dsp:style>
+        <a:lnRef idx="0">
+          <a:scrgbClr r="0" g="0" b="0"/>
+        </a:lnRef>
+        <a:fillRef idx="1">
+          <a:scrgbClr r="0" g="0" b="0"/>
+        </a:fillRef>
+        <a:effectRef idx="0">
+          <a:scrgbClr r="0" g="0" b="0"/>
+        </a:effectRef>
+        <a:fontRef idx="minor"/>
+      </dsp:style>
+    </dsp:sp>
+    <dsp:sp modelId="{A303BA18-9DB8-474E-A65D-FCEB4C18BB56}">
+      <dsp:nvSpPr>
+        <dsp:cNvPr id="0" name=""/>
+        <dsp:cNvSpPr/>
+      </dsp:nvSpPr>
+      <dsp:spPr>
+        <a:xfrm>
+          <a:off x="5261555" y="59433"/>
+          <a:ext cx="475468" cy="475468"/>
+        </a:xfrm>
+        <a:prstGeom prst="chord">
+          <a:avLst>
+            <a:gd name="adj1" fmla="val 19800000"/>
+            <a:gd name="adj2" fmla="val 12600000"/>
+          </a:avLst>
+        </a:prstGeom>
+        <a:solidFill>
+          <a:schemeClr val="accent1">
+            <a:hueOff val="0"/>
+            <a:satOff val="0"/>
+            <a:lumOff val="0"/>
+            <a:alphaOff val="0"/>
+          </a:schemeClr>
+        </a:solidFill>
+        <a:ln w="15875" cap="rnd" cmpd="sng" algn="ctr">
+          <a:solidFill>
+            <a:schemeClr val="accent1">
+              <a:hueOff val="0"/>
+              <a:satOff val="0"/>
+              <a:lumOff val="0"/>
+              <a:alphaOff val="0"/>
+            </a:schemeClr>
+          </a:solidFill>
+          <a:prstDash val="solid"/>
+        </a:ln>
+        <a:effectLst/>
+      </dsp:spPr>
+      <dsp:style>
+        <a:lnRef idx="2">
+          <a:scrgbClr r="0" g="0" b="0"/>
+        </a:lnRef>
+        <a:fillRef idx="1">
+          <a:scrgbClr r="0" g="0" b="0"/>
+        </a:fillRef>
+        <a:effectRef idx="0">
+          <a:scrgbClr r="0" g="0" b="0"/>
+        </a:effectRef>
+        <a:fontRef idx="minor">
+          <a:schemeClr val="lt1"/>
+        </a:fontRef>
+      </dsp:style>
+    </dsp:sp>
+    <dsp:sp modelId="{CF56ACD1-9F75-45BB-9C2C-33E0604C45F3}">
+      <dsp:nvSpPr>
+        <dsp:cNvPr id="0" name=""/>
+        <dsp:cNvSpPr/>
+      </dsp:nvSpPr>
+      <dsp:spPr>
+        <a:xfrm>
+          <a:off x="5920276" y="594335"/>
+          <a:ext cx="1758241" cy="2501159"/>
+        </a:xfrm>
+        <a:prstGeom prst="rect">
+          <a:avLst/>
+        </a:prstGeom>
+        <a:noFill/>
+        <a:ln>
+          <a:noFill/>
+        </a:ln>
+        <a:effectLst/>
+      </dsp:spPr>
+      <dsp:style>
+        <a:lnRef idx="0">
+          <a:scrgbClr r="0" g="0" b="0"/>
+        </a:lnRef>
+        <a:fillRef idx="0">
+          <a:scrgbClr r="0" g="0" b="0"/>
+        </a:fillRef>
+        <a:effectRef idx="0">
+          <a:scrgbClr r="0" g="0" b="0"/>
+        </a:effectRef>
+        <a:fontRef idx="minor"/>
+      </dsp:style>
+      <dsp:txBody>
+        <a:bodyPr spcFirstLastPara="0" vert="horz" wrap="square" lIns="48260" tIns="48260" rIns="48260" bIns="48260" numCol="1" spcCol="1270" anchor="t" anchorCtr="0">
+          <a:noAutofit/>
+        </a:bodyPr>
+        <a:lstStyle/>
+        <a:p>
+          <a:pPr marL="0" lvl="0" indent="0" algn="l" defTabSz="844550">
+            <a:lnSpc>
+              <a:spcPct val="90000"/>
+            </a:lnSpc>
+            <a:spcBef>
+              <a:spcPct val="0"/>
+            </a:spcBef>
+            <a:spcAft>
+              <a:spcPct val="35000"/>
+            </a:spcAft>
+            <a:buNone/>
+          </a:pPr>
+          <a:r>
+            <a:rPr lang="en-US" sz="1900" kern="1200" dirty="0"/>
+            <a:t>Revived by Sony and hosted by Alex Trebek</a:t>
+          </a:r>
+        </a:p>
+      </dsp:txBody>
+      <dsp:txXfrm>
+        <a:off x="5920276" y="594335"/>
+        <a:ext cx="1758241" cy="2501159"/>
+      </dsp:txXfrm>
+    </dsp:sp>
+    <dsp:sp modelId="{373FE0C5-24F5-43AC-ADA0-CD64F3064912}">
+      <dsp:nvSpPr>
+        <dsp:cNvPr id="0" name=""/>
+        <dsp:cNvSpPr/>
+      </dsp:nvSpPr>
+      <dsp:spPr>
+        <a:xfrm>
+          <a:off x="5920276" y="0"/>
+          <a:ext cx="1758241" cy="594335"/>
+        </a:xfrm>
+        <a:prstGeom prst="rect">
+          <a:avLst/>
+        </a:prstGeom>
+        <a:noFill/>
+        <a:ln>
+          <a:noFill/>
+        </a:ln>
+        <a:effectLst/>
+      </dsp:spPr>
+      <dsp:style>
+        <a:lnRef idx="0">
+          <a:scrgbClr r="0" g="0" b="0"/>
+        </a:lnRef>
+        <a:fillRef idx="0">
+          <a:scrgbClr r="0" g="0" b="0"/>
+        </a:fillRef>
+        <a:effectRef idx="0">
+          <a:scrgbClr r="0" g="0" b="0"/>
+        </a:effectRef>
+        <a:fontRef idx="minor"/>
+      </dsp:style>
+      <dsp:txBody>
+        <a:bodyPr spcFirstLastPara="0" vert="horz" wrap="square" lIns="48260" tIns="48260" rIns="48260" bIns="48260" numCol="1" spcCol="1270" anchor="b" anchorCtr="0">
+          <a:noAutofit/>
+        </a:bodyPr>
+        <a:lstStyle/>
+        <a:p>
+          <a:pPr marL="0" lvl="0" indent="0" algn="l" defTabSz="844550">
+            <a:lnSpc>
+              <a:spcPct val="90000"/>
+            </a:lnSpc>
+            <a:spcBef>
+              <a:spcPct val="0"/>
+            </a:spcBef>
+            <a:spcAft>
+              <a:spcPct val="35000"/>
+            </a:spcAft>
+            <a:buNone/>
+          </a:pPr>
+          <a:r>
+            <a:rPr lang="en-US" sz="1900" kern="1200" dirty="0"/>
+            <a:t>1984 - 2020</a:t>
+          </a:r>
+        </a:p>
+      </dsp:txBody>
+      <dsp:txXfrm>
+        <a:off x="5920276" y="0"/>
+        <a:ext cx="1758241" cy="594335"/>
+      </dsp:txXfrm>
+    </dsp:sp>
+    <dsp:sp modelId="{367BDB5C-E67D-4F82-AD45-271AC6C843E7}">
+      <dsp:nvSpPr>
+        <dsp:cNvPr id="0" name=""/>
+        <dsp:cNvSpPr/>
+      </dsp:nvSpPr>
+      <dsp:spPr>
+        <a:xfrm>
+          <a:off x="7802337" y="0"/>
+          <a:ext cx="594335" cy="594335"/>
+        </a:xfrm>
+        <a:prstGeom prst="ellipse">
+          <a:avLst/>
+        </a:prstGeom>
+        <a:solidFill>
+          <a:schemeClr val="accent1">
+            <a:tint val="40000"/>
+            <a:hueOff val="0"/>
+            <a:satOff val="0"/>
+            <a:lumOff val="0"/>
+            <a:alphaOff val="0"/>
+          </a:schemeClr>
+        </a:solidFill>
+        <a:ln>
+          <a:noFill/>
+        </a:ln>
+        <a:effectLst/>
+      </dsp:spPr>
+      <dsp:style>
+        <a:lnRef idx="0">
+          <a:scrgbClr r="0" g="0" b="0"/>
+        </a:lnRef>
+        <a:fillRef idx="1">
+          <a:scrgbClr r="0" g="0" b="0"/>
+        </a:fillRef>
+        <a:effectRef idx="0">
+          <a:scrgbClr r="0" g="0" b="0"/>
+        </a:effectRef>
+        <a:fontRef idx="minor"/>
+      </dsp:style>
+    </dsp:sp>
+    <dsp:sp modelId="{3C61677C-FFF0-44B6-9887-EC770C352EBB}">
+      <dsp:nvSpPr>
+        <dsp:cNvPr id="0" name=""/>
+        <dsp:cNvSpPr/>
+      </dsp:nvSpPr>
+      <dsp:spPr>
+        <a:xfrm>
+          <a:off x="7861771" y="59433"/>
+          <a:ext cx="475468" cy="475468"/>
+        </a:xfrm>
+        <a:prstGeom prst="chord">
+          <a:avLst>
+            <a:gd name="adj1" fmla="val 16200000"/>
+            <a:gd name="adj2" fmla="val 16200000"/>
+          </a:avLst>
+        </a:prstGeom>
+        <a:solidFill>
+          <a:schemeClr val="accent1">
+            <a:hueOff val="0"/>
+            <a:satOff val="0"/>
+            <a:lumOff val="0"/>
+            <a:alphaOff val="0"/>
+          </a:schemeClr>
+        </a:solidFill>
+        <a:ln w="15875" cap="rnd" cmpd="sng" algn="ctr">
+          <a:solidFill>
+            <a:schemeClr val="accent1">
+              <a:hueOff val="0"/>
+              <a:satOff val="0"/>
+              <a:lumOff val="0"/>
+              <a:alphaOff val="0"/>
+            </a:schemeClr>
+          </a:solidFill>
+          <a:prstDash val="solid"/>
+        </a:ln>
+        <a:effectLst/>
+      </dsp:spPr>
+      <dsp:style>
+        <a:lnRef idx="2">
+          <a:scrgbClr r="0" g="0" b="0"/>
+        </a:lnRef>
+        <a:fillRef idx="1">
+          <a:scrgbClr r="0" g="0" b="0"/>
+        </a:fillRef>
+        <a:effectRef idx="0">
+          <a:scrgbClr r="0" g="0" b="0"/>
+        </a:effectRef>
+        <a:fontRef idx="minor">
+          <a:schemeClr val="lt1"/>
+        </a:fontRef>
+      </dsp:style>
+    </dsp:sp>
+    <dsp:sp modelId="{02900125-F79C-4E23-ACBE-701AB158C62D}">
+      <dsp:nvSpPr>
+        <dsp:cNvPr id="0" name=""/>
+        <dsp:cNvSpPr/>
+      </dsp:nvSpPr>
+      <dsp:spPr>
+        <a:xfrm>
+          <a:off x="8520492" y="594335"/>
+          <a:ext cx="1758241" cy="2501159"/>
+        </a:xfrm>
+        <a:prstGeom prst="rect">
+          <a:avLst/>
+        </a:prstGeom>
+        <a:noFill/>
+        <a:ln>
+          <a:noFill/>
+        </a:ln>
+        <a:effectLst/>
+      </dsp:spPr>
+      <dsp:style>
+        <a:lnRef idx="0">
+          <a:scrgbClr r="0" g="0" b="0"/>
+        </a:lnRef>
+        <a:fillRef idx="0">
+          <a:scrgbClr r="0" g="0" b="0"/>
+        </a:fillRef>
+        <a:effectRef idx="0">
+          <a:scrgbClr r="0" g="0" b="0"/>
+        </a:effectRef>
+        <a:fontRef idx="minor"/>
+      </dsp:style>
+      <dsp:txBody>
+        <a:bodyPr spcFirstLastPara="0" vert="horz" wrap="square" lIns="48260" tIns="48260" rIns="48260" bIns="48260" numCol="1" spcCol="1270" anchor="t" anchorCtr="0">
+          <a:noAutofit/>
+        </a:bodyPr>
+        <a:lstStyle/>
+        <a:p>
+          <a:pPr marL="0" lvl="0" indent="0" algn="l" defTabSz="844550">
+            <a:lnSpc>
+              <a:spcPct val="90000"/>
+            </a:lnSpc>
+            <a:spcBef>
+              <a:spcPct val="0"/>
+            </a:spcBef>
+            <a:spcAft>
+              <a:spcPct val="35000"/>
+            </a:spcAft>
+            <a:buNone/>
+          </a:pPr>
+          <a:r>
+            <a:rPr lang="en-US" sz="1900" kern="1200" dirty="0"/>
+            <a:t>Since</a:t>
+          </a:r>
+          <a:r>
+            <a:rPr lang="en-US" sz="1900" kern="1200" baseline="0" dirty="0"/>
+            <a:t> Trebek’s Death, different hosts but still going strong</a:t>
+          </a:r>
+          <a:endParaRPr lang="en-US" sz="1900" kern="1200" dirty="0"/>
+        </a:p>
+      </dsp:txBody>
+      <dsp:txXfrm>
+        <a:off x="8520492" y="594335"/>
+        <a:ext cx="1758241" cy="2501159"/>
+      </dsp:txXfrm>
+    </dsp:sp>
+    <dsp:sp modelId="{1ED3E9C6-C913-4D20-ADEF-F628B707788E}">
+      <dsp:nvSpPr>
+        <dsp:cNvPr id="0" name=""/>
+        <dsp:cNvSpPr/>
+      </dsp:nvSpPr>
+      <dsp:spPr>
+        <a:xfrm>
+          <a:off x="8520492" y="0"/>
+          <a:ext cx="1758241" cy="594335"/>
+        </a:xfrm>
+        <a:prstGeom prst="rect">
+          <a:avLst/>
+        </a:prstGeom>
+        <a:noFill/>
+        <a:ln>
+          <a:noFill/>
+        </a:ln>
+        <a:effectLst/>
+      </dsp:spPr>
+      <dsp:style>
+        <a:lnRef idx="0">
+          <a:scrgbClr r="0" g="0" b="0"/>
+        </a:lnRef>
+        <a:fillRef idx="0">
+          <a:scrgbClr r="0" g="0" b="0"/>
+        </a:fillRef>
+        <a:effectRef idx="0">
+          <a:scrgbClr r="0" g="0" b="0"/>
+        </a:effectRef>
+        <a:fontRef idx="minor"/>
+      </dsp:style>
+      <dsp:txBody>
+        <a:bodyPr spcFirstLastPara="0" vert="horz" wrap="square" lIns="48260" tIns="48260" rIns="48260" bIns="48260" numCol="1" spcCol="1270" anchor="b" anchorCtr="0">
+          <a:noAutofit/>
+        </a:bodyPr>
+        <a:lstStyle/>
+        <a:p>
+          <a:pPr marL="0" lvl="0" indent="0" algn="l" defTabSz="844550">
+            <a:lnSpc>
+              <a:spcPct val="90000"/>
+            </a:lnSpc>
+            <a:spcBef>
+              <a:spcPct val="0"/>
+            </a:spcBef>
+            <a:spcAft>
+              <a:spcPct val="35000"/>
+            </a:spcAft>
+            <a:buNone/>
+          </a:pPr>
+          <a:r>
+            <a:rPr lang="en-US" sz="1900" kern="1200" dirty="0"/>
+            <a:t>2020 - Present</a:t>
+          </a:r>
+        </a:p>
+      </dsp:txBody>
+      <dsp:txXfrm>
+        <a:off x="8520492" y="0"/>
+        <a:ext cx="1758241" cy="594335"/>
+      </dsp:txXfrm>
+    </dsp:sp>
+  </dsp:spTree>
+</dsp:drawing>
+</file>
+
+<file path=ppt/diagrams/layout1.xml><?xml version="1.0" encoding="utf-8"?>
+<dgm:layoutDef xmlns:dgm="http://schemas.openxmlformats.org/drawingml/2006/diagram" xmlns:a="http://schemas.openxmlformats.org/drawingml/2006/main" uniqueId="urn:microsoft.com/office/officeart/2008/layout/IncreasingCircleProcess">
+  <dgm:title val=""/>
+  <dgm:desc val=""/>
+  <dgm:catLst>
+    <dgm:cat type="list" pri="8300"/>
+    <dgm:cat type="process" pri="4300"/>
+  </dgm:catLst>
+  <dgm:sampData>
+    <dgm:dataModel>
+      <dgm:ptLst>
+        <dgm:pt modelId="0" type="doc"/>
+        <dgm:pt modelId="10">
+          <dgm:prSet phldr="1"/>
+        </dgm:pt>
+        <dgm:pt modelId="11">
+          <dgm:prSet phldr="1"/>
+        </dgm:pt>
+        <dgm:pt modelId="20">
+          <dgm:prSet phldr="1"/>
+        </dgm:pt>
+        <dgm:pt modelId="21">
+          <dgm:prSet phldr="1"/>
+        </dgm:pt>
+        <dgm:pt modelId="30">
+          <dgm:prSet phldr="1"/>
+        </dgm:pt>
+        <dgm:pt modelId="31">
+          <dgm:prSet phldr="1"/>
+        </dgm:pt>
+      </dgm:ptLst>
+      <dgm:cxnLst>
+        <dgm:cxn modelId="40" srcId="0" destId="10" srcOrd="0" destOrd="0"/>
+        <dgm:cxn modelId="12" srcId="10" destId="11" srcOrd="0" destOrd="0"/>
+        <dgm:cxn modelId="50" srcId="0" destId="20" srcOrd="1" destOrd="0"/>
+        <dgm:cxn modelId="22" srcId="20" destId="21" srcOrd="0" destOrd="0"/>
+        <dgm:cxn modelId="60" srcId="0" destId="30" srcOrd="2" destOrd="0"/>
+        <dgm:cxn modelId="32" srcId="30" destId="31" srcOrd="0" destOrd="0"/>
+      </dgm:cxnLst>
+      <dgm:bg/>
+      <dgm:whole/>
+    </dgm:dataModel>
+  </dgm:sampData>
+  <dgm:styleData>
+    <dgm:dataModel>
+      <dgm:ptLst>
+        <dgm:pt modelId="0" type="doc"/>
+        <dgm:pt modelId="10">
+          <dgm:prSet phldr="1"/>
+        </dgm:pt>
+        <dgm:pt modelId="20">
+          <dgm:prSet phldr="1"/>
+        </dgm:pt>
+      </dgm:ptLst>
+      <dgm:cxnLst>
+        <dgm:cxn modelId="30" srcId="0" destId="10" srcOrd="0" destOrd="0"/>
+        <dgm:cxn modelId="40" srcId="0" destId="20" srcOrd="1" destOrd="0"/>
+      </dgm:cxnLst>
+      <dgm:bg/>
+      <dgm:whole/>
+    </dgm:dataModel>
+  </dgm:styleData>
+  <dgm:clrData>
+    <dgm:dataModel>
+      <dgm:ptLst>
+        <dgm:pt modelId="0" type="doc"/>
+        <dgm:pt modelId="10">
+          <dgm:prSet phldr="1"/>
+        </dgm:pt>
+        <dgm:pt modelId="20">
+          <dgm:prSet phldr="1"/>
+        </dgm:pt>
+      </dgm:ptLst>
+      <dgm:cxnLst>
+        <dgm:cxn modelId="30" srcId="0" destId="10" srcOrd="0" destOrd="0"/>
+        <dgm:cxn modelId="40" srcId="0" destId="20" srcOrd="1" destOrd="0"/>
+      </dgm:cxnLst>
+      <dgm:bg/>
+      <dgm:whole/>
+    </dgm:dataModel>
+  </dgm:clrData>
+  <dgm:layoutNode name="Name0">
+    <dgm:varLst>
+      <dgm:chMax val="7"/>
+      <dgm:chPref val="7"/>
+      <dgm:dir/>
+      <dgm:animOne val="branch"/>
+      <dgm:animLvl val="lvl"/>
+    </dgm:varLst>
+    <dgm:choose name="Name1">
+      <dgm:if name="Name2" func="var" arg="dir" op="equ" val="norm">
+        <dgm:alg type="lin">
+          <dgm:param type="linDir" val="fromL"/>
+          <dgm:param type="horzAlign" val="ctr"/>
+          <dgm:param type="vertAlign" val="t"/>
+        </dgm:alg>
+      </dgm:if>
+      <dgm:else name="Name3">
+        <dgm:alg type="lin">
+          <dgm:param type="linDir" val="fromR"/>
+          <dgm:param type="horzAlign" val="ctr"/>
+          <dgm:param type="vertAlign" val="t"/>
+        </dgm:alg>
+      </dgm:else>
+    </dgm:choose>
+    <dgm:shape xmlns:r="http://schemas.openxmlformats.org/officeDocument/2006/relationships" r:blip="">
+      <dgm:adjLst/>
+    </dgm:shape>
+    <dgm:constrLst>
+      <dgm:constr type="primFontSz" for="des" forName="Child" val="65"/>
+      <dgm:constr type="primFontSz" for="des" forName="Parent" val="65"/>
+      <dgm:constr type="primFontSz" for="des" forName="Child" refType="primFontSz" refFor="des" refForName="Parent" op="lte"/>
+      <dgm:constr type="w" for="ch" forName="composite" refType="w"/>
+      <dgm:constr type="h" for="ch" forName="composite" refType="h"/>
+      <dgm:constr type="sp" refType="w" refFor="ch" refForName="composite" op="equ" fact="0.05"/>
+      <dgm:constr type="w" for="ch" forName="sibTrans" refType="h" refFor="ch" refForName="composite" op="equ" fact="0.04"/>
+    </dgm:constrLst>
+    <dgm:forEach name="nodesForEach" axis="ch" ptType="node" cnt="7">
+      <dgm:layoutNode name="composite">
+        <dgm:alg type="composite">
+          <dgm:param type="ar" val="0.8"/>
+        </dgm:alg>
+        <dgm:choose name="Name4">
+          <dgm:if name="Name5" func="var" arg="dir" op="equ" val="norm">
+            <dgm:constrLst>
+              <dgm:constr type="l" for="ch" forName="Child" refType="w" fact="0.29"/>
+              <dgm:constr type="t" for="ch" forName="Child" refType="h" fact="0.192"/>
+              <dgm:constr type="w" for="ch" forName="Child" refType="w" fact="0.71"/>
+              <dgm:constr type="h" for="ch" forName="Child" refType="h" fact="0.808"/>
+              <dgm:constr type="l" for="ch" forName="Parent" refType="w" fact="0.29"/>
+              <dgm:constr type="t" for="ch" forName="Parent" refType="h" fact="0"/>
+              <dgm:constr type="w" for="ch" forName="Parent" refType="w" fact="0.71"/>
+              <dgm:constr type="h" for="ch" forName="Parent" refType="h" fact="0.192"/>
+              <dgm:constr type="l" for="ch" forName="BackAccent" refType="w" fact="0"/>
+              <dgm:constr type="t" for="ch" forName="BackAccent" refType="h" fact="0"/>
+              <dgm:constr type="w" for="ch" forName="BackAccent" refType="w" fact="0.24"/>
+              <dgm:constr type="h" for="ch" forName="BackAccent" refType="h" fact="0.192"/>
+              <dgm:constr type="l" for="ch" forName="Accent" refType="w" fact="0.024"/>
+              <dgm:constr type="t" for="ch" forName="Accent" refType="h" fact="0.0192"/>
+              <dgm:constr type="w" for="ch" forName="Accent" refType="w" fact="0.192"/>
+              <dgm:constr type="h" for="ch" forName="Accent" refType="h" fact="0.1536"/>
+            </dgm:constrLst>
+          </dgm:if>
+          <dgm:else name="Name6">
+            <dgm:constrLst>
+              <dgm:constr type="r" for="ch" forName="Child" refType="w" fact="0.71"/>
+              <dgm:constr type="t" for="ch" forName="Child" refType="h" fact="0.192"/>
+              <dgm:constr type="w" for="ch" forName="Child" refType="w" fact="0.71"/>
+              <dgm:constr type="h" for="ch" forName="Child" refType="h" fact="0.808"/>
+              <dgm:constr type="r" for="ch" forName="Parent" refType="w" fact="0.71"/>
+              <dgm:constr type="t" for="ch" forName="Parent" refType="h" fact="0"/>
+              <dgm:constr type="w" for="ch" forName="Parent" refType="w" fact="0.71"/>
+              <dgm:constr type="h" for="ch" forName="Parent" refType="h" fact="0.192"/>
+              <dgm:constr type="r" for="ch" forName="BackAccent" refType="w"/>
+              <dgm:constr type="t" for="ch" forName="BackAccent" refType="h" fact="0"/>
+              <dgm:constr type="w" for="ch" forName="BackAccent" refType="w" fact="0.24"/>
+              <dgm:constr type="h" for="ch" forName="BackAccent" refType="h" fact="0.192"/>
+              <dgm:constr type="r" for="ch" forName="Accent" refType="w" fact="0.976"/>
+              <dgm:constr type="t" for="ch" forName="Accent" refType="h" fact="0.0192"/>
+              <dgm:constr type="w" for="ch" forName="Accent" refType="w" fact="0.192"/>
+              <dgm:constr type="h" for="ch" forName="Accent" refType="h" fact="0.1536"/>
+            </dgm:constrLst>
+          </dgm:else>
+        </dgm:choose>
+        <dgm:layoutNode name="BackAccent" styleLbl="bgShp">
+          <dgm:alg type="sp"/>
+          <dgm:shape xmlns:r="http://schemas.openxmlformats.org/officeDocument/2006/relationships" type="ellipse" r:blip="">
+            <dgm:adjLst/>
+          </dgm:shape>
+          <dgm:presOf/>
+        </dgm:layoutNode>
+        <dgm:layoutNode name="Accent" styleLbl="alignNode1">
+          <dgm:alg type="sp"/>
+          <dgm:choose name="Name7">
+            <dgm:if name="Name8" axis="precedSib" ptType="node" func="cnt" op="equ" val="0">
+              <dgm:choose name="Name9">
+                <dgm:if name="Name10" axis="followSib" ptType="node" func="cnt" op="equ" val="0">
+                  <dgm:shape xmlns:r="http://schemas.openxmlformats.org/officeDocument/2006/relationships" type="chord" r:blip="">
+                    <dgm:adjLst>
+                      <dgm:adj idx="1" val="-90"/>
+                      <dgm:adj idx="2" val="-90"/>
+                    </dgm:adjLst>
+                  </dgm:shape>
+                </dgm:if>
+                <dgm:if name="Name11" axis="followSib" ptType="node" func="cnt" op="equ" val="1">
+                  <dgm:shape xmlns:r="http://schemas.openxmlformats.org/officeDocument/2006/relationships" type="chord" r:blip="">
+                    <dgm:adjLst>
+                      <dgm:adj idx="1" val="0"/>
+                      <dgm:adj idx="2" val="180"/>
+                    </dgm:adjLst>
+                  </dgm:shape>
+                </dgm:if>
+                <dgm:if name="Name12" axis="followSib" ptType="node" func="cnt" op="equ" val="2">
+                  <dgm:shape xmlns:r="http://schemas.openxmlformats.org/officeDocument/2006/relationships" type="chord" r:blip="">
+                    <dgm:adjLst>
+                      <dgm:adj idx="1" val="19.4712"/>
+                      <dgm:adj idx="2" val="160.5288"/>
+                    </dgm:adjLst>
+                  </dgm:shape>
+                </dgm:if>
+                <dgm:if name="Name13" axis="followSib" ptType="node" func="cnt" op="equ" val="3">
+                  <dgm:shape xmlns:r="http://schemas.openxmlformats.org/officeDocument/2006/relationships" type="chord" r:blip="">
+                    <dgm:adjLst>
+                      <dgm:adj idx="1" val="30"/>
+                      <dgm:adj idx="2" val="150"/>
+                    </dgm:adjLst>
+                  </dgm:shape>
+                </dgm:if>
+                <dgm:if name="Name14" axis="followSib" ptType="node" func="cnt" op="equ" val="4">
+                  <dgm:shape xmlns:r="http://schemas.openxmlformats.org/officeDocument/2006/relationships" type="chord" r:blip="">
+                    <dgm:adjLst>
+                      <dgm:adj idx="1" val="38.8699"/>
+                      <dgm:adj idx="2" val="143.1301"/>
+                    </dgm:adjLst>
+                  </dgm:shape>
+                </dgm:if>
+                <dgm:if name="Name15" axis="followSib" ptType="node" func="cnt" op="equ" val="5">
+                  <dgm:shape xmlns:r="http://schemas.openxmlformats.org/officeDocument/2006/relationships" type="chord" r:blip="">
+                    <dgm:adjLst>
+                      <dgm:adj idx="1" val="41.8103"/>
+                      <dgm:adj idx="2" val="138.1897"/>
+                    </dgm:adjLst>
+                  </dgm:shape>
+                </dgm:if>
+                <dgm:else name="Name16">
+                  <dgm:shape xmlns:r="http://schemas.openxmlformats.org/officeDocument/2006/relationships" type="chord" r:blip="">
+                    <dgm:adjLst>
+                      <dgm:adj idx="1" val="45.5847"/>
+                      <dgm:adj idx="2" val="134.4153"/>
+                    </dgm:adjLst>
+                  </dgm:shape>
+                </dgm:else>
+              </dgm:choose>
+            </dgm:if>
+            <dgm:if name="Name17" axis="precedSib" ptType="node" func="cnt" op="equ" val="1">
+              <dgm:choose name="Name18">
+                <dgm:if name="Name19" axis="followSib" ptType="node" func="cnt" op="equ" val="0">
+                  <dgm:shape xmlns:r="http://schemas.openxmlformats.org/officeDocument/2006/relationships" type="chord" r:blip="">
+                    <dgm:adjLst>
+                      <dgm:adj idx="1" val="-90"/>
+                      <dgm:adj idx="2" val="-90"/>
+                    </dgm:adjLst>
+                  </dgm:shape>
+                </dgm:if>
+                <dgm:if name="Name20" axis="followSib" ptType="node" func="cnt" op="equ" val="1">
+                  <dgm:shape xmlns:r="http://schemas.openxmlformats.org/officeDocument/2006/relationships" type="chord" r:blip="">
+                    <dgm:adjLst>
+                      <dgm:adj idx="1" val="-19.4712"/>
+                      <dgm:adj idx="2" val="-160.5288"/>
+                    </dgm:adjLst>
+                  </dgm:shape>
+                </dgm:if>
+                <dgm:if name="Name21" axis="followSib" ptType="node" func="cnt" op="equ" val="2">
+                  <dgm:shape xmlns:r="http://schemas.openxmlformats.org/officeDocument/2006/relationships" type="chord" r:blip="">
+                    <dgm:adjLst>
+                      <dgm:adj idx="1" val="0"/>
+                      <dgm:adj idx="2" val="180"/>
+                    </dgm:adjLst>
+                  </dgm:shape>
+                </dgm:if>
+                <dgm:if name="Name22" axis="followSib" ptType="node" func="cnt" op="equ" val="3">
+                  <dgm:shape xmlns:r="http://schemas.openxmlformats.org/officeDocument/2006/relationships" type="chord" r:blip="">
+                    <dgm:adjLst>
+                      <dgm:adj idx="1" val="11.537"/>
+                      <dgm:adj idx="2" val="168.463"/>
+                    </dgm:adjLst>
+                  </dgm:shape>
+                </dgm:if>
+                <dgm:if name="Name23" axis="followSib" ptType="node" func="cnt" op="equ" val="4">
+                  <dgm:shape xmlns:r="http://schemas.openxmlformats.org/officeDocument/2006/relationships" type="chord" r:blip="">
+                    <dgm:adjLst>
+                      <dgm:adj idx="1" val="19.4712"/>
+                      <dgm:adj idx="2" val="160.5288"/>
+                    </dgm:adjLst>
+                  </dgm:shape>
+                </dgm:if>
+                <dgm:else name="Name24">
+                  <dgm:shape xmlns:r="http://schemas.openxmlformats.org/officeDocument/2006/relationships" type="chord" r:blip="">
+                    <dgm:adjLst>
+                      <dgm:adj idx="1" val="25.3769"/>
+                      <dgm:adj idx="2" val="154.6231"/>
+                    </dgm:adjLst>
+                  </dgm:shape>
+                </dgm:else>
+              </dgm:choose>
+            </dgm:if>
+            <dgm:if name="Name25" axis="precedSib" ptType="node" func="cnt" op="equ" val="2">
+              <dgm:choose name="Name26">
+                <dgm:if name="Name27" axis="followSib" ptType="node" func="cnt" op="equ" val="0">
+                  <dgm:shape xmlns:r="http://schemas.openxmlformats.org/officeDocument/2006/relationships" type="chord" r:blip="">
+                    <dgm:adjLst>
+                      <dgm:adj idx="1" val="-90"/>
+                      <dgm:adj idx="2" val="-90"/>
+                    </dgm:adjLst>
+                  </dgm:shape>
+                </dgm:if>
+                <dgm:if name="Name28" axis="followSib" ptType="node" func="cnt" op="equ" val="1">
+                  <dgm:shape xmlns:r="http://schemas.openxmlformats.org/officeDocument/2006/relationships" type="chord" r:blip="">
+                    <dgm:adjLst>
+                      <dgm:adj idx="1" val="-30"/>
+                      <dgm:adj idx="2" val="-150"/>
+                    </dgm:adjLst>
+                  </dgm:shape>
+                </dgm:if>
+                <dgm:if name="Name29" axis="followSib" ptType="node" func="cnt" op="equ" val="2">
+                  <dgm:shape xmlns:r="http://schemas.openxmlformats.org/officeDocument/2006/relationships" type="chord" r:blip="">
+                    <dgm:adjLst>
+                      <dgm:adj idx="1" val="-11.537"/>
+                      <dgm:adj idx="2" val="-168.463"/>
+                    </dgm:adjLst>
+                  </dgm:shape>
+                </dgm:if>
+                <dgm:if name="Name30" axis="followSib" ptType="node" func="cnt" op="equ" val="3">
+                  <dgm:shape xmlns:r="http://schemas.openxmlformats.org/officeDocument/2006/relationships" type="chord" r:blip="">
+                    <dgm:adjLst>
+                      <dgm:adj idx="1" val="0"/>
+                      <dgm:adj idx="2" val="180"/>
+                    </dgm:adjLst>
+                  </dgm:shape>
+                </dgm:if>
+                <dgm:else name="Name31">
+                  <dgm:shape xmlns:r="http://schemas.openxmlformats.org/officeDocument/2006/relationships" type="chord" r:blip="">
+                    <dgm:adjLst>
+                      <dgm:adj idx="1" val="8.2133"/>
+                      <dgm:adj idx="2" val="171.7867"/>
+                    </dgm:adjLst>
+                  </dgm:shape>
+                </dgm:else>
+              </dgm:choose>
+            </dgm:if>
+            <dgm:if name="Name32" axis="precedSib" ptType="node" func="cnt" op="equ" val="3">
+              <dgm:choose name="Name33">
+                <dgm:if name="Name34" axis="followSib" ptType="node" func="cnt" op="equ" val="0">
+                  <dgm:shape xmlns:r="http://schemas.openxmlformats.org/officeDocument/2006/relationships" type="chord" r:blip="">
+                    <dgm:adjLst>
+                      <dgm:adj idx="1" val="-90"/>
+                      <dgm:adj idx="2" val="-90"/>
+                    </dgm:adjLst>
+                  </dgm:shape>
+                </dgm:if>
+                <dgm:if name="Name35" axis="followSib" ptType="node" func="cnt" op="equ" val="1">
+                  <dgm:shape xmlns:r="http://schemas.openxmlformats.org/officeDocument/2006/relationships" type="chord" r:blip="">
+                    <dgm:adjLst>
+                      <dgm:adj idx="1" val="-38.8699"/>
+                      <dgm:adj idx="2" val="-143.1301"/>
+                    </dgm:adjLst>
+                  </dgm:shape>
+                </dgm:if>
+                <dgm:if name="Name36" axis="followSib" ptType="node" func="cnt" op="equ" val="2">
+                  <dgm:shape xmlns:r="http://schemas.openxmlformats.org/officeDocument/2006/relationships" type="chord" r:blip="">
+                    <dgm:adjLst>
+                      <dgm:adj idx="1" val="-19.4712"/>
+                      <dgm:adj idx="2" val="-160.5288"/>
+                    </dgm:adjLst>
+                  </dgm:shape>
+                </dgm:if>
+                <dgm:else name="Name37">
+                  <dgm:shape xmlns:r="http://schemas.openxmlformats.org/officeDocument/2006/relationships" type="chord" r:blip="">
+                    <dgm:adjLst>
+                      <dgm:adj idx="1" val="-8.2133"/>
+                      <dgm:adj idx="2" val="-171.7867"/>
+                    </dgm:adjLst>
+                  </dgm:shape>
+                </dgm:else>
+              </dgm:choose>
+            </dgm:if>
+            <dgm:if name="Name38" axis="precedSib" ptType="node" func="cnt" op="equ" val="4">
+              <dgm:choose name="Name39">
+                <dgm:if name="Name40" axis="followSib" ptType="node" func="cnt" op="equ" val="0">
+                  <dgm:shape xmlns:r="http://schemas.openxmlformats.org/officeDocument/2006/relationships" type="chord" r:blip="">
+                    <dgm:adjLst>
+                      <dgm:adj idx="1" val="-90"/>
+                      <dgm:adj idx="2" val="-90"/>
+                    </dgm:adjLst>
+                  </dgm:shape>
+                </dgm:if>
+                <dgm:if name="Name41" axis="followSib" ptType="node" func="cnt" op="equ" val="1">
+                  <dgm:shape xmlns:r="http://schemas.openxmlformats.org/officeDocument/2006/relationships" type="chord" r:blip="">
+                    <dgm:adjLst>
+                      <dgm:adj idx="1" val="-41.8103"/>
+                      <dgm:adj idx="2" val="-138.1897"/>
+                    </dgm:adjLst>
+                  </dgm:shape>
+                </dgm:if>
+                <dgm:else name="Name42">
+                  <dgm:shape xmlns:r="http://schemas.openxmlformats.org/officeDocument/2006/relationships" type="chord" r:blip="">
+                    <dgm:adjLst>
+                      <dgm:adj idx="1" val="-25.3769"/>
+                      <dgm:adj idx="2" val="-154.6231"/>
+                    </dgm:adjLst>
+                  </dgm:shape>
+                </dgm:else>
+              </dgm:choose>
+            </dgm:if>
+            <dgm:if name="Name43" axis="precedSib" ptType="node" func="cnt" op="equ" val="5">
+              <dgm:choose name="Name44">
+                <dgm:if name="Name45" axis="followSib" ptType="node" func="cnt" op="equ" val="0">
+                  <dgm:shape xmlns:r="http://schemas.openxmlformats.org/officeDocument/2006/relationships" type="chord" r:blip="">
+                    <dgm:adjLst>
+                      <dgm:adj idx="1" val="-90"/>
+                      <dgm:adj idx="2" val="-90"/>
+                    </dgm:adjLst>
+                  </dgm:shape>
+                </dgm:if>
+                <dgm:else name="Name46">
+                  <dgm:shape xmlns:r="http://schemas.openxmlformats.org/officeDocument/2006/relationships" type="chord" r:blip="">
+                    <dgm:adjLst>
+                      <dgm:adj idx="1" val="-45.5847"/>
+                      <dgm:adj idx="2" val="-134.4153"/>
+                    </dgm:adjLst>
+                  </dgm:shape>
+                </dgm:else>
+              </dgm:choose>
+            </dgm:if>
+            <dgm:else name="Name47">
+              <dgm:shape xmlns:r="http://schemas.openxmlformats.org/officeDocument/2006/relationships" type="chord" r:blip="">
+                <dgm:adjLst>
+                  <dgm:adj idx="1" val="-90"/>
+                  <dgm:adj idx="2" val="-90"/>
+                </dgm:adjLst>
+              </dgm:shape>
+            </dgm:else>
+          </dgm:choose>
+          <dgm:presOf/>
+        </dgm:layoutNode>
+        <dgm:layoutNode name="Child" styleLbl="revTx">
+          <dgm:varLst>
+            <dgm:chMax val="0"/>
+            <dgm:chPref val="0"/>
+            <dgm:bulletEnabled val="1"/>
+          </dgm:varLst>
+          <dgm:choose name="Name48">
+            <dgm:if name="Name49" func="var" arg="dir" op="equ" val="norm">
+              <dgm:alg type="tx">
+                <dgm:param type="parTxLTRAlign" val="l"/>
+                <dgm:param type="parTxRTLAlign" val="l"/>
+                <dgm:param type="txAnchorVert" val="t"/>
+              </dgm:alg>
+            </dgm:if>
+            <dgm:else name="Name50">
+              <dgm:alg type="tx">
+                <dgm:param type="parTxLTRAlign" val="r"/>
+                <dgm:param type="parTxRTLAlign" val="r"/>
+                <dgm:param type="txAnchorVert" val="t"/>
+              </dgm:alg>
+            </dgm:else>
+          </dgm:choose>
+          <dgm:choose name="Name51">
+            <dgm:if name="Name52" axis="ch" ptType="node" func="cnt" op="gte" val="1">
+              <dgm:shape xmlns:r="http://schemas.openxmlformats.org/officeDocument/2006/relationships" type="rect" r:blip="">
+                <dgm:adjLst/>
+              </dgm:shape>
+            </dgm:if>
+            <dgm:else name="Name53">
+              <dgm:shape xmlns:r="http://schemas.openxmlformats.org/officeDocument/2006/relationships" type="rect" r:blip="" hideGeom="1">
+                <dgm:adjLst/>
+              </dgm:shape>
+            </dgm:else>
+          </dgm:choose>
+          <dgm:choose name="Name54">
+            <dgm:if name="Name55" axis="ch" ptType="node" func="cnt" op="gte" val="1">
+              <dgm:presOf axis="des" ptType="node"/>
+            </dgm:if>
+            <dgm:else name="Name56">
+              <dgm:presOf/>
+            </dgm:else>
+          </dgm:choose>
+          <dgm:constrLst>
+            <dgm:constr type="lMarg" refType="primFontSz" fact="0.2"/>
+            <dgm:constr type="rMarg" refType="primFontSz" fact="0.2"/>
+            <dgm:constr type="tMarg" refType="primFontSz" fact="0.2"/>
+            <dgm:constr type="bMarg" refType="primFontSz" fact="0.2"/>
+          </dgm:constrLst>
+          <dgm:ruleLst>
+            <dgm:rule type="primFontSz" val="5" fact="NaN" max="NaN"/>
+          </dgm:ruleLst>
+        </dgm:layoutNode>
+        <dgm:layoutNode name="Parent" styleLbl="revTx">
+          <dgm:varLst>
+            <dgm:chMax val="1"/>
+            <dgm:chPref val="1"/>
+            <dgm:bulletEnabled val="1"/>
+          </dgm:varLst>
+          <dgm:choose name="Name57">
+            <dgm:if name="Name58" func="var" arg="dir" op="equ" val="norm">
+              <dgm:alg type="tx">
+                <dgm:param type="parTxLTRAlign" val="l"/>
+                <dgm:param type="parTxRTLAlign" val="l"/>
+                <dgm:param type="shpTxLTRAlignCh" val="l"/>
+                <dgm:param type="shpTxRTLAlignCh" val="l"/>
+                <dgm:param type="txAnchorVert" val="b"/>
+                <dgm:param type="txAnchorVertCh" val="b"/>
+              </dgm:alg>
+            </dgm:if>
+            <dgm:else name="Name59">
+              <dgm:alg type="tx">
+                <dgm:param type="parTxLTRAlign" val="r"/>
+                <dgm:param type="parTxRTLAlign" val="r"/>
+                <dgm:param type="shpTxLTRAlignCh" val="r"/>
+                <dgm:param type="shpTxRTLAlignCh" val="r"/>
+                <dgm:param type="txAnchorVert" val="b"/>
+                <dgm:param type="txAnchorVertCh" val="b"/>
+              </dgm:alg>
+            </dgm:else>
+          </dgm:choose>
+          <dgm:shape xmlns:r="http://schemas.openxmlformats.org/officeDocument/2006/relationships" type="rect" r:blip="">
+            <dgm:adjLst/>
+          </dgm:shape>
+          <dgm:presOf axis="self" ptType="node"/>
+          <dgm:constrLst>
+            <dgm:constr type="lMarg" refType="primFontSz" fact="0.2"/>
+            <dgm:constr type="rMarg" refType="primFontSz" fact="0.2"/>
+            <dgm:constr type="tMarg" refType="primFontSz" fact="0.2"/>
+            <dgm:constr type="bMarg" refType="primFontSz" fact="0.2"/>
+          </dgm:constrLst>
+          <dgm:ruleLst>
+            <dgm:rule type="primFontSz" val="5" fact="NaN" max="NaN"/>
+          </dgm:ruleLst>
+        </dgm:layoutNode>
+      </dgm:layoutNode>
+      <dgm:forEach name="sibTransForEach" axis="followSib" ptType="sibTrans" cnt="1">
+        <dgm:layoutNode name="sibTrans">
+          <dgm:alg type="sp"/>
+          <dgm:shape xmlns:r="http://schemas.openxmlformats.org/officeDocument/2006/relationships" r:blip="">
+            <dgm:adjLst/>
+          </dgm:shape>
+        </dgm:layoutNode>
+      </dgm:forEach>
+    </dgm:forEach>
+  </dgm:layoutNode>
+</dgm:layoutDef>
+</file>
+
+<file path=ppt/diagrams/quickStyle1.xml><?xml version="1.0" encoding="utf-8"?>
+<dgm:styleDef xmlns:dgm="http://schemas.openxmlformats.org/drawingml/2006/diagram" xmlns:a="http://schemas.openxmlformats.org/drawingml/2006/main" uniqueId="urn:microsoft.com/office/officeart/2005/8/quickstyle/simple1">
+  <dgm:title val=""/>
+  <dgm:desc val=""/>
+  <dgm:catLst>
+    <dgm:cat type="simple" pri="10100"/>
+  </dgm:catLst>
+  <dgm:scene3d>
+    <a:camera prst="orthographicFront"/>
+    <a:lightRig rig="threePt" dir="t"/>
+  </dgm:scene3d>
+  <dgm:styleLbl name="node0">
+    <dgm:scene3d>
+      <a:camera prst="orthographicFront"/>
+      <a:lightRig rig="threePt" dir="t"/>
+    </dgm:scene3d>
+    <dgm:sp3d/>
+    <dgm:txPr/>
+    <dgm:style>
+      <a:lnRef idx="2">
+        <a:scrgbClr r="0" g="0" b="0"/>
+      </a:lnRef>
+      <a:fillRef idx="1">
+        <a:scrgbClr r="0" g="0" b="0"/>
+      </a:fillRef>
+      <a:effectRef idx="0">
+        <a:scrgbClr r="0" g="0" b="0"/>
+      </a:effectRef>
+      <a:fontRef idx="minor">
+        <a:schemeClr val="lt1"/>
+      </a:fontRef>
+    </dgm:style>
+  </dgm:styleLbl>
+  <dgm:styleLbl name="lnNode1">
+    <dgm:scene3d>
+      <a:camera prst="orthographicFront"/>
+      <a:lightRig rig="threePt" dir="t"/>
+    </dgm:scene3d>
+    <dgm:sp3d/>
+    <dgm:txPr/>
+    <dgm:style>
+      <a:lnRef idx="2">
+        <a:scrgbClr r="0" g="0" b="0"/>
+      </a:lnRef>
+      <a:fillRef idx="1">
+        <a:scrgbClr r="0" g="0" b="0"/>
+      </a:fillRef>
+      <a:effectRef idx="0">
+        <a:scrgbClr r="0" g="0" b="0"/>
+      </a:effectRef>
+      <a:fontRef idx="minor">
+        <a:schemeClr val="lt1"/>
+      </a:fontRef>
+    </dgm:style>
+  </dgm:styleLbl>
+  <dgm:styleLbl name="vennNode1">
+    <dgm:scene3d>
+      <a:camera prst="orthographicFront"/>
+      <a:lightRig rig="threePt" dir="t"/>
+    </dgm:scene3d>
+    <dgm:sp3d/>
+    <dgm:txPr/>
+    <dgm:style>
+      <a:lnRef idx="2">
+        <a:scrgbClr r="0" g="0" b="0"/>
+      </a:lnRef>
+      <a:fillRef idx="1">
+        <a:scrgbClr r="0" g="0" b="0"/>
+      </a:fillRef>
+      <a:effectRef idx="0">
+        <a:scrgbClr r="0" g="0" b="0"/>
+      </a:effectRef>
+      <a:fontRef idx="minor">
+        <a:schemeClr val="tx1"/>
+      </a:fontRef>
+    </dgm:style>
+  </dgm:styleLbl>
+  <dgm:styleLbl name="alignNode1">
+    <dgm:scene3d>
+      <a:camera prst="orthographicFront"/>
+      <a:lightRig rig="threePt" dir="t"/>
+    </dgm:scene3d>
+    <dgm:sp3d/>
+    <dgm:txPr/>
+    <dgm:style>
+      <a:lnRef idx="2">
+        <a:scrgbClr r="0" g="0" b="0"/>
+      </a:lnRef>
+      <a:fillRef idx="1">
+        <a:scrgbClr r="0" g="0" b="0"/>
+      </a:fillRef>
+      <a:effectRef idx="0">
+        <a:scrgbClr r="0" g="0" b="0"/>
+      </a:effectRef>
+      <a:fontRef idx="minor">
+        <a:schemeClr val="lt1"/>
+      </a:fontRef>
+    </dgm:style>
+  </dgm:styleLbl>
+  <dgm:styleLbl name="node1">
+    <dgm:scene3d>
+      <a:camera prst="orthographicFront"/>
+      <a:lightRig rig="threePt" dir="t"/>
+    </dgm:scene3d>
+    <dgm:sp3d/>
+    <dgm:txPr/>
+    <dgm:style>
+      <a:lnRef idx="2">
+        <a:scrgbClr r="0" g="0" b="0"/>
+      </a:lnRef>
+      <a:fillRef idx="1">
+        <a:scrgbClr r="0" g="0" b="0"/>
+      </a:fillRef>
+      <a:effectRef idx="0">
+        <a:scrgbClr r="0" g="0" b="0"/>
+      </a:effectRef>
+      <a:fontRef idx="minor">
+        <a:schemeClr val="lt1"/>
+      </a:fontRef>
+    </dgm:style>
+  </dgm:styleLbl>
+  <dgm:styleLbl name="node2">
+    <dgm:scene3d>
+      <a:camera prst="orthographicFront"/>
+      <a:lightRig rig="threePt" dir="t"/>
+    </dgm:scene3d>
+    <dgm:sp3d/>
+    <dgm:txPr/>
+    <dgm:style>
+      <a:lnRef idx="2">
+        <a:scrgbClr r="0" g="0" b="0"/>
+      </a:lnRef>
+      <a:fillRef idx="1">
+        <a:scrgbClr r="0" g="0" b="0"/>
+      </a:fillRef>
+      <a:effectRef idx="0">
+        <a:scrgbClr r="0" g="0" b="0"/>
+      </a:effectRef>
+      <a:fontRef idx="minor">
+        <a:schemeClr val="lt1"/>
+      </a:fontRef>
+    </dgm:style>
+  </dgm:styleLbl>
+  <dgm:styleLbl name="node3">
+    <dgm:scene3d>
+      <a:camera prst="orthographicFront"/>
+      <a:lightRig rig="threePt" dir="t"/>
+    </dgm:scene3d>
+    <dgm:sp3d/>
+    <dgm:txPr/>
+    <dgm:style>
+      <a:lnRef idx="2">
+        <a:scrgbClr r="0" g="0" b="0"/>
+      </a:lnRef>
+      <a:fillRef idx="1">
+        <a:scrgbClr r="0" g="0" b="0"/>
+      </a:fillRef>
+      <a:effectRef idx="0">
+        <a:scrgbClr r="0" g="0" b="0"/>
+      </a:effectRef>
+      <a:fontRef idx="minor">
+        <a:schemeClr val="lt1"/>
+      </a:fontRef>
+    </dgm:style>
+  </dgm:styleLbl>
+  <dgm:styleLbl name="node4">
+    <dgm:scene3d>
+      <a:camera prst="orthographicFront"/>
+      <a:lightRig rig="threePt" dir="t"/>
+    </dgm:scene3d>
+    <dgm:sp3d/>
+    <dgm:txPr/>
+    <dgm:style>
+      <a:lnRef idx="2">
+        <a:scrgbClr r="0" g="0" b="0"/>
+      </a:lnRef>
+      <a:fillRef idx="1">
+        <a:scrgbClr r="0" g="0" b="0"/>
+      </a:fillRef>
+      <a:effectRef idx="0">
+        <a:scrgbClr r="0" g="0" b="0"/>
+      </a:effectRef>
+      <a:fontRef idx="minor">
+        <a:schemeClr val="lt1"/>
+      </a:fontRef>
+    </dgm:style>
+  </dgm:styleLbl>
+  <dgm:styleLbl name="fgImgPlace1">
+    <dgm:scene3d>
+      <a:camera prst="orthographicFront"/>
+      <a:lightRig rig="threePt" dir="t"/>
+    </dgm:scene3d>
+    <dgm:sp3d/>
+    <dgm:txPr/>
+    <dgm:style>
+      <a:lnRef idx="2">
+        <a:scrgbClr r="0" g="0" b="0"/>
+      </a:lnRef>
+      <a:fillRef idx="1">
+        <a:scrgbClr r="0" g="0" b="0"/>
+      </a:fillRef>
+      <a:effectRef idx="0">
+        <a:scrgbClr r="0" g="0" b="0"/>
+      </a:effectRef>
+      <a:fontRef idx="minor"/>
+    </dgm:style>
+  </dgm:styleLbl>
+  <dgm:styleLbl name="alignImgPlace1">
+    <dgm:scene3d>
+      <a:camera prst="orthographicFront"/>
+      <a:lightRig rig="threePt" dir="t"/>
+    </dgm:scene3d>
+    <dgm:sp3d/>
+    <dgm:txPr/>
+    <dgm:style>
+      <a:lnRef idx="2">
+        <a:scrgbClr r="0" g="0" b="0"/>
+      </a:lnRef>
+      <a:fillRef idx="1">
+        <a:scrgbClr r="0" g="0" b="0"/>
+      </a:fillRef>
+      <a:effectRef idx="0">
+        <a:scrgbClr r="0" g="0" b="0"/>
+      </a:effectRef>
+      <a:fontRef idx="minor"/>
+    </dgm:style>
+  </dgm:styleLbl>
+  <dgm:styleLbl name="bgImgPlace1">
+    <dgm:scene3d>
+      <a:camera prst="orthographicFront"/>
+      <a:lightRig rig="threePt" dir="t"/>
+    </dgm:scene3d>
+    <dgm:sp3d/>
+    <dgm:txPr/>
+    <dgm:style>
+      <a:lnRef idx="2">
+        <a:scrgbClr r="0" g="0" b="0"/>
+      </a:lnRef>
+      <a:fillRef idx="1">
+        <a:scrgbClr r="0" g="0" b="0"/>
+      </a:fillRef>
+      <a:effectRef idx="0">
+        <a:scrgbClr r="0" g="0" b="0"/>
+      </a:effectRef>
+      <a:fontRef idx="minor"/>
+    </dgm:style>
+  </dgm:styleLbl>
+  <dgm:styleLbl name="sibTrans2D1">
+    <dgm:scene3d>
+      <a:camera prst="orthographicFront"/>
+      <a:lightRig rig="threePt" dir="t"/>
+    </dgm:scene3d>
+    <dgm:sp3d/>
+    <dgm:txPr/>
+    <dgm:style>
+      <a:lnRef idx="0">
+        <a:scrgbClr r="0" g="0" b="0"/>
+      </a:lnRef>
+      <a:fillRef idx="1">
+        <a:scrgbClr r="0" g="0" b="0"/>
+      </a:fillRef>
+      <a:effectRef idx="0">
+        <a:scrgbClr r="0" g="0" b="0"/>
+      </a:effectRef>
+      <a:fontRef idx="minor">
+        <a:schemeClr val="lt1"/>
+      </a:fontRef>
+    </dgm:style>
+  </dgm:styleLbl>
+  <dgm:styleLbl name="fgSibTrans2D1">
+    <dgm:scene3d>
+      <a:camera prst="orthographicFront"/>
+      <a:lightRig rig="threePt" dir="t"/>
+    </dgm:scene3d>
+    <dgm:sp3d/>
+    <dgm:txPr/>
+    <dgm:style>
+      <a:lnRef idx="0">
+        <a:scrgbClr r="0" g="0" b="0"/>
+      </a:lnRef>
+      <a:fillRef idx="1">
+        <a:scrgbClr r="0" g="0" b="0"/>
+      </a:fillRef>
+      <a:effectRef idx="0">
+        <a:scrgbClr r="0" g="0" b="0"/>
+      </a:effectRef>
+      <a:fontRef idx="minor">
+        <a:schemeClr val="lt1"/>
+      </a:fontRef>
+    </dgm:style>
+  </dgm:styleLbl>
+  <dgm:styleLbl name="bgSibTrans2D1">
+    <dgm:scene3d>
+      <a:camera prst="orthographicFront"/>
+      <a:lightRig rig="threePt" dir="t"/>
+    </dgm:scene3d>
+    <dgm:sp3d/>
+    <dgm:txPr/>
+    <dgm:style>
+      <a:lnRef idx="0">
+        <a:scrgbClr r="0" g="0" b="0"/>
+      </a:lnRef>
+      <a:fillRef idx="1">
+        <a:scrgbClr r="0" g="0" b="0"/>
+      </a:fillRef>
+      <a:effectRef idx="0">
+        <a:scrgbClr r="0" g="0" b="0"/>
+      </a:effectRef>
+      <a:fontRef idx="minor">
+        <a:schemeClr val="lt1"/>
+      </a:fontRef>
+    </dgm:style>
+  </dgm:styleLbl>
+  <dgm:styleLbl name="sibTrans1D1">
+    <dgm:scene3d>
+      <a:camera prst="orthographicFront"/>
+      <a:lightRig rig="threePt" dir="t"/>
+    </dgm:scene3d>
+    <dgm:sp3d/>
+    <dgm:txPr/>
+    <dgm:style>
+      <a:lnRef idx="1">
+        <a:scrgbClr r="0" g="0" b="0"/>
+      </a:lnRef>
+      <a:fillRef idx="0">
+        <a:scrgbClr r="0" g="0" b="0"/>
+      </a:fillRef>
+      <a:effectRef idx="0">
+        <a:scrgbClr r="0" g="0" b="0"/>
+      </a:effectRef>
+      <a:fontRef idx="minor"/>
+    </dgm:style>
+  </dgm:styleLbl>
+  <dgm:styleLbl name="callout">
+    <dgm:scene3d>
+      <a:camera prst="orthographicFront"/>
+      <a:lightRig rig="threePt" dir="t"/>
+    </dgm:scene3d>
+    <dgm:sp3d/>
+    <dgm:txPr/>
+    <dgm:style>
+      <a:lnRef idx="2">
+        <a:scrgbClr r="0" g="0" b="0"/>
+      </a:lnRef>
+      <a:fillRef idx="1">
+        <a:scrgbClr r="0" g="0" b="0"/>
+      </a:fillRef>
+      <a:effectRef idx="0">
+        <a:scrgbClr r="0" g="0" b="0"/>
+      </a:effectRef>
+      <a:fontRef idx="minor"/>
+    </dgm:style>
+  </dgm:styleLbl>
+  <dgm:styleLbl name="asst0">
+    <dgm:scene3d>
+      <a:camera prst="orthographicFront"/>
+      <a:lightRig rig="threePt" dir="t"/>
+    </dgm:scene3d>
+    <dgm:sp3d/>
+    <dgm:txPr/>
+    <dgm:style>
+      <a:lnRef idx="2">
+        <a:scrgbClr r="0" g="0" b="0"/>
+      </a:lnRef>
+      <a:fillRef idx="1">
+        <a:scrgbClr r="0" g="0" b="0"/>
+      </a:fillRef>
+      <a:effectRef idx="0">
+        <a:scrgbClr r="0" g="0" b="0"/>
+      </a:effectRef>
+      <a:fontRef idx="minor">
+        <a:schemeClr val="lt1"/>
+      </a:fontRef>
+    </dgm:style>
+  </dgm:styleLbl>
+  <dgm:styleLbl name="asst1">
+    <dgm:scene3d>
+      <a:camera prst="orthographicFront"/>
+      <a:lightRig rig="threePt" dir="t"/>
+    </dgm:scene3d>
+    <dgm:sp3d/>
+    <dgm:txPr/>
+    <dgm:style>
+      <a:lnRef idx="2">
+        <a:scrgbClr r="0" g="0" b="0"/>
+      </a:lnRef>
+      <a:fillRef idx="1">
+        <a:scrgbClr r="0" g="0" b="0"/>
+      </a:fillRef>
+      <a:effectRef idx="0">
+        <a:scrgbClr r="0" g="0" b="0"/>
+      </a:effectRef>
+      <a:fontRef idx="minor">
+        <a:schemeClr val="lt1"/>
+      </a:fontRef>
+    </dgm:style>
+  </dgm:styleLbl>
+  <dgm:styleLbl name="asst2">
+    <dgm:scene3d>
+      <a:camera prst="orthographicFront"/>
+      <a:lightRig rig="threePt" dir="t"/>
+    </dgm:scene3d>
+    <dgm:sp3d/>
+    <dgm:txPr/>
+    <dgm:style>
+      <a:lnRef idx="2">
+        <a:scrgbClr r="0" g="0" b="0"/>
+      </a:lnRef>
+      <a:fillRef idx="1">
+        <a:scrgbClr r="0" g="0" b="0"/>
+      </a:fillRef>
+      <a:effectRef idx="0">
+        <a:scrgbClr r="0" g="0" b="0"/>
+      </a:effectRef>
+      <a:fontRef idx="minor">
+        <a:schemeClr val="lt1"/>
+      </a:fontRef>
+    </dgm:style>
+  </dgm:styleLbl>
+  <dgm:styleLbl name="asst3">
+    <dgm:scene3d>
+      <a:camera prst="orthographicFront"/>
+      <a:lightRig rig="threePt" dir="t"/>
+    </dgm:scene3d>
+    <dgm:sp3d/>
+    <dgm:txPr/>
+    <dgm:style>
+      <a:lnRef idx="2">
+        <a:scrgbClr r="0" g="0" b="0"/>
+      </a:lnRef>
+      <a:fillRef idx="1">
+        <a:scrgbClr r="0" g="0" b="0"/>
+      </a:fillRef>
+      <a:effectRef idx="0">
+        <a:scrgbClr r="0" g="0" b="0"/>
+      </a:effectRef>
+      <a:fontRef idx="minor">
+        <a:schemeClr val="lt1"/>
+      </a:fontRef>
+    </dgm:style>
+  </dgm:styleLbl>
+  <dgm:styleLbl name="asst4">
+    <dgm:scene3d>
+      <a:camera prst="orthographicFront"/>
+      <a:lightRig rig="threePt" dir="t"/>
+    </dgm:scene3d>
+    <dgm:sp3d/>
+    <dgm:txPr/>
+    <dgm:style>
+      <a:lnRef idx="2">
+        <a:scrgbClr r="0" g="0" b="0"/>
+      </a:lnRef>
+      <a:fillRef idx="1">
+        <a:scrgbClr r="0" g="0" b="0"/>
+      </a:fillRef>
+      <a:effectRef idx="0">
+        <a:scrgbClr r="0" g="0" b="0"/>
+      </a:effectRef>
+      <a:fontRef idx="minor">
+        <a:schemeClr val="lt1"/>
+      </a:fontRef>
+    </dgm:style>
+  </dgm:styleLbl>
+  <dgm:styleLbl name="parChTrans2D1">
+    <dgm:scene3d>
+      <a:camera prst="orthographicFront"/>
+      <a:lightRig rig="threePt" dir="t"/>
+    </dgm:scene3d>
+    <dgm:sp3d/>
+    <dgm:txPr/>
+    <dgm:style>
+      <a:lnRef idx="2">
+        <a:scrgbClr r="0" g="0" b="0"/>
+      </a:lnRef>
+      <a:fillRef idx="1">
+        <a:scrgbClr r="0" g="0" b="0"/>
+      </a:fillRef>
+      <a:effectRef idx="0">
+        <a:scrgbClr r="0" g="0" b="0"/>
+      </a:effectRef>
+      <a:fontRef idx="minor">
+        <a:schemeClr val="lt1"/>
+      </a:fontRef>
+    </dgm:style>
+  </dgm:styleLbl>
+  <dgm:styleLbl name="parChTrans2D2">
+    <dgm:scene3d>
+      <a:camera prst="orthographicFront"/>
+      <a:lightRig rig="threePt" dir="t"/>
+    </dgm:scene3d>
+    <dgm:sp3d/>
+    <dgm:txPr/>
+    <dgm:style>
+      <a:lnRef idx="2">
+        <a:scrgbClr r="0" g="0" b="0"/>
+      </a:lnRef>
+      <a:fillRef idx="1">
+        <a:scrgbClr r="0" g="0" b="0"/>
+      </a:fillRef>
+      <a:effectRef idx="0">
+        <a:scrgbClr r="0" g="0" b="0"/>
+      </a:effectRef>
+      <a:fontRef idx="minor">
+        <a:schemeClr val="lt1"/>
+      </a:fontRef>
+    </dgm:style>
+  </dgm:styleLbl>
+  <dgm:styleLbl name="parChTrans2D3">
+    <dgm:scene3d>
+      <a:camera prst="orthographicFront"/>
+      <a:lightRig rig="threePt" dir="t"/>
+    </dgm:scene3d>
+    <dgm:sp3d/>
+    <dgm:txPr/>
+    <dgm:style>
+      <a:lnRef idx="2">
+        <a:scrgbClr r="0" g="0" b="0"/>
+      </a:lnRef>
+      <a:fillRef idx="1">
+        <a:scrgbClr r="0" g="0" b="0"/>
+      </a:fillRef>
+      <a:effectRef idx="0">
+        <a:scrgbClr r="0" g="0" b="0"/>
+      </a:effectRef>
+      <a:fontRef idx="minor">
+        <a:schemeClr val="lt1"/>
+      </a:fontRef>
+    </dgm:style>
+  </dgm:styleLbl>
+  <dgm:styleLbl name="parChTrans2D4">
+    <dgm:scene3d>
+      <a:camera prst="orthographicFront"/>
+      <a:lightRig rig="threePt" dir="t"/>
+    </dgm:scene3d>
+    <dgm:sp3d/>
+    <dgm:txPr/>
+    <dgm:style>
+      <a:lnRef idx="2">
+        <a:scrgbClr r="0" g="0" b="0"/>
+      </a:lnRef>
+      <a:fillRef idx="1">
+        <a:scrgbClr r="0" g="0" b="0"/>
+      </a:fillRef>
+      <a:effectRef idx="0">
+        <a:scrgbClr r="0" g="0" b="0"/>
+      </a:effectRef>
+      <a:fontRef idx="minor">
+        <a:schemeClr val="lt1"/>
+      </a:fontRef>
+    </dgm:style>
+  </dgm:styleLbl>
+  <dgm:styleLbl name="parChTrans1D1">
+    <dgm:scene3d>
+      <a:camera prst="orthographicFront"/>
+      <a:lightRig rig="threePt" dir="t"/>
+    </dgm:scene3d>
+    <dgm:sp3d/>
+    <dgm:txPr/>
+    <dgm:style>
+      <a:lnRef idx="2">
+        <a:scrgbClr r="0" g="0" b="0"/>
+      </a:lnRef>
+      <a:fillRef idx="0">
+        <a:scrgbClr r="0" g="0" b="0"/>
+      </a:fillRef>
+      <a:effectRef idx="0">
+        <a:scrgbClr r="0" g="0" b="0"/>
+      </a:effectRef>
+      <a:fontRef idx="minor"/>
+    </dgm:style>
+  </dgm:styleLbl>
+  <dgm:styleLbl name="parChTrans1D2">
+    <dgm:scene3d>
+      <a:camera prst="orthographicFront"/>
+      <a:lightRig rig="threePt" dir="t"/>
+    </dgm:scene3d>
+    <dgm:sp3d/>
+    <dgm:txPr/>
+    <dgm:style>
+      <a:lnRef idx="2">
+        <a:scrgbClr r="0" g="0" b="0"/>
+      </a:lnRef>
+      <a:fillRef idx="0">
+        <a:scrgbClr r="0" g="0" b="0"/>
+      </a:fillRef>
+      <a:effectRef idx="0">
+        <a:scrgbClr r="0" g="0" b="0"/>
+      </a:effectRef>
+      <a:fontRef idx="minor"/>
+    </dgm:style>
+  </dgm:styleLbl>
+  <dgm:styleLbl name="parChTrans1D3">
+    <dgm:scene3d>
+      <a:camera prst="orthographicFront"/>
+      <a:lightRig rig="threePt" dir="t"/>
+    </dgm:scene3d>
+    <dgm:sp3d/>
+    <dgm:txPr/>
+    <dgm:style>
+      <a:lnRef idx="2">
+        <a:scrgbClr r="0" g="0" b="0"/>
+      </a:lnRef>
+      <a:fillRef idx="0">
+        <a:scrgbClr r="0" g="0" b="0"/>
+      </a:fillRef>
+      <a:effectRef idx="0">
+        <a:scrgbClr r="0" g="0" b="0"/>
+      </a:effectRef>
+      <a:fontRef idx="minor"/>
+    </dgm:style>
+  </dgm:styleLbl>
+  <dgm:styleLbl name="parChTrans1D4">
+    <dgm:scene3d>
+      <a:camera prst="orthographicFront"/>
+      <a:lightRig rig="threePt" dir="t"/>
+    </dgm:scene3d>
+    <dgm:sp3d/>
+    <dgm:txPr/>
+    <dgm:style>
+      <a:lnRef idx="2">
+        <a:scrgbClr r="0" g="0" b="0"/>
+      </a:lnRef>
+      <a:fillRef idx="0">
+        <a:scrgbClr r="0" g="0" b="0"/>
+      </a:fillRef>
+      <a:effectRef idx="0">
+        <a:scrgbClr r="0" g="0" b="0"/>
+      </a:effectRef>
+      <a:fontRef idx="minor"/>
+    </dgm:style>
+  </dgm:styleLbl>
+  <dgm:styleLbl name="fgAcc1">
+    <dgm:scene3d>
+      <a:camera prst="orthographicFront"/>
+      <a:lightRig rig="threePt" dir="t"/>
+    </dgm:scene3d>
+    <dgm:sp3d/>
+    <dgm:txPr/>
+    <dgm:style>
+      <a:lnRef idx="2">
+        <a:scrgbClr r="0" g="0" b="0"/>
+      </a:lnRef>
+      <a:fillRef idx="1">
+        <a:scrgbClr r="0" g="0" b="0"/>
+      </a:fillRef>
+      <a:effectRef idx="0">
+        <a:scrgbClr r="0" g="0" b="0"/>
+      </a:effectRef>
+      <a:fontRef idx="minor"/>
+    </dgm:style>
+  </dgm:styleLbl>
+  <dgm:styleLbl name="conFgAcc1">
+    <dgm:scene3d>
+      <a:camera prst="orthographicFront"/>
+      <a:lightRig rig="threePt" dir="t"/>
+    </dgm:scene3d>
+    <dgm:sp3d/>
+    <dgm:txPr/>
+    <dgm:style>
+      <a:lnRef idx="2">
+        <a:scrgbClr r="0" g="0" b="0"/>
+      </a:lnRef>
+      <a:fillRef idx="1">
+        <a:scrgbClr r="0" g="0" b="0"/>
+      </a:fillRef>
+      <a:effectRef idx="0">
+        <a:scrgbClr r="0" g="0" b="0"/>
+      </a:effectRef>
+      <a:fontRef idx="minor"/>
+    </dgm:style>
+  </dgm:styleLbl>
+  <dgm:styleLbl name="alignAcc1">
+    <dgm:scene3d>
+      <a:camera prst="orthographicFront"/>
+      <a:lightRig rig="threePt" dir="t"/>
+    </dgm:scene3d>
+    <dgm:sp3d/>
+    <dgm:txPr/>
+    <dgm:style>
+      <a:lnRef idx="2">
+        <a:scrgbClr r="0" g="0" b="0"/>
+      </a:lnRef>
+      <a:fillRef idx="1">
+        <a:scrgbClr r="0" g="0" b="0"/>
+      </a:fillRef>
+      <a:effectRef idx="0">
+        <a:scrgbClr r="0" g="0" b="0"/>
+      </a:effectRef>
+      <a:fontRef idx="minor"/>
+    </dgm:style>
+  </dgm:styleLbl>
+  <dgm:styleLbl name="trAlignAcc1">
+    <dgm:scene3d>
+      <a:camera prst="orthographicFront"/>
+      <a:lightRig rig="threePt" dir="t"/>
+    </dgm:scene3d>
+    <dgm:sp3d/>
+    <dgm:txPr/>
+    <dgm:style>
+      <a:lnRef idx="1">
+        <a:scrgbClr r="0" g="0" b="0"/>
+      </a:lnRef>
+      <a:fillRef idx="1">
+        <a:scrgbClr r="0" g="0" b="0"/>
+      </a:fillRef>
+      <a:effectRef idx="0">
+        <a:scrgbClr r="0" g="0" b="0"/>
+      </a:effectRef>
+      <a:fontRef idx="minor"/>
+    </dgm:style>
+  </dgm:styleLbl>
+  <dgm:styleLbl name="bgAcc1">
+    <dgm:scene3d>
+      <a:camera prst="orthographicFront"/>
+      <a:lightRig rig="threePt" dir="t"/>
+    </dgm:scene3d>
+    <dgm:sp3d/>
+    <dgm:txPr/>
+    <dgm:style>
+      <a:lnRef idx="2">
+        <a:scrgbClr r="0" g="0" b="0"/>
+      </a:lnRef>
+      <a:fillRef idx="1">
+        <a:scrgbClr r="0" g="0" b="0"/>
+      </a:fillRef>
+      <a:effectRef idx="0">
+        <a:scrgbClr r="0" g="0" b="0"/>
+      </a:effectRef>
+      <a:fontRef idx="minor"/>
+    </dgm:style>
+  </dgm:styleLbl>
+  <dgm:styleLbl name="solidFgAcc1">
+    <dgm:scene3d>
+      <a:camera prst="orthographicFront"/>
+      <a:lightRig rig="threePt" dir="t"/>
+    </dgm:scene3d>
+    <dgm:sp3d/>
+    <dgm:txPr/>
+    <dgm:style>
+      <a:lnRef idx="2">
+        <a:scrgbClr r="0" g="0" b="0"/>
+      </a:lnRef>
+      <a:fillRef idx="1">
+        <a:scrgbClr r="0" g="0" b="0"/>
+      </a:fillRef>
+      <a:effectRef idx="0">
+        <a:scrgbClr r="0" g="0" b="0"/>
+      </a:effectRef>
+      <a:fontRef idx="minor"/>
+    </dgm:style>
+  </dgm:styleLbl>
+  <dgm:styleLbl name="solidAlignAcc1">
+    <dgm:scene3d>
+      <a:camera prst="orthographicFront"/>
+      <a:lightRig rig="threePt" dir="t"/>
+    </dgm:scene3d>
+    <dgm:sp3d/>
+    <dgm:txPr/>
+    <dgm:style>
+      <a:lnRef idx="2">
+        <a:scrgbClr r="0" g="0" b="0"/>
+      </a:lnRef>
+      <a:fillRef idx="1">
+        <a:scrgbClr r="0" g="0" b="0"/>
+      </a:fillRef>
+      <a:effectRef idx="0">
+        <a:scrgbClr r="0" g="0" b="0"/>
+      </a:effectRef>
+      <a:fontRef idx="minor"/>
+    </dgm:style>
+  </dgm:styleLbl>
+  <dgm:styleLbl name="solidBgAcc1">
+    <dgm:scene3d>
+      <a:camera prst="orthographicFront"/>
+      <a:lightRig rig="threePt" dir="t"/>
+    </dgm:scene3d>
+    <dgm:sp3d/>
+    <dgm:txPr/>
+    <dgm:style>
+      <a:lnRef idx="2">
+        <a:scrgbClr r="0" g="0" b="0"/>
+      </a:lnRef>
+      <a:fillRef idx="1">
+        <a:scrgbClr r="0" g="0" b="0"/>
+      </a:fillRef>
+      <a:effectRef idx="0">
+        <a:scrgbClr r="0" g="0" b="0"/>
+      </a:effectRef>
+      <a:fontRef idx="minor"/>
+    </dgm:style>
+  </dgm:styleLbl>
+  <dgm:styleLbl name="fgAccFollowNode1">
+    <dgm:scene3d>
+      <a:camera prst="orthographicFront"/>
+      <a:lightRig rig="threePt" dir="t"/>
+    </dgm:scene3d>
+    <dgm:sp3d/>
+    <dgm:txPr/>
+    <dgm:style>
+      <a:lnRef idx="2">
+        <a:scrgbClr r="0" g="0" b="0"/>
+      </a:lnRef>
+      <a:fillRef idx="1">
+        <a:scrgbClr r="0" g="0" b="0"/>
+      </a:fillRef>
+      <a:effectRef idx="0">
+        <a:scrgbClr r="0" g="0" b="0"/>
+      </a:effectRef>
+      <a:fontRef idx="minor"/>
+    </dgm:style>
+  </dgm:styleLbl>
+  <dgm:styleLbl name="alignAccFollowNode1">
+    <dgm:scene3d>
+      <a:camera prst="orthographicFront"/>
+      <a:lightRig rig="threePt" dir="t"/>
+    </dgm:scene3d>
+    <dgm:sp3d/>
+    <dgm:txPr/>
+    <dgm:style>
+      <a:lnRef idx="2">
+        <a:scrgbClr r="0" g="0" b="0"/>
+      </a:lnRef>
+      <a:fillRef idx="1">
+        <a:scrgbClr r="0" g="0" b="0"/>
+      </a:fillRef>
+      <a:effectRef idx="0">
+        <a:scrgbClr r="0" g="0" b="0"/>
+      </a:effectRef>
+      <a:fontRef idx="minor"/>
+    </dgm:style>
+  </dgm:styleLbl>
+  <dgm:styleLbl name="bgAccFollowNode1">
+    <dgm:scene3d>
+      <a:camera prst="orthographicFront"/>
+      <a:lightRig rig="threePt" dir="t"/>
+    </dgm:scene3d>
+    <dgm:sp3d/>
+    <dgm:txPr/>
+    <dgm:style>
+      <a:lnRef idx="2">
+        <a:scrgbClr r="0" g="0" b="0"/>
+      </a:lnRef>
+      <a:fillRef idx="1">
+        <a:scrgbClr r="0" g="0" b="0"/>
+      </a:fillRef>
+      <a:effectRef idx="0">
+        <a:scrgbClr r="0" g="0" b="0"/>
+      </a:effectRef>
+      <a:fontRef idx="minor"/>
+    </dgm:style>
+  </dgm:styleLbl>
+  <dgm:styleLbl name="fgAcc0">
+    <dgm:scene3d>
+      <a:camera prst="orthographicFront"/>
+      <a:lightRig rig="threePt" dir="t"/>
+    </dgm:scene3d>
+    <dgm:sp3d/>
+    <dgm:txPr/>
+    <dgm:style>
+      <a:lnRef idx="2">
+        <a:scrgbClr r="0" g="0" b="0"/>
+      </a:lnRef>
+      <a:fillRef idx="1">
+        <a:scrgbClr r="0" g="0" b="0"/>
+      </a:fillRef>
+      <a:effectRef idx="0">
+        <a:scrgbClr r="0" g="0" b="0"/>
+      </a:effectRef>
+      <a:fontRef idx="minor"/>
+    </dgm:style>
+  </dgm:styleLbl>
+  <dgm:styleLbl name="fgAcc2">
+    <dgm:scene3d>
+      <a:camera prst="orthographicFront"/>
+      <a:lightRig rig="threePt" dir="t"/>
+    </dgm:scene3d>
+    <dgm:sp3d/>
+    <dgm:txPr/>
+    <dgm:style>
+      <a:lnRef idx="2">
+        <a:scrgbClr r="0" g="0" b="0"/>
+      </a:lnRef>
+      <a:fillRef idx="1">
+        <a:scrgbClr r="0" g="0" b="0"/>
+      </a:fillRef>
+      <a:effectRef idx="0">
+        <a:scrgbClr r="0" g="0" b="0"/>
+      </a:effectRef>
+      <a:fontRef idx="minor"/>
+    </dgm:style>
+  </dgm:styleLbl>
+  <dgm:styleLbl name="fgAcc3">
+    <dgm:scene3d>
+      <a:camera prst="orthographicFront"/>
+      <a:lightRig rig="threePt" dir="t"/>
+    </dgm:scene3d>
+    <dgm:sp3d/>
+    <dgm:txPr/>
+    <dgm:style>
+      <a:lnRef idx="2">
+        <a:scrgbClr r="0" g="0" b="0"/>
+      </a:lnRef>
+      <a:fillRef idx="1">
+        <a:scrgbClr r="0" g="0" b="0"/>
+      </a:fillRef>
+      <a:effectRef idx="0">
+        <a:scrgbClr r="0" g="0" b="0"/>
+      </a:effectRef>
+      <a:fontRef idx="minor"/>
+    </dgm:style>
+  </dgm:styleLbl>
+  <dgm:styleLbl name="fgAcc4">
+    <dgm:scene3d>
+      <a:camera prst="orthographicFront"/>
+      <a:lightRig rig="threePt" dir="t"/>
+    </dgm:scene3d>
+    <dgm:sp3d/>
+    <dgm:txPr/>
+    <dgm:style>
+      <a:lnRef idx="2">
+        <a:scrgbClr r="0" g="0" b="0"/>
+      </a:lnRef>
+      <a:fillRef idx="1">
+        <a:scrgbClr r="0" g="0" b="0"/>
+      </a:fillRef>
+      <a:effectRef idx="0">
+        <a:scrgbClr r="0" g="0" b="0"/>
+      </a:effectRef>
+      <a:fontRef idx="minor"/>
+    </dgm:style>
+  </dgm:styleLbl>
+  <dgm:styleLbl name="bgShp">
+    <dgm:scene3d>
+      <a:camera prst="orthographicFront"/>
+      <a:lightRig rig="threePt" dir="t"/>
+    </dgm:scene3d>
+    <dgm:sp3d/>
+    <dgm:txPr/>
+    <dgm:style>
+      <a:lnRef idx="0">
+        <a:scrgbClr r="0" g="0" b="0"/>
+      </a:lnRef>
+      <a:fillRef idx="1">
+        <a:scrgbClr r="0" g="0" b="0"/>
+      </a:fillRef>
+      <a:effectRef idx="0">
+        <a:scrgbClr r="0" g="0" b="0"/>
+      </a:effectRef>
+      <a:fontRef idx="minor"/>
+    </dgm:style>
+  </dgm:styleLbl>
+  <dgm:styleLbl name="dkBgShp">
+    <dgm:scene3d>
+      <a:camera prst="orthographicFront"/>
+      <a:lightRig rig="threePt" dir="t"/>
+    </dgm:scene3d>
+    <dgm:sp3d/>
+    <dgm:txPr/>
+    <dgm:style>
+      <a:lnRef idx="0">
+        <a:scrgbClr r="0" g="0" b="0"/>
+      </a:lnRef>
+      <a:fillRef idx="1">
+        <a:scrgbClr r="0" g="0" b="0"/>
+      </a:fillRef>
+      <a:effectRef idx="0">
+        <a:scrgbClr r="0" g="0" b="0"/>
+      </a:effectRef>
+      <a:fontRef idx="minor"/>
+    </dgm:style>
+  </dgm:styleLbl>
+  <dgm:styleLbl name="trBgShp">
+    <dgm:scene3d>
+      <a:camera prst="orthographicFront"/>
+      <a:lightRig rig="threePt" dir="t"/>
+    </dgm:scene3d>
+    <dgm:sp3d/>
+    <dgm:txPr/>
+    <dgm:style>
+      <a:lnRef idx="0">
+        <a:scrgbClr r="0" g="0" b="0"/>
+      </a:lnRef>
+      <a:fillRef idx="1">
+        <a:scrgbClr r="0" g="0" b="0"/>
+      </a:fillRef>
+      <a:effectRef idx="0">
+        <a:scrgbClr r="0" g="0" b="0"/>
+      </a:effectRef>
+      <a:fontRef idx="minor"/>
+    </dgm:style>
+  </dgm:styleLbl>
+  <dgm:styleLbl name="fgShp">
+    <dgm:scene3d>
+      <a:camera prst="orthographicFront"/>
+      <a:lightRig rig="threePt" dir="t"/>
+    </dgm:scene3d>
+    <dgm:sp3d/>
+    <dgm:txPr/>
+    <dgm:style>
+      <a:lnRef idx="2">
+        <a:scrgbClr r="0" g="0" b="0"/>
+      </a:lnRef>
+      <a:fillRef idx="1">
+        <a:scrgbClr r="0" g="0" b="0"/>
+      </a:fillRef>
+      <a:effectRef idx="0">
+        <a:scrgbClr r="0" g="0" b="0"/>
+      </a:effectRef>
+      <a:fontRef idx="minor"/>
+    </dgm:style>
+  </dgm:styleLbl>
+  <dgm:styleLbl name="revTx">
+    <dgm:scene3d>
+      <a:camera prst="orthographicFront"/>
+      <a:lightRig rig="threePt" dir="t"/>
+    </dgm:scene3d>
+    <dgm:sp3d/>
+    <dgm:txPr/>
+    <dgm:style>
+      <a:lnRef idx="0">
+        <a:scrgbClr r="0" g="0" b="0"/>
+      </a:lnRef>
+      <a:fillRef idx="0">
+        <a:scrgbClr r="0" g="0" b="0"/>
+      </a:fillRef>
+      <a:effectRef idx="0">
+        <a:scrgbClr r="0" g="0" b="0"/>
+      </a:effectRef>
+      <a:fontRef idx="minor"/>
+    </dgm:style>
+  </dgm:styleLbl>
+</dgm:styleDef>
+</file>
+
+<file path=ppt/notesMasters/notesMaster1.xml><?xml version="1.0" encoding="utf-8"?>
+<p:notesMaster xmlns:a="http://schemas.openxmlformats.org/drawingml/2006/main" xmlns:r="http://schemas.openxmlformats.org/officeDocument/2006/relationships" xmlns:p="http://schemas.openxmlformats.org/presentationml/2006/main">
+  <p:cSld>
+    <p:bg>
+      <p:bgRef idx="1001">
+        <a:schemeClr val="bg1"/>
+      </p:bgRef>
+    </p:bg>
+    <p:spTree>
+      <p:nvGrpSpPr>
+        <p:cNvPr id="1" name=""/>
+        <p:cNvGrpSpPr/>
+        <p:nvPr/>
+      </p:nvGrpSpPr>
+      <p:grpSpPr>
+        <a:xfrm>
+          <a:off x="0" y="0"/>
+          <a:ext cx="0" cy="0"/>
+          <a:chOff x="0" y="0"/>
+          <a:chExt cx="0" cy="0"/>
+        </a:xfrm>
+      </p:grpSpPr>
+      <p:sp>
+        <p:nvSpPr>
+          <p:cNvPr id="2" name="Header Placeholder 1"/>
+          <p:cNvSpPr>
+            <a:spLocks noGrp="1"/>
+          </p:cNvSpPr>
+          <p:nvPr>
+            <p:ph type="hdr" sz="quarter"/>
+          </p:nvPr>
+        </p:nvSpPr>
+        <p:spPr>
+          <a:xfrm>
+            <a:off x="0" y="0"/>
+            <a:ext cx="2971800" cy="458788"/>
+          </a:xfrm>
+          <a:prstGeom prst="rect">
+            <a:avLst/>
+          </a:prstGeom>
+        </p:spPr>
+        <p:txBody>
+          <a:bodyPr vert="horz" lIns="91440" tIns="45720" rIns="91440" bIns="45720" rtlCol="0"/>
+          <a:lstStyle>
+            <a:lvl1pPr algn="l">
+              <a:defRPr sz="1200"/>
+            </a:lvl1pPr>
+          </a:lstStyle>
+          <a:p>
+            <a:endParaRPr lang="en-US"/>
+          </a:p>
+        </p:txBody>
+      </p:sp>
+      <p:sp>
+        <p:nvSpPr>
+          <p:cNvPr id="3" name="Date Placeholder 2"/>
+          <p:cNvSpPr>
+            <a:spLocks noGrp="1"/>
+          </p:cNvSpPr>
+          <p:nvPr>
+            <p:ph type="dt" idx="1"/>
+          </p:nvPr>
+        </p:nvSpPr>
+        <p:spPr>
+          <a:xfrm>
+            <a:off x="3884613" y="0"/>
+            <a:ext cx="2971800" cy="458788"/>
+          </a:xfrm>
+          <a:prstGeom prst="rect">
+            <a:avLst/>
+          </a:prstGeom>
+        </p:spPr>
+        <p:txBody>
+          <a:bodyPr vert="horz" lIns="91440" tIns="45720" rIns="91440" bIns="45720" rtlCol="0"/>
+          <a:lstStyle>
+            <a:lvl1pPr algn="r">
+              <a:defRPr sz="1200"/>
+            </a:lvl1pPr>
+          </a:lstStyle>
+          <a:p>
+            <a:fld id="{A768EF28-448F-43AE-AFF6-F195B6B00CBD}" type="datetimeFigureOut">
+              <a:rPr lang="en-US" smtClean="0"/>
+              <a:t>8/18/2021</a:t>
+            </a:fld>
+            <a:endParaRPr lang="en-US"/>
+          </a:p>
+        </p:txBody>
+      </p:sp>
+      <p:sp>
+        <p:nvSpPr>
+          <p:cNvPr id="4" name="Slide Image Placeholder 3"/>
+          <p:cNvSpPr>
+            <a:spLocks noGrp="1" noRot="1" noChangeAspect="1"/>
+          </p:cNvSpPr>
+          <p:nvPr>
+            <p:ph type="sldImg" idx="2"/>
+          </p:nvPr>
+        </p:nvSpPr>
+        <p:spPr>
+          <a:xfrm>
+            <a:off x="685800" y="1143000"/>
+            <a:ext cx="5486400" cy="3086100"/>
+          </a:xfrm>
+          <a:prstGeom prst="rect">
+            <a:avLst/>
+          </a:prstGeom>
+          <a:noFill/>
+          <a:ln w="12700">
+            <a:solidFill>
+              <a:prstClr val="black"/>
+            </a:solidFill>
+          </a:ln>
+        </p:spPr>
+        <p:txBody>
+          <a:bodyPr vert="horz" lIns="91440" tIns="45720" rIns="91440" bIns="45720" rtlCol="0" anchor="ctr"/>
+          <a:lstStyle/>
+          <a:p>
+            <a:endParaRPr lang="en-US"/>
+          </a:p>
+        </p:txBody>
+      </p:sp>
+      <p:sp>
+        <p:nvSpPr>
+          <p:cNvPr id="5" name="Notes Placeholder 4"/>
+          <p:cNvSpPr>
+            <a:spLocks noGrp="1"/>
+          </p:cNvSpPr>
+          <p:nvPr>
+            <p:ph type="body" sz="quarter" idx="3"/>
+          </p:nvPr>
+        </p:nvSpPr>
+        <p:spPr>
+          <a:xfrm>
+            <a:off x="685800" y="4400550"/>
+            <a:ext cx="5486400" cy="3600450"/>
+          </a:xfrm>
+          <a:prstGeom prst="rect">
+            <a:avLst/>
+          </a:prstGeom>
+        </p:spPr>
+        <p:txBody>
+          <a:bodyPr vert="horz" lIns="91440" tIns="45720" rIns="91440" bIns="45720" rtlCol="0"/>
+          <a:lstStyle/>
+          <a:p>
+            <a:pPr lvl="0"/>
+            <a:r>
+              <a:rPr lang="en-US"/>
+              <a:t>Click to edit Master text styles</a:t>
+            </a:r>
+          </a:p>
+          <a:p>
+            <a:pPr lvl="1"/>
+            <a:r>
+              <a:rPr lang="en-US"/>
+              <a:t>Second level</a:t>
+            </a:r>
+          </a:p>
+          <a:p>
+            <a:pPr lvl="2"/>
+            <a:r>
+              <a:rPr lang="en-US"/>
+              <a:t>Third level</a:t>
+            </a:r>
+          </a:p>
+          <a:p>
+            <a:pPr lvl="3"/>
+            <a:r>
+              <a:rPr lang="en-US"/>
+              <a:t>Fourth level</a:t>
+            </a:r>
+          </a:p>
+          <a:p>
+            <a:pPr lvl="4"/>
+            <a:r>
+              <a:rPr lang="en-US"/>
+              <a:t>Fifth level</a:t>
+            </a:r>
+          </a:p>
+        </p:txBody>
+      </p:sp>
+      <p:sp>
+        <p:nvSpPr>
+          <p:cNvPr id="6" name="Footer Placeholder 5"/>
+          <p:cNvSpPr>
+            <a:spLocks noGrp="1"/>
+          </p:cNvSpPr>
+          <p:nvPr>
+            <p:ph type="ftr" sz="quarter" idx="4"/>
+          </p:nvPr>
+        </p:nvSpPr>
+        <p:spPr>
+          <a:xfrm>
+            <a:off x="0" y="8685213"/>
+            <a:ext cx="2971800" cy="458787"/>
+          </a:xfrm>
+          <a:prstGeom prst="rect">
+            <a:avLst/>
+          </a:prstGeom>
+        </p:spPr>
+        <p:txBody>
+          <a:bodyPr vert="horz" lIns="91440" tIns="45720" rIns="91440" bIns="45720" rtlCol="0" anchor="b"/>
+          <a:lstStyle>
+            <a:lvl1pPr algn="l">
+              <a:defRPr sz="1200"/>
+            </a:lvl1pPr>
+          </a:lstStyle>
+          <a:p>
+            <a:endParaRPr lang="en-US"/>
+          </a:p>
+        </p:txBody>
+      </p:sp>
+      <p:sp>
+        <p:nvSpPr>
+          <p:cNvPr id="7" name="Slide Number Placeholder 6"/>
+          <p:cNvSpPr>
+            <a:spLocks noGrp="1"/>
+          </p:cNvSpPr>
+          <p:nvPr>
+            <p:ph type="sldNum" sz="quarter" idx="5"/>
+          </p:nvPr>
+        </p:nvSpPr>
+        <p:spPr>
+          <a:xfrm>
+            <a:off x="3884613" y="8685213"/>
+            <a:ext cx="2971800" cy="458787"/>
+          </a:xfrm>
+          <a:prstGeom prst="rect">
+            <a:avLst/>
+          </a:prstGeom>
+        </p:spPr>
+        <p:txBody>
+          <a:bodyPr vert="horz" lIns="91440" tIns="45720" rIns="91440" bIns="45720" rtlCol="0" anchor="b"/>
+          <a:lstStyle>
+            <a:lvl1pPr algn="r">
+              <a:defRPr sz="1200"/>
+            </a:lvl1pPr>
+          </a:lstStyle>
+          <a:p>
+            <a:fld id="{9CE9D273-4837-47E2-AA79-31D50C690E18}" type="slidenum">
+              <a:rPr lang="en-US" smtClean="0"/>
+              <a:t>‹#›</a:t>
+            </a:fld>
+            <a:endParaRPr lang="en-US"/>
+          </a:p>
+        </p:txBody>
+      </p:sp>
+    </p:spTree>
+    <p:extLst>
+      <p:ext uri="{BB962C8B-B14F-4D97-AF65-F5344CB8AC3E}">
+        <p14:creationId xmlns:p14="http://schemas.microsoft.com/office/powerpoint/2010/main" val="2120551767"/>
+      </p:ext>
+    </p:extLst>
+  </p:cSld>
+  <p:clrMap bg1="lt1" tx1="dk1" bg2="lt2" tx2="dk2" accent1="accent1" accent2="accent2" accent3="accent3" accent4="accent4" accent5="accent5" accent6="accent6" hlink="hlink" folHlink="folHlink"/>
+  <p:notesStyle>
+    <a:lvl1pPr marL="0" algn="l" defTabSz="914400" rtl="0" eaLnBrk="1" latinLnBrk="0" hangingPunct="1">
+      <a:defRPr sz="1200" kern="1200">
+        <a:solidFill>
+          <a:schemeClr val="tx1"/>
+        </a:solidFill>
+        <a:latin typeface="+mn-lt"/>
+        <a:ea typeface="+mn-ea"/>
+        <a:cs typeface="+mn-cs"/>
+      </a:defRPr>
+    </a:lvl1pPr>
+    <a:lvl2pPr marL="457200" algn="l" defTabSz="914400" rtl="0" eaLnBrk="1" latinLnBrk="0" hangingPunct="1">
+      <a:defRPr sz="1200" kern="1200">
+        <a:solidFill>
+          <a:schemeClr val="tx1"/>
+        </a:solidFill>
+        <a:latin typeface="+mn-lt"/>
+        <a:ea typeface="+mn-ea"/>
+        <a:cs typeface="+mn-cs"/>
+      </a:defRPr>
+    </a:lvl2pPr>
+    <a:lvl3pPr marL="914400" algn="l" defTabSz="914400" rtl="0" eaLnBrk="1" latinLnBrk="0" hangingPunct="1">
+      <a:defRPr sz="1200" kern="1200">
+        <a:solidFill>
+          <a:schemeClr val="tx1"/>
+        </a:solidFill>
+        <a:latin typeface="+mn-lt"/>
+        <a:ea typeface="+mn-ea"/>
+        <a:cs typeface="+mn-cs"/>
+      </a:defRPr>
+    </a:lvl3pPr>
+    <a:lvl4pPr marL="1371600" algn="l" defTabSz="914400" rtl="0" eaLnBrk="1" latinLnBrk="0" hangingPunct="1">
+      <a:defRPr sz="1200" kern="1200">
+        <a:solidFill>
+          <a:schemeClr val="tx1"/>
+        </a:solidFill>
+        <a:latin typeface="+mn-lt"/>
+        <a:ea typeface="+mn-ea"/>
+        <a:cs typeface="+mn-cs"/>
+      </a:defRPr>
+    </a:lvl4pPr>
+    <a:lvl5pPr marL="1828800" algn="l" defTabSz="914400" rtl="0" eaLnBrk="1" latinLnBrk="0" hangingPunct="1">
+      <a:defRPr sz="1200" kern="1200">
+        <a:solidFill>
+          <a:schemeClr val="tx1"/>
+        </a:solidFill>
+        <a:latin typeface="+mn-lt"/>
+        <a:ea typeface="+mn-ea"/>
+        <a:cs typeface="+mn-cs"/>
+      </a:defRPr>
+    </a:lvl5pPr>
+    <a:lvl6pPr marL="2286000" algn="l" defTabSz="914400" rtl="0" eaLnBrk="1" latinLnBrk="0" hangingPunct="1">
+      <a:defRPr sz="1200" kern="1200">
+        <a:solidFill>
+          <a:schemeClr val="tx1"/>
+        </a:solidFill>
+        <a:latin typeface="+mn-lt"/>
+        <a:ea typeface="+mn-ea"/>
+        <a:cs typeface="+mn-cs"/>
+      </a:defRPr>
+    </a:lvl6pPr>
+    <a:lvl7pPr marL="2743200" algn="l" defTabSz="914400" rtl="0" eaLnBrk="1" latinLnBrk="0" hangingPunct="1">
+      <a:defRPr sz="1200" kern="1200">
+        <a:solidFill>
+          <a:schemeClr val="tx1"/>
+        </a:solidFill>
+        <a:latin typeface="+mn-lt"/>
+        <a:ea typeface="+mn-ea"/>
+        <a:cs typeface="+mn-cs"/>
+      </a:defRPr>
+    </a:lvl7pPr>
+    <a:lvl8pPr marL="3200400" algn="l" defTabSz="914400" rtl="0" eaLnBrk="1" latinLnBrk="0" hangingPunct="1">
+      <a:defRPr sz="1200" kern="1200">
+        <a:solidFill>
+          <a:schemeClr val="tx1"/>
+        </a:solidFill>
+        <a:latin typeface="+mn-lt"/>
+        <a:ea typeface="+mn-ea"/>
+        <a:cs typeface="+mn-cs"/>
+      </a:defRPr>
+    </a:lvl8pPr>
+    <a:lvl9pPr marL="3657600" algn="l" defTabSz="914400" rtl="0" eaLnBrk="1" latinLnBrk="0" hangingPunct="1">
+      <a:defRPr sz="1200" kern="1200">
+        <a:solidFill>
+          <a:schemeClr val="tx1"/>
+        </a:solidFill>
+        <a:latin typeface="+mn-lt"/>
+        <a:ea typeface="+mn-ea"/>
+        <a:cs typeface="+mn-cs"/>
+      </a:defRPr>
+    </a:lvl9pPr>
+  </p:notesStyle>
+</p:notesMaster>
 </file>
 
 <file path=ppt/slideLayouts/slideLayout1.xml><?xml version="1.0" encoding="utf-8"?>
@@ -5328,6 +9455,14 @@
 <file path=ppt/slides/slide1.xml><?xml version="1.0" encoding="utf-8"?>
 <p:sld xmlns:a="http://schemas.openxmlformats.org/drawingml/2006/main" xmlns:r="http://schemas.openxmlformats.org/officeDocument/2006/relationships" xmlns:p="http://schemas.openxmlformats.org/presentationml/2006/main">
   <p:cSld>
+    <p:bg>
+      <p:bgPr>
+        <a:solidFill>
+          <a:schemeClr val="bg2"/>
+        </a:solidFill>
+        <a:effectLst/>
+      </p:bgPr>
+    </p:bg>
     <p:spTree>
       <p:nvGrpSpPr>
         <p:cNvPr id="1" name=""/>
@@ -5342,6 +9477,104 @@
           <a:chExt cx="0" cy="0"/>
         </a:xfrm>
       </p:grpSpPr>
+      <p:sp useBgFill="1">
+        <p:nvSpPr>
+          <p:cNvPr id="20" name="Rectangle 19">
+            <a:extLst>
+              <a:ext uri="{FF2B5EF4-FFF2-40B4-BE49-F238E27FC236}">
+                <a16:creationId xmlns:a16="http://schemas.microsoft.com/office/drawing/2014/main" id="{54047A07-72EC-41BC-A55F-C264F639FB20}"/>
+              </a:ext>
+              <a:ext uri="{C183D7F6-B498-43B3-948B-1728B52AA6E4}">
+                <adec:decorative xmlns:adec="http://schemas.microsoft.com/office/drawing/2017/decorative" val="1"/>
+              </a:ext>
+            </a:extLst>
+          </p:cNvPr>
+          <p:cNvSpPr>
+            <a:spLocks noGrp="1" noRot="1" noChangeAspect="1" noMove="1" noResize="1" noEditPoints="1" noAdjustHandles="1" noChangeArrowheads="1" noChangeShapeType="1" noTextEdit="1"/>
+          </p:cNvSpPr>
+          <p:nvPr>
+            <p:extLst>
+              <p:ext uri="{386F3935-93C4-4BCD-93E2-E3B085C9AB24}">
+                <p16:designElem xmlns:p16="http://schemas.microsoft.com/office/powerpoint/2015/main" val="1"/>
+              </p:ext>
+            </p:extLst>
+          </p:nvPr>
+        </p:nvSpPr>
+        <p:spPr>
+          <a:xfrm>
+            <a:off x="0" y="0"/>
+            <a:ext cx="12192000" cy="6858000"/>
+          </a:xfrm>
+          <a:prstGeom prst="rect">
+            <a:avLst/>
+          </a:prstGeom>
+          <a:ln>
+            <a:noFill/>
+          </a:ln>
+        </p:spPr>
+        <p:style>
+          <a:lnRef idx="2">
+            <a:schemeClr val="accent1">
+              <a:shade val="50000"/>
+            </a:schemeClr>
+          </a:lnRef>
+          <a:fillRef idx="1">
+            <a:schemeClr val="accent1"/>
+          </a:fillRef>
+          <a:effectRef idx="0">
+            <a:schemeClr val="accent1"/>
+          </a:effectRef>
+          <a:fontRef idx="minor">
+            <a:schemeClr val="lt1"/>
+          </a:fontRef>
+        </p:style>
+        <p:txBody>
+          <a:bodyPr rtlCol="0" anchor="ctr"/>
+          <a:lstStyle/>
+          <a:p>
+            <a:pPr algn="ctr"/>
+            <a:endParaRPr lang="en-US"/>
+          </a:p>
+        </p:txBody>
+      </p:sp>
+      <p:pic>
+        <p:nvPicPr>
+          <p:cNvPr id="15" name="Picture 14" descr="Graphical user interface&#10;&#10;Description automatically generated">
+            <a:extLst>
+              <a:ext uri="{FF2B5EF4-FFF2-40B4-BE49-F238E27FC236}">
+                <a16:creationId xmlns:a16="http://schemas.microsoft.com/office/drawing/2014/main" id="{1E3D3865-B38F-499D-BB3A-62FB81519575}"/>
+              </a:ext>
+            </a:extLst>
+          </p:cNvPr>
+          <p:cNvPicPr>
+            <a:picLocks noChangeAspect="1"/>
+          </p:cNvPicPr>
+          <p:nvPr/>
+        </p:nvPicPr>
+        <p:blipFill rotWithShape="1">
+          <a:blip r:embed="rId2">
+            <a:duotone>
+              <a:schemeClr val="bg2">
+                <a:shade val="45000"/>
+                <a:satMod val="135000"/>
+              </a:schemeClr>
+              <a:prstClr val="white"/>
+            </a:duotone>
+            <a:alphaModFix amt="40000"/>
+          </a:blip>
+          <a:srcRect/>
+          <a:stretch/>
+        </p:blipFill>
+        <p:spPr>
+          <a:xfrm>
+            <a:off x="20" y="10"/>
+            <a:ext cx="12191980" cy="6857990"/>
+          </a:xfrm>
+          <a:prstGeom prst="rect">
+            <a:avLst/>
+          </a:prstGeom>
+        </p:spPr>
+      </p:pic>
       <p:sp>
         <p:nvSpPr>
           <p:cNvPr id="2" name="Title 1">
@@ -5358,15 +9591,23 @@
             <p:ph type="ctrTitle"/>
           </p:nvPr>
         </p:nvSpPr>
-        <p:spPr/>
+        <p:spPr>
+          <a:xfrm>
+            <a:off x="810001" y="1449147"/>
+            <a:ext cx="10572000" cy="3732453"/>
+          </a:xfrm>
+        </p:spPr>
         <p:txBody>
-          <a:bodyPr/>
+          <a:bodyPr>
+            <a:normAutofit/>
+          </a:bodyPr>
           <a:lstStyle/>
           <a:p>
             <a:r>
-              <a:rPr lang="en-US" dirty="0"/>
+              <a:rPr lang="en-US"/>
               <a:t>Jeopardy Questions: Can They be Generalized?</a:t>
             </a:r>
+            <a:endParaRPr lang="en-US" dirty="0"/>
           </a:p>
         </p:txBody>
       </p:sp>
@@ -5386,9 +9627,16 @@
             <p:ph type="subTitle" idx="1"/>
           </p:nvPr>
         </p:nvSpPr>
-        <p:spPr/>
+        <p:spPr>
+          <a:xfrm>
+            <a:off x="810001" y="5280847"/>
+            <a:ext cx="10572000" cy="434974"/>
+          </a:xfrm>
+        </p:spPr>
         <p:txBody>
-          <a:bodyPr/>
+          <a:bodyPr>
+            <a:normAutofit/>
+          </a:bodyPr>
           <a:lstStyle/>
           <a:p>
             <a:r>
@@ -5433,7 +9681,7 @@
           <p:cNvPr id="2" name="Title 1">
             <a:extLst>
               <a:ext uri="{FF2B5EF4-FFF2-40B4-BE49-F238E27FC236}">
-                <a16:creationId xmlns:a16="http://schemas.microsoft.com/office/drawing/2014/main" id="{8B666330-87CB-462F-94FB-3AAB53DA87C4}"/>
+                <a16:creationId xmlns:a16="http://schemas.microsoft.com/office/drawing/2014/main" id="{C2837CBA-E93D-4013-8F54-36B420AF244F}"/>
               </a:ext>
             </a:extLst>
           </p:cNvPr>
@@ -5450,9 +9698,10 @@
           <a:lstStyle/>
           <a:p>
             <a:r>
-              <a:rPr lang="en-US" dirty="0"/>
-              <a:t>Jeopardy</a:t>
+              <a:rPr lang="en-US"/>
+              <a:t>History</a:t>
             </a:r>
+            <a:endParaRPr lang="en-US" dirty="0"/>
           </a:p>
         </p:txBody>
       </p:sp>
@@ -5461,7 +9710,7 @@
           <p:cNvPr id="3" name="Content Placeholder 2">
             <a:extLst>
               <a:ext uri="{FF2B5EF4-FFF2-40B4-BE49-F238E27FC236}">
-                <a16:creationId xmlns:a16="http://schemas.microsoft.com/office/drawing/2014/main" id="{7D0C21A3-09BC-4699-9787-71166E6217F7}"/>
+                <a16:creationId xmlns:a16="http://schemas.microsoft.com/office/drawing/2014/main" id="{82F9B8F4-8C16-4F59-8055-941941FD20D3}"/>
               </a:ext>
             </a:extLst>
           </p:cNvPr>
@@ -5479,76 +9728,48 @@
           </a:bodyPr>
           <a:lstStyle/>
           <a:p>
-            <a:r>
-              <a:rPr lang="en-US" dirty="0"/>
-              <a:t>Game show created by </a:t>
-            </a:r>
-            <a:r>
-              <a:rPr lang="en-US" dirty="0" err="1"/>
-              <a:t>Merv</a:t>
-            </a:r>
-            <a:r>
-              <a:rPr lang="en-US" dirty="0"/>
-              <a:t> Griffin</a:t>
-            </a:r>
-          </a:p>
-          <a:p>
-            <a:pPr lvl="1"/>
-            <a:r>
-              <a:rPr lang="en-US" dirty="0"/>
-              <a:t>Answer </a:t>
-            </a:r>
-            <a:r>
-              <a:rPr lang="en-US" dirty="0">
-                <a:sym typeface="Wingdings" panose="05000000000000000000" pitchFamily="2" charset="2"/>
-              </a:rPr>
-              <a:t> Question</a:t>
-            </a:r>
+            <a:pPr marL="0" indent="0">
+              <a:buNone/>
+            </a:pPr>
             <a:endParaRPr lang="en-US" dirty="0"/>
           </a:p>
           <a:p>
-            <a:r>
-              <a:rPr lang="en-US" dirty="0"/>
-              <a:t>Contestants are given quiz clues in the form of answers</a:t>
-            </a:r>
-          </a:p>
-          <a:p>
-            <a:r>
-              <a:rPr lang="en-US" dirty="0"/>
-              <a:t>They must respond in the form of a question.</a:t>
-            </a:r>
-          </a:p>
-          <a:p>
-            <a:r>
-              <a:rPr lang="en-US" dirty="0"/>
-              <a:t>Audition:</a:t>
-            </a:r>
-          </a:p>
-          <a:p>
-            <a:pPr lvl="1"/>
-            <a:r>
-              <a:rPr lang="en-US" dirty="0"/>
-              <a:t>Exam, IRL group audition, mock game, interviews</a:t>
-            </a:r>
-          </a:p>
-          <a:p>
-            <a:r>
-              <a:rPr lang="en-US" dirty="0"/>
-              <a:t>No previous contestant</a:t>
-            </a:r>
-          </a:p>
-          <a:p>
-            <a:r>
-              <a:rPr lang="en-US" dirty="0"/>
-              <a:t>have auditioned for at least the past 18 months</a:t>
-            </a:r>
+            <a:endParaRPr lang="en-US" dirty="0"/>
           </a:p>
         </p:txBody>
       </p:sp>
+      <p:graphicFrame>
+        <p:nvGraphicFramePr>
+          <p:cNvPr id="5" name="Diagram 4">
+            <a:extLst>
+              <a:ext uri="{FF2B5EF4-FFF2-40B4-BE49-F238E27FC236}">
+                <a16:creationId xmlns:a16="http://schemas.microsoft.com/office/drawing/2014/main" id="{0971D549-9520-431C-9CC8-5EF164BBCC89}"/>
+              </a:ext>
+            </a:extLst>
+          </p:cNvPr>
+          <p:cNvGraphicFramePr/>
+          <p:nvPr>
+            <p:extLst>
+              <p:ext uri="{D42A27DB-BD31-4B8C-83A1-F6EECF244321}">
+                <p14:modId xmlns:p14="http://schemas.microsoft.com/office/powerpoint/2010/main" val="2444134891"/>
+              </p:ext>
+            </p:extLst>
+          </p:nvPr>
+        </p:nvGraphicFramePr>
+        <p:xfrm>
+          <a:off x="955787" y="2997642"/>
+          <a:ext cx="10280424" cy="3729161"/>
+        </p:xfrm>
+        <a:graphic>
+          <a:graphicData uri="http://schemas.openxmlformats.org/drawingml/2006/diagram">
+            <dgm:relIds xmlns:dgm="http://schemas.openxmlformats.org/drawingml/2006/diagram" xmlns:r="http://schemas.openxmlformats.org/officeDocument/2006/relationships" r:dm="rId2" r:lo="rId3" r:qs="rId4" r:cs="rId5"/>
+          </a:graphicData>
+        </a:graphic>
+      </p:graphicFrame>
     </p:spTree>
     <p:extLst>
       <p:ext uri="{BB962C8B-B14F-4D97-AF65-F5344CB8AC3E}">
-        <p14:creationId xmlns:p14="http://schemas.microsoft.com/office/powerpoint/2010/main" val="15152"/>
+        <p14:creationId xmlns:p14="http://schemas.microsoft.com/office/powerpoint/2010/main" val="64110240"/>
       </p:ext>
     </p:extLst>
   </p:cSld>
@@ -5580,7 +9801,7 @@
           <p:cNvPr id="2" name="Title 1">
             <a:extLst>
               <a:ext uri="{FF2B5EF4-FFF2-40B4-BE49-F238E27FC236}">
-                <a16:creationId xmlns:a16="http://schemas.microsoft.com/office/drawing/2014/main" id="{C2837CBA-E93D-4013-8F54-36B420AF244F}"/>
+                <a16:creationId xmlns:a16="http://schemas.microsoft.com/office/drawing/2014/main" id="{8B666330-87CB-462F-94FB-3AAB53DA87C4}"/>
               </a:ext>
             </a:extLst>
           </p:cNvPr>
@@ -5598,7 +9819,7 @@
           <a:p>
             <a:r>
               <a:rPr lang="en-US" dirty="0"/>
-              <a:t>History</a:t>
+              <a:t>In case you have not seen the show…</a:t>
             </a:r>
           </a:p>
         </p:txBody>
@@ -5608,7 +9829,7 @@
           <p:cNvPr id="3" name="Content Placeholder 2">
             <a:extLst>
               <a:ext uri="{FF2B5EF4-FFF2-40B4-BE49-F238E27FC236}">
-                <a16:creationId xmlns:a16="http://schemas.microsoft.com/office/drawing/2014/main" id="{82F9B8F4-8C16-4F59-8055-941941FD20D3}"/>
+                <a16:creationId xmlns:a16="http://schemas.microsoft.com/office/drawing/2014/main" id="{7D0C21A3-09BC-4699-9787-71166E6217F7}"/>
               </a:ext>
             </a:extLst>
           </p:cNvPr>
@@ -5621,73 +9842,240 @@
         </p:nvSpPr>
         <p:spPr/>
         <p:txBody>
-          <a:bodyPr/>
+          <a:bodyPr>
+            <a:normAutofit/>
+          </a:bodyPr>
           <a:lstStyle/>
+          <a:p>
+            <a:r>
+              <a:rPr lang="en-US" b="1" u="sng" dirty="0">
+                <a:solidFill>
+                  <a:srgbClr val="FFC000"/>
+                </a:solidFill>
+              </a:rPr>
+              <a:t>Answer </a:t>
+            </a:r>
+            <a:r>
+              <a:rPr lang="en-US" b="1" u="sng" dirty="0">
+                <a:solidFill>
+                  <a:srgbClr val="FFC000"/>
+                </a:solidFill>
+                <a:sym typeface="Wingdings" panose="05000000000000000000" pitchFamily="2" charset="2"/>
+              </a:rPr>
+              <a:t> Question</a:t>
+            </a:r>
+            <a:endParaRPr lang="en-US" b="1" u="sng" dirty="0">
+              <a:solidFill>
+                <a:srgbClr val="FFC000"/>
+              </a:solidFill>
+            </a:endParaRPr>
+          </a:p>
           <a:p>
             <a:r>
               <a:rPr lang="en-US" dirty="0"/>
-              <a:t>Aired 1964 – 1975 on NBC</a:t>
+              <a:t>Contestants are given quiz clues in the form of answers</a:t>
             </a:r>
           </a:p>
           <a:p>
             <a:r>
               <a:rPr lang="en-US" dirty="0"/>
-              <a:t>Sony revived it in 1984 – Present</a:t>
+              <a:t>They must respond in the form of a question.</a:t>
             </a:r>
           </a:p>
           <a:p>
             <a:r>
               <a:rPr lang="en-US" dirty="0"/>
-              <a:t>R.I.P. Alex </a:t>
-            </a:r>
-            <a:r>
-              <a:rPr lang="en-US" dirty="0" err="1"/>
-              <a:t>Trebeck</a:t>
-            </a:r>
-            <a:r>
-              <a:rPr lang="en-US" dirty="0"/>
-              <a:t> host from 1984 to his death in 2020</a:t>
-            </a:r>
-          </a:p>
-          <a:p>
-            <a:r>
-              <a:rPr lang="en-US" dirty="0"/>
-              <a:t>Stages: </a:t>
+              <a:t>Audition:</a:t>
             </a:r>
           </a:p>
           <a:p>
             <a:pPr lvl="1"/>
             <a:r>
               <a:rPr lang="en-US" dirty="0"/>
-              <a:t>Jeopardy!</a:t>
+              <a:t>Exam, IRL group audition, mock game, interviews</a:t>
             </a:r>
           </a:p>
           <a:p>
-            <a:pPr lvl="1"/>
             <a:r>
               <a:rPr lang="en-US" dirty="0"/>
-              <a:t>Double Jeopardy!</a:t>
+              <a:t>No previous contestants</a:t>
             </a:r>
           </a:p>
           <a:p>
-            <a:pPr lvl="1"/>
             <a:r>
               <a:rPr lang="en-US" dirty="0"/>
-              <a:t>Final Jeopardy!</a:t>
+              <a:t>Have not auditioned for at least the past 18 months</a:t>
             </a:r>
-          </a:p>
-          <a:p>
-            <a:endParaRPr lang="en-US" dirty="0"/>
-          </a:p>
-          <a:p>
-            <a:endParaRPr lang="en-US" dirty="0"/>
           </a:p>
         </p:txBody>
       </p:sp>
     </p:spTree>
     <p:extLst>
       <p:ext uri="{BB962C8B-B14F-4D97-AF65-F5344CB8AC3E}">
-        <p14:creationId xmlns:p14="http://schemas.microsoft.com/office/powerpoint/2010/main" val="64110240"/>
+        <p14:creationId xmlns:p14="http://schemas.microsoft.com/office/powerpoint/2010/main" val="15152"/>
+      </p:ext>
+    </p:extLst>
+  </p:cSld>
+  <p:clrMapOvr>
+    <a:masterClrMapping/>
+  </p:clrMapOvr>
+</p:sld>
+</file>
+
+<file path=ppt/slides/slide4.xml><?xml version="1.0" encoding="utf-8"?>
+<p:sld xmlns:a="http://schemas.openxmlformats.org/drawingml/2006/main" xmlns:r="http://schemas.openxmlformats.org/officeDocument/2006/relationships" xmlns:p="http://schemas.openxmlformats.org/presentationml/2006/main">
+  <p:cSld>
+    <p:spTree>
+      <p:nvGrpSpPr>
+        <p:cNvPr id="1" name=""/>
+        <p:cNvGrpSpPr/>
+        <p:nvPr/>
+      </p:nvGrpSpPr>
+      <p:grpSpPr>
+        <a:xfrm>
+          <a:off x="0" y="0"/>
+          <a:ext cx="0" cy="0"/>
+          <a:chOff x="0" y="0"/>
+          <a:chExt cx="0" cy="0"/>
+        </a:xfrm>
+      </p:grpSpPr>
+      <p:sp>
+        <p:nvSpPr>
+          <p:cNvPr id="2" name="Title 1">
+            <a:extLst>
+              <a:ext uri="{FF2B5EF4-FFF2-40B4-BE49-F238E27FC236}">
+                <a16:creationId xmlns:a16="http://schemas.microsoft.com/office/drawing/2014/main" id="{6ED9181F-64C3-47E2-9AF0-F7F581153510}"/>
+              </a:ext>
+            </a:extLst>
+          </p:cNvPr>
+          <p:cNvSpPr>
+            <a:spLocks noGrp="1"/>
+          </p:cNvSpPr>
+          <p:nvPr>
+            <p:ph type="title"/>
+          </p:nvPr>
+        </p:nvSpPr>
+        <p:spPr/>
+        <p:txBody>
+          <a:bodyPr/>
+          <a:lstStyle/>
+          <a:p>
+            <a:endParaRPr lang="en-US"/>
+          </a:p>
+        </p:txBody>
+      </p:sp>
+      <p:sp>
+        <p:nvSpPr>
+          <p:cNvPr id="3" name="Content Placeholder 2">
+            <a:extLst>
+              <a:ext uri="{FF2B5EF4-FFF2-40B4-BE49-F238E27FC236}">
+                <a16:creationId xmlns:a16="http://schemas.microsoft.com/office/drawing/2014/main" id="{137D3938-706E-46FC-91AC-84E063AA7F50}"/>
+              </a:ext>
+            </a:extLst>
+          </p:cNvPr>
+          <p:cNvSpPr>
+            <a:spLocks noGrp="1"/>
+          </p:cNvSpPr>
+          <p:nvPr>
+            <p:ph idx="1"/>
+          </p:nvPr>
+        </p:nvSpPr>
+        <p:spPr/>
+        <p:txBody>
+          <a:bodyPr/>
+          <a:lstStyle/>
+          <a:p>
+            <a:endParaRPr lang="en-US"/>
+          </a:p>
+        </p:txBody>
+      </p:sp>
+    </p:spTree>
+    <p:extLst>
+      <p:ext uri="{BB962C8B-B14F-4D97-AF65-F5344CB8AC3E}">
+        <p14:creationId xmlns:p14="http://schemas.microsoft.com/office/powerpoint/2010/main" val="2636540550"/>
+      </p:ext>
+    </p:extLst>
+  </p:cSld>
+  <p:clrMapOvr>
+    <a:masterClrMapping/>
+  </p:clrMapOvr>
+</p:sld>
+</file>
+
+<file path=ppt/slides/slide5.xml><?xml version="1.0" encoding="utf-8"?>
+<p:sld xmlns:a="http://schemas.openxmlformats.org/drawingml/2006/main" xmlns:r="http://schemas.openxmlformats.org/officeDocument/2006/relationships" xmlns:p="http://schemas.openxmlformats.org/presentationml/2006/main">
+  <p:cSld>
+    <p:spTree>
+      <p:nvGrpSpPr>
+        <p:cNvPr id="1" name=""/>
+        <p:cNvGrpSpPr/>
+        <p:nvPr/>
+      </p:nvGrpSpPr>
+      <p:grpSpPr>
+        <a:xfrm>
+          <a:off x="0" y="0"/>
+          <a:ext cx="0" cy="0"/>
+          <a:chOff x="0" y="0"/>
+          <a:chExt cx="0" cy="0"/>
+        </a:xfrm>
+      </p:grpSpPr>
+      <p:sp>
+        <p:nvSpPr>
+          <p:cNvPr id="2" name="Title 1">
+            <a:extLst>
+              <a:ext uri="{FF2B5EF4-FFF2-40B4-BE49-F238E27FC236}">
+                <a16:creationId xmlns:a16="http://schemas.microsoft.com/office/drawing/2014/main" id="{0F95A967-2502-4DD9-8032-CF417CF7A75F}"/>
+              </a:ext>
+            </a:extLst>
+          </p:cNvPr>
+          <p:cNvSpPr>
+            <a:spLocks noGrp="1"/>
+          </p:cNvSpPr>
+          <p:nvPr>
+            <p:ph type="title"/>
+          </p:nvPr>
+        </p:nvSpPr>
+        <p:spPr/>
+        <p:txBody>
+          <a:bodyPr/>
+          <a:lstStyle/>
+          <a:p>
+            <a:r>
+              <a:rPr lang="en-US" dirty="0"/>
+              <a:t>Topic Modeling</a:t>
+            </a:r>
+          </a:p>
+        </p:txBody>
+      </p:sp>
+      <p:sp>
+        <p:nvSpPr>
+          <p:cNvPr id="3" name="Text Placeholder 2">
+            <a:extLst>
+              <a:ext uri="{FF2B5EF4-FFF2-40B4-BE49-F238E27FC236}">
+                <a16:creationId xmlns:a16="http://schemas.microsoft.com/office/drawing/2014/main" id="{91EBF3B8-CD54-4FCB-8281-BF37F2838C13}"/>
+              </a:ext>
+            </a:extLst>
+          </p:cNvPr>
+          <p:cNvSpPr>
+            <a:spLocks noGrp="1"/>
+          </p:cNvSpPr>
+          <p:nvPr>
+            <p:ph type="body" idx="1"/>
+          </p:nvPr>
+        </p:nvSpPr>
+        <p:spPr/>
+        <p:txBody>
+          <a:bodyPr/>
+          <a:lstStyle/>
+          <a:p>
+            <a:endParaRPr lang="en-US"/>
+          </a:p>
+        </p:txBody>
+      </p:sp>
+    </p:spTree>
+    <p:extLst>
+      <p:ext uri="{BB962C8B-B14F-4D97-AF65-F5344CB8AC3E}">
+        <p14:creationId xmlns:p14="http://schemas.microsoft.com/office/powerpoint/2010/main" val="1974245869"/>
       </p:ext>
     </p:extLst>
   </p:cSld>
@@ -5932,4 +10320,299 @@
     </a:ext>
   </a:extLst>
 </a:theme>
+</file>
+
+<file path=ppt/theme/theme2.xml><?xml version="1.0" encoding="utf-8"?>
+<a:theme xmlns:a="http://schemas.openxmlformats.org/drawingml/2006/main" name="Office Theme">
+  <a:themeElements>
+    <a:clrScheme name="Office">
+      <a:dk1>
+        <a:sysClr val="windowText" lastClr="000000"/>
+      </a:dk1>
+      <a:lt1>
+        <a:sysClr val="window" lastClr="FFFFFF"/>
+      </a:lt1>
+      <a:dk2>
+        <a:srgbClr val="44546A"/>
+      </a:dk2>
+      <a:lt2>
+        <a:srgbClr val="E7E6E6"/>
+      </a:lt2>
+      <a:accent1>
+        <a:srgbClr val="4472C4"/>
+      </a:accent1>
+      <a:accent2>
+        <a:srgbClr val="ED7D31"/>
+      </a:accent2>
+      <a:accent3>
+        <a:srgbClr val="A5A5A5"/>
+      </a:accent3>
+      <a:accent4>
+        <a:srgbClr val="FFC000"/>
+      </a:accent4>
+      <a:accent5>
+        <a:srgbClr val="5B9BD5"/>
+      </a:accent5>
+      <a:accent6>
+        <a:srgbClr val="70AD47"/>
+      </a:accent6>
+      <a:hlink>
+        <a:srgbClr val="0563C1"/>
+      </a:hlink>
+      <a:folHlink>
+        <a:srgbClr val="954F72"/>
+      </a:folHlink>
+    </a:clrScheme>
+    <a:fontScheme name="Office">
+      <a:majorFont>
+        <a:latin typeface="Calibri Light" panose="020F0302020204030204"/>
+        <a:ea typeface=""/>
+        <a:cs typeface=""/>
+        <a:font script="Jpan" typeface="游ゴシック Light"/>
+        <a:font script="Hang" typeface="맑은 고딕"/>
+        <a:font script="Hans" typeface="等线 Light"/>
+        <a:font script="Hant" typeface="新細明體"/>
+        <a:font script="Arab" typeface="Times New Roman"/>
+        <a:font script="Hebr" typeface="Times New Roman"/>
+        <a:font script="Thai" typeface="Angsana New"/>
+        <a:font script="Ethi" typeface="Nyala"/>
+        <a:font script="Beng" typeface="Vrinda"/>
+        <a:font script="Gujr" typeface="Shruti"/>
+        <a:font script="Khmr" typeface="MoolBoran"/>
+        <a:font script="Knda" typeface="Tunga"/>
+        <a:font script="Guru" typeface="Raavi"/>
+        <a:font script="Cans" typeface="Euphemia"/>
+        <a:font script="Cher" typeface="Plantagenet Cherokee"/>
+        <a:font script="Yiii" typeface="Microsoft Yi Baiti"/>
+        <a:font script="Tibt" typeface="Microsoft Himalaya"/>
+        <a:font script="Thaa" typeface="MV Boli"/>
+        <a:font script="Deva" typeface="Mangal"/>
+        <a:font script="Telu" typeface="Gautami"/>
+        <a:font script="Taml" typeface="Latha"/>
+        <a:font script="Syrc" typeface="Estrangelo Edessa"/>
+        <a:font script="Orya" typeface="Kalinga"/>
+        <a:font script="Mlym" typeface="Kartika"/>
+        <a:font script="Laoo" typeface="DokChampa"/>
+        <a:font script="Sinh" typeface="Iskoola Pota"/>
+        <a:font script="Mong" typeface="Mongolian Baiti"/>
+        <a:font script="Viet" typeface="Times New Roman"/>
+        <a:font script="Uigh" typeface="Microsoft Uighur"/>
+        <a:font script="Geor" typeface="Sylfaen"/>
+        <a:font script="Armn" typeface="Arial"/>
+        <a:font script="Bugi" typeface="Leelawadee UI"/>
+        <a:font script="Bopo" typeface="Microsoft JhengHei"/>
+        <a:font script="Java" typeface="Javanese Text"/>
+        <a:font script="Lisu" typeface="Segoe UI"/>
+        <a:font script="Mymr" typeface="Myanmar Text"/>
+        <a:font script="Nkoo" typeface="Ebrima"/>
+        <a:font script="Olck" typeface="Nirmala UI"/>
+        <a:font script="Osma" typeface="Ebrima"/>
+        <a:font script="Phag" typeface="Phagspa"/>
+        <a:font script="Syrn" typeface="Estrangelo Edessa"/>
+        <a:font script="Syrj" typeface="Estrangelo Edessa"/>
+        <a:font script="Syre" typeface="Estrangelo Edessa"/>
+        <a:font script="Sora" typeface="Nirmala UI"/>
+        <a:font script="Tale" typeface="Microsoft Tai Le"/>
+        <a:font script="Talu" typeface="Microsoft New Tai Lue"/>
+        <a:font script="Tfng" typeface="Ebrima"/>
+      </a:majorFont>
+      <a:minorFont>
+        <a:latin typeface="Calibri" panose="020F0502020204030204"/>
+        <a:ea typeface=""/>
+        <a:cs typeface=""/>
+        <a:font script="Jpan" typeface="游ゴシック"/>
+        <a:font script="Hang" typeface="맑은 고딕"/>
+        <a:font script="Hans" typeface="等线"/>
+        <a:font script="Hant" typeface="新細明體"/>
+        <a:font script="Arab" typeface="Arial"/>
+        <a:font script="Hebr" typeface="Arial"/>
+        <a:font script="Thai" typeface="Cordia New"/>
+        <a:font script="Ethi" typeface="Nyala"/>
+        <a:font script="Beng" typeface="Vrinda"/>
+        <a:font script="Gujr" typeface="Shruti"/>
+        <a:font script="Khmr" typeface="DaunPenh"/>
+        <a:font script="Knda" typeface="Tunga"/>
+        <a:font script="Guru" typeface="Raavi"/>
+        <a:font script="Cans" typeface="Euphemia"/>
+        <a:font script="Cher" typeface="Plantagenet Cherokee"/>
+        <a:font script="Yiii" typeface="Microsoft Yi Baiti"/>
+        <a:font script="Tibt" typeface="Microsoft Himalaya"/>
+        <a:font script="Thaa" typeface="MV Boli"/>
+        <a:font script="Deva" typeface="Mangal"/>
+        <a:font script="Telu" typeface="Gautami"/>
+        <a:font script="Taml" typeface="Latha"/>
+        <a:font script="Syrc" typeface="Estrangelo Edessa"/>
+        <a:font script="Orya" typeface="Kalinga"/>
+        <a:font script="Mlym" typeface="Kartika"/>
+        <a:font script="Laoo" typeface="DokChampa"/>
+        <a:font script="Sinh" typeface="Iskoola Pota"/>
+        <a:font script="Mong" typeface="Mongolian Baiti"/>
+        <a:font script="Viet" typeface="Arial"/>
+        <a:font script="Uigh" typeface="Microsoft Uighur"/>
+        <a:font script="Geor" typeface="Sylfaen"/>
+        <a:font script="Armn" typeface="Arial"/>
+        <a:font script="Bugi" typeface="Leelawadee UI"/>
+        <a:font script="Bopo" typeface="Microsoft JhengHei"/>
+        <a:font script="Java" typeface="Javanese Text"/>
+        <a:font script="Lisu" typeface="Segoe UI"/>
+        <a:font script="Mymr" typeface="Myanmar Text"/>
+        <a:font script="Nkoo" typeface="Ebrima"/>
+        <a:font script="Olck" typeface="Nirmala UI"/>
+        <a:font script="Osma" typeface="Ebrima"/>
+        <a:font script="Phag" typeface="Phagspa"/>
+        <a:font script="Syrn" typeface="Estrangelo Edessa"/>
+        <a:font script="Syrj" typeface="Estrangelo Edessa"/>
+        <a:font script="Syre" typeface="Estrangelo Edessa"/>
+        <a:font script="Sora" typeface="Nirmala UI"/>
+        <a:font script="Tale" typeface="Microsoft Tai Le"/>
+        <a:font script="Talu" typeface="Microsoft New Tai Lue"/>
+        <a:font script="Tfng" typeface="Ebrima"/>
+      </a:minorFont>
+    </a:fontScheme>
+    <a:fmtScheme name="Office">
+      <a:fillStyleLst>
+        <a:solidFill>
+          <a:schemeClr val="phClr"/>
+        </a:solidFill>
+        <a:gradFill rotWithShape="1">
+          <a:gsLst>
+            <a:gs pos="0">
+              <a:schemeClr val="phClr">
+                <a:lumMod val="110000"/>
+                <a:satMod val="105000"/>
+                <a:tint val="67000"/>
+              </a:schemeClr>
+            </a:gs>
+            <a:gs pos="50000">
+              <a:schemeClr val="phClr">
+                <a:lumMod val="105000"/>
+                <a:satMod val="103000"/>
+                <a:tint val="73000"/>
+              </a:schemeClr>
+            </a:gs>
+            <a:gs pos="100000">
+              <a:schemeClr val="phClr">
+                <a:lumMod val="105000"/>
+                <a:satMod val="109000"/>
+                <a:tint val="81000"/>
+              </a:schemeClr>
+            </a:gs>
+          </a:gsLst>
+          <a:lin ang="5400000" scaled="0"/>
+        </a:gradFill>
+        <a:gradFill rotWithShape="1">
+          <a:gsLst>
+            <a:gs pos="0">
+              <a:schemeClr val="phClr">
+                <a:satMod val="103000"/>
+                <a:lumMod val="102000"/>
+                <a:tint val="94000"/>
+              </a:schemeClr>
+            </a:gs>
+            <a:gs pos="50000">
+              <a:schemeClr val="phClr">
+                <a:satMod val="110000"/>
+                <a:lumMod val="100000"/>
+                <a:shade val="100000"/>
+              </a:schemeClr>
+            </a:gs>
+            <a:gs pos="100000">
+              <a:schemeClr val="phClr">
+                <a:lumMod val="99000"/>
+                <a:satMod val="120000"/>
+                <a:shade val="78000"/>
+              </a:schemeClr>
+            </a:gs>
+          </a:gsLst>
+          <a:lin ang="5400000" scaled="0"/>
+        </a:gradFill>
+      </a:fillStyleLst>
+      <a:lnStyleLst>
+        <a:ln w="6350" cap="flat" cmpd="sng" algn="ctr">
+          <a:solidFill>
+            <a:schemeClr val="phClr"/>
+          </a:solidFill>
+          <a:prstDash val="solid"/>
+          <a:miter lim="800000"/>
+        </a:ln>
+        <a:ln w="12700" cap="flat" cmpd="sng" algn="ctr">
+          <a:solidFill>
+            <a:schemeClr val="phClr"/>
+          </a:solidFill>
+          <a:prstDash val="solid"/>
+          <a:miter lim="800000"/>
+        </a:ln>
+        <a:ln w="19050" cap="flat" cmpd="sng" algn="ctr">
+          <a:solidFill>
+            <a:schemeClr val="phClr"/>
+          </a:solidFill>
+          <a:prstDash val="solid"/>
+          <a:miter lim="800000"/>
+        </a:ln>
+      </a:lnStyleLst>
+      <a:effectStyleLst>
+        <a:effectStyle>
+          <a:effectLst/>
+        </a:effectStyle>
+        <a:effectStyle>
+          <a:effectLst/>
+        </a:effectStyle>
+        <a:effectStyle>
+          <a:effectLst>
+            <a:outerShdw blurRad="57150" dist="19050" dir="5400000" algn="ctr" rotWithShape="0">
+              <a:srgbClr val="000000">
+                <a:alpha val="63000"/>
+              </a:srgbClr>
+            </a:outerShdw>
+          </a:effectLst>
+        </a:effectStyle>
+      </a:effectStyleLst>
+      <a:bgFillStyleLst>
+        <a:solidFill>
+          <a:schemeClr val="phClr"/>
+        </a:solidFill>
+        <a:solidFill>
+          <a:schemeClr val="phClr">
+            <a:tint val="95000"/>
+            <a:satMod val="170000"/>
+          </a:schemeClr>
+        </a:solidFill>
+        <a:gradFill rotWithShape="1">
+          <a:gsLst>
+            <a:gs pos="0">
+              <a:schemeClr val="phClr">
+                <a:tint val="93000"/>
+                <a:satMod val="150000"/>
+                <a:shade val="98000"/>
+                <a:lumMod val="102000"/>
+              </a:schemeClr>
+            </a:gs>
+            <a:gs pos="50000">
+              <a:schemeClr val="phClr">
+                <a:tint val="98000"/>
+                <a:satMod val="130000"/>
+                <a:shade val="90000"/>
+                <a:lumMod val="103000"/>
+              </a:schemeClr>
+            </a:gs>
+            <a:gs pos="100000">
+              <a:schemeClr val="phClr">
+                <a:shade val="63000"/>
+                <a:satMod val="120000"/>
+              </a:schemeClr>
+            </a:gs>
+          </a:gsLst>
+          <a:lin ang="5400000" scaled="0"/>
+        </a:gradFill>
+      </a:bgFillStyleLst>
+    </a:fmtScheme>
+  </a:themeElements>
+  <a:objectDefaults/>
+  <a:extraClrSchemeLst/>
+  <a:extLst>
+    <a:ext uri="{05A4C25C-085E-4340-85A3-A5531E510DB2}">
+      <thm15:themeFamily xmlns:thm15="http://schemas.microsoft.com/office/thememl/2012/main" name="Office Theme" id="{62F939B6-93AF-4DB8-9C6B-D6C7DFDC589F}" vid="{4A3C46E8-61CC-4603-A589-7422A47A8E4A}"/>
+    </a:ext>
+  </a:extLst>
+</a:theme>
 </file>
--- a/Jeopardy_Questions.pptx
+++ b/Jeopardy_Questions.pptx
@@ -5,14 +5,22 @@
     <p:sldMasterId id="2147483648" r:id="rId1"/>
   </p:sldMasterIdLst>
   <p:notesMasterIdLst>
-    <p:notesMasterId r:id="rId7"/>
+    <p:notesMasterId r:id="rId15"/>
   </p:notesMasterIdLst>
   <p:sldIdLst>
     <p:sldId id="256" r:id="rId2"/>
-    <p:sldId id="258" r:id="rId3"/>
-    <p:sldId id="257" r:id="rId4"/>
-    <p:sldId id="260" r:id="rId5"/>
-    <p:sldId id="259" r:id="rId6"/>
+    <p:sldId id="257" r:id="rId3"/>
+    <p:sldId id="263" r:id="rId4"/>
+    <p:sldId id="264" r:id="rId5"/>
+    <p:sldId id="260" r:id="rId6"/>
+    <p:sldId id="262" r:id="rId7"/>
+    <p:sldId id="259" r:id="rId8"/>
+    <p:sldId id="265" r:id="rId9"/>
+    <p:sldId id="267" r:id="rId10"/>
+    <p:sldId id="268" r:id="rId11"/>
+    <p:sldId id="258" r:id="rId12"/>
+    <p:sldId id="261" r:id="rId13"/>
+    <p:sldId id="266" r:id="rId14"/>
   </p:sldIdLst>
   <p:sldSz cx="12192000" cy="6858000"/>
   <p:notesSz cx="6858000" cy="9144000"/>
@@ -111,6 +119,11 @@
       </a:defRPr>
     </a:lvl9pPr>
   </p:defaultTextStyle>
+  <p:extLst>
+    <p:ext uri="{EFAFB233-063F-42B5-8137-9DF3F51BA10A}">
+      <p15:sldGuideLst xmlns:p15="http://schemas.microsoft.com/office/powerpoint/2012/main"/>
+    </p:ext>
+  </p:extLst>
 </p:presentation>
 </file>
 
@@ -127,6 +140,788 @@
 </file>
 
 <file path=ppt/diagrams/colors1.xml><?xml version="1.0" encoding="utf-8"?>
+<dgm:colorsDef xmlns:dgm="http://schemas.openxmlformats.org/drawingml/2006/diagram" xmlns:a="http://schemas.openxmlformats.org/drawingml/2006/main" uniqueId="urn:microsoft.com/office/officeart/2005/8/colors/colorful5">
+  <dgm:title val=""/>
+  <dgm:desc val=""/>
+  <dgm:catLst>
+    <dgm:cat type="colorful" pri="10500"/>
+  </dgm:catLst>
+  <dgm:styleLbl name="node0">
+    <dgm:fillClrLst meth="repeat">
+      <a:schemeClr val="accent4"/>
+    </dgm:fillClrLst>
+    <dgm:linClrLst meth="repeat">
+      <a:schemeClr val="lt1"/>
+    </dgm:linClrLst>
+    <dgm:effectClrLst/>
+    <dgm:txLinClrLst/>
+    <dgm:txFillClrLst/>
+    <dgm:txEffectClrLst/>
+  </dgm:styleLbl>
+  <dgm:styleLbl name="node1">
+    <dgm:fillClrLst>
+      <a:schemeClr val="accent5"/>
+      <a:schemeClr val="accent6"/>
+    </dgm:fillClrLst>
+    <dgm:linClrLst meth="repeat">
+      <a:schemeClr val="lt1"/>
+    </dgm:linClrLst>
+    <dgm:effectClrLst/>
+    <dgm:txLinClrLst/>
+    <dgm:txFillClrLst/>
+    <dgm:txEffectClrLst/>
+  </dgm:styleLbl>
+  <dgm:styleLbl name="alignNode1">
+    <dgm:fillClrLst>
+      <a:schemeClr val="accent5"/>
+      <a:schemeClr val="accent6"/>
+    </dgm:fillClrLst>
+    <dgm:linClrLst>
+      <a:schemeClr val="accent5"/>
+      <a:schemeClr val="accent6"/>
+    </dgm:linClrLst>
+    <dgm:effectClrLst/>
+    <dgm:txLinClrLst/>
+    <dgm:txFillClrLst/>
+    <dgm:txEffectClrLst/>
+  </dgm:styleLbl>
+  <dgm:styleLbl name="lnNode1">
+    <dgm:fillClrLst>
+      <a:schemeClr val="accent5"/>
+      <a:schemeClr val="accent6"/>
+    </dgm:fillClrLst>
+    <dgm:linClrLst meth="repeat">
+      <a:schemeClr val="lt1"/>
+    </dgm:linClrLst>
+    <dgm:effectClrLst/>
+    <dgm:txLinClrLst/>
+    <dgm:txFillClrLst/>
+    <dgm:txEffectClrLst/>
+  </dgm:styleLbl>
+  <dgm:styleLbl name="vennNode1">
+    <dgm:fillClrLst>
+      <a:schemeClr val="accent5">
+        <a:alpha val="50000"/>
+      </a:schemeClr>
+      <a:schemeClr val="accent6">
+        <a:alpha val="50000"/>
+      </a:schemeClr>
+    </dgm:fillClrLst>
+    <dgm:linClrLst meth="repeat">
+      <a:schemeClr val="lt1"/>
+    </dgm:linClrLst>
+    <dgm:effectClrLst/>
+    <dgm:txLinClrLst/>
+    <dgm:txFillClrLst/>
+    <dgm:txEffectClrLst/>
+  </dgm:styleLbl>
+  <dgm:styleLbl name="node2">
+    <dgm:fillClrLst>
+      <a:schemeClr val="accent6"/>
+    </dgm:fillClrLst>
+    <dgm:linClrLst meth="repeat">
+      <a:schemeClr val="lt1"/>
+    </dgm:linClrLst>
+    <dgm:effectClrLst/>
+    <dgm:txLinClrLst/>
+    <dgm:txFillClrLst/>
+    <dgm:txEffectClrLst/>
+  </dgm:styleLbl>
+  <dgm:styleLbl name="node3">
+    <dgm:fillClrLst>
+      <a:schemeClr val="accent1"/>
+    </dgm:fillClrLst>
+    <dgm:linClrLst meth="repeat">
+      <a:schemeClr val="lt1"/>
+    </dgm:linClrLst>
+    <dgm:effectClrLst/>
+    <dgm:txLinClrLst/>
+    <dgm:txFillClrLst/>
+    <dgm:txEffectClrLst/>
+  </dgm:styleLbl>
+  <dgm:styleLbl name="node4">
+    <dgm:fillClrLst>
+      <a:schemeClr val="accent2"/>
+    </dgm:fillClrLst>
+    <dgm:linClrLst meth="repeat">
+      <a:schemeClr val="lt1"/>
+    </dgm:linClrLst>
+    <dgm:effectClrLst/>
+    <dgm:txLinClrLst/>
+    <dgm:txFillClrLst/>
+    <dgm:txEffectClrLst/>
+  </dgm:styleLbl>
+  <dgm:styleLbl name="fgImgPlace1">
+    <dgm:fillClrLst>
+      <a:schemeClr val="accent5">
+        <a:tint val="50000"/>
+      </a:schemeClr>
+      <a:schemeClr val="accent6">
+        <a:tint val="50000"/>
+      </a:schemeClr>
+    </dgm:fillClrLst>
+    <dgm:linClrLst meth="repeat">
+      <a:schemeClr val="lt1"/>
+    </dgm:linClrLst>
+    <dgm:effectClrLst/>
+    <dgm:txLinClrLst/>
+    <dgm:txFillClrLst meth="repeat">
+      <a:schemeClr val="lt1"/>
+    </dgm:txFillClrLst>
+    <dgm:txEffectClrLst/>
+  </dgm:styleLbl>
+  <dgm:styleLbl name="alignImgPlace1">
+    <dgm:fillClrLst>
+      <a:schemeClr val="accent5">
+        <a:tint val="50000"/>
+      </a:schemeClr>
+      <a:schemeClr val="accent6">
+        <a:tint val="20000"/>
+      </a:schemeClr>
+    </dgm:fillClrLst>
+    <dgm:linClrLst meth="repeat">
+      <a:schemeClr val="lt1"/>
+    </dgm:linClrLst>
+    <dgm:effectClrLst/>
+    <dgm:txLinClrLst/>
+    <dgm:txFillClrLst meth="repeat">
+      <a:schemeClr val="lt1"/>
+    </dgm:txFillClrLst>
+    <dgm:txEffectClrLst/>
+  </dgm:styleLbl>
+  <dgm:styleLbl name="bgImgPlace1">
+    <dgm:fillClrLst>
+      <a:schemeClr val="accent5">
+        <a:tint val="50000"/>
+      </a:schemeClr>
+      <a:schemeClr val="accent6">
+        <a:tint val="20000"/>
+      </a:schemeClr>
+    </dgm:fillClrLst>
+    <dgm:linClrLst meth="repeat">
+      <a:schemeClr val="lt1"/>
+    </dgm:linClrLst>
+    <dgm:effectClrLst/>
+    <dgm:txLinClrLst/>
+    <dgm:txFillClrLst meth="repeat">
+      <a:schemeClr val="lt1"/>
+    </dgm:txFillClrLst>
+    <dgm:txEffectClrLst/>
+  </dgm:styleLbl>
+  <dgm:styleLbl name="sibTrans2D1">
+    <dgm:fillClrLst>
+      <a:schemeClr val="accent5"/>
+      <a:schemeClr val="accent6"/>
+    </dgm:fillClrLst>
+    <dgm:linClrLst meth="repeat">
+      <a:schemeClr val="lt1"/>
+    </dgm:linClrLst>
+    <dgm:effectClrLst/>
+    <dgm:txLinClrLst/>
+    <dgm:txFillClrLst/>
+    <dgm:txEffectClrLst/>
+  </dgm:styleLbl>
+  <dgm:styleLbl name="fgSibTrans2D1">
+    <dgm:fillClrLst>
+      <a:schemeClr val="accent5"/>
+      <a:schemeClr val="accent6"/>
+    </dgm:fillClrLst>
+    <dgm:linClrLst meth="repeat">
+      <a:schemeClr val="lt1"/>
+    </dgm:linClrLst>
+    <dgm:effectClrLst/>
+    <dgm:txLinClrLst/>
+    <dgm:txFillClrLst meth="repeat">
+      <a:schemeClr val="lt1"/>
+    </dgm:txFillClrLst>
+    <dgm:txEffectClrLst/>
+  </dgm:styleLbl>
+  <dgm:styleLbl name="bgSibTrans2D1">
+    <dgm:fillClrLst>
+      <a:schemeClr val="accent5"/>
+      <a:schemeClr val="accent6"/>
+    </dgm:fillClrLst>
+    <dgm:linClrLst meth="repeat">
+      <a:schemeClr val="lt1"/>
+    </dgm:linClrLst>
+    <dgm:effectClrLst/>
+    <dgm:txLinClrLst/>
+    <dgm:txFillClrLst meth="repeat">
+      <a:schemeClr val="lt1"/>
+    </dgm:txFillClrLst>
+    <dgm:txEffectClrLst/>
+  </dgm:styleLbl>
+  <dgm:styleLbl name="sibTrans1D1">
+    <dgm:fillClrLst/>
+    <dgm:linClrLst>
+      <a:schemeClr val="accent5"/>
+      <a:schemeClr val="accent6"/>
+    </dgm:linClrLst>
+    <dgm:effectClrLst/>
+    <dgm:txLinClrLst/>
+    <dgm:txFillClrLst meth="repeat">
+      <a:schemeClr val="tx1"/>
+    </dgm:txFillClrLst>
+    <dgm:txEffectClrLst/>
+  </dgm:styleLbl>
+  <dgm:styleLbl name="callout">
+    <dgm:fillClrLst meth="repeat">
+      <a:schemeClr val="accent5"/>
+    </dgm:fillClrLst>
+    <dgm:linClrLst meth="repeat">
+      <a:schemeClr val="accent5">
+        <a:tint val="50000"/>
+      </a:schemeClr>
+    </dgm:linClrLst>
+    <dgm:effectClrLst/>
+    <dgm:txLinClrLst/>
+    <dgm:txFillClrLst meth="repeat">
+      <a:schemeClr val="tx1"/>
+    </dgm:txFillClrLst>
+    <dgm:txEffectClrLst/>
+  </dgm:styleLbl>
+  <dgm:styleLbl name="asst0">
+    <dgm:fillClrLst meth="repeat">
+      <a:schemeClr val="accent5"/>
+    </dgm:fillClrLst>
+    <dgm:linClrLst meth="repeat">
+      <a:schemeClr val="lt1">
+        <a:shade val="80000"/>
+      </a:schemeClr>
+    </dgm:linClrLst>
+    <dgm:effectClrLst/>
+    <dgm:txLinClrLst/>
+    <dgm:txFillClrLst/>
+    <dgm:txEffectClrLst/>
+  </dgm:styleLbl>
+  <dgm:styleLbl name="asst1">
+    <dgm:fillClrLst meth="repeat">
+      <a:schemeClr val="accent6"/>
+    </dgm:fillClrLst>
+    <dgm:linClrLst meth="repeat">
+      <a:schemeClr val="lt1">
+        <a:shade val="80000"/>
+      </a:schemeClr>
+    </dgm:linClrLst>
+    <dgm:effectClrLst/>
+    <dgm:txLinClrLst/>
+    <dgm:txFillClrLst/>
+    <dgm:txEffectClrLst/>
+  </dgm:styleLbl>
+  <dgm:styleLbl name="asst2">
+    <dgm:fillClrLst>
+      <a:schemeClr val="accent1"/>
+    </dgm:fillClrLst>
+    <dgm:linClrLst meth="repeat">
+      <a:schemeClr val="lt1"/>
+    </dgm:linClrLst>
+    <dgm:effectClrLst/>
+    <dgm:txLinClrLst/>
+    <dgm:txFillClrLst/>
+    <dgm:txEffectClrLst/>
+  </dgm:styleLbl>
+  <dgm:styleLbl name="asst3">
+    <dgm:fillClrLst>
+      <a:schemeClr val="accent2"/>
+    </dgm:fillClrLst>
+    <dgm:linClrLst meth="repeat">
+      <a:schemeClr val="lt1"/>
+    </dgm:linClrLst>
+    <dgm:effectClrLst/>
+    <dgm:txLinClrLst/>
+    <dgm:txFillClrLst/>
+    <dgm:txEffectClrLst/>
+  </dgm:styleLbl>
+  <dgm:styleLbl name="asst4">
+    <dgm:fillClrLst>
+      <a:schemeClr val="accent3"/>
+    </dgm:fillClrLst>
+    <dgm:linClrLst meth="repeat">
+      <a:schemeClr val="lt1"/>
+    </dgm:linClrLst>
+    <dgm:effectClrLst/>
+    <dgm:txLinClrLst/>
+    <dgm:txFillClrLst/>
+    <dgm:txEffectClrLst/>
+  </dgm:styleLbl>
+  <dgm:styleLbl name="parChTrans2D1">
+    <dgm:fillClrLst meth="repeat">
+      <a:schemeClr val="accent5"/>
+    </dgm:fillClrLst>
+    <dgm:linClrLst meth="repeat">
+      <a:schemeClr val="lt1"/>
+    </dgm:linClrLst>
+    <dgm:effectClrLst/>
+    <dgm:txLinClrLst/>
+    <dgm:txFillClrLst meth="repeat">
+      <a:schemeClr val="lt1"/>
+    </dgm:txFillClrLst>
+    <dgm:txEffectClrLst/>
+  </dgm:styleLbl>
+  <dgm:styleLbl name="parChTrans2D2">
+    <dgm:fillClrLst meth="repeat">
+      <a:schemeClr val="accent6"/>
+    </dgm:fillClrLst>
+    <dgm:linClrLst meth="repeat">
+      <a:schemeClr val="lt1"/>
+    </dgm:linClrLst>
+    <dgm:effectClrLst/>
+    <dgm:txLinClrLst/>
+    <dgm:txFillClrLst/>
+    <dgm:txEffectClrLst/>
+  </dgm:styleLbl>
+  <dgm:styleLbl name="parChTrans2D3">
+    <dgm:fillClrLst meth="repeat">
+      <a:schemeClr val="accent6"/>
+    </dgm:fillClrLst>
+    <dgm:linClrLst meth="repeat">
+      <a:schemeClr val="lt1"/>
+    </dgm:linClrLst>
+    <dgm:effectClrLst/>
+    <dgm:txLinClrLst/>
+    <dgm:txFillClrLst/>
+    <dgm:txEffectClrLst/>
+  </dgm:styleLbl>
+  <dgm:styleLbl name="parChTrans2D4">
+    <dgm:fillClrLst meth="repeat">
+      <a:schemeClr val="accent1"/>
+    </dgm:fillClrLst>
+    <dgm:linClrLst meth="repeat">
+      <a:schemeClr val="lt1"/>
+    </dgm:linClrLst>
+    <dgm:effectClrLst/>
+    <dgm:txLinClrLst/>
+    <dgm:txFillClrLst meth="repeat">
+      <a:schemeClr val="lt1"/>
+    </dgm:txFillClrLst>
+    <dgm:txEffectClrLst/>
+  </dgm:styleLbl>
+  <dgm:styleLbl name="parChTrans1D1">
+    <dgm:fillClrLst meth="repeat">
+      <a:schemeClr val="accent5"/>
+    </dgm:fillClrLst>
+    <dgm:linClrLst meth="repeat">
+      <a:schemeClr val="accent5"/>
+    </dgm:linClrLst>
+    <dgm:effectClrLst/>
+    <dgm:txLinClrLst/>
+    <dgm:txFillClrLst meth="repeat">
+      <a:schemeClr val="tx1"/>
+    </dgm:txFillClrLst>
+    <dgm:txEffectClrLst/>
+  </dgm:styleLbl>
+  <dgm:styleLbl name="parChTrans1D2">
+    <dgm:fillClrLst meth="repeat">
+      <a:schemeClr val="accent6">
+        <a:tint val="90000"/>
+      </a:schemeClr>
+    </dgm:fillClrLst>
+    <dgm:linClrLst meth="repeat">
+      <a:schemeClr val="accent6"/>
+    </dgm:linClrLst>
+    <dgm:effectClrLst/>
+    <dgm:txLinClrLst/>
+    <dgm:txFillClrLst meth="repeat">
+      <a:schemeClr val="tx1"/>
+    </dgm:txFillClrLst>
+    <dgm:txEffectClrLst/>
+  </dgm:styleLbl>
+  <dgm:styleLbl name="parChTrans1D3">
+    <dgm:fillClrLst meth="repeat">
+      <a:schemeClr val="accent6">
+        <a:tint val="70000"/>
+      </a:schemeClr>
+    </dgm:fillClrLst>
+    <dgm:linClrLst meth="repeat">
+      <a:schemeClr val="accent1"/>
+    </dgm:linClrLst>
+    <dgm:effectClrLst/>
+    <dgm:txLinClrLst/>
+    <dgm:txFillClrLst meth="repeat">
+      <a:schemeClr val="tx1"/>
+    </dgm:txFillClrLst>
+    <dgm:txEffectClrLst/>
+  </dgm:styleLbl>
+  <dgm:styleLbl name="parChTrans1D4">
+    <dgm:fillClrLst meth="repeat">
+      <a:schemeClr val="accent6">
+        <a:tint val="50000"/>
+      </a:schemeClr>
+    </dgm:fillClrLst>
+    <dgm:linClrLst meth="repeat">
+      <a:schemeClr val="accent2"/>
+    </dgm:linClrLst>
+    <dgm:effectClrLst/>
+    <dgm:txLinClrLst/>
+    <dgm:txFillClrLst meth="repeat">
+      <a:schemeClr val="tx1"/>
+    </dgm:txFillClrLst>
+    <dgm:txEffectClrLst/>
+  </dgm:styleLbl>
+  <dgm:styleLbl name="fgAcc1">
+    <dgm:fillClrLst meth="repeat">
+      <a:schemeClr val="lt1">
+        <a:alpha val="90000"/>
+      </a:schemeClr>
+    </dgm:fillClrLst>
+    <dgm:linClrLst>
+      <a:schemeClr val="accent5"/>
+      <a:schemeClr val="accent6"/>
+    </dgm:linClrLst>
+    <dgm:effectClrLst/>
+    <dgm:txLinClrLst/>
+    <dgm:txFillClrLst meth="repeat">
+      <a:schemeClr val="dk1"/>
+    </dgm:txFillClrLst>
+    <dgm:txEffectClrLst/>
+  </dgm:styleLbl>
+  <dgm:styleLbl name="conFgAcc1">
+    <dgm:fillClrLst meth="repeat">
+      <a:schemeClr val="lt1">
+        <a:alpha val="90000"/>
+      </a:schemeClr>
+    </dgm:fillClrLst>
+    <dgm:linClrLst>
+      <a:schemeClr val="accent5"/>
+      <a:schemeClr val="accent6"/>
+    </dgm:linClrLst>
+    <dgm:effectClrLst/>
+    <dgm:txLinClrLst/>
+    <dgm:txFillClrLst meth="repeat">
+      <a:schemeClr val="dk1"/>
+    </dgm:txFillClrLst>
+    <dgm:txEffectClrLst/>
+  </dgm:styleLbl>
+  <dgm:styleLbl name="alignAcc1">
+    <dgm:fillClrLst meth="repeat">
+      <a:schemeClr val="lt1">
+        <a:alpha val="90000"/>
+      </a:schemeClr>
+    </dgm:fillClrLst>
+    <dgm:linClrLst>
+      <a:schemeClr val="accent5"/>
+      <a:schemeClr val="accent6"/>
+    </dgm:linClrLst>
+    <dgm:effectClrLst/>
+    <dgm:txLinClrLst/>
+    <dgm:txFillClrLst meth="repeat">
+      <a:schemeClr val="dk1"/>
+    </dgm:txFillClrLst>
+    <dgm:txEffectClrLst/>
+  </dgm:styleLbl>
+  <dgm:styleLbl name="trAlignAcc1">
+    <dgm:fillClrLst meth="repeat">
+      <a:schemeClr val="lt1">
+        <a:alpha val="40000"/>
+      </a:schemeClr>
+    </dgm:fillClrLst>
+    <dgm:linClrLst meth="repeat">
+      <a:schemeClr val="accent5"/>
+    </dgm:linClrLst>
+    <dgm:effectClrLst/>
+    <dgm:txLinClrLst/>
+    <dgm:txFillClrLst meth="repeat">
+      <a:schemeClr val="dk1"/>
+    </dgm:txFillClrLst>
+    <dgm:txEffectClrLst/>
+  </dgm:styleLbl>
+  <dgm:styleLbl name="bgAcc1">
+    <dgm:fillClrLst meth="repeat">
+      <a:schemeClr val="lt1">
+        <a:alpha val="90000"/>
+      </a:schemeClr>
+    </dgm:fillClrLst>
+    <dgm:linClrLst>
+      <a:schemeClr val="accent5"/>
+      <a:schemeClr val="accent6"/>
+    </dgm:linClrLst>
+    <dgm:effectClrLst/>
+    <dgm:txLinClrLst/>
+    <dgm:txFillClrLst meth="repeat">
+      <a:schemeClr val="dk1"/>
+    </dgm:txFillClrLst>
+    <dgm:txEffectClrLst/>
+  </dgm:styleLbl>
+  <dgm:styleLbl name="solidFgAcc1">
+    <dgm:fillClrLst meth="repeat">
+      <a:schemeClr val="lt1"/>
+    </dgm:fillClrLst>
+    <dgm:linClrLst>
+      <a:schemeClr val="accent5"/>
+      <a:schemeClr val="accent6"/>
+    </dgm:linClrLst>
+    <dgm:effectClrLst/>
+    <dgm:txLinClrLst/>
+    <dgm:txFillClrLst meth="repeat">
+      <a:schemeClr val="dk1"/>
+    </dgm:txFillClrLst>
+    <dgm:txEffectClrLst/>
+  </dgm:styleLbl>
+  <dgm:styleLbl name="solidAlignAcc1">
+    <dgm:fillClrLst meth="repeat">
+      <a:schemeClr val="lt1"/>
+    </dgm:fillClrLst>
+    <dgm:linClrLst>
+      <a:schemeClr val="accent5"/>
+      <a:schemeClr val="accent6"/>
+    </dgm:linClrLst>
+    <dgm:effectClrLst/>
+    <dgm:txLinClrLst/>
+    <dgm:txFillClrLst meth="repeat">
+      <a:schemeClr val="dk1"/>
+    </dgm:txFillClrLst>
+    <dgm:txEffectClrLst/>
+  </dgm:styleLbl>
+  <dgm:styleLbl name="solidBgAcc1">
+    <dgm:fillClrLst meth="repeat">
+      <a:schemeClr val="lt1"/>
+    </dgm:fillClrLst>
+    <dgm:linClrLst>
+      <a:schemeClr val="accent5"/>
+      <a:schemeClr val="accent6"/>
+    </dgm:linClrLst>
+    <dgm:effectClrLst/>
+    <dgm:txLinClrLst/>
+    <dgm:txFillClrLst meth="repeat">
+      <a:schemeClr val="dk1"/>
+    </dgm:txFillClrLst>
+    <dgm:txEffectClrLst/>
+  </dgm:styleLbl>
+  <dgm:styleLbl name="fgAccFollowNode1">
+    <dgm:fillClrLst>
+      <a:schemeClr val="accent5">
+        <a:tint val="40000"/>
+        <a:alpha val="90000"/>
+      </a:schemeClr>
+      <a:schemeClr val="accent6">
+        <a:tint val="40000"/>
+        <a:alpha val="90000"/>
+      </a:schemeClr>
+    </dgm:fillClrLst>
+    <dgm:linClrLst>
+      <a:schemeClr val="accent5">
+        <a:tint val="40000"/>
+        <a:alpha val="90000"/>
+      </a:schemeClr>
+      <a:schemeClr val="accent5">
+        <a:tint val="40000"/>
+        <a:alpha val="90000"/>
+      </a:schemeClr>
+    </dgm:linClrLst>
+    <dgm:effectClrLst/>
+    <dgm:txLinClrLst/>
+    <dgm:txFillClrLst meth="repeat">
+      <a:schemeClr val="dk1"/>
+    </dgm:txFillClrLst>
+    <dgm:txEffectClrLst/>
+  </dgm:styleLbl>
+  <dgm:styleLbl name="alignAccFollowNode1">
+    <dgm:fillClrLst>
+      <a:schemeClr val="accent5">
+        <a:tint val="40000"/>
+        <a:alpha val="90000"/>
+      </a:schemeClr>
+      <a:schemeClr val="accent6">
+        <a:tint val="40000"/>
+        <a:alpha val="90000"/>
+      </a:schemeClr>
+    </dgm:fillClrLst>
+    <dgm:linClrLst>
+      <a:schemeClr val="accent5">
+        <a:tint val="40000"/>
+        <a:alpha val="90000"/>
+      </a:schemeClr>
+      <a:schemeClr val="accent6">
+        <a:tint val="40000"/>
+        <a:alpha val="90000"/>
+      </a:schemeClr>
+    </dgm:linClrLst>
+    <dgm:effectClrLst/>
+    <dgm:txLinClrLst/>
+    <dgm:txFillClrLst meth="repeat">
+      <a:schemeClr val="dk1"/>
+    </dgm:txFillClrLst>
+    <dgm:txEffectClrLst/>
+  </dgm:styleLbl>
+  <dgm:styleLbl name="bgAccFollowNode1">
+    <dgm:fillClrLst>
+      <a:schemeClr val="accent5">
+        <a:tint val="40000"/>
+        <a:alpha val="90000"/>
+      </a:schemeClr>
+      <a:schemeClr val="accent6">
+        <a:tint val="40000"/>
+        <a:alpha val="90000"/>
+      </a:schemeClr>
+    </dgm:fillClrLst>
+    <dgm:linClrLst>
+      <a:schemeClr val="accent5">
+        <a:tint val="40000"/>
+        <a:alpha val="90000"/>
+      </a:schemeClr>
+      <a:schemeClr val="accent6">
+        <a:tint val="40000"/>
+        <a:alpha val="90000"/>
+      </a:schemeClr>
+    </dgm:linClrLst>
+    <dgm:effectClrLst/>
+    <dgm:txLinClrLst/>
+    <dgm:txFillClrLst meth="repeat">
+      <a:schemeClr val="dk1"/>
+    </dgm:txFillClrLst>
+    <dgm:txEffectClrLst/>
+  </dgm:styleLbl>
+  <dgm:styleLbl name="fgAcc0">
+    <dgm:fillClrLst meth="repeat">
+      <a:schemeClr val="lt1">
+        <a:alpha val="90000"/>
+      </a:schemeClr>
+    </dgm:fillClrLst>
+    <dgm:linClrLst>
+      <a:schemeClr val="accent4"/>
+    </dgm:linClrLst>
+    <dgm:effectClrLst/>
+    <dgm:txLinClrLst/>
+    <dgm:txFillClrLst meth="repeat">
+      <a:schemeClr val="dk1"/>
+    </dgm:txFillClrLst>
+    <dgm:txEffectClrLst/>
+  </dgm:styleLbl>
+  <dgm:styleLbl name="fgAcc2">
+    <dgm:fillClrLst meth="repeat">
+      <a:schemeClr val="lt1">
+        <a:alpha val="90000"/>
+      </a:schemeClr>
+    </dgm:fillClrLst>
+    <dgm:linClrLst>
+      <a:schemeClr val="accent6"/>
+    </dgm:linClrLst>
+    <dgm:effectClrLst/>
+    <dgm:txLinClrLst/>
+    <dgm:txFillClrLst meth="repeat">
+      <a:schemeClr val="dk1"/>
+    </dgm:txFillClrLst>
+    <dgm:txEffectClrLst/>
+  </dgm:styleLbl>
+  <dgm:styleLbl name="fgAcc3">
+    <dgm:fillClrLst meth="repeat">
+      <a:schemeClr val="lt1">
+        <a:alpha val="90000"/>
+      </a:schemeClr>
+    </dgm:fillClrLst>
+    <dgm:linClrLst>
+      <a:schemeClr val="accent1"/>
+    </dgm:linClrLst>
+    <dgm:effectClrLst/>
+    <dgm:txLinClrLst/>
+    <dgm:txFillClrLst meth="repeat">
+      <a:schemeClr val="dk1"/>
+    </dgm:txFillClrLst>
+    <dgm:txEffectClrLst/>
+  </dgm:styleLbl>
+  <dgm:styleLbl name="fgAcc4">
+    <dgm:fillClrLst meth="repeat">
+      <a:schemeClr val="lt1">
+        <a:alpha val="90000"/>
+      </a:schemeClr>
+    </dgm:fillClrLst>
+    <dgm:linClrLst>
+      <a:schemeClr val="accent2"/>
+    </dgm:linClrLst>
+    <dgm:effectClrLst/>
+    <dgm:txLinClrLst/>
+    <dgm:txFillClrLst meth="repeat">
+      <a:schemeClr val="dk1"/>
+    </dgm:txFillClrLst>
+    <dgm:txEffectClrLst/>
+  </dgm:styleLbl>
+  <dgm:styleLbl name="bgShp">
+    <dgm:fillClrLst meth="repeat">
+      <a:schemeClr val="accent5">
+        <a:tint val="40000"/>
+      </a:schemeClr>
+    </dgm:fillClrLst>
+    <dgm:linClrLst meth="repeat">
+      <a:schemeClr val="dk1"/>
+    </dgm:linClrLst>
+    <dgm:effectClrLst/>
+    <dgm:txLinClrLst/>
+    <dgm:txFillClrLst meth="repeat">
+      <a:schemeClr val="dk1"/>
+    </dgm:txFillClrLst>
+    <dgm:txEffectClrLst/>
+  </dgm:styleLbl>
+  <dgm:styleLbl name="dkBgShp">
+    <dgm:fillClrLst meth="repeat">
+      <a:schemeClr val="accent5">
+        <a:shade val="90000"/>
+      </a:schemeClr>
+    </dgm:fillClrLst>
+    <dgm:linClrLst meth="repeat">
+      <a:schemeClr val="dk1"/>
+    </dgm:linClrLst>
+    <dgm:effectClrLst/>
+    <dgm:txLinClrLst/>
+    <dgm:txFillClrLst meth="repeat">
+      <a:schemeClr val="lt1"/>
+    </dgm:txFillClrLst>
+    <dgm:txEffectClrLst/>
+  </dgm:styleLbl>
+  <dgm:styleLbl name="trBgShp">
+    <dgm:fillClrLst meth="repeat">
+      <a:schemeClr val="accent5">
+        <a:tint val="50000"/>
+        <a:alpha val="40000"/>
+      </a:schemeClr>
+    </dgm:fillClrLst>
+    <dgm:linClrLst meth="repeat">
+      <a:schemeClr val="accent5"/>
+    </dgm:linClrLst>
+    <dgm:effectClrLst/>
+    <dgm:txLinClrLst/>
+    <dgm:txFillClrLst meth="repeat">
+      <a:schemeClr val="lt1"/>
+    </dgm:txFillClrLst>
+    <dgm:txEffectClrLst/>
+  </dgm:styleLbl>
+  <dgm:styleLbl name="fgShp">
+    <dgm:fillClrLst meth="repeat">
+      <a:schemeClr val="accent5">
+        <a:tint val="40000"/>
+      </a:schemeClr>
+    </dgm:fillClrLst>
+    <dgm:linClrLst meth="repeat">
+      <a:schemeClr val="lt1"/>
+    </dgm:linClrLst>
+    <dgm:effectClrLst/>
+    <dgm:txLinClrLst/>
+    <dgm:txFillClrLst meth="repeat">
+      <a:schemeClr val="dk1"/>
+    </dgm:txFillClrLst>
+    <dgm:txEffectClrLst/>
+  </dgm:styleLbl>
+  <dgm:styleLbl name="revTx">
+    <dgm:fillClrLst meth="repeat">
+      <a:schemeClr val="lt1">
+        <a:alpha val="0"/>
+      </a:schemeClr>
+    </dgm:fillClrLst>
+    <dgm:linClrLst meth="repeat">
+      <a:schemeClr val="dk1">
+        <a:alpha val="0"/>
+      </a:schemeClr>
+    </dgm:linClrLst>
+    <dgm:effectClrLst/>
+    <dgm:txLinClrLst/>
+    <dgm:txFillClrLst meth="repeat">
+      <a:schemeClr val="tx1"/>
+    </dgm:txFillClrLst>
+    <dgm:txEffectClrLst/>
+  </dgm:styleLbl>
+</dgm:colorsDef>
+</file>
+
+<file path=ppt/diagrams/colors2.xml><?xml version="1.0" encoding="utf-8"?>
 <dgm:colorsDef xmlns:dgm="http://schemas.openxmlformats.org/drawingml/2006/diagram" xmlns:a="http://schemas.openxmlformats.org/drawingml/2006/main" uniqueId="urn:microsoft.com/office/officeart/2005/8/colors/accent1_2">
   <dgm:title val=""/>
   <dgm:desc val=""/>
@@ -874,6 +1669,197 @@
 </file>
 
 <file path=ppt/diagrams/data1.xml><?xml version="1.0" encoding="utf-8"?>
+<dgm:dataModel xmlns:dgm="http://schemas.openxmlformats.org/drawingml/2006/diagram" xmlns:a="http://schemas.openxmlformats.org/drawingml/2006/main">
+  <dgm:ptLst>
+    <dgm:pt modelId="{19322C3E-00DE-4A59-8BE4-79B0CD08F2D7}" type="doc">
+      <dgm:prSet loTypeId="urn:microsoft.com/office/officeart/2005/8/layout/vList2" loCatId="list" qsTypeId="urn:microsoft.com/office/officeart/2005/8/quickstyle/simple2" qsCatId="simple" csTypeId="urn:microsoft.com/office/officeart/2005/8/colors/colorful5" csCatId="colorful"/>
+      <dgm:spPr/>
+      <dgm:t>
+        <a:bodyPr/>
+        <a:lstStyle/>
+        <a:p>
+          <a:endParaRPr lang="en-US"/>
+        </a:p>
+      </dgm:t>
+    </dgm:pt>
+    <dgm:pt modelId="{4628F52A-67F1-41C0-8F9F-860201CB33F3}">
+      <dgm:prSet/>
+      <dgm:spPr/>
+      <dgm:t>
+        <a:bodyPr/>
+        <a:lstStyle/>
+        <a:p>
+          <a:r>
+            <a:rPr lang="en-US"/>
+            <a:t>Diverse dataset</a:t>
+          </a:r>
+        </a:p>
+      </dgm:t>
+    </dgm:pt>
+    <dgm:pt modelId="{A8E38BED-75A3-4FFC-903A-007B092E6782}" type="parTrans" cxnId="{A036B7D0-4095-498F-A6D8-CEF68F84469A}">
+      <dgm:prSet/>
+      <dgm:spPr/>
+      <dgm:t>
+        <a:bodyPr/>
+        <a:lstStyle/>
+        <a:p>
+          <a:endParaRPr lang="en-US"/>
+        </a:p>
+      </dgm:t>
+    </dgm:pt>
+    <dgm:pt modelId="{5DDA99BF-D5D1-4E90-8F59-CBAA4DE56B9B}" type="sibTrans" cxnId="{A036B7D0-4095-498F-A6D8-CEF68F84469A}">
+      <dgm:prSet/>
+      <dgm:spPr/>
+      <dgm:t>
+        <a:bodyPr/>
+        <a:lstStyle/>
+        <a:p>
+          <a:endParaRPr lang="en-US"/>
+        </a:p>
+      </dgm:t>
+    </dgm:pt>
+    <dgm:pt modelId="{5C8B14CF-C07F-4136-8DE0-5562E0779FCB}">
+      <dgm:prSet/>
+      <dgm:spPr/>
+      <dgm:t>
+        <a:bodyPr/>
+        <a:lstStyle/>
+        <a:p>
+          <a:r>
+            <a:rPr lang="en-US"/>
+            <a:t>Topic modeling needs more fine tuning</a:t>
+          </a:r>
+        </a:p>
+      </dgm:t>
+    </dgm:pt>
+    <dgm:pt modelId="{17535AF1-9B17-4E5E-B67A-751F4C53EA1A}" type="parTrans" cxnId="{73065F2C-1FB8-420B-8BF1-3DD64BD83FA8}">
+      <dgm:prSet/>
+      <dgm:spPr/>
+      <dgm:t>
+        <a:bodyPr/>
+        <a:lstStyle/>
+        <a:p>
+          <a:endParaRPr lang="en-US"/>
+        </a:p>
+      </dgm:t>
+    </dgm:pt>
+    <dgm:pt modelId="{415CA243-9E57-4F21-A056-4E4754FDC07D}" type="sibTrans" cxnId="{73065F2C-1FB8-420B-8BF1-3DD64BD83FA8}">
+      <dgm:prSet/>
+      <dgm:spPr/>
+      <dgm:t>
+        <a:bodyPr/>
+        <a:lstStyle/>
+        <a:p>
+          <a:endParaRPr lang="en-US"/>
+        </a:p>
+      </dgm:t>
+    </dgm:pt>
+    <dgm:pt modelId="{35EB480D-E826-471B-9B3F-144E2AB407E1}">
+      <dgm:prSet/>
+      <dgm:spPr/>
+      <dgm:t>
+        <a:bodyPr/>
+        <a:lstStyle/>
+        <a:p>
+          <a:r>
+            <a:rPr lang="en-US"/>
+            <a:t>Filter for just nouns and adjectives</a:t>
+          </a:r>
+        </a:p>
+      </dgm:t>
+    </dgm:pt>
+    <dgm:pt modelId="{3ABBF4B4-D862-4473-AB21-1813CA4E3AE9}" type="parTrans" cxnId="{7E952AF5-7791-4069-BB24-C8700ED1F96C}">
+      <dgm:prSet/>
+      <dgm:spPr/>
+      <dgm:t>
+        <a:bodyPr/>
+        <a:lstStyle/>
+        <a:p>
+          <a:endParaRPr lang="en-US"/>
+        </a:p>
+      </dgm:t>
+    </dgm:pt>
+    <dgm:pt modelId="{BD885CBB-9B33-42D3-86F0-8FE11009EC43}" type="sibTrans" cxnId="{7E952AF5-7791-4069-BB24-C8700ED1F96C}">
+      <dgm:prSet/>
+      <dgm:spPr/>
+      <dgm:t>
+        <a:bodyPr/>
+        <a:lstStyle/>
+        <a:p>
+          <a:endParaRPr lang="en-US"/>
+        </a:p>
+      </dgm:t>
+    </dgm:pt>
+    <dgm:pt modelId="{991FECDB-D391-4893-950D-500765983744}" type="pres">
+      <dgm:prSet presAssocID="{19322C3E-00DE-4A59-8BE4-79B0CD08F2D7}" presName="linear" presStyleCnt="0">
+        <dgm:presLayoutVars>
+          <dgm:animLvl val="lvl"/>
+          <dgm:resizeHandles val="exact"/>
+        </dgm:presLayoutVars>
+      </dgm:prSet>
+      <dgm:spPr/>
+    </dgm:pt>
+    <dgm:pt modelId="{5F69F145-6EF1-4D6B-8C57-0D57C1A9152D}" type="pres">
+      <dgm:prSet presAssocID="{4628F52A-67F1-41C0-8F9F-860201CB33F3}" presName="parentText" presStyleLbl="node1" presStyleIdx="0" presStyleCnt="3">
+        <dgm:presLayoutVars>
+          <dgm:chMax val="0"/>
+          <dgm:bulletEnabled val="1"/>
+        </dgm:presLayoutVars>
+      </dgm:prSet>
+      <dgm:spPr/>
+    </dgm:pt>
+    <dgm:pt modelId="{C6399EFF-C870-426C-A0E7-EFCD73F90183}" type="pres">
+      <dgm:prSet presAssocID="{5DDA99BF-D5D1-4E90-8F59-CBAA4DE56B9B}" presName="spacer" presStyleCnt="0"/>
+      <dgm:spPr/>
+    </dgm:pt>
+    <dgm:pt modelId="{DA3B3026-B033-4B88-957F-11B289901E58}" type="pres">
+      <dgm:prSet presAssocID="{5C8B14CF-C07F-4136-8DE0-5562E0779FCB}" presName="parentText" presStyleLbl="node1" presStyleIdx="1" presStyleCnt="3">
+        <dgm:presLayoutVars>
+          <dgm:chMax val="0"/>
+          <dgm:bulletEnabled val="1"/>
+        </dgm:presLayoutVars>
+      </dgm:prSet>
+      <dgm:spPr/>
+    </dgm:pt>
+    <dgm:pt modelId="{5ADBD256-E176-40AC-875A-63628112497F}" type="pres">
+      <dgm:prSet presAssocID="{415CA243-9E57-4F21-A056-4E4754FDC07D}" presName="spacer" presStyleCnt="0"/>
+      <dgm:spPr/>
+    </dgm:pt>
+    <dgm:pt modelId="{0F725A6F-C0FC-438B-9138-D06E96AB978C}" type="pres">
+      <dgm:prSet presAssocID="{35EB480D-E826-471B-9B3F-144E2AB407E1}" presName="parentText" presStyleLbl="node1" presStyleIdx="2" presStyleCnt="3">
+        <dgm:presLayoutVars>
+          <dgm:chMax val="0"/>
+          <dgm:bulletEnabled val="1"/>
+        </dgm:presLayoutVars>
+      </dgm:prSet>
+      <dgm:spPr/>
+    </dgm:pt>
+  </dgm:ptLst>
+  <dgm:cxnLst>
+    <dgm:cxn modelId="{3C0E9F07-B2C7-48D1-8209-BB0AEB3EE089}" type="presOf" srcId="{19322C3E-00DE-4A59-8BE4-79B0CD08F2D7}" destId="{991FECDB-D391-4893-950D-500765983744}" srcOrd="0" destOrd="0" presId="urn:microsoft.com/office/officeart/2005/8/layout/vList2"/>
+    <dgm:cxn modelId="{63BAF825-D49D-4088-B71A-989381A9AE45}" type="presOf" srcId="{4628F52A-67F1-41C0-8F9F-860201CB33F3}" destId="{5F69F145-6EF1-4D6B-8C57-0D57C1A9152D}" srcOrd="0" destOrd="0" presId="urn:microsoft.com/office/officeart/2005/8/layout/vList2"/>
+    <dgm:cxn modelId="{73065F2C-1FB8-420B-8BF1-3DD64BD83FA8}" srcId="{19322C3E-00DE-4A59-8BE4-79B0CD08F2D7}" destId="{5C8B14CF-C07F-4136-8DE0-5562E0779FCB}" srcOrd="1" destOrd="0" parTransId="{17535AF1-9B17-4E5E-B67A-751F4C53EA1A}" sibTransId="{415CA243-9E57-4F21-A056-4E4754FDC07D}"/>
+    <dgm:cxn modelId="{415D496E-406D-4077-B9EF-E16A5BCF030D}" type="presOf" srcId="{5C8B14CF-C07F-4136-8DE0-5562E0779FCB}" destId="{DA3B3026-B033-4B88-957F-11B289901E58}" srcOrd="0" destOrd="0" presId="urn:microsoft.com/office/officeart/2005/8/layout/vList2"/>
+    <dgm:cxn modelId="{18AEEF76-613A-43B3-817C-D67413890315}" type="presOf" srcId="{35EB480D-E826-471B-9B3F-144E2AB407E1}" destId="{0F725A6F-C0FC-438B-9138-D06E96AB978C}" srcOrd="0" destOrd="0" presId="urn:microsoft.com/office/officeart/2005/8/layout/vList2"/>
+    <dgm:cxn modelId="{A036B7D0-4095-498F-A6D8-CEF68F84469A}" srcId="{19322C3E-00DE-4A59-8BE4-79B0CD08F2D7}" destId="{4628F52A-67F1-41C0-8F9F-860201CB33F3}" srcOrd="0" destOrd="0" parTransId="{A8E38BED-75A3-4FFC-903A-007B092E6782}" sibTransId="{5DDA99BF-D5D1-4E90-8F59-CBAA4DE56B9B}"/>
+    <dgm:cxn modelId="{7E952AF5-7791-4069-BB24-C8700ED1F96C}" srcId="{19322C3E-00DE-4A59-8BE4-79B0CD08F2D7}" destId="{35EB480D-E826-471B-9B3F-144E2AB407E1}" srcOrd="2" destOrd="0" parTransId="{3ABBF4B4-D862-4473-AB21-1813CA4E3AE9}" sibTransId="{BD885CBB-9B33-42D3-86F0-8FE11009EC43}"/>
+    <dgm:cxn modelId="{2EB6BC60-9FBA-4FA7-8C24-CDF0605BD995}" type="presParOf" srcId="{991FECDB-D391-4893-950D-500765983744}" destId="{5F69F145-6EF1-4D6B-8C57-0D57C1A9152D}" srcOrd="0" destOrd="0" presId="urn:microsoft.com/office/officeart/2005/8/layout/vList2"/>
+    <dgm:cxn modelId="{68E1A4C3-F6CB-45BC-90C7-AF2C02757BAC}" type="presParOf" srcId="{991FECDB-D391-4893-950D-500765983744}" destId="{C6399EFF-C870-426C-A0E7-EFCD73F90183}" srcOrd="1" destOrd="0" presId="urn:microsoft.com/office/officeart/2005/8/layout/vList2"/>
+    <dgm:cxn modelId="{A7715F31-512D-4D27-9A1D-C5E82DDBB6FE}" type="presParOf" srcId="{991FECDB-D391-4893-950D-500765983744}" destId="{DA3B3026-B033-4B88-957F-11B289901E58}" srcOrd="2" destOrd="0" presId="urn:microsoft.com/office/officeart/2005/8/layout/vList2"/>
+    <dgm:cxn modelId="{54C9AD73-7369-47B9-AC18-68B74DAF1539}" type="presParOf" srcId="{991FECDB-D391-4893-950D-500765983744}" destId="{5ADBD256-E176-40AC-875A-63628112497F}" srcOrd="3" destOrd="0" presId="urn:microsoft.com/office/officeart/2005/8/layout/vList2"/>
+    <dgm:cxn modelId="{827A0930-1138-4B3C-B9B8-28B47DADDA50}" type="presParOf" srcId="{991FECDB-D391-4893-950D-500765983744}" destId="{0F725A6F-C0FC-438B-9138-D06E96AB978C}" srcOrd="4" destOrd="0" presId="urn:microsoft.com/office/officeart/2005/8/layout/vList2"/>
+  </dgm:cxnLst>
+  <dgm:bg/>
+  <dgm:whole/>
+  <dgm:extLst>
+    <a:ext uri="http://schemas.microsoft.com/office/drawing/2008/diagram">
+      <dsp:dataModelExt xmlns:dsp="http://schemas.microsoft.com/office/drawing/2008/diagram" relId="rId7" minVer="http://schemas.openxmlformats.org/drawingml/2006/diagram"/>
+    </a:ext>
+  </dgm:extLst>
+</dgm:dataModel>
+</file>
+
+<file path=ppt/diagrams/data2.xml><?xml version="1.0" encoding="utf-8"?>
 <dgm:dataModel xmlns:dgm="http://schemas.openxmlformats.org/drawingml/2006/diagram" xmlns:a="http://schemas.openxmlformats.org/drawingml/2006/main">
   <dgm:ptLst>
     <dgm:pt modelId="{3ABE6F74-961D-4DDC-A5AB-7D13308716D3}" type="doc">
@@ -1431,6 +2417,249 @@
 </file>
 
 <file path=ppt/diagrams/drawing1.xml><?xml version="1.0" encoding="utf-8"?>
+<dsp:drawing xmlns:dgm="http://schemas.openxmlformats.org/drawingml/2006/diagram" xmlns:dsp="http://schemas.microsoft.com/office/drawing/2008/diagram" xmlns:a="http://schemas.openxmlformats.org/drawingml/2006/main">
+  <dsp:spTree>
+    <dsp:nvGrpSpPr>
+      <dsp:cNvPr id="0" name=""/>
+      <dsp:cNvGrpSpPr/>
+    </dsp:nvGrpSpPr>
+    <dsp:grpSpPr/>
+    <dsp:sp modelId="{5F69F145-6EF1-4D6B-8C57-0D57C1A9152D}">
+      <dsp:nvSpPr>
+        <dsp:cNvPr id="0" name=""/>
+        <dsp:cNvSpPr/>
+      </dsp:nvSpPr>
+      <dsp:spPr>
+        <a:xfrm>
+          <a:off x="0" y="32016"/>
+          <a:ext cx="5906327" cy="1469830"/>
+        </a:xfrm>
+        <a:prstGeom prst="roundRect">
+          <a:avLst/>
+        </a:prstGeom>
+        <a:solidFill>
+          <a:schemeClr val="accent5">
+            <a:hueOff val="0"/>
+            <a:satOff val="0"/>
+            <a:lumOff val="0"/>
+            <a:alphaOff val="0"/>
+          </a:schemeClr>
+        </a:solidFill>
+        <a:ln w="25400" cap="rnd" cmpd="sng" algn="ctr">
+          <a:solidFill>
+            <a:schemeClr val="lt1">
+              <a:hueOff val="0"/>
+              <a:satOff val="0"/>
+              <a:lumOff val="0"/>
+              <a:alphaOff val="0"/>
+            </a:schemeClr>
+          </a:solidFill>
+          <a:prstDash val="solid"/>
+        </a:ln>
+        <a:effectLst/>
+      </dsp:spPr>
+      <dsp:style>
+        <a:lnRef idx="3">
+          <a:scrgbClr r="0" g="0" b="0"/>
+        </a:lnRef>
+        <a:fillRef idx="1">
+          <a:scrgbClr r="0" g="0" b="0"/>
+        </a:fillRef>
+        <a:effectRef idx="1">
+          <a:scrgbClr r="0" g="0" b="0"/>
+        </a:effectRef>
+        <a:fontRef idx="minor">
+          <a:schemeClr val="lt1"/>
+        </a:fontRef>
+      </dsp:style>
+      <dsp:txBody>
+        <a:bodyPr spcFirstLastPara="0" vert="horz" wrap="square" lIns="140970" tIns="140970" rIns="140970" bIns="140970" numCol="1" spcCol="1270" anchor="ctr" anchorCtr="0">
+          <a:noAutofit/>
+        </a:bodyPr>
+        <a:lstStyle/>
+        <a:p>
+          <a:pPr marL="0" lvl="0" indent="0" algn="l" defTabSz="1644650">
+            <a:lnSpc>
+              <a:spcPct val="90000"/>
+            </a:lnSpc>
+            <a:spcBef>
+              <a:spcPct val="0"/>
+            </a:spcBef>
+            <a:spcAft>
+              <a:spcPct val="35000"/>
+            </a:spcAft>
+            <a:buNone/>
+          </a:pPr>
+          <a:r>
+            <a:rPr lang="en-US" sz="3700" kern="1200"/>
+            <a:t>Diverse dataset</a:t>
+          </a:r>
+        </a:p>
+      </dsp:txBody>
+      <dsp:txXfrm>
+        <a:off x="71751" y="103767"/>
+        <a:ext cx="5762825" cy="1326328"/>
+      </dsp:txXfrm>
+    </dsp:sp>
+    <dsp:sp modelId="{DA3B3026-B033-4B88-957F-11B289901E58}">
+      <dsp:nvSpPr>
+        <dsp:cNvPr id="0" name=""/>
+        <dsp:cNvSpPr/>
+      </dsp:nvSpPr>
+      <dsp:spPr>
+        <a:xfrm>
+          <a:off x="0" y="1608407"/>
+          <a:ext cx="5906327" cy="1469830"/>
+        </a:xfrm>
+        <a:prstGeom prst="roundRect">
+          <a:avLst/>
+        </a:prstGeom>
+        <a:solidFill>
+          <a:schemeClr val="accent5">
+            <a:hueOff val="3005351"/>
+            <a:satOff val="-13190"/>
+            <a:lumOff val="3921"/>
+            <a:alphaOff val="0"/>
+          </a:schemeClr>
+        </a:solidFill>
+        <a:ln w="25400" cap="rnd" cmpd="sng" algn="ctr">
+          <a:solidFill>
+            <a:schemeClr val="lt1">
+              <a:hueOff val="0"/>
+              <a:satOff val="0"/>
+              <a:lumOff val="0"/>
+              <a:alphaOff val="0"/>
+            </a:schemeClr>
+          </a:solidFill>
+          <a:prstDash val="solid"/>
+        </a:ln>
+        <a:effectLst/>
+      </dsp:spPr>
+      <dsp:style>
+        <a:lnRef idx="3">
+          <a:scrgbClr r="0" g="0" b="0"/>
+        </a:lnRef>
+        <a:fillRef idx="1">
+          <a:scrgbClr r="0" g="0" b="0"/>
+        </a:fillRef>
+        <a:effectRef idx="1">
+          <a:scrgbClr r="0" g="0" b="0"/>
+        </a:effectRef>
+        <a:fontRef idx="minor">
+          <a:schemeClr val="lt1"/>
+        </a:fontRef>
+      </dsp:style>
+      <dsp:txBody>
+        <a:bodyPr spcFirstLastPara="0" vert="horz" wrap="square" lIns="140970" tIns="140970" rIns="140970" bIns="140970" numCol="1" spcCol="1270" anchor="ctr" anchorCtr="0">
+          <a:noAutofit/>
+        </a:bodyPr>
+        <a:lstStyle/>
+        <a:p>
+          <a:pPr marL="0" lvl="0" indent="0" algn="l" defTabSz="1644650">
+            <a:lnSpc>
+              <a:spcPct val="90000"/>
+            </a:lnSpc>
+            <a:spcBef>
+              <a:spcPct val="0"/>
+            </a:spcBef>
+            <a:spcAft>
+              <a:spcPct val="35000"/>
+            </a:spcAft>
+            <a:buNone/>
+          </a:pPr>
+          <a:r>
+            <a:rPr lang="en-US" sz="3700" kern="1200"/>
+            <a:t>Topic modeling needs more fine tuning</a:t>
+          </a:r>
+        </a:p>
+      </dsp:txBody>
+      <dsp:txXfrm>
+        <a:off x="71751" y="1680158"/>
+        <a:ext cx="5762825" cy="1326328"/>
+      </dsp:txXfrm>
+    </dsp:sp>
+    <dsp:sp modelId="{0F725A6F-C0FC-438B-9138-D06E96AB978C}">
+      <dsp:nvSpPr>
+        <dsp:cNvPr id="0" name=""/>
+        <dsp:cNvSpPr/>
+      </dsp:nvSpPr>
+      <dsp:spPr>
+        <a:xfrm>
+          <a:off x="0" y="3184797"/>
+          <a:ext cx="5906327" cy="1469830"/>
+        </a:xfrm>
+        <a:prstGeom prst="roundRect">
+          <a:avLst/>
+        </a:prstGeom>
+        <a:solidFill>
+          <a:schemeClr val="accent5">
+            <a:hueOff val="6010703"/>
+            <a:satOff val="-26380"/>
+            <a:lumOff val="7843"/>
+            <a:alphaOff val="0"/>
+          </a:schemeClr>
+        </a:solidFill>
+        <a:ln w="25400" cap="rnd" cmpd="sng" algn="ctr">
+          <a:solidFill>
+            <a:schemeClr val="lt1">
+              <a:hueOff val="0"/>
+              <a:satOff val="0"/>
+              <a:lumOff val="0"/>
+              <a:alphaOff val="0"/>
+            </a:schemeClr>
+          </a:solidFill>
+          <a:prstDash val="solid"/>
+        </a:ln>
+        <a:effectLst/>
+      </dsp:spPr>
+      <dsp:style>
+        <a:lnRef idx="3">
+          <a:scrgbClr r="0" g="0" b="0"/>
+        </a:lnRef>
+        <a:fillRef idx="1">
+          <a:scrgbClr r="0" g="0" b="0"/>
+        </a:fillRef>
+        <a:effectRef idx="1">
+          <a:scrgbClr r="0" g="0" b="0"/>
+        </a:effectRef>
+        <a:fontRef idx="minor">
+          <a:schemeClr val="lt1"/>
+        </a:fontRef>
+      </dsp:style>
+      <dsp:txBody>
+        <a:bodyPr spcFirstLastPara="0" vert="horz" wrap="square" lIns="140970" tIns="140970" rIns="140970" bIns="140970" numCol="1" spcCol="1270" anchor="ctr" anchorCtr="0">
+          <a:noAutofit/>
+        </a:bodyPr>
+        <a:lstStyle/>
+        <a:p>
+          <a:pPr marL="0" lvl="0" indent="0" algn="l" defTabSz="1644650">
+            <a:lnSpc>
+              <a:spcPct val="90000"/>
+            </a:lnSpc>
+            <a:spcBef>
+              <a:spcPct val="0"/>
+            </a:spcBef>
+            <a:spcAft>
+              <a:spcPct val="35000"/>
+            </a:spcAft>
+            <a:buNone/>
+          </a:pPr>
+          <a:r>
+            <a:rPr lang="en-US" sz="3700" kern="1200"/>
+            <a:t>Filter for just nouns and adjectives</a:t>
+          </a:r>
+        </a:p>
+      </dsp:txBody>
+      <dsp:txXfrm>
+        <a:off x="71751" y="3256548"/>
+        <a:ext cx="5762825" cy="1326328"/>
+      </dsp:txXfrm>
+    </dsp:sp>
+  </dsp:spTree>
+</dsp:drawing>
+</file>
+
+<file path=ppt/diagrams/drawing2.xml><?xml version="1.0" encoding="utf-8"?>
 <dsp:drawing xmlns:dgm="http://schemas.openxmlformats.org/drawingml/2006/diagram" xmlns:dsp="http://schemas.microsoft.com/office/drawing/2008/diagram" xmlns:a="http://schemas.openxmlformats.org/drawingml/2006/main">
   <dsp:spTree>
     <dsp:nvGrpSpPr>
@@ -2321,6 +3550,173 @@
 </file>
 
 <file path=ppt/diagrams/layout1.xml><?xml version="1.0" encoding="utf-8"?>
+<dgm:layoutDef xmlns:dgm="http://schemas.openxmlformats.org/drawingml/2006/diagram" xmlns:a="http://schemas.openxmlformats.org/drawingml/2006/main" uniqueId="urn:microsoft.com/office/officeart/2005/8/layout/vList2">
+  <dgm:title val=""/>
+  <dgm:desc val=""/>
+  <dgm:catLst>
+    <dgm:cat type="list" pri="3000"/>
+    <dgm:cat type="convert" pri="1000"/>
+  </dgm:catLst>
+  <dgm:sampData>
+    <dgm:dataModel>
+      <dgm:ptLst>
+        <dgm:pt modelId="0" type="doc"/>
+        <dgm:pt modelId="1">
+          <dgm:prSet phldr="1"/>
+        </dgm:pt>
+        <dgm:pt modelId="11">
+          <dgm:prSet phldr="1"/>
+        </dgm:pt>
+        <dgm:pt modelId="2">
+          <dgm:prSet phldr="1"/>
+        </dgm:pt>
+        <dgm:pt modelId="21">
+          <dgm:prSet phldr="1"/>
+        </dgm:pt>
+      </dgm:ptLst>
+      <dgm:cxnLst>
+        <dgm:cxn modelId="4" srcId="0" destId="1" srcOrd="0" destOrd="0"/>
+        <dgm:cxn modelId="5" srcId="0" destId="2" srcOrd="1" destOrd="0"/>
+        <dgm:cxn modelId="12" srcId="1" destId="11" srcOrd="0" destOrd="0"/>
+        <dgm:cxn modelId="23" srcId="2" destId="21" srcOrd="0" destOrd="0"/>
+      </dgm:cxnLst>
+      <dgm:bg/>
+      <dgm:whole/>
+    </dgm:dataModel>
+  </dgm:sampData>
+  <dgm:styleData>
+    <dgm:dataModel>
+      <dgm:ptLst>
+        <dgm:pt modelId="0" type="doc"/>
+        <dgm:pt modelId="1"/>
+        <dgm:pt modelId="2"/>
+      </dgm:ptLst>
+      <dgm:cxnLst>
+        <dgm:cxn modelId="3" srcId="0" destId="1" srcOrd="0" destOrd="0"/>
+        <dgm:cxn modelId="4" srcId="0" destId="2" srcOrd="1" destOrd="0"/>
+      </dgm:cxnLst>
+      <dgm:bg/>
+      <dgm:whole/>
+    </dgm:dataModel>
+  </dgm:styleData>
+  <dgm:clrData>
+    <dgm:dataModel>
+      <dgm:ptLst>
+        <dgm:pt modelId="0" type="doc"/>
+        <dgm:pt modelId="1"/>
+        <dgm:pt modelId="2"/>
+        <dgm:pt modelId="3"/>
+        <dgm:pt modelId="4"/>
+      </dgm:ptLst>
+      <dgm:cxnLst>
+        <dgm:cxn modelId="5" srcId="0" destId="1" srcOrd="0" destOrd="0"/>
+        <dgm:cxn modelId="6" srcId="0" destId="2" srcOrd="1" destOrd="0"/>
+        <dgm:cxn modelId="7" srcId="0" destId="3" srcOrd="2" destOrd="0"/>
+        <dgm:cxn modelId="8" srcId="0" destId="4" srcOrd="3" destOrd="0"/>
+      </dgm:cxnLst>
+      <dgm:bg/>
+      <dgm:whole/>
+    </dgm:dataModel>
+  </dgm:clrData>
+  <dgm:layoutNode name="linear">
+    <dgm:varLst>
+      <dgm:animLvl val="lvl"/>
+      <dgm:resizeHandles val="exact"/>
+    </dgm:varLst>
+    <dgm:alg type="lin">
+      <dgm:param type="linDir" val="fromT"/>
+      <dgm:param type="vertAlign" val="mid"/>
+    </dgm:alg>
+    <dgm:shape xmlns:r="http://schemas.openxmlformats.org/officeDocument/2006/relationships" r:blip="">
+      <dgm:adjLst/>
+    </dgm:shape>
+    <dgm:presOf/>
+    <dgm:constrLst>
+      <dgm:constr type="w" for="ch" forName="parentText" refType="w"/>
+      <dgm:constr type="h" for="ch" forName="parentText" refType="primFontSz" refFor="ch" refForName="parentText" fact="0.52"/>
+      <dgm:constr type="w" for="ch" forName="childText" refType="w"/>
+      <dgm:constr type="h" for="ch" forName="childText" refType="primFontSz" refFor="ch" refForName="parentText" fact="0.46"/>
+      <dgm:constr type="h" for="ch" forName="parentText" op="equ"/>
+      <dgm:constr type="primFontSz" for="ch" forName="parentText" op="equ" val="65"/>
+      <dgm:constr type="primFontSz" for="ch" forName="childText" refType="primFontSz" refFor="ch" refForName="parentText" op="equ"/>
+      <dgm:constr type="h" for="ch" forName="spacer" refType="primFontSz" refFor="ch" refForName="parentText" fact="0.08"/>
+    </dgm:constrLst>
+    <dgm:ruleLst>
+      <dgm:rule type="primFontSz" for="ch" forName="parentText" val="5" fact="NaN" max="NaN"/>
+    </dgm:ruleLst>
+    <dgm:forEach name="Name0" axis="ch" ptType="node">
+      <dgm:layoutNode name="parentText" styleLbl="node1">
+        <dgm:varLst>
+          <dgm:chMax val="0"/>
+          <dgm:bulletEnabled val="1"/>
+        </dgm:varLst>
+        <dgm:alg type="tx">
+          <dgm:param type="parTxLTRAlign" val="l"/>
+          <dgm:param type="parTxRTLAlign" val="r"/>
+        </dgm:alg>
+        <dgm:shape xmlns:r="http://schemas.openxmlformats.org/officeDocument/2006/relationships" type="roundRect" r:blip="">
+          <dgm:adjLst/>
+        </dgm:shape>
+        <dgm:presOf axis="self"/>
+        <dgm:constrLst>
+          <dgm:constr type="tMarg" refType="primFontSz" fact="0.3"/>
+          <dgm:constr type="bMarg" refType="primFontSz" fact="0.3"/>
+          <dgm:constr type="lMarg" refType="primFontSz" fact="0.3"/>
+          <dgm:constr type="rMarg" refType="primFontSz" fact="0.3"/>
+        </dgm:constrLst>
+        <dgm:ruleLst>
+          <dgm:rule type="h" val="INF" fact="NaN" max="NaN"/>
+        </dgm:ruleLst>
+      </dgm:layoutNode>
+      <dgm:choose name="Name1">
+        <dgm:if name="Name2" axis="ch" ptType="node" func="cnt" op="gte" val="1">
+          <dgm:layoutNode name="childText" styleLbl="revTx">
+            <dgm:varLst>
+              <dgm:bulletEnabled val="1"/>
+            </dgm:varLst>
+            <dgm:alg type="tx">
+              <dgm:param type="stBulletLvl" val="1"/>
+              <dgm:param type="lnSpAfChP" val="20"/>
+            </dgm:alg>
+            <dgm:shape xmlns:r="http://schemas.openxmlformats.org/officeDocument/2006/relationships" type="rect" r:blip="">
+              <dgm:adjLst/>
+            </dgm:shape>
+            <dgm:presOf axis="des" ptType="node"/>
+            <dgm:constrLst>
+              <dgm:constr type="tMarg" refType="primFontSz" fact="0.1"/>
+              <dgm:constr type="bMarg" refType="primFontSz" fact="0.1"/>
+              <dgm:constr type="lMarg" refType="w" fact="0.09"/>
+            </dgm:constrLst>
+            <dgm:ruleLst>
+              <dgm:rule type="h" val="INF" fact="NaN" max="NaN"/>
+            </dgm:ruleLst>
+          </dgm:layoutNode>
+        </dgm:if>
+        <dgm:else name="Name3">
+          <dgm:choose name="Name4">
+            <dgm:if name="Name5" axis="par ch" ptType="doc node" func="cnt" op="gte" val="2">
+              <dgm:forEach name="Name6" axis="followSib" ptType="sibTrans" cnt="1">
+                <dgm:layoutNode name="spacer">
+                  <dgm:alg type="sp"/>
+                  <dgm:shape xmlns:r="http://schemas.openxmlformats.org/officeDocument/2006/relationships" r:blip="">
+                    <dgm:adjLst/>
+                  </dgm:shape>
+                  <dgm:presOf/>
+                  <dgm:constrLst/>
+                  <dgm:ruleLst/>
+                </dgm:layoutNode>
+              </dgm:forEach>
+            </dgm:if>
+            <dgm:else name="Name7"/>
+          </dgm:choose>
+        </dgm:else>
+      </dgm:choose>
+    </dgm:forEach>
+  </dgm:layoutNode>
+</dgm:layoutDef>
+</file>
+
+<file path=ppt/diagrams/layout2.xml><?xml version="1.0" encoding="utf-8"?>
 <dgm:layoutDef xmlns:dgm="http://schemas.openxmlformats.org/drawingml/2006/diagram" xmlns:a="http://schemas.openxmlformats.org/drawingml/2006/main" uniqueId="urn:microsoft.com/office/officeart/2008/layout/IncreasingCircleProcess">
   <dgm:title val=""/>
   <dgm:desc val=""/>
@@ -2854,6 +4250,1040 @@
 </file>
 
 <file path=ppt/diagrams/quickStyle1.xml><?xml version="1.0" encoding="utf-8"?>
+<dgm:styleDef xmlns:dgm="http://schemas.openxmlformats.org/drawingml/2006/diagram" xmlns:a="http://schemas.openxmlformats.org/drawingml/2006/main" uniqueId="urn:microsoft.com/office/officeart/2005/8/quickstyle/simple2">
+  <dgm:title val=""/>
+  <dgm:desc val=""/>
+  <dgm:catLst>
+    <dgm:cat type="simple" pri="10200"/>
+  </dgm:catLst>
+  <dgm:scene3d>
+    <a:camera prst="orthographicFront"/>
+    <a:lightRig rig="threePt" dir="t"/>
+  </dgm:scene3d>
+  <dgm:styleLbl name="node0">
+    <dgm:scene3d>
+      <a:camera prst="orthographicFront"/>
+      <a:lightRig rig="threePt" dir="t"/>
+    </dgm:scene3d>
+    <dgm:sp3d/>
+    <dgm:txPr/>
+    <dgm:style>
+      <a:lnRef idx="3">
+        <a:scrgbClr r="0" g="0" b="0"/>
+      </a:lnRef>
+      <a:fillRef idx="1">
+        <a:scrgbClr r="0" g="0" b="0"/>
+      </a:fillRef>
+      <a:effectRef idx="1">
+        <a:scrgbClr r="0" g="0" b="0"/>
+      </a:effectRef>
+      <a:fontRef idx="minor">
+        <a:schemeClr val="lt1"/>
+      </a:fontRef>
+    </dgm:style>
+  </dgm:styleLbl>
+  <dgm:styleLbl name="lnNode1">
+    <dgm:scene3d>
+      <a:camera prst="orthographicFront"/>
+      <a:lightRig rig="threePt" dir="t"/>
+    </dgm:scene3d>
+    <dgm:sp3d/>
+    <dgm:txPr/>
+    <dgm:style>
+      <a:lnRef idx="3">
+        <a:scrgbClr r="0" g="0" b="0"/>
+      </a:lnRef>
+      <a:fillRef idx="1">
+        <a:scrgbClr r="0" g="0" b="0"/>
+      </a:fillRef>
+      <a:effectRef idx="1">
+        <a:scrgbClr r="0" g="0" b="0"/>
+      </a:effectRef>
+      <a:fontRef idx="minor">
+        <a:schemeClr val="lt1"/>
+      </a:fontRef>
+    </dgm:style>
+  </dgm:styleLbl>
+  <dgm:styleLbl name="vennNode1">
+    <dgm:scene3d>
+      <a:camera prst="orthographicFront"/>
+      <a:lightRig rig="threePt" dir="t"/>
+    </dgm:scene3d>
+    <dgm:sp3d/>
+    <dgm:txPr/>
+    <dgm:style>
+      <a:lnRef idx="3">
+        <a:scrgbClr r="0" g="0" b="0"/>
+      </a:lnRef>
+      <a:fillRef idx="1">
+        <a:scrgbClr r="0" g="0" b="0"/>
+      </a:fillRef>
+      <a:effectRef idx="0">
+        <a:scrgbClr r="0" g="0" b="0"/>
+      </a:effectRef>
+      <a:fontRef idx="minor">
+        <a:schemeClr val="tx1"/>
+      </a:fontRef>
+    </dgm:style>
+  </dgm:styleLbl>
+  <dgm:styleLbl name="alignNode1">
+    <dgm:scene3d>
+      <a:camera prst="orthographicFront"/>
+      <a:lightRig rig="threePt" dir="t"/>
+    </dgm:scene3d>
+    <dgm:sp3d/>
+    <dgm:txPr/>
+    <dgm:style>
+      <a:lnRef idx="2">
+        <a:scrgbClr r="0" g="0" b="0"/>
+      </a:lnRef>
+      <a:fillRef idx="1">
+        <a:scrgbClr r="0" g="0" b="0"/>
+      </a:fillRef>
+      <a:effectRef idx="1">
+        <a:scrgbClr r="0" g="0" b="0"/>
+      </a:effectRef>
+      <a:fontRef idx="minor">
+        <a:schemeClr val="lt1"/>
+      </a:fontRef>
+    </dgm:style>
+  </dgm:styleLbl>
+  <dgm:styleLbl name="node1">
+    <dgm:scene3d>
+      <a:camera prst="orthographicFront"/>
+      <a:lightRig rig="threePt" dir="t"/>
+    </dgm:scene3d>
+    <dgm:sp3d/>
+    <dgm:txPr/>
+    <dgm:style>
+      <a:lnRef idx="3">
+        <a:scrgbClr r="0" g="0" b="0"/>
+      </a:lnRef>
+      <a:fillRef idx="1">
+        <a:scrgbClr r="0" g="0" b="0"/>
+      </a:fillRef>
+      <a:effectRef idx="1">
+        <a:scrgbClr r="0" g="0" b="0"/>
+      </a:effectRef>
+      <a:fontRef idx="minor">
+        <a:schemeClr val="lt1"/>
+      </a:fontRef>
+    </dgm:style>
+  </dgm:styleLbl>
+  <dgm:styleLbl name="node2">
+    <dgm:scene3d>
+      <a:camera prst="orthographicFront"/>
+      <a:lightRig rig="threePt" dir="t"/>
+    </dgm:scene3d>
+    <dgm:sp3d/>
+    <dgm:txPr/>
+    <dgm:style>
+      <a:lnRef idx="3">
+        <a:scrgbClr r="0" g="0" b="0"/>
+      </a:lnRef>
+      <a:fillRef idx="1">
+        <a:scrgbClr r="0" g="0" b="0"/>
+      </a:fillRef>
+      <a:effectRef idx="1">
+        <a:scrgbClr r="0" g="0" b="0"/>
+      </a:effectRef>
+      <a:fontRef idx="minor">
+        <a:schemeClr val="lt1"/>
+      </a:fontRef>
+    </dgm:style>
+  </dgm:styleLbl>
+  <dgm:styleLbl name="node3">
+    <dgm:scene3d>
+      <a:camera prst="orthographicFront"/>
+      <a:lightRig rig="threePt" dir="t"/>
+    </dgm:scene3d>
+    <dgm:sp3d/>
+    <dgm:txPr/>
+    <dgm:style>
+      <a:lnRef idx="3">
+        <a:scrgbClr r="0" g="0" b="0"/>
+      </a:lnRef>
+      <a:fillRef idx="1">
+        <a:scrgbClr r="0" g="0" b="0"/>
+      </a:fillRef>
+      <a:effectRef idx="1">
+        <a:scrgbClr r="0" g="0" b="0"/>
+      </a:effectRef>
+      <a:fontRef idx="minor">
+        <a:schemeClr val="lt1"/>
+      </a:fontRef>
+    </dgm:style>
+  </dgm:styleLbl>
+  <dgm:styleLbl name="node4">
+    <dgm:scene3d>
+      <a:camera prst="orthographicFront"/>
+      <a:lightRig rig="threePt" dir="t"/>
+    </dgm:scene3d>
+    <dgm:sp3d/>
+    <dgm:txPr/>
+    <dgm:style>
+      <a:lnRef idx="3">
+        <a:scrgbClr r="0" g="0" b="0"/>
+      </a:lnRef>
+      <a:fillRef idx="1">
+        <a:scrgbClr r="0" g="0" b="0"/>
+      </a:fillRef>
+      <a:effectRef idx="1">
+        <a:scrgbClr r="0" g="0" b="0"/>
+      </a:effectRef>
+      <a:fontRef idx="minor">
+        <a:schemeClr val="lt1"/>
+      </a:fontRef>
+    </dgm:style>
+  </dgm:styleLbl>
+  <dgm:styleLbl name="fgImgPlace1">
+    <dgm:scene3d>
+      <a:camera prst="orthographicFront"/>
+      <a:lightRig rig="threePt" dir="t"/>
+    </dgm:scene3d>
+    <dgm:sp3d/>
+    <dgm:txPr/>
+    <dgm:style>
+      <a:lnRef idx="3">
+        <a:scrgbClr r="0" g="0" b="0"/>
+      </a:lnRef>
+      <a:fillRef idx="1">
+        <a:scrgbClr r="0" g="0" b="0"/>
+      </a:fillRef>
+      <a:effectRef idx="1">
+        <a:scrgbClr r="0" g="0" b="0"/>
+      </a:effectRef>
+      <a:fontRef idx="minor"/>
+    </dgm:style>
+  </dgm:styleLbl>
+  <dgm:styleLbl name="alignImgPlace1">
+    <dgm:scene3d>
+      <a:camera prst="orthographicFront"/>
+      <a:lightRig rig="threePt" dir="t"/>
+    </dgm:scene3d>
+    <dgm:sp3d/>
+    <dgm:txPr/>
+    <dgm:style>
+      <a:lnRef idx="3">
+        <a:scrgbClr r="0" g="0" b="0"/>
+      </a:lnRef>
+      <a:fillRef idx="1">
+        <a:scrgbClr r="0" g="0" b="0"/>
+      </a:fillRef>
+      <a:effectRef idx="1">
+        <a:scrgbClr r="0" g="0" b="0"/>
+      </a:effectRef>
+      <a:fontRef idx="minor"/>
+    </dgm:style>
+  </dgm:styleLbl>
+  <dgm:styleLbl name="bgImgPlace1">
+    <dgm:scene3d>
+      <a:camera prst="orthographicFront"/>
+      <a:lightRig rig="threePt" dir="t"/>
+    </dgm:scene3d>
+    <dgm:sp3d/>
+    <dgm:txPr/>
+    <dgm:style>
+      <a:lnRef idx="3">
+        <a:scrgbClr r="0" g="0" b="0"/>
+      </a:lnRef>
+      <a:fillRef idx="1">
+        <a:scrgbClr r="0" g="0" b="0"/>
+      </a:fillRef>
+      <a:effectRef idx="1">
+        <a:scrgbClr r="0" g="0" b="0"/>
+      </a:effectRef>
+      <a:fontRef idx="minor"/>
+    </dgm:style>
+  </dgm:styleLbl>
+  <dgm:styleLbl name="sibTrans2D1">
+    <dgm:scene3d>
+      <a:camera prst="orthographicFront"/>
+      <a:lightRig rig="threePt" dir="t"/>
+    </dgm:scene3d>
+    <dgm:sp3d/>
+    <dgm:txPr/>
+    <dgm:style>
+      <a:lnRef idx="0">
+        <a:scrgbClr r="0" g="0" b="0"/>
+      </a:lnRef>
+      <a:fillRef idx="1">
+        <a:scrgbClr r="0" g="0" b="0"/>
+      </a:fillRef>
+      <a:effectRef idx="1">
+        <a:scrgbClr r="0" g="0" b="0"/>
+      </a:effectRef>
+      <a:fontRef idx="minor">
+        <a:schemeClr val="lt1"/>
+      </a:fontRef>
+    </dgm:style>
+  </dgm:styleLbl>
+  <dgm:styleLbl name="fgSibTrans2D1">
+    <dgm:scene3d>
+      <a:camera prst="orthographicFront"/>
+      <a:lightRig rig="threePt" dir="t"/>
+    </dgm:scene3d>
+    <dgm:sp3d/>
+    <dgm:txPr/>
+    <dgm:style>
+      <a:lnRef idx="0">
+        <a:scrgbClr r="0" g="0" b="0"/>
+      </a:lnRef>
+      <a:fillRef idx="1">
+        <a:scrgbClr r="0" g="0" b="0"/>
+      </a:fillRef>
+      <a:effectRef idx="1">
+        <a:scrgbClr r="0" g="0" b="0"/>
+      </a:effectRef>
+      <a:fontRef idx="minor">
+        <a:schemeClr val="lt1"/>
+      </a:fontRef>
+    </dgm:style>
+  </dgm:styleLbl>
+  <dgm:styleLbl name="bgSibTrans2D1">
+    <dgm:scene3d>
+      <a:camera prst="orthographicFront"/>
+      <a:lightRig rig="threePt" dir="t"/>
+    </dgm:scene3d>
+    <dgm:sp3d/>
+    <dgm:txPr/>
+    <dgm:style>
+      <a:lnRef idx="0">
+        <a:scrgbClr r="0" g="0" b="0"/>
+      </a:lnRef>
+      <a:fillRef idx="1">
+        <a:scrgbClr r="0" g="0" b="0"/>
+      </a:fillRef>
+      <a:effectRef idx="1">
+        <a:scrgbClr r="0" g="0" b="0"/>
+      </a:effectRef>
+      <a:fontRef idx="minor">
+        <a:schemeClr val="lt1"/>
+      </a:fontRef>
+    </dgm:style>
+  </dgm:styleLbl>
+  <dgm:styleLbl name="sibTrans1D1">
+    <dgm:scene3d>
+      <a:camera prst="orthographicFront"/>
+      <a:lightRig rig="threePt" dir="t"/>
+    </dgm:scene3d>
+    <dgm:sp3d/>
+    <dgm:txPr/>
+    <dgm:style>
+      <a:lnRef idx="1">
+        <a:scrgbClr r="0" g="0" b="0"/>
+      </a:lnRef>
+      <a:fillRef idx="0">
+        <a:scrgbClr r="0" g="0" b="0"/>
+      </a:fillRef>
+      <a:effectRef idx="0">
+        <a:scrgbClr r="0" g="0" b="0"/>
+      </a:effectRef>
+      <a:fontRef idx="minor"/>
+    </dgm:style>
+  </dgm:styleLbl>
+  <dgm:styleLbl name="callout">
+    <dgm:scene3d>
+      <a:camera prst="orthographicFront"/>
+      <a:lightRig rig="threePt" dir="t"/>
+    </dgm:scene3d>
+    <dgm:sp3d/>
+    <dgm:txPr/>
+    <dgm:style>
+      <a:lnRef idx="2">
+        <a:scrgbClr r="0" g="0" b="0"/>
+      </a:lnRef>
+      <a:fillRef idx="1">
+        <a:scrgbClr r="0" g="0" b="0"/>
+      </a:fillRef>
+      <a:effectRef idx="1">
+        <a:scrgbClr r="0" g="0" b="0"/>
+      </a:effectRef>
+      <a:fontRef idx="minor"/>
+    </dgm:style>
+  </dgm:styleLbl>
+  <dgm:styleLbl name="asst0">
+    <dgm:scene3d>
+      <a:camera prst="orthographicFront"/>
+      <a:lightRig rig="threePt" dir="t"/>
+    </dgm:scene3d>
+    <dgm:sp3d/>
+    <dgm:txPr/>
+    <dgm:style>
+      <a:lnRef idx="3">
+        <a:scrgbClr r="0" g="0" b="0"/>
+      </a:lnRef>
+      <a:fillRef idx="1">
+        <a:scrgbClr r="0" g="0" b="0"/>
+      </a:fillRef>
+      <a:effectRef idx="1">
+        <a:scrgbClr r="0" g="0" b="0"/>
+      </a:effectRef>
+      <a:fontRef idx="minor">
+        <a:schemeClr val="lt1"/>
+      </a:fontRef>
+    </dgm:style>
+  </dgm:styleLbl>
+  <dgm:styleLbl name="asst1">
+    <dgm:scene3d>
+      <a:camera prst="orthographicFront"/>
+      <a:lightRig rig="threePt" dir="t"/>
+    </dgm:scene3d>
+    <dgm:sp3d/>
+    <dgm:txPr/>
+    <dgm:style>
+      <a:lnRef idx="3">
+        <a:scrgbClr r="0" g="0" b="0"/>
+      </a:lnRef>
+      <a:fillRef idx="1">
+        <a:scrgbClr r="0" g="0" b="0"/>
+      </a:fillRef>
+      <a:effectRef idx="1">
+        <a:scrgbClr r="0" g="0" b="0"/>
+      </a:effectRef>
+      <a:fontRef idx="minor">
+        <a:schemeClr val="lt1"/>
+      </a:fontRef>
+    </dgm:style>
+  </dgm:styleLbl>
+  <dgm:styleLbl name="asst2">
+    <dgm:scene3d>
+      <a:camera prst="orthographicFront"/>
+      <a:lightRig rig="threePt" dir="t"/>
+    </dgm:scene3d>
+    <dgm:sp3d/>
+    <dgm:txPr/>
+    <dgm:style>
+      <a:lnRef idx="3">
+        <a:scrgbClr r="0" g="0" b="0"/>
+      </a:lnRef>
+      <a:fillRef idx="1">
+        <a:scrgbClr r="0" g="0" b="0"/>
+      </a:fillRef>
+      <a:effectRef idx="1">
+        <a:scrgbClr r="0" g="0" b="0"/>
+      </a:effectRef>
+      <a:fontRef idx="minor">
+        <a:schemeClr val="lt1"/>
+      </a:fontRef>
+    </dgm:style>
+  </dgm:styleLbl>
+  <dgm:styleLbl name="asst3">
+    <dgm:scene3d>
+      <a:camera prst="orthographicFront"/>
+      <a:lightRig rig="threePt" dir="t"/>
+    </dgm:scene3d>
+    <dgm:sp3d/>
+    <dgm:txPr/>
+    <dgm:style>
+      <a:lnRef idx="3">
+        <a:scrgbClr r="0" g="0" b="0"/>
+      </a:lnRef>
+      <a:fillRef idx="1">
+        <a:scrgbClr r="0" g="0" b="0"/>
+      </a:fillRef>
+      <a:effectRef idx="1">
+        <a:scrgbClr r="0" g="0" b="0"/>
+      </a:effectRef>
+      <a:fontRef idx="minor">
+        <a:schemeClr val="lt1"/>
+      </a:fontRef>
+    </dgm:style>
+  </dgm:styleLbl>
+  <dgm:styleLbl name="asst4">
+    <dgm:scene3d>
+      <a:camera prst="orthographicFront"/>
+      <a:lightRig rig="threePt" dir="t"/>
+    </dgm:scene3d>
+    <dgm:sp3d/>
+    <dgm:txPr/>
+    <dgm:style>
+      <a:lnRef idx="3">
+        <a:scrgbClr r="0" g="0" b="0"/>
+      </a:lnRef>
+      <a:fillRef idx="1">
+        <a:scrgbClr r="0" g="0" b="0"/>
+      </a:fillRef>
+      <a:effectRef idx="1">
+        <a:scrgbClr r="0" g="0" b="0"/>
+      </a:effectRef>
+      <a:fontRef idx="minor">
+        <a:schemeClr val="lt1"/>
+      </a:fontRef>
+    </dgm:style>
+  </dgm:styleLbl>
+  <dgm:styleLbl name="parChTrans2D1">
+    <dgm:scene3d>
+      <a:camera prst="orthographicFront"/>
+      <a:lightRig rig="threePt" dir="t"/>
+    </dgm:scene3d>
+    <dgm:sp3d/>
+    <dgm:txPr/>
+    <dgm:style>
+      <a:lnRef idx="3">
+        <a:scrgbClr r="0" g="0" b="0"/>
+      </a:lnRef>
+      <a:fillRef idx="1">
+        <a:scrgbClr r="0" g="0" b="0"/>
+      </a:fillRef>
+      <a:effectRef idx="1">
+        <a:scrgbClr r="0" g="0" b="0"/>
+      </a:effectRef>
+      <a:fontRef idx="minor">
+        <a:schemeClr val="lt1"/>
+      </a:fontRef>
+    </dgm:style>
+  </dgm:styleLbl>
+  <dgm:styleLbl name="parChTrans2D2">
+    <dgm:scene3d>
+      <a:camera prst="orthographicFront"/>
+      <a:lightRig rig="threePt" dir="t"/>
+    </dgm:scene3d>
+    <dgm:sp3d/>
+    <dgm:txPr/>
+    <dgm:style>
+      <a:lnRef idx="3">
+        <a:scrgbClr r="0" g="0" b="0"/>
+      </a:lnRef>
+      <a:fillRef idx="1">
+        <a:scrgbClr r="0" g="0" b="0"/>
+      </a:fillRef>
+      <a:effectRef idx="1">
+        <a:scrgbClr r="0" g="0" b="0"/>
+      </a:effectRef>
+      <a:fontRef idx="minor">
+        <a:schemeClr val="lt1"/>
+      </a:fontRef>
+    </dgm:style>
+  </dgm:styleLbl>
+  <dgm:styleLbl name="parChTrans2D3">
+    <dgm:scene3d>
+      <a:camera prst="orthographicFront"/>
+      <a:lightRig rig="threePt" dir="t"/>
+    </dgm:scene3d>
+    <dgm:sp3d/>
+    <dgm:txPr/>
+    <dgm:style>
+      <a:lnRef idx="3">
+        <a:scrgbClr r="0" g="0" b="0"/>
+      </a:lnRef>
+      <a:fillRef idx="1">
+        <a:scrgbClr r="0" g="0" b="0"/>
+      </a:fillRef>
+      <a:effectRef idx="1">
+        <a:scrgbClr r="0" g="0" b="0"/>
+      </a:effectRef>
+      <a:fontRef idx="minor">
+        <a:schemeClr val="lt1"/>
+      </a:fontRef>
+    </dgm:style>
+  </dgm:styleLbl>
+  <dgm:styleLbl name="parChTrans2D4">
+    <dgm:scene3d>
+      <a:camera prst="orthographicFront"/>
+      <a:lightRig rig="threePt" dir="t"/>
+    </dgm:scene3d>
+    <dgm:sp3d/>
+    <dgm:txPr/>
+    <dgm:style>
+      <a:lnRef idx="3">
+        <a:scrgbClr r="0" g="0" b="0"/>
+      </a:lnRef>
+      <a:fillRef idx="1">
+        <a:scrgbClr r="0" g="0" b="0"/>
+      </a:fillRef>
+      <a:effectRef idx="1">
+        <a:scrgbClr r="0" g="0" b="0"/>
+      </a:effectRef>
+      <a:fontRef idx="minor">
+        <a:schemeClr val="lt1"/>
+      </a:fontRef>
+    </dgm:style>
+  </dgm:styleLbl>
+  <dgm:styleLbl name="parChTrans1D1">
+    <dgm:scene3d>
+      <a:camera prst="orthographicFront"/>
+      <a:lightRig rig="threePt" dir="t"/>
+    </dgm:scene3d>
+    <dgm:sp3d/>
+    <dgm:txPr/>
+    <dgm:style>
+      <a:lnRef idx="2">
+        <a:scrgbClr r="0" g="0" b="0"/>
+      </a:lnRef>
+      <a:fillRef idx="0">
+        <a:scrgbClr r="0" g="0" b="0"/>
+      </a:fillRef>
+      <a:effectRef idx="0">
+        <a:scrgbClr r="0" g="0" b="0"/>
+      </a:effectRef>
+      <a:fontRef idx="minor"/>
+    </dgm:style>
+  </dgm:styleLbl>
+  <dgm:styleLbl name="parChTrans1D2">
+    <dgm:scene3d>
+      <a:camera prst="orthographicFront"/>
+      <a:lightRig rig="threePt" dir="t"/>
+    </dgm:scene3d>
+    <dgm:sp3d/>
+    <dgm:txPr/>
+    <dgm:style>
+      <a:lnRef idx="2">
+        <a:scrgbClr r="0" g="0" b="0"/>
+      </a:lnRef>
+      <a:fillRef idx="0">
+        <a:scrgbClr r="0" g="0" b="0"/>
+      </a:fillRef>
+      <a:effectRef idx="0">
+        <a:scrgbClr r="0" g="0" b="0"/>
+      </a:effectRef>
+      <a:fontRef idx="minor"/>
+    </dgm:style>
+  </dgm:styleLbl>
+  <dgm:styleLbl name="parChTrans1D3">
+    <dgm:scene3d>
+      <a:camera prst="orthographicFront"/>
+      <a:lightRig rig="threePt" dir="t"/>
+    </dgm:scene3d>
+    <dgm:sp3d/>
+    <dgm:txPr/>
+    <dgm:style>
+      <a:lnRef idx="2">
+        <a:scrgbClr r="0" g="0" b="0"/>
+      </a:lnRef>
+      <a:fillRef idx="0">
+        <a:scrgbClr r="0" g="0" b="0"/>
+      </a:fillRef>
+      <a:effectRef idx="0">
+        <a:scrgbClr r="0" g="0" b="0"/>
+      </a:effectRef>
+      <a:fontRef idx="minor"/>
+    </dgm:style>
+  </dgm:styleLbl>
+  <dgm:styleLbl name="parChTrans1D4">
+    <dgm:scene3d>
+      <a:camera prst="orthographicFront"/>
+      <a:lightRig rig="threePt" dir="t"/>
+    </dgm:scene3d>
+    <dgm:sp3d/>
+    <dgm:txPr/>
+    <dgm:style>
+      <a:lnRef idx="2">
+        <a:scrgbClr r="0" g="0" b="0"/>
+      </a:lnRef>
+      <a:fillRef idx="0">
+        <a:scrgbClr r="0" g="0" b="0"/>
+      </a:fillRef>
+      <a:effectRef idx="0">
+        <a:scrgbClr r="0" g="0" b="0"/>
+      </a:effectRef>
+      <a:fontRef idx="minor"/>
+    </dgm:style>
+  </dgm:styleLbl>
+  <dgm:styleLbl name="fgAcc1">
+    <dgm:scene3d>
+      <a:camera prst="orthographicFront"/>
+      <a:lightRig rig="threePt" dir="t"/>
+    </dgm:scene3d>
+    <dgm:sp3d/>
+    <dgm:txPr/>
+    <dgm:style>
+      <a:lnRef idx="2">
+        <a:scrgbClr r="0" g="0" b="0"/>
+      </a:lnRef>
+      <a:fillRef idx="1">
+        <a:scrgbClr r="0" g="0" b="0"/>
+      </a:fillRef>
+      <a:effectRef idx="0">
+        <a:scrgbClr r="0" g="0" b="0"/>
+      </a:effectRef>
+      <a:fontRef idx="minor"/>
+    </dgm:style>
+  </dgm:styleLbl>
+  <dgm:styleLbl name="conFgAcc1">
+    <dgm:scene3d>
+      <a:camera prst="orthographicFront"/>
+      <a:lightRig rig="threePt" dir="t"/>
+    </dgm:scene3d>
+    <dgm:sp3d/>
+    <dgm:txPr/>
+    <dgm:style>
+      <a:lnRef idx="2">
+        <a:scrgbClr r="0" g="0" b="0"/>
+      </a:lnRef>
+      <a:fillRef idx="1">
+        <a:scrgbClr r="0" g="0" b="0"/>
+      </a:fillRef>
+      <a:effectRef idx="0">
+        <a:scrgbClr r="0" g="0" b="0"/>
+      </a:effectRef>
+      <a:fontRef idx="minor"/>
+    </dgm:style>
+  </dgm:styleLbl>
+  <dgm:styleLbl name="alignAcc1">
+    <dgm:scene3d>
+      <a:camera prst="orthographicFront"/>
+      <a:lightRig rig="threePt" dir="t"/>
+    </dgm:scene3d>
+    <dgm:sp3d/>
+    <dgm:txPr/>
+    <dgm:style>
+      <a:lnRef idx="2">
+        <a:scrgbClr r="0" g="0" b="0"/>
+      </a:lnRef>
+      <a:fillRef idx="1">
+        <a:scrgbClr r="0" g="0" b="0"/>
+      </a:fillRef>
+      <a:effectRef idx="0">
+        <a:scrgbClr r="0" g="0" b="0"/>
+      </a:effectRef>
+      <a:fontRef idx="minor"/>
+    </dgm:style>
+  </dgm:styleLbl>
+  <dgm:styleLbl name="trAlignAcc1">
+    <dgm:scene3d>
+      <a:camera prst="orthographicFront"/>
+      <a:lightRig rig="threePt" dir="t"/>
+    </dgm:scene3d>
+    <dgm:sp3d/>
+    <dgm:txPr/>
+    <dgm:style>
+      <a:lnRef idx="1">
+        <a:scrgbClr r="0" g="0" b="0"/>
+      </a:lnRef>
+      <a:fillRef idx="1">
+        <a:scrgbClr r="0" g="0" b="0"/>
+      </a:fillRef>
+      <a:effectRef idx="0">
+        <a:scrgbClr r="0" g="0" b="0"/>
+      </a:effectRef>
+      <a:fontRef idx="minor"/>
+    </dgm:style>
+  </dgm:styleLbl>
+  <dgm:styleLbl name="bgAcc1">
+    <dgm:scene3d>
+      <a:camera prst="orthographicFront"/>
+      <a:lightRig rig="threePt" dir="t"/>
+    </dgm:scene3d>
+    <dgm:sp3d/>
+    <dgm:txPr/>
+    <dgm:style>
+      <a:lnRef idx="2">
+        <a:scrgbClr r="0" g="0" b="0"/>
+      </a:lnRef>
+      <a:fillRef idx="1">
+        <a:scrgbClr r="0" g="0" b="0"/>
+      </a:fillRef>
+      <a:effectRef idx="0">
+        <a:scrgbClr r="0" g="0" b="0"/>
+      </a:effectRef>
+      <a:fontRef idx="minor"/>
+    </dgm:style>
+  </dgm:styleLbl>
+  <dgm:styleLbl name="solidFgAcc1">
+    <dgm:scene3d>
+      <a:camera prst="orthographicFront"/>
+      <a:lightRig rig="threePt" dir="t"/>
+    </dgm:scene3d>
+    <dgm:sp3d/>
+    <dgm:txPr/>
+    <dgm:style>
+      <a:lnRef idx="2">
+        <a:scrgbClr r="0" g="0" b="0"/>
+      </a:lnRef>
+      <a:fillRef idx="1">
+        <a:scrgbClr r="0" g="0" b="0"/>
+      </a:fillRef>
+      <a:effectRef idx="0">
+        <a:scrgbClr r="0" g="0" b="0"/>
+      </a:effectRef>
+      <a:fontRef idx="minor"/>
+    </dgm:style>
+  </dgm:styleLbl>
+  <dgm:styleLbl name="solidAlignAcc1">
+    <dgm:scene3d>
+      <a:camera prst="orthographicFront"/>
+      <a:lightRig rig="threePt" dir="t"/>
+    </dgm:scene3d>
+    <dgm:sp3d/>
+    <dgm:txPr/>
+    <dgm:style>
+      <a:lnRef idx="2">
+        <a:scrgbClr r="0" g="0" b="0"/>
+      </a:lnRef>
+      <a:fillRef idx="1">
+        <a:scrgbClr r="0" g="0" b="0"/>
+      </a:fillRef>
+      <a:effectRef idx="0">
+        <a:scrgbClr r="0" g="0" b="0"/>
+      </a:effectRef>
+      <a:fontRef idx="minor"/>
+    </dgm:style>
+  </dgm:styleLbl>
+  <dgm:styleLbl name="solidBgAcc1">
+    <dgm:scene3d>
+      <a:camera prst="orthographicFront"/>
+      <a:lightRig rig="threePt" dir="t"/>
+    </dgm:scene3d>
+    <dgm:sp3d/>
+    <dgm:txPr/>
+    <dgm:style>
+      <a:lnRef idx="2">
+        <a:scrgbClr r="0" g="0" b="0"/>
+      </a:lnRef>
+      <a:fillRef idx="1">
+        <a:scrgbClr r="0" g="0" b="0"/>
+      </a:fillRef>
+      <a:effectRef idx="0">
+        <a:scrgbClr r="0" g="0" b="0"/>
+      </a:effectRef>
+      <a:fontRef idx="minor"/>
+    </dgm:style>
+  </dgm:styleLbl>
+  <dgm:styleLbl name="fgAccFollowNode1">
+    <dgm:scene3d>
+      <a:camera prst="orthographicFront"/>
+      <a:lightRig rig="threePt" dir="t"/>
+    </dgm:scene3d>
+    <dgm:sp3d/>
+    <dgm:txPr/>
+    <dgm:style>
+      <a:lnRef idx="2">
+        <a:scrgbClr r="0" g="0" b="0"/>
+      </a:lnRef>
+      <a:fillRef idx="1">
+        <a:scrgbClr r="0" g="0" b="0"/>
+      </a:fillRef>
+      <a:effectRef idx="0">
+        <a:scrgbClr r="0" g="0" b="0"/>
+      </a:effectRef>
+      <a:fontRef idx="minor"/>
+    </dgm:style>
+  </dgm:styleLbl>
+  <dgm:styleLbl name="alignAccFollowNode1">
+    <dgm:scene3d>
+      <a:camera prst="orthographicFront"/>
+      <a:lightRig rig="threePt" dir="t"/>
+    </dgm:scene3d>
+    <dgm:sp3d/>
+    <dgm:txPr/>
+    <dgm:style>
+      <a:lnRef idx="2">
+        <a:scrgbClr r="0" g="0" b="0"/>
+      </a:lnRef>
+      <a:fillRef idx="1">
+        <a:scrgbClr r="0" g="0" b="0"/>
+      </a:fillRef>
+      <a:effectRef idx="0">
+        <a:scrgbClr r="0" g="0" b="0"/>
+      </a:effectRef>
+      <a:fontRef idx="minor"/>
+    </dgm:style>
+  </dgm:styleLbl>
+  <dgm:styleLbl name="bgAccFollowNode1">
+    <dgm:scene3d>
+      <a:camera prst="orthographicFront"/>
+      <a:lightRig rig="threePt" dir="t"/>
+    </dgm:scene3d>
+    <dgm:sp3d/>
+    <dgm:txPr/>
+    <dgm:style>
+      <a:lnRef idx="2">
+        <a:scrgbClr r="0" g="0" b="0"/>
+      </a:lnRef>
+      <a:fillRef idx="1">
+        <a:scrgbClr r="0" g="0" b="0"/>
+      </a:fillRef>
+      <a:effectRef idx="0">
+        <a:scrgbClr r="0" g="0" b="0"/>
+      </a:effectRef>
+      <a:fontRef idx="minor"/>
+    </dgm:style>
+  </dgm:styleLbl>
+  <dgm:styleLbl name="fgAcc0">
+    <dgm:scene3d>
+      <a:camera prst="orthographicFront"/>
+      <a:lightRig rig="threePt" dir="t"/>
+    </dgm:scene3d>
+    <dgm:sp3d/>
+    <dgm:txPr/>
+    <dgm:style>
+      <a:lnRef idx="2">
+        <a:scrgbClr r="0" g="0" b="0"/>
+      </a:lnRef>
+      <a:fillRef idx="1">
+        <a:scrgbClr r="0" g="0" b="0"/>
+      </a:fillRef>
+      <a:effectRef idx="0">
+        <a:scrgbClr r="0" g="0" b="0"/>
+      </a:effectRef>
+      <a:fontRef idx="minor"/>
+    </dgm:style>
+  </dgm:styleLbl>
+  <dgm:styleLbl name="fgAcc2">
+    <dgm:scene3d>
+      <a:camera prst="orthographicFront"/>
+      <a:lightRig rig="threePt" dir="t"/>
+    </dgm:scene3d>
+    <dgm:sp3d/>
+    <dgm:txPr/>
+    <dgm:style>
+      <a:lnRef idx="2">
+        <a:scrgbClr r="0" g="0" b="0"/>
+      </a:lnRef>
+      <a:fillRef idx="1">
+        <a:scrgbClr r="0" g="0" b="0"/>
+      </a:fillRef>
+      <a:effectRef idx="0">
+        <a:scrgbClr r="0" g="0" b="0"/>
+      </a:effectRef>
+      <a:fontRef idx="minor"/>
+    </dgm:style>
+  </dgm:styleLbl>
+  <dgm:styleLbl name="fgAcc3">
+    <dgm:scene3d>
+      <a:camera prst="orthographicFront"/>
+      <a:lightRig rig="threePt" dir="t"/>
+    </dgm:scene3d>
+    <dgm:sp3d/>
+    <dgm:txPr/>
+    <dgm:style>
+      <a:lnRef idx="2">
+        <a:scrgbClr r="0" g="0" b="0"/>
+      </a:lnRef>
+      <a:fillRef idx="1">
+        <a:scrgbClr r="0" g="0" b="0"/>
+      </a:fillRef>
+      <a:effectRef idx="0">
+        <a:scrgbClr r="0" g="0" b="0"/>
+      </a:effectRef>
+      <a:fontRef idx="minor"/>
+    </dgm:style>
+  </dgm:styleLbl>
+  <dgm:styleLbl name="fgAcc4">
+    <dgm:scene3d>
+      <a:camera prst="orthographicFront"/>
+      <a:lightRig rig="threePt" dir="t"/>
+    </dgm:scene3d>
+    <dgm:sp3d/>
+    <dgm:txPr/>
+    <dgm:style>
+      <a:lnRef idx="2">
+        <a:scrgbClr r="0" g="0" b="0"/>
+      </a:lnRef>
+      <a:fillRef idx="1">
+        <a:scrgbClr r="0" g="0" b="0"/>
+      </a:fillRef>
+      <a:effectRef idx="0">
+        <a:scrgbClr r="0" g="0" b="0"/>
+      </a:effectRef>
+      <a:fontRef idx="minor"/>
+    </dgm:style>
+  </dgm:styleLbl>
+  <dgm:styleLbl name="bgShp">
+    <dgm:scene3d>
+      <a:camera prst="orthographicFront"/>
+      <a:lightRig rig="threePt" dir="t"/>
+    </dgm:scene3d>
+    <dgm:sp3d/>
+    <dgm:txPr/>
+    <dgm:style>
+      <a:lnRef idx="0">
+        <a:scrgbClr r="0" g="0" b="0"/>
+      </a:lnRef>
+      <a:fillRef idx="1">
+        <a:scrgbClr r="0" g="0" b="0"/>
+      </a:fillRef>
+      <a:effectRef idx="0">
+        <a:scrgbClr r="0" g="0" b="0"/>
+      </a:effectRef>
+      <a:fontRef idx="minor"/>
+    </dgm:style>
+  </dgm:styleLbl>
+  <dgm:styleLbl name="dkBgShp">
+    <dgm:scene3d>
+      <a:camera prst="orthographicFront"/>
+      <a:lightRig rig="threePt" dir="t"/>
+    </dgm:scene3d>
+    <dgm:sp3d/>
+    <dgm:txPr/>
+    <dgm:style>
+      <a:lnRef idx="0">
+        <a:scrgbClr r="0" g="0" b="0"/>
+      </a:lnRef>
+      <a:fillRef idx="1">
+        <a:scrgbClr r="0" g="0" b="0"/>
+      </a:fillRef>
+      <a:effectRef idx="0">
+        <a:scrgbClr r="0" g="0" b="0"/>
+      </a:effectRef>
+      <a:fontRef idx="minor"/>
+    </dgm:style>
+  </dgm:styleLbl>
+  <dgm:styleLbl name="trBgShp">
+    <dgm:scene3d>
+      <a:camera prst="orthographicFront"/>
+      <a:lightRig rig="threePt" dir="t"/>
+    </dgm:scene3d>
+    <dgm:sp3d/>
+    <dgm:txPr/>
+    <dgm:style>
+      <a:lnRef idx="0">
+        <a:scrgbClr r="0" g="0" b="0"/>
+      </a:lnRef>
+      <a:fillRef idx="1">
+        <a:scrgbClr r="0" g="0" b="0"/>
+      </a:fillRef>
+      <a:effectRef idx="0">
+        <a:scrgbClr r="0" g="0" b="0"/>
+      </a:effectRef>
+      <a:fontRef idx="minor"/>
+    </dgm:style>
+  </dgm:styleLbl>
+  <dgm:styleLbl name="fgShp">
+    <dgm:scene3d>
+      <a:camera prst="orthographicFront"/>
+      <a:lightRig rig="threePt" dir="t"/>
+    </dgm:scene3d>
+    <dgm:sp3d/>
+    <dgm:txPr/>
+    <dgm:style>
+      <a:lnRef idx="3">
+        <a:scrgbClr r="0" g="0" b="0"/>
+      </a:lnRef>
+      <a:fillRef idx="1">
+        <a:scrgbClr r="0" g="0" b="0"/>
+      </a:fillRef>
+      <a:effectRef idx="1">
+        <a:scrgbClr r="0" g="0" b="0"/>
+      </a:effectRef>
+      <a:fontRef idx="minor"/>
+    </dgm:style>
+  </dgm:styleLbl>
+  <dgm:styleLbl name="revTx">
+    <dgm:scene3d>
+      <a:camera prst="orthographicFront"/>
+      <a:lightRig rig="threePt" dir="t"/>
+    </dgm:scene3d>
+    <dgm:sp3d/>
+    <dgm:txPr/>
+    <dgm:style>
+      <a:lnRef idx="0">
+        <a:scrgbClr r="0" g="0" b="0"/>
+      </a:lnRef>
+      <a:fillRef idx="0">
+        <a:scrgbClr r="0" g="0" b="0"/>
+      </a:fillRef>
+      <a:effectRef idx="0">
+        <a:scrgbClr r="0" g="0" b="0"/>
+      </a:effectRef>
+      <a:fontRef idx="minor"/>
+    </dgm:style>
+  </dgm:styleLbl>
+</dgm:styleDef>
+</file>
+
+<file path=ppt/diagrams/quickStyle2.xml><?xml version="1.0" encoding="utf-8"?>
 <dgm:styleDef xmlns:dgm="http://schemas.openxmlformats.org/drawingml/2006/diagram" xmlns:a="http://schemas.openxmlformats.org/drawingml/2006/main" uniqueId="urn:microsoft.com/office/officeart/2005/8/quickstyle/simple1">
   <dgm:title val=""/>
   <dgm:desc val=""/>
@@ -3969,7 +6399,7 @@
           <a:p>
             <a:fld id="{A768EF28-448F-43AE-AFF6-F195B6B00CBD}" type="datetimeFigureOut">
               <a:rPr lang="en-US" smtClean="0"/>
-              <a:t>8/18/2021</a:t>
+              <a:t>8/19/2021</a:t>
             </a:fld>
             <a:endParaRPr lang="en-US"/>
           </a:p>
@@ -4331,7 +6761,7 @@
           <a:effectLst/>
           <a:extLst>
             <a:ext uri="{91240B29-F687-4f45-9708-019B960494DF}">
-              <a14:hiddenLine xmlns:a14="http://schemas.microsoft.com/office/drawing/2010/main" xmlns="" w="9525">
+              <a14:hiddenLine xmlns="" xmlns:a14="http://schemas.microsoft.com/office/drawing/2010/main" w="9525">
                 <a:solidFill>
                   <a:srgbClr val="000000"/>
                 </a:solidFill>
@@ -4524,7 +6954,7 @@
             <a:fld id="{08B9EBBA-996F-894A-B54A-D6246ED52CEA}" type="datetimeFigureOut">
               <a:rPr lang="en-US" dirty="0"/>
               <a:pPr/>
-              <a:t>8/17/2021</a:t>
+              <a:t>8/19/2021</a:t>
             </a:fld>
             <a:endParaRPr lang="en-US" dirty="0"/>
           </a:p>
@@ -4839,7 +7269,7 @@
             <a:fld id="{18C79C5D-2A6F-F04D-97DA-BEF2467B64E4}" type="datetimeFigureOut">
               <a:rPr lang="en-US" dirty="0"/>
               <a:pPr/>
-              <a:t>8/17/2021</a:t>
+              <a:t>8/19/2021</a:t>
             </a:fld>
             <a:endParaRPr lang="en-US" dirty="0"/>
           </a:p>
@@ -5324,7 +7754,7 @@
             <a:fld id="{8DFA1846-DA80-1C48-A609-854EA85C59AD}" type="datetimeFigureOut">
               <a:rPr lang="en-US" dirty="0"/>
               <a:pPr/>
-              <a:t>8/17/2021</a:t>
+              <a:t>8/19/2021</a:t>
             </a:fld>
             <a:endParaRPr lang="en-US" dirty="0"/>
           </a:p>
@@ -5690,7 +8120,7 @@
             <a:fld id="{FBF54567-0DE4-3F47-BF90-CB84690072F9}" type="datetimeFigureOut">
               <a:rPr lang="en-US" dirty="0"/>
               <a:pPr/>
-              <a:t>8/17/2021</a:t>
+              <a:t>8/19/2021</a:t>
             </a:fld>
             <a:endParaRPr lang="en-US" dirty="0"/>
           </a:p>
@@ -5841,7 +8271,7 @@
           <a:ln/>
           <a:extLst>
             <a:ext uri="{91240B29-F687-4f45-9708-019B960494DF}">
-              <a14:hiddenLine xmlns:a14="http://schemas.microsoft.com/office/drawing/2010/main" xmlns="" w="9525">
+              <a14:hiddenLine xmlns="" xmlns:a14="http://schemas.microsoft.com/office/drawing/2010/main" w="9525">
                 <a:solidFill>
                   <a:srgbClr val="000000"/>
                 </a:solidFill>
@@ -5960,7 +8390,7 @@
             <a:fld id="{C6C52C72-DE31-F449-A4ED-4C594FD91407}" type="datetimeFigureOut">
               <a:rPr lang="en-US" dirty="0"/>
               <a:pPr/>
-              <a:t>8/17/2021</a:t>
+              <a:t>8/19/2021</a:t>
             </a:fld>
             <a:endParaRPr lang="en-US" dirty="0"/>
           </a:p>
@@ -6113,7 +8543,7 @@
           <a:ln/>
           <a:extLst>
             <a:ext uri="{91240B29-F687-4f45-9708-019B960494DF}">
-              <a14:hiddenLine xmlns:a14="http://schemas.microsoft.com/office/drawing/2010/main" xmlns="" w="9525">
+              <a14:hiddenLine xmlns="" xmlns:a14="http://schemas.microsoft.com/office/drawing/2010/main" w="9525">
                 <a:solidFill>
                   <a:srgbClr val="000000"/>
                 </a:solidFill>
@@ -6242,7 +8672,7 @@
             <a:fld id="{ED62726E-379B-B349-9EED-81ED093FA806}" type="datetimeFigureOut">
               <a:rPr lang="en-US" dirty="0"/>
               <a:pPr/>
-              <a:t>8/17/2021</a:t>
+              <a:t>8/19/2021</a:t>
             </a:fld>
             <a:endParaRPr lang="en-US" dirty="0"/>
           </a:p>
@@ -6393,7 +8823,7 @@
           <a:ln/>
           <a:extLst>
             <a:ext uri="{91240B29-F687-4f45-9708-019B960494DF}">
-              <a14:hiddenLine xmlns:a14="http://schemas.microsoft.com/office/drawing/2010/main" xmlns="" w="9525">
+              <a14:hiddenLine xmlns="" xmlns:a14="http://schemas.microsoft.com/office/drawing/2010/main" w="9525">
                 <a:solidFill>
                   <a:srgbClr val="000000"/>
                 </a:solidFill>
@@ -6522,7 +8952,7 @@
             <a:fld id="{9B3A1323-8D79-1946-B0D7-40001CF92E9D}" type="datetimeFigureOut">
               <a:rPr lang="en-US" dirty="0"/>
               <a:pPr/>
-              <a:t>8/17/2021</a:t>
+              <a:t>8/19/2021</a:t>
             </a:fld>
             <a:endParaRPr lang="en-US" dirty="0"/>
           </a:p>
@@ -6862,7 +9292,7 @@
             <a:fld id="{8DFA1846-DA80-1C48-A609-854EA85C59AD}" type="datetimeFigureOut">
               <a:rPr lang="en-US" dirty="0"/>
               <a:pPr/>
-              <a:t>8/17/2021</a:t>
+              <a:t>8/19/2021</a:t>
             </a:fld>
             <a:endParaRPr lang="en-US" dirty="0"/>
           </a:p>
@@ -7013,7 +9443,7 @@
           <a:ln/>
           <a:extLst>
             <a:ext uri="{91240B29-F687-4f45-9708-019B960494DF}">
-              <a14:hiddenLine xmlns:a14="http://schemas.microsoft.com/office/drawing/2010/main" xmlns="" w="9525">
+              <a14:hiddenLine xmlns="" xmlns:a14="http://schemas.microsoft.com/office/drawing/2010/main" w="9525">
                 <a:solidFill>
                   <a:srgbClr val="000000"/>
                 </a:solidFill>
@@ -7198,7 +9628,7 @@
             <a:fld id="{57302355-E14B-8545-A8F8-0FE83CC9D524}" type="datetimeFigureOut">
               <a:rPr lang="en-US" dirty="0"/>
               <a:pPr/>
-              <a:t>8/17/2021</a:t>
+              <a:t>8/19/2021</a:t>
             </a:fld>
             <a:endParaRPr lang="en-US" dirty="0"/>
           </a:p>
@@ -7349,7 +9779,7 @@
           <a:ln/>
           <a:extLst>
             <a:ext uri="{91240B29-F687-4f45-9708-019B960494DF}">
-              <a14:hiddenLine xmlns:a14="http://schemas.microsoft.com/office/drawing/2010/main" xmlns="" w="9525">
+              <a14:hiddenLine xmlns="" xmlns:a14="http://schemas.microsoft.com/office/drawing/2010/main" w="9525">
                 <a:solidFill>
                   <a:srgbClr val="000000"/>
                 </a:solidFill>
@@ -7672,7 +10102,7 @@
             <a:fld id="{02640F58-564D-2B4F-AE67-E407BA4FCF45}" type="datetimeFigureOut">
               <a:rPr lang="en-US" dirty="0"/>
               <a:pPr/>
-              <a:t>8/17/2021</a:t>
+              <a:t>8/19/2021</a:t>
             </a:fld>
             <a:endParaRPr lang="en-US" dirty="0"/>
           </a:p>
@@ -7823,7 +10253,7 @@
           <a:ln/>
           <a:extLst>
             <a:ext uri="{91240B29-F687-4f45-9708-019B960494DF}">
-              <a14:hiddenLine xmlns:a14="http://schemas.microsoft.com/office/drawing/2010/main" xmlns="" w="9525">
+              <a14:hiddenLine xmlns="" xmlns:a14="http://schemas.microsoft.com/office/drawing/2010/main" w="9525">
                 <a:solidFill>
                   <a:srgbClr val="000000"/>
                 </a:solidFill>
@@ -7890,7 +10320,7 @@
             <a:fld id="{F13A34C8-038E-2045-AF43-DF7DBB8E0E9E}" type="datetimeFigureOut">
               <a:rPr lang="en-US" dirty="0"/>
               <a:pPr/>
-              <a:t>8/17/2021</a:t>
+              <a:t>8/19/2021</a:t>
             </a:fld>
             <a:endParaRPr lang="en-US" dirty="0"/>
           </a:p>
@@ -7982,7 +10412,7 @@
             <a:fld id="{8818C68F-D26B-8F47-958C-23B49CF8A634}" type="datetimeFigureOut">
               <a:rPr lang="en-US" dirty="0"/>
               <a:pPr/>
-              <a:t>8/17/2021</a:t>
+              <a:t>8/19/2021</a:t>
             </a:fld>
             <a:endParaRPr lang="en-US" dirty="0"/>
           </a:p>
@@ -8246,7 +10676,7 @@
           <a:ln/>
           <a:extLst>
             <a:ext uri="{91240B29-F687-4f45-9708-019B960494DF}">
-              <a14:hiddenLine xmlns:a14="http://schemas.microsoft.com/office/drawing/2010/main" xmlns="" w="9525">
+              <a14:hiddenLine xmlns="" xmlns:a14="http://schemas.microsoft.com/office/drawing/2010/main" w="9525">
                 <a:solidFill>
                   <a:srgbClr val="000000"/>
                 </a:solidFill>
@@ -8446,7 +10876,7 @@
             <a:fld id="{D0DF5E60-9974-AC48-9591-99C2BB44B7CF}" type="datetimeFigureOut">
               <a:rPr lang="en-US" dirty="0"/>
               <a:pPr/>
-              <a:t>8/17/2021</a:t>
+              <a:t>8/19/2021</a:t>
             </a:fld>
             <a:endParaRPr lang="en-US" dirty="0"/>
           </a:p>
@@ -8756,7 +11186,7 @@
             <a:fld id="{18C79C5D-2A6F-F04D-97DA-BEF2467B64E4}" type="datetimeFigureOut">
               <a:rPr lang="en-US" dirty="0"/>
               <a:pPr/>
-              <a:t>8/17/2021</a:t>
+              <a:t>8/19/2021</a:t>
             </a:fld>
             <a:endParaRPr lang="en-US" dirty="0"/>
           </a:p>
@@ -9023,7 +11453,7 @@
             <a:fld id="{09B482E8-6E0E-1B4F-B1FD-C69DB9E858D9}" type="datetimeFigureOut">
               <a:rPr lang="en-US" dirty="0"/>
               <a:pPr/>
-              <a:t>8/17/2021</a:t>
+              <a:t>8/19/2021</a:t>
             </a:fld>
             <a:endParaRPr lang="en-US" dirty="0"/>
           </a:p>
@@ -9604,10 +12034,9 @@
           <a:lstStyle/>
           <a:p>
             <a:r>
-              <a:rPr lang="en-US"/>
+              <a:rPr lang="en-US" dirty="0"/>
               <a:t>Jeopardy Questions: Can They be Generalized?</a:t>
             </a:r>
-            <a:endParaRPr lang="en-US" dirty="0"/>
           </a:p>
         </p:txBody>
       </p:sp>
@@ -9659,7 +12088,378 @@
 </p:sld>
 </file>
 
-<file path=ppt/slides/slide2.xml><?xml version="1.0" encoding="utf-8"?>
+<file path=ppt/slides/slide10.xml><?xml version="1.0" encoding="utf-8"?>
+<p:sld xmlns:a="http://schemas.openxmlformats.org/drawingml/2006/main" xmlns:r="http://schemas.openxmlformats.org/officeDocument/2006/relationships" xmlns:p="http://schemas.openxmlformats.org/presentationml/2006/main">
+  <p:cSld>
+    <p:bg>
+      <p:bgPr>
+        <a:solidFill>
+          <a:schemeClr val="bg1"/>
+        </a:solidFill>
+        <a:effectLst/>
+      </p:bgPr>
+    </p:bg>
+    <p:spTree>
+      <p:nvGrpSpPr>
+        <p:cNvPr id="1" name=""/>
+        <p:cNvGrpSpPr/>
+        <p:nvPr/>
+      </p:nvGrpSpPr>
+      <p:grpSpPr>
+        <a:xfrm>
+          <a:off x="0" y="0"/>
+          <a:ext cx="0" cy="0"/>
+          <a:chOff x="0" y="0"/>
+          <a:chExt cx="0" cy="0"/>
+        </a:xfrm>
+      </p:grpSpPr>
+      <p:sp useBgFill="1">
+        <p:nvSpPr>
+          <p:cNvPr id="9" name="Rectangle 8">
+            <a:extLst>
+              <a:ext uri="{FF2B5EF4-FFF2-40B4-BE49-F238E27FC236}">
+                <a16:creationId xmlns:a16="http://schemas.microsoft.com/office/drawing/2014/main" id="{D0D45553-91A4-480A-9577-0E0FC0D919B9}"/>
+              </a:ext>
+              <a:ext uri="{C183D7F6-B498-43B3-948B-1728B52AA6E4}">
+                <adec:decorative xmlns:adec="http://schemas.microsoft.com/office/drawing/2017/decorative" val="1"/>
+              </a:ext>
+            </a:extLst>
+          </p:cNvPr>
+          <p:cNvSpPr>
+            <a:spLocks noGrp="1" noRot="1" noChangeAspect="1" noMove="1" noResize="1" noEditPoints="1" noAdjustHandles="1" noChangeArrowheads="1" noChangeShapeType="1" noTextEdit="1"/>
+          </p:cNvSpPr>
+          <p:nvPr>
+            <p:extLst>
+              <p:ext uri="{386F3935-93C4-4BCD-93E2-E3B085C9AB24}">
+                <p16:designElem xmlns:p16="http://schemas.microsoft.com/office/powerpoint/2015/main" val="1"/>
+              </p:ext>
+            </p:extLst>
+          </p:nvPr>
+        </p:nvSpPr>
+        <p:spPr>
+          <a:xfrm>
+            <a:off x="4573" y="0"/>
+            <a:ext cx="12187427" cy="6858000"/>
+          </a:xfrm>
+          <a:prstGeom prst="rect">
+            <a:avLst/>
+          </a:prstGeom>
+          <a:ln>
+            <a:noFill/>
+          </a:ln>
+        </p:spPr>
+        <p:style>
+          <a:lnRef idx="2">
+            <a:schemeClr val="accent1">
+              <a:shade val="50000"/>
+            </a:schemeClr>
+          </a:lnRef>
+          <a:fillRef idx="1">
+            <a:schemeClr val="accent1"/>
+          </a:fillRef>
+          <a:effectRef idx="0">
+            <a:schemeClr val="accent1"/>
+          </a:effectRef>
+          <a:fontRef idx="minor">
+            <a:schemeClr val="lt1"/>
+          </a:fontRef>
+        </p:style>
+        <p:txBody>
+          <a:bodyPr rtlCol="0" anchor="ctr"/>
+          <a:lstStyle/>
+          <a:p>
+            <a:pPr algn="ctr"/>
+            <a:endParaRPr lang="en-US"/>
+          </a:p>
+        </p:txBody>
+      </p:sp>
+      <p:sp>
+        <p:nvSpPr>
+          <p:cNvPr id="11" name="Freeform 23">
+            <a:extLst>
+              <a:ext uri="{FF2B5EF4-FFF2-40B4-BE49-F238E27FC236}">
+                <a16:creationId xmlns:a16="http://schemas.microsoft.com/office/drawing/2014/main" id="{D240F8A8-FEA1-42C2-B259-27A9351279BD}"/>
+              </a:ext>
+              <a:ext uri="{C183D7F6-B498-43B3-948B-1728B52AA6E4}">
+                <adec:decorative xmlns:adec="http://schemas.microsoft.com/office/drawing/2017/decorative" val="1"/>
+              </a:ext>
+            </a:extLst>
+          </p:cNvPr>
+          <p:cNvSpPr>
+            <a:spLocks noGrp="1" noRot="1" noChangeAspect="1" noMove="1" noResize="1" noEditPoints="1" noAdjustHandles="1" noChangeArrowheads="1" noChangeShapeType="1" noTextEdit="1"/>
+          </p:cNvSpPr>
+          <p:nvPr>
+            <p:extLst>
+              <p:ext uri="{386F3935-93C4-4BCD-93E2-E3B085C9AB24}">
+                <p16:designElem xmlns:p16="http://schemas.microsoft.com/office/powerpoint/2015/main" val="1"/>
+              </p:ext>
+            </p:extLst>
+          </p:nvPr>
+        </p:nvSpPr>
+        <p:spPr bwMode="white">
+          <a:xfrm>
+            <a:off x="0" y="0"/>
+            <a:ext cx="4637005" cy="6858000"/>
+          </a:xfrm>
+          <a:custGeom>
+            <a:avLst/>
+            <a:gdLst>
+              <a:gd name="connsiteX0" fmla="*/ 0 w 4637005"/>
+              <a:gd name="connsiteY0" fmla="*/ 0 h 6858000"/>
+              <a:gd name="connsiteX1" fmla="*/ 4637005 w 4637005"/>
+              <a:gd name="connsiteY1" fmla="*/ 0 h 6858000"/>
+              <a:gd name="connsiteX2" fmla="*/ 4637005 w 4637005"/>
+              <a:gd name="connsiteY2" fmla="*/ 1900238 h 6858000"/>
+              <a:gd name="connsiteX3" fmla="*/ 4266589 w 4637005"/>
+              <a:gd name="connsiteY3" fmla="*/ 2178050 h 6858000"/>
+              <a:gd name="connsiteX4" fmla="*/ 4262355 w 4637005"/>
+              <a:gd name="connsiteY4" fmla="*/ 2184400 h 6858000"/>
+              <a:gd name="connsiteX5" fmla="*/ 4256005 w 4637005"/>
+              <a:gd name="connsiteY5" fmla="*/ 2193925 h 6858000"/>
+              <a:gd name="connsiteX6" fmla="*/ 4249655 w 4637005"/>
+              <a:gd name="connsiteY6" fmla="*/ 2201863 h 6858000"/>
+              <a:gd name="connsiteX7" fmla="*/ 4249655 w 4637005"/>
+              <a:gd name="connsiteY7" fmla="*/ 2211388 h 6858000"/>
+              <a:gd name="connsiteX8" fmla="*/ 4249655 w 4637005"/>
+              <a:gd name="connsiteY8" fmla="*/ 2220913 h 6858000"/>
+              <a:gd name="connsiteX9" fmla="*/ 4256005 w 4637005"/>
+              <a:gd name="connsiteY9" fmla="*/ 2228850 h 6858000"/>
+              <a:gd name="connsiteX10" fmla="*/ 4262355 w 4637005"/>
+              <a:gd name="connsiteY10" fmla="*/ 2238375 h 6858000"/>
+              <a:gd name="connsiteX11" fmla="*/ 4266589 w 4637005"/>
+              <a:gd name="connsiteY11" fmla="*/ 2244725 h 6858000"/>
+              <a:gd name="connsiteX12" fmla="*/ 4637005 w 4637005"/>
+              <a:gd name="connsiteY12" fmla="*/ 2522538 h 6858000"/>
+              <a:gd name="connsiteX13" fmla="*/ 4637005 w 4637005"/>
+              <a:gd name="connsiteY13" fmla="*/ 6858000 h 6858000"/>
+              <a:gd name="connsiteX14" fmla="*/ 0 w 4637005"/>
+              <a:gd name="connsiteY14" fmla="*/ 6858000 h 6858000"/>
+            </a:gdLst>
+            <a:ahLst/>
+            <a:cxnLst>
+              <a:cxn ang="0">
+                <a:pos x="connsiteX0" y="connsiteY0"/>
+              </a:cxn>
+              <a:cxn ang="0">
+                <a:pos x="connsiteX1" y="connsiteY1"/>
+              </a:cxn>
+              <a:cxn ang="0">
+                <a:pos x="connsiteX2" y="connsiteY2"/>
+              </a:cxn>
+              <a:cxn ang="0">
+                <a:pos x="connsiteX3" y="connsiteY3"/>
+              </a:cxn>
+              <a:cxn ang="0">
+                <a:pos x="connsiteX4" y="connsiteY4"/>
+              </a:cxn>
+              <a:cxn ang="0">
+                <a:pos x="connsiteX5" y="connsiteY5"/>
+              </a:cxn>
+              <a:cxn ang="0">
+                <a:pos x="connsiteX6" y="connsiteY6"/>
+              </a:cxn>
+              <a:cxn ang="0">
+                <a:pos x="connsiteX7" y="connsiteY7"/>
+              </a:cxn>
+              <a:cxn ang="0">
+                <a:pos x="connsiteX8" y="connsiteY8"/>
+              </a:cxn>
+              <a:cxn ang="0">
+                <a:pos x="connsiteX9" y="connsiteY9"/>
+              </a:cxn>
+              <a:cxn ang="0">
+                <a:pos x="connsiteX10" y="connsiteY10"/>
+              </a:cxn>
+              <a:cxn ang="0">
+                <a:pos x="connsiteX11" y="connsiteY11"/>
+              </a:cxn>
+              <a:cxn ang="0">
+                <a:pos x="connsiteX12" y="connsiteY12"/>
+              </a:cxn>
+              <a:cxn ang="0">
+                <a:pos x="connsiteX13" y="connsiteY13"/>
+              </a:cxn>
+              <a:cxn ang="0">
+                <a:pos x="connsiteX14" y="connsiteY14"/>
+              </a:cxn>
+            </a:cxnLst>
+            <a:rect l="l" t="t" r="r" b="b"/>
+            <a:pathLst>
+              <a:path w="4637005" h="6858000">
+                <a:moveTo>
+                  <a:pt x="0" y="0"/>
+                </a:moveTo>
+                <a:lnTo>
+                  <a:pt x="4637005" y="0"/>
+                </a:lnTo>
+                <a:lnTo>
+                  <a:pt x="4637005" y="1900238"/>
+                </a:lnTo>
+                <a:lnTo>
+                  <a:pt x="4266589" y="2178050"/>
+                </a:lnTo>
+                <a:lnTo>
+                  <a:pt x="4262355" y="2184400"/>
+                </a:lnTo>
+                <a:lnTo>
+                  <a:pt x="4256005" y="2193925"/>
+                </a:lnTo>
+                <a:lnTo>
+                  <a:pt x="4249655" y="2201863"/>
+                </a:lnTo>
+                <a:lnTo>
+                  <a:pt x="4249655" y="2211388"/>
+                </a:lnTo>
+                <a:lnTo>
+                  <a:pt x="4249655" y="2220913"/>
+                </a:lnTo>
+                <a:lnTo>
+                  <a:pt x="4256005" y="2228850"/>
+                </a:lnTo>
+                <a:lnTo>
+                  <a:pt x="4262355" y="2238375"/>
+                </a:lnTo>
+                <a:lnTo>
+                  <a:pt x="4266589" y="2244725"/>
+                </a:lnTo>
+                <a:lnTo>
+                  <a:pt x="4637005" y="2522538"/>
+                </a:lnTo>
+                <a:lnTo>
+                  <a:pt x="4637005" y="6858000"/>
+                </a:lnTo>
+                <a:lnTo>
+                  <a:pt x="0" y="6858000"/>
+                </a:lnTo>
+                <a:close/>
+              </a:path>
+            </a:pathLst>
+          </a:custGeom>
+          <a:blipFill>
+            <a:blip r:embed="rId2">
+              <a:duotone>
+                <a:schemeClr val="accent1">
+                  <a:tint val="98000"/>
+                  <a:lumMod val="102000"/>
+                </a:schemeClr>
+                <a:schemeClr val="accent1">
+                  <a:shade val="98000"/>
+                  <a:lumMod val="98000"/>
+                </a:schemeClr>
+              </a:duotone>
+            </a:blip>
+            <a:tile tx="0" ty="0" sx="100000" sy="100000" flip="none" algn="tl"/>
+          </a:blipFill>
+          <a:ln>
+            <a:headEnd/>
+            <a:tailEnd/>
+          </a:ln>
+        </p:spPr>
+        <p:style>
+          <a:lnRef idx="1">
+            <a:schemeClr val="accent1"/>
+          </a:lnRef>
+          <a:fillRef idx="3">
+            <a:schemeClr val="accent1"/>
+          </a:fillRef>
+          <a:effectRef idx="2">
+            <a:schemeClr val="accent1"/>
+          </a:effectRef>
+          <a:fontRef idx="minor">
+            <a:schemeClr val="lt1"/>
+          </a:fontRef>
+        </p:style>
+        <p:txBody>
+          <a:bodyPr wrap="square" rtlCol="0" anchor="ctr">
+            <a:noAutofit/>
+          </a:bodyPr>
+          <a:lstStyle/>
+          <a:p>
+            <a:pPr algn="ctr"/>
+            <a:endParaRPr lang="en-US"/>
+          </a:p>
+        </p:txBody>
+      </p:sp>
+      <p:sp>
+        <p:nvSpPr>
+          <p:cNvPr id="2" name="Title 1">
+            <a:extLst>
+              <a:ext uri="{FF2B5EF4-FFF2-40B4-BE49-F238E27FC236}">
+                <a16:creationId xmlns:a16="http://schemas.microsoft.com/office/drawing/2014/main" id="{FE07A449-B46B-45C1-8267-C5495074952F}"/>
+              </a:ext>
+            </a:extLst>
+          </p:cNvPr>
+          <p:cNvSpPr>
+            <a:spLocks noGrp="1"/>
+          </p:cNvSpPr>
+          <p:nvPr>
+            <p:ph type="title"/>
+          </p:nvPr>
+        </p:nvSpPr>
+        <p:spPr>
+          <a:xfrm>
+            <a:off x="556591" y="1741714"/>
+            <a:ext cx="3518452" cy="4117749"/>
+          </a:xfrm>
+        </p:spPr>
+        <p:txBody>
+          <a:bodyPr anchor="t">
+            <a:normAutofit/>
+          </a:bodyPr>
+          <a:lstStyle/>
+          <a:p>
+            <a:r>
+              <a:rPr lang="en-US" dirty="0"/>
+              <a:t>Conclusions</a:t>
+            </a:r>
+          </a:p>
+        </p:txBody>
+      </p:sp>
+      <p:graphicFrame>
+        <p:nvGraphicFramePr>
+          <p:cNvPr id="7" name="Content Placeholder 2">
+            <a:extLst>
+              <a:ext uri="{FF2B5EF4-FFF2-40B4-BE49-F238E27FC236}">
+                <a16:creationId xmlns:a16="http://schemas.microsoft.com/office/drawing/2014/main" id="{A4736819-30CE-476F-A07F-BE029DEF5F87}"/>
+              </a:ext>
+            </a:extLst>
+          </p:cNvPr>
+          <p:cNvGraphicFramePr>
+            <a:graphicFrameLocks noGrp="1"/>
+          </p:cNvGraphicFramePr>
+          <p:nvPr>
+            <p:ph idx="1"/>
+            <p:extLst>
+              <p:ext uri="{D42A27DB-BD31-4B8C-83A1-F6EECF244321}">
+                <p14:modId xmlns:p14="http://schemas.microsoft.com/office/powerpoint/2010/main" val="2045191122"/>
+              </p:ext>
+            </p:extLst>
+          </p:nvPr>
+        </p:nvGraphicFramePr>
+        <p:xfrm>
+          <a:off x="5466523" y="1172818"/>
+          <a:ext cx="5906328" cy="4686645"/>
+        </p:xfrm>
+        <a:graphic>
+          <a:graphicData uri="http://schemas.openxmlformats.org/drawingml/2006/diagram">
+            <dgm:relIds xmlns:dgm="http://schemas.openxmlformats.org/drawingml/2006/diagram" xmlns:r="http://schemas.openxmlformats.org/officeDocument/2006/relationships" r:dm="rId3" r:lo="rId4" r:qs="rId5" r:cs="rId6"/>
+          </a:graphicData>
+        </a:graphic>
+      </p:graphicFrame>
+    </p:spTree>
+    <p:extLst>
+      <p:ext uri="{BB962C8B-B14F-4D97-AF65-F5344CB8AC3E}">
+        <p14:creationId xmlns:p14="http://schemas.microsoft.com/office/powerpoint/2010/main" val="803057883"/>
+      </p:ext>
+    </p:extLst>
+  </p:cSld>
+  <p:clrMapOvr>
+    <a:overrideClrMapping bg1="lt1" tx1="dk1" bg2="lt2" tx2="dk2" accent1="accent1" accent2="accent2" accent3="accent3" accent4="accent4" accent5="accent5" accent6="accent6" hlink="hlink" folHlink="folHlink"/>
+  </p:clrMapOvr>
+</p:sld>
+</file>
+
+<file path=ppt/slides/slide11.xml><?xml version="1.0" encoding="utf-8"?>
 <p:sld xmlns:a="http://schemas.openxmlformats.org/drawingml/2006/main" xmlns:r="http://schemas.openxmlformats.org/officeDocument/2006/relationships" xmlns:p="http://schemas.openxmlformats.org/presentationml/2006/main">
   <p:cSld>
     <p:spTree>
@@ -9779,9 +12579,1079 @@
 </p:sld>
 </file>
 
-<file path=ppt/slides/slide3.xml><?xml version="1.0" encoding="utf-8"?>
+<file path=ppt/slides/slide12.xml><?xml version="1.0" encoding="utf-8"?>
 <p:sld xmlns:a="http://schemas.openxmlformats.org/drawingml/2006/main" xmlns:r="http://schemas.openxmlformats.org/officeDocument/2006/relationships" xmlns:p="http://schemas.openxmlformats.org/presentationml/2006/main">
   <p:cSld>
+    <p:bg>
+      <p:bgPr>
+        <a:solidFill>
+          <a:schemeClr val="bg1"/>
+        </a:solidFill>
+        <a:effectLst/>
+      </p:bgPr>
+    </p:bg>
+    <p:spTree>
+      <p:nvGrpSpPr>
+        <p:cNvPr id="1" name=""/>
+        <p:cNvGrpSpPr/>
+        <p:nvPr/>
+      </p:nvGrpSpPr>
+      <p:grpSpPr>
+        <a:xfrm>
+          <a:off x="0" y="0"/>
+          <a:ext cx="0" cy="0"/>
+          <a:chOff x="0" y="0"/>
+          <a:chExt cx="0" cy="0"/>
+        </a:xfrm>
+      </p:grpSpPr>
+      <p:sp>
+        <p:nvSpPr>
+          <p:cNvPr id="12" name="Rectangle 11">
+            <a:extLst>
+              <a:ext uri="{FF2B5EF4-FFF2-40B4-BE49-F238E27FC236}">
+                <a16:creationId xmlns:a16="http://schemas.microsoft.com/office/drawing/2014/main" id="{A416E3E5-5186-46A4-AFBD-337387D3163D}"/>
+              </a:ext>
+              <a:ext uri="{C183D7F6-B498-43B3-948B-1728B52AA6E4}">
+                <adec:decorative xmlns:adec="http://schemas.microsoft.com/office/drawing/2017/decorative" val="1"/>
+              </a:ext>
+            </a:extLst>
+          </p:cNvPr>
+          <p:cNvSpPr>
+            <a:spLocks noGrp="1" noRot="1" noChangeAspect="1" noMove="1" noResize="1" noEditPoints="1" noAdjustHandles="1" noChangeArrowheads="1" noChangeShapeType="1" noTextEdit="1"/>
+          </p:cNvSpPr>
+          <p:nvPr>
+            <p:extLst>
+              <p:ext uri="{386F3935-93C4-4BCD-93E2-E3B085C9AB24}">
+                <p16:designElem xmlns:p16="http://schemas.microsoft.com/office/powerpoint/2015/main" val="1"/>
+              </p:ext>
+            </p:extLst>
+          </p:nvPr>
+        </p:nvSpPr>
+        <p:spPr>
+          <a:xfrm>
+            <a:off x="4573" y="0"/>
+            <a:ext cx="12187427" cy="6858000"/>
+          </a:xfrm>
+          <a:prstGeom prst="rect">
+            <a:avLst/>
+          </a:prstGeom>
+          <a:solidFill>
+            <a:schemeClr val="bg1"/>
+          </a:solidFill>
+          <a:ln>
+            <a:noFill/>
+          </a:ln>
+        </p:spPr>
+        <p:style>
+          <a:lnRef idx="2">
+            <a:schemeClr val="accent1">
+              <a:shade val="50000"/>
+            </a:schemeClr>
+          </a:lnRef>
+          <a:fillRef idx="1">
+            <a:schemeClr val="accent1"/>
+          </a:fillRef>
+          <a:effectRef idx="0">
+            <a:schemeClr val="accent1"/>
+          </a:effectRef>
+          <a:fontRef idx="minor">
+            <a:schemeClr val="lt1"/>
+          </a:fontRef>
+        </p:style>
+        <p:txBody>
+          <a:bodyPr rtlCol="0" anchor="ctr"/>
+          <a:lstStyle/>
+          <a:p>
+            <a:pPr algn="ctr"/>
+            <a:endParaRPr lang="en-US"/>
+          </a:p>
+        </p:txBody>
+      </p:sp>
+      <p:sp>
+        <p:nvSpPr>
+          <p:cNvPr id="14" name="Freeform 23">
+            <a:extLst>
+              <a:ext uri="{FF2B5EF4-FFF2-40B4-BE49-F238E27FC236}">
+                <a16:creationId xmlns:a16="http://schemas.microsoft.com/office/drawing/2014/main" id="{7B8FAACC-353E-4F84-BA62-A5514185D9A9}"/>
+              </a:ext>
+              <a:ext uri="{C183D7F6-B498-43B3-948B-1728B52AA6E4}">
+                <adec:decorative xmlns:adec="http://schemas.microsoft.com/office/drawing/2017/decorative" val="1"/>
+              </a:ext>
+            </a:extLst>
+          </p:cNvPr>
+          <p:cNvSpPr>
+            <a:spLocks noGrp="1" noRot="1" noChangeAspect="1" noMove="1" noResize="1" noEditPoints="1" noAdjustHandles="1" noChangeArrowheads="1" noChangeShapeType="1" noTextEdit="1"/>
+          </p:cNvSpPr>
+          <p:nvPr>
+            <p:extLst>
+              <p:ext uri="{386F3935-93C4-4BCD-93E2-E3B085C9AB24}">
+                <p16:designElem xmlns:p16="http://schemas.microsoft.com/office/powerpoint/2015/main" val="1"/>
+              </p:ext>
+            </p:extLst>
+          </p:nvPr>
+        </p:nvSpPr>
+        <p:spPr bwMode="white">
+          <a:xfrm flipH="1">
+            <a:off x="7554995" y="0"/>
+            <a:ext cx="4637005" cy="6858000"/>
+          </a:xfrm>
+          <a:custGeom>
+            <a:avLst/>
+            <a:gdLst>
+              <a:gd name="connsiteX0" fmla="*/ 0 w 4637005"/>
+              <a:gd name="connsiteY0" fmla="*/ 0 h 6858000"/>
+              <a:gd name="connsiteX1" fmla="*/ 4637005 w 4637005"/>
+              <a:gd name="connsiteY1" fmla="*/ 0 h 6858000"/>
+              <a:gd name="connsiteX2" fmla="*/ 4637005 w 4637005"/>
+              <a:gd name="connsiteY2" fmla="*/ 1900238 h 6858000"/>
+              <a:gd name="connsiteX3" fmla="*/ 4266589 w 4637005"/>
+              <a:gd name="connsiteY3" fmla="*/ 2178050 h 6858000"/>
+              <a:gd name="connsiteX4" fmla="*/ 4262355 w 4637005"/>
+              <a:gd name="connsiteY4" fmla="*/ 2184400 h 6858000"/>
+              <a:gd name="connsiteX5" fmla="*/ 4256005 w 4637005"/>
+              <a:gd name="connsiteY5" fmla="*/ 2193925 h 6858000"/>
+              <a:gd name="connsiteX6" fmla="*/ 4249655 w 4637005"/>
+              <a:gd name="connsiteY6" fmla="*/ 2201863 h 6858000"/>
+              <a:gd name="connsiteX7" fmla="*/ 4249655 w 4637005"/>
+              <a:gd name="connsiteY7" fmla="*/ 2211388 h 6858000"/>
+              <a:gd name="connsiteX8" fmla="*/ 4249655 w 4637005"/>
+              <a:gd name="connsiteY8" fmla="*/ 2220913 h 6858000"/>
+              <a:gd name="connsiteX9" fmla="*/ 4256005 w 4637005"/>
+              <a:gd name="connsiteY9" fmla="*/ 2228850 h 6858000"/>
+              <a:gd name="connsiteX10" fmla="*/ 4262355 w 4637005"/>
+              <a:gd name="connsiteY10" fmla="*/ 2238375 h 6858000"/>
+              <a:gd name="connsiteX11" fmla="*/ 4266589 w 4637005"/>
+              <a:gd name="connsiteY11" fmla="*/ 2244725 h 6858000"/>
+              <a:gd name="connsiteX12" fmla="*/ 4637005 w 4637005"/>
+              <a:gd name="connsiteY12" fmla="*/ 2522538 h 6858000"/>
+              <a:gd name="connsiteX13" fmla="*/ 4637005 w 4637005"/>
+              <a:gd name="connsiteY13" fmla="*/ 6858000 h 6858000"/>
+              <a:gd name="connsiteX14" fmla="*/ 0 w 4637005"/>
+              <a:gd name="connsiteY14" fmla="*/ 6858000 h 6858000"/>
+            </a:gdLst>
+            <a:ahLst/>
+            <a:cxnLst>
+              <a:cxn ang="0">
+                <a:pos x="connsiteX0" y="connsiteY0"/>
+              </a:cxn>
+              <a:cxn ang="0">
+                <a:pos x="connsiteX1" y="connsiteY1"/>
+              </a:cxn>
+              <a:cxn ang="0">
+                <a:pos x="connsiteX2" y="connsiteY2"/>
+              </a:cxn>
+              <a:cxn ang="0">
+                <a:pos x="connsiteX3" y="connsiteY3"/>
+              </a:cxn>
+              <a:cxn ang="0">
+                <a:pos x="connsiteX4" y="connsiteY4"/>
+              </a:cxn>
+              <a:cxn ang="0">
+                <a:pos x="connsiteX5" y="connsiteY5"/>
+              </a:cxn>
+              <a:cxn ang="0">
+                <a:pos x="connsiteX6" y="connsiteY6"/>
+              </a:cxn>
+              <a:cxn ang="0">
+                <a:pos x="connsiteX7" y="connsiteY7"/>
+              </a:cxn>
+              <a:cxn ang="0">
+                <a:pos x="connsiteX8" y="connsiteY8"/>
+              </a:cxn>
+              <a:cxn ang="0">
+                <a:pos x="connsiteX9" y="connsiteY9"/>
+              </a:cxn>
+              <a:cxn ang="0">
+                <a:pos x="connsiteX10" y="connsiteY10"/>
+              </a:cxn>
+              <a:cxn ang="0">
+                <a:pos x="connsiteX11" y="connsiteY11"/>
+              </a:cxn>
+              <a:cxn ang="0">
+                <a:pos x="connsiteX12" y="connsiteY12"/>
+              </a:cxn>
+              <a:cxn ang="0">
+                <a:pos x="connsiteX13" y="connsiteY13"/>
+              </a:cxn>
+              <a:cxn ang="0">
+                <a:pos x="connsiteX14" y="connsiteY14"/>
+              </a:cxn>
+            </a:cxnLst>
+            <a:rect l="l" t="t" r="r" b="b"/>
+            <a:pathLst>
+              <a:path w="4637005" h="6858000">
+                <a:moveTo>
+                  <a:pt x="0" y="0"/>
+                </a:moveTo>
+                <a:lnTo>
+                  <a:pt x="4637005" y="0"/>
+                </a:lnTo>
+                <a:lnTo>
+                  <a:pt x="4637005" y="1900238"/>
+                </a:lnTo>
+                <a:lnTo>
+                  <a:pt x="4266589" y="2178050"/>
+                </a:lnTo>
+                <a:lnTo>
+                  <a:pt x="4262355" y="2184400"/>
+                </a:lnTo>
+                <a:lnTo>
+                  <a:pt x="4256005" y="2193925"/>
+                </a:lnTo>
+                <a:lnTo>
+                  <a:pt x="4249655" y="2201863"/>
+                </a:lnTo>
+                <a:lnTo>
+                  <a:pt x="4249655" y="2211388"/>
+                </a:lnTo>
+                <a:lnTo>
+                  <a:pt x="4249655" y="2220913"/>
+                </a:lnTo>
+                <a:lnTo>
+                  <a:pt x="4256005" y="2228850"/>
+                </a:lnTo>
+                <a:lnTo>
+                  <a:pt x="4262355" y="2238375"/>
+                </a:lnTo>
+                <a:lnTo>
+                  <a:pt x="4266589" y="2244725"/>
+                </a:lnTo>
+                <a:lnTo>
+                  <a:pt x="4637005" y="2522538"/>
+                </a:lnTo>
+                <a:lnTo>
+                  <a:pt x="4637005" y="6858000"/>
+                </a:lnTo>
+                <a:lnTo>
+                  <a:pt x="0" y="6858000"/>
+                </a:lnTo>
+                <a:close/>
+              </a:path>
+            </a:pathLst>
+          </a:custGeom>
+          <a:solidFill>
+            <a:srgbClr val="212121"/>
+          </a:solidFill>
+          <a:ln>
+            <a:noFill/>
+            <a:headEnd/>
+            <a:tailEnd/>
+          </a:ln>
+        </p:spPr>
+        <p:style>
+          <a:lnRef idx="1">
+            <a:schemeClr val="accent1"/>
+          </a:lnRef>
+          <a:fillRef idx="3">
+            <a:schemeClr val="accent1"/>
+          </a:fillRef>
+          <a:effectRef idx="2">
+            <a:schemeClr val="accent1"/>
+          </a:effectRef>
+          <a:fontRef idx="minor">
+            <a:schemeClr val="lt1"/>
+          </a:fontRef>
+        </p:style>
+        <p:txBody>
+          <a:bodyPr wrap="square" rtlCol="0" anchor="ctr">
+            <a:noAutofit/>
+          </a:bodyPr>
+          <a:lstStyle/>
+          <a:p>
+            <a:pPr algn="ctr"/>
+            <a:endParaRPr lang="en-US"/>
+          </a:p>
+        </p:txBody>
+      </p:sp>
+      <p:sp>
+        <p:nvSpPr>
+          <p:cNvPr id="2" name="Title 1">
+            <a:extLst>
+              <a:ext uri="{FF2B5EF4-FFF2-40B4-BE49-F238E27FC236}">
+                <a16:creationId xmlns:a16="http://schemas.microsoft.com/office/drawing/2014/main" id="{C9E37030-8A32-4A9D-826C-B10131991A02}"/>
+              </a:ext>
+            </a:extLst>
+          </p:cNvPr>
+          <p:cNvSpPr>
+            <a:spLocks noGrp="1"/>
+          </p:cNvSpPr>
+          <p:nvPr>
+            <p:ph type="title"/>
+          </p:nvPr>
+        </p:nvSpPr>
+        <p:spPr>
+          <a:xfrm>
+            <a:off x="8164749" y="457201"/>
+            <a:ext cx="3575737" cy="1332688"/>
+          </a:xfrm>
+        </p:spPr>
+        <p:txBody>
+          <a:bodyPr anchor="b">
+            <a:normAutofit/>
+          </a:bodyPr>
+          <a:lstStyle/>
+          <a:p>
+            <a:pPr algn="ctr"/>
+            <a:r>
+              <a:rPr lang="en-US" sz="3200" dirty="0">
+                <a:solidFill>
+                  <a:srgbClr val="FFFFFF"/>
+                </a:solidFill>
+              </a:rPr>
+              <a:t>Tech Categories</a:t>
+            </a:r>
+          </a:p>
+        </p:txBody>
+      </p:sp>
+      <p:pic>
+        <p:nvPicPr>
+          <p:cNvPr id="5" name="Content Placeholder 4" descr="Chart, line chart&#10;&#10;Description automatically generated">
+            <a:extLst>
+              <a:ext uri="{FF2B5EF4-FFF2-40B4-BE49-F238E27FC236}">
+                <a16:creationId xmlns:a16="http://schemas.microsoft.com/office/drawing/2014/main" id="{8E05D221-BAD4-4B60-A39B-5189E1995DFA}"/>
+              </a:ext>
+            </a:extLst>
+          </p:cNvPr>
+          <p:cNvPicPr>
+            <a:picLocks noChangeAspect="1"/>
+          </p:cNvPicPr>
+          <p:nvPr/>
+        </p:nvPicPr>
+        <p:blipFill>
+          <a:blip r:embed="rId2"/>
+          <a:stretch>
+            <a:fillRect/>
+          </a:stretch>
+        </p:blipFill>
+        <p:spPr>
+          <a:xfrm>
+            <a:off x="463961" y="628938"/>
+            <a:ext cx="6612856" cy="5240687"/>
+          </a:xfrm>
+          <a:prstGeom prst="roundRect">
+            <a:avLst>
+              <a:gd name="adj" fmla="val 3876"/>
+            </a:avLst>
+          </a:prstGeom>
+          <a:ln>
+            <a:solidFill>
+              <a:schemeClr val="accent1"/>
+            </a:solidFill>
+          </a:ln>
+          <a:effectLst/>
+        </p:spPr>
+      </p:pic>
+      <p:sp>
+        <p:nvSpPr>
+          <p:cNvPr id="9" name="Content Placeholder 8">
+            <a:extLst>
+              <a:ext uri="{FF2B5EF4-FFF2-40B4-BE49-F238E27FC236}">
+                <a16:creationId xmlns:a16="http://schemas.microsoft.com/office/drawing/2014/main" id="{41D41C19-4F2D-4CAC-92DA-1C7C201718B8}"/>
+              </a:ext>
+            </a:extLst>
+          </p:cNvPr>
+          <p:cNvSpPr>
+            <a:spLocks noGrp="1"/>
+          </p:cNvSpPr>
+          <p:nvPr>
+            <p:ph idx="1"/>
+          </p:nvPr>
+        </p:nvSpPr>
+        <p:spPr>
+          <a:xfrm>
+            <a:off x="8164749" y="2024743"/>
+            <a:ext cx="3575737" cy="4016619"/>
+          </a:xfrm>
+        </p:spPr>
+        <p:txBody>
+          <a:bodyPr>
+            <a:normAutofit/>
+          </a:bodyPr>
+          <a:lstStyle/>
+          <a:p>
+            <a:r>
+              <a:rPr lang="en-US" sz="1600" dirty="0">
+                <a:solidFill>
+                  <a:srgbClr val="FFFFFF"/>
+                </a:solidFill>
+              </a:rPr>
+              <a:t>Did not start appearing until the 90s</a:t>
+            </a:r>
+          </a:p>
+          <a:p>
+            <a:r>
+              <a:rPr lang="en-US" sz="1600" dirty="0">
+                <a:solidFill>
+                  <a:srgbClr val="FFFFFF"/>
+                </a:solidFill>
+              </a:rPr>
+              <a:t>Increase overtime with a few dips</a:t>
+            </a:r>
+          </a:p>
+          <a:p>
+            <a:r>
+              <a:rPr lang="en-US" sz="1600" dirty="0">
+                <a:solidFill>
+                  <a:srgbClr val="FFFFFF"/>
+                </a:solidFill>
+              </a:rPr>
+              <a:t>Corresponding to economic dips?</a:t>
+            </a:r>
+          </a:p>
+        </p:txBody>
+      </p:sp>
+    </p:spTree>
+    <p:extLst>
+      <p:ext uri="{BB962C8B-B14F-4D97-AF65-F5344CB8AC3E}">
+        <p14:creationId xmlns:p14="http://schemas.microsoft.com/office/powerpoint/2010/main" val="2597843459"/>
+      </p:ext>
+    </p:extLst>
+  </p:cSld>
+  <p:clrMapOvr>
+    <a:overrideClrMapping bg1="lt1" tx1="dk1" bg2="lt2" tx2="dk2" accent1="accent1" accent2="accent2" accent3="accent3" accent4="accent4" accent5="accent5" accent6="accent6" hlink="hlink" folHlink="folHlink"/>
+  </p:clrMapOvr>
+</p:sld>
+</file>
+
+<file path=ppt/slides/slide13.xml><?xml version="1.0" encoding="utf-8"?>
+<p:sld xmlns:a="http://schemas.openxmlformats.org/drawingml/2006/main" xmlns:r="http://schemas.openxmlformats.org/officeDocument/2006/relationships" xmlns:p="http://schemas.openxmlformats.org/presentationml/2006/main">
+  <p:cSld>
+    <p:bg>
+      <p:bgPr>
+        <a:solidFill>
+          <a:schemeClr val="bg1"/>
+        </a:solidFill>
+        <a:effectLst/>
+      </p:bgPr>
+    </p:bg>
+    <p:spTree>
+      <p:nvGrpSpPr>
+        <p:cNvPr id="1" name=""/>
+        <p:cNvGrpSpPr/>
+        <p:nvPr/>
+      </p:nvGrpSpPr>
+      <p:grpSpPr>
+        <a:xfrm>
+          <a:off x="0" y="0"/>
+          <a:ext cx="0" cy="0"/>
+          <a:chOff x="0" y="0"/>
+          <a:chExt cx="0" cy="0"/>
+        </a:xfrm>
+      </p:grpSpPr>
+      <p:sp>
+        <p:nvSpPr>
+          <p:cNvPr id="26" name="Freeform 6">
+            <a:extLst>
+              <a:ext uri="{FF2B5EF4-FFF2-40B4-BE49-F238E27FC236}">
+                <a16:creationId xmlns:a16="http://schemas.microsoft.com/office/drawing/2014/main" id="{133F8CB7-795C-4272-9073-64D8CF97F220}"/>
+              </a:ext>
+              <a:ext uri="{C183D7F6-B498-43B3-948B-1728B52AA6E4}">
+                <adec:decorative xmlns:adec="http://schemas.microsoft.com/office/drawing/2017/decorative" val="1"/>
+              </a:ext>
+            </a:extLst>
+          </p:cNvPr>
+          <p:cNvSpPr>
+            <a:spLocks noGrp="1" noRot="1" noChangeAspect="1" noMove="1" noResize="1" noEditPoints="1" noAdjustHandles="1" noChangeArrowheads="1" noChangeShapeType="1" noTextEdit="1"/>
+          </p:cNvSpPr>
+          <p:nvPr>
+            <p:extLst>
+              <p:ext uri="{386F3935-93C4-4BCD-93E2-E3B085C9AB24}">
+                <p16:designElem xmlns:p16="http://schemas.microsoft.com/office/powerpoint/2015/main" val="1"/>
+              </p:ext>
+            </p:extLst>
+          </p:nvPr>
+        </p:nvSpPr>
+        <p:spPr bwMode="auto">
+          <a:xfrm>
+            <a:off x="0" y="-3175"/>
+            <a:ext cx="12192000" cy="5203825"/>
+          </a:xfrm>
+          <a:custGeom>
+            <a:avLst/>
+            <a:gdLst/>
+            <a:ahLst/>
+            <a:cxnLst/>
+            <a:rect l="0" t="0" r="r" b="b"/>
+            <a:pathLst>
+              <a:path w="5760" h="3278">
+                <a:moveTo>
+                  <a:pt x="5760" y="0"/>
+                </a:moveTo>
+                <a:lnTo>
+                  <a:pt x="0" y="0"/>
+                </a:lnTo>
+                <a:lnTo>
+                  <a:pt x="0" y="3090"/>
+                </a:lnTo>
+                <a:lnTo>
+                  <a:pt x="943" y="3090"/>
+                </a:lnTo>
+                <a:lnTo>
+                  <a:pt x="1123" y="3270"/>
+                </a:lnTo>
+                <a:lnTo>
+                  <a:pt x="1123" y="3270"/>
+                </a:lnTo>
+                <a:lnTo>
+                  <a:pt x="1127" y="3272"/>
+                </a:lnTo>
+                <a:lnTo>
+                  <a:pt x="1133" y="3275"/>
+                </a:lnTo>
+                <a:lnTo>
+                  <a:pt x="1139" y="3278"/>
+                </a:lnTo>
+                <a:lnTo>
+                  <a:pt x="1144" y="3278"/>
+                </a:lnTo>
+                <a:lnTo>
+                  <a:pt x="1150" y="3278"/>
+                </a:lnTo>
+                <a:lnTo>
+                  <a:pt x="1155" y="3275"/>
+                </a:lnTo>
+                <a:lnTo>
+                  <a:pt x="1161" y="3272"/>
+                </a:lnTo>
+                <a:lnTo>
+                  <a:pt x="1165" y="3270"/>
+                </a:lnTo>
+                <a:lnTo>
+                  <a:pt x="1345" y="3090"/>
+                </a:lnTo>
+                <a:lnTo>
+                  <a:pt x="5760" y="3090"/>
+                </a:lnTo>
+                <a:lnTo>
+                  <a:pt x="5760" y="0"/>
+                </a:lnTo>
+                <a:close/>
+              </a:path>
+            </a:pathLst>
+          </a:custGeom>
+          <a:ln/>
+          <a:effectLst/>
+          <a:extLst>
+            <a:ext uri="{91240B29-F687-4f45-9708-019B960494DF}">
+              <a14:hiddenLine xmlns="" xmlns:a16="http://schemas.microsoft.com/office/drawing/2014/main" xmlns:p14="http://schemas.microsoft.com/office/powerpoint/2010/main" xmlns:a14="http://schemas.microsoft.com/office/drawing/2010/main" w="9525">
+                <a:solidFill>
+                  <a:srgbClr val="000000"/>
+                </a:solidFill>
+                <a:round/>
+                <a:headEnd/>
+                <a:tailEnd/>
+              </a14:hiddenLine>
+            </a:ext>
+          </a:extLst>
+        </p:spPr>
+        <p:style>
+          <a:lnRef idx="1">
+            <a:schemeClr val="accent1"/>
+          </a:lnRef>
+          <a:fillRef idx="3">
+            <a:schemeClr val="accent1"/>
+          </a:fillRef>
+          <a:effectRef idx="2">
+            <a:schemeClr val="accent1"/>
+          </a:effectRef>
+          <a:fontRef idx="minor">
+            <a:schemeClr val="lt1"/>
+          </a:fontRef>
+        </p:style>
+      </p:sp>
+      <p:sp>
+        <p:nvSpPr>
+          <p:cNvPr id="2" name="Title 1">
+            <a:extLst>
+              <a:ext uri="{FF2B5EF4-FFF2-40B4-BE49-F238E27FC236}">
+                <a16:creationId xmlns:a16="http://schemas.microsoft.com/office/drawing/2014/main" id="{2851CE72-5486-4902-99AD-02DA8FE32389}"/>
+              </a:ext>
+            </a:extLst>
+          </p:cNvPr>
+          <p:cNvSpPr>
+            <a:spLocks noGrp="1"/>
+          </p:cNvSpPr>
+          <p:nvPr>
+            <p:ph type="title"/>
+          </p:nvPr>
+        </p:nvSpPr>
+        <p:spPr>
+          <a:xfrm>
+            <a:off x="810002" y="639097"/>
+            <a:ext cx="3211392" cy="3781101"/>
+          </a:xfrm>
+        </p:spPr>
+        <p:txBody>
+          <a:bodyPr vert="horz" lIns="91440" tIns="45720" rIns="91440" bIns="45720" rtlCol="0" anchor="b">
+            <a:normAutofit/>
+          </a:bodyPr>
+          <a:lstStyle/>
+          <a:p>
+            <a:r>
+              <a:rPr lang="en-US" sz="4600"/>
+              <a:t>Increasing the number of topics</a:t>
+            </a:r>
+          </a:p>
+        </p:txBody>
+      </p:sp>
+      <p:sp>
+        <p:nvSpPr>
+          <p:cNvPr id="27" name="Freeform: Shape 20">
+            <a:extLst>
+              <a:ext uri="{FF2B5EF4-FFF2-40B4-BE49-F238E27FC236}">
+                <a16:creationId xmlns:a16="http://schemas.microsoft.com/office/drawing/2014/main" id="{9674F1F8-962D-4FF5-B378-D9D2FFDFD27E}"/>
+              </a:ext>
+              <a:ext uri="{C183D7F6-B498-43B3-948B-1728B52AA6E4}">
+                <adec:decorative xmlns:adec="http://schemas.microsoft.com/office/drawing/2017/decorative" val="1"/>
+              </a:ext>
+            </a:extLst>
+          </p:cNvPr>
+          <p:cNvSpPr>
+            <a:spLocks noGrp="1" noRot="1" noChangeAspect="1" noMove="1" noResize="1" noEditPoints="1" noAdjustHandles="1" noChangeArrowheads="1" noChangeShapeType="1" noTextEdit="1"/>
+          </p:cNvSpPr>
+          <p:nvPr>
+            <p:extLst>
+              <p:ext uri="{386F3935-93C4-4BCD-93E2-E3B085C9AB24}">
+                <p16:designElem xmlns:p16="http://schemas.microsoft.com/office/powerpoint/2015/main" val="1"/>
+              </p:ext>
+            </p:extLst>
+          </p:nvPr>
+        </p:nvSpPr>
+        <p:spPr bwMode="white">
+          <a:xfrm>
+            <a:off x="0" y="4896681"/>
+            <a:ext cx="12188952" cy="1961319"/>
+          </a:xfrm>
+          <a:custGeom>
+            <a:avLst/>
+            <a:gdLst>
+              <a:gd name="connsiteX0" fmla="*/ 0 w 12188952"/>
+              <a:gd name="connsiteY0" fmla="*/ 0 h 1961319"/>
+              <a:gd name="connsiteX1" fmla="*/ 1996017 w 12188952"/>
+              <a:gd name="connsiteY1" fmla="*/ 0 h 1961319"/>
+              <a:gd name="connsiteX2" fmla="*/ 2377017 w 12188952"/>
+              <a:gd name="connsiteY2" fmla="*/ 263783 h 1961319"/>
+              <a:gd name="connsiteX3" fmla="*/ 2385484 w 12188952"/>
+              <a:gd name="connsiteY3" fmla="*/ 266713 h 1961319"/>
+              <a:gd name="connsiteX4" fmla="*/ 2398184 w 12188952"/>
+              <a:gd name="connsiteY4" fmla="*/ 271110 h 1961319"/>
+              <a:gd name="connsiteX5" fmla="*/ 2410883 w 12188952"/>
+              <a:gd name="connsiteY5" fmla="*/ 275506 h 1961319"/>
+              <a:gd name="connsiteX6" fmla="*/ 2421467 w 12188952"/>
+              <a:gd name="connsiteY6" fmla="*/ 275506 h 1961319"/>
+              <a:gd name="connsiteX7" fmla="*/ 2434167 w 12188952"/>
+              <a:gd name="connsiteY7" fmla="*/ 275506 h 1961319"/>
+              <a:gd name="connsiteX8" fmla="*/ 2444750 w 12188952"/>
+              <a:gd name="connsiteY8" fmla="*/ 271110 h 1961319"/>
+              <a:gd name="connsiteX9" fmla="*/ 2457450 w 12188952"/>
+              <a:gd name="connsiteY9" fmla="*/ 266713 h 1961319"/>
+              <a:gd name="connsiteX10" fmla="*/ 2465917 w 12188952"/>
+              <a:gd name="connsiteY10" fmla="*/ 263783 h 1961319"/>
+              <a:gd name="connsiteX11" fmla="*/ 2846917 w 12188952"/>
+              <a:gd name="connsiteY11" fmla="*/ 0 h 1961319"/>
+              <a:gd name="connsiteX12" fmla="*/ 12188952 w 12188952"/>
+              <a:gd name="connsiteY12" fmla="*/ 0 h 1961319"/>
+              <a:gd name="connsiteX13" fmla="*/ 12188952 w 12188952"/>
+              <a:gd name="connsiteY13" fmla="*/ 1264506 h 1961319"/>
+              <a:gd name="connsiteX14" fmla="*/ 12188952 w 12188952"/>
+              <a:gd name="connsiteY14" fmla="*/ 1917775 h 1961319"/>
+              <a:gd name="connsiteX15" fmla="*/ 12188952 w 12188952"/>
+              <a:gd name="connsiteY15" fmla="*/ 1961319 h 1961319"/>
+              <a:gd name="connsiteX16" fmla="*/ 0 w 12188952"/>
+              <a:gd name="connsiteY16" fmla="*/ 1961319 h 1961319"/>
+              <a:gd name="connsiteX17" fmla="*/ 0 w 12188952"/>
+              <a:gd name="connsiteY17" fmla="*/ 1917775 h 1961319"/>
+              <a:gd name="connsiteX18" fmla="*/ 0 w 12188952"/>
+              <a:gd name="connsiteY18" fmla="*/ 1264506 h 1961319"/>
+            </a:gdLst>
+            <a:ahLst/>
+            <a:cxnLst>
+              <a:cxn ang="0">
+                <a:pos x="connsiteX0" y="connsiteY0"/>
+              </a:cxn>
+              <a:cxn ang="0">
+                <a:pos x="connsiteX1" y="connsiteY1"/>
+              </a:cxn>
+              <a:cxn ang="0">
+                <a:pos x="connsiteX2" y="connsiteY2"/>
+              </a:cxn>
+              <a:cxn ang="0">
+                <a:pos x="connsiteX3" y="connsiteY3"/>
+              </a:cxn>
+              <a:cxn ang="0">
+                <a:pos x="connsiteX4" y="connsiteY4"/>
+              </a:cxn>
+              <a:cxn ang="0">
+                <a:pos x="connsiteX5" y="connsiteY5"/>
+              </a:cxn>
+              <a:cxn ang="0">
+                <a:pos x="connsiteX6" y="connsiteY6"/>
+              </a:cxn>
+              <a:cxn ang="0">
+                <a:pos x="connsiteX7" y="connsiteY7"/>
+              </a:cxn>
+              <a:cxn ang="0">
+                <a:pos x="connsiteX8" y="connsiteY8"/>
+              </a:cxn>
+              <a:cxn ang="0">
+                <a:pos x="connsiteX9" y="connsiteY9"/>
+              </a:cxn>
+              <a:cxn ang="0">
+                <a:pos x="connsiteX10" y="connsiteY10"/>
+              </a:cxn>
+              <a:cxn ang="0">
+                <a:pos x="connsiteX11" y="connsiteY11"/>
+              </a:cxn>
+              <a:cxn ang="0">
+                <a:pos x="connsiteX12" y="connsiteY12"/>
+              </a:cxn>
+              <a:cxn ang="0">
+                <a:pos x="connsiteX13" y="connsiteY13"/>
+              </a:cxn>
+              <a:cxn ang="0">
+                <a:pos x="connsiteX14" y="connsiteY14"/>
+              </a:cxn>
+              <a:cxn ang="0">
+                <a:pos x="connsiteX15" y="connsiteY15"/>
+              </a:cxn>
+              <a:cxn ang="0">
+                <a:pos x="connsiteX16" y="connsiteY16"/>
+              </a:cxn>
+              <a:cxn ang="0">
+                <a:pos x="connsiteX17" y="connsiteY17"/>
+              </a:cxn>
+              <a:cxn ang="0">
+                <a:pos x="connsiteX18" y="connsiteY18"/>
+              </a:cxn>
+            </a:cxnLst>
+            <a:rect l="l" t="t" r="r" b="b"/>
+            <a:pathLst>
+              <a:path w="12188952" h="1961319">
+                <a:moveTo>
+                  <a:pt x="0" y="0"/>
+                </a:moveTo>
+                <a:lnTo>
+                  <a:pt x="1996017" y="0"/>
+                </a:lnTo>
+                <a:lnTo>
+                  <a:pt x="2377017" y="263783"/>
+                </a:lnTo>
+                <a:lnTo>
+                  <a:pt x="2385484" y="266713"/>
+                </a:lnTo>
+                <a:lnTo>
+                  <a:pt x="2398184" y="271110"/>
+                </a:lnTo>
+                <a:lnTo>
+                  <a:pt x="2410883" y="275506"/>
+                </a:lnTo>
+                <a:lnTo>
+                  <a:pt x="2421467" y="275506"/>
+                </a:lnTo>
+                <a:lnTo>
+                  <a:pt x="2434167" y="275506"/>
+                </a:lnTo>
+                <a:lnTo>
+                  <a:pt x="2444750" y="271110"/>
+                </a:lnTo>
+                <a:lnTo>
+                  <a:pt x="2457450" y="266713"/>
+                </a:lnTo>
+                <a:lnTo>
+                  <a:pt x="2465917" y="263783"/>
+                </a:lnTo>
+                <a:lnTo>
+                  <a:pt x="2846917" y="0"/>
+                </a:lnTo>
+                <a:lnTo>
+                  <a:pt x="12188952" y="0"/>
+                </a:lnTo>
+                <a:lnTo>
+                  <a:pt x="12188952" y="1264506"/>
+                </a:lnTo>
+                <a:lnTo>
+                  <a:pt x="12188952" y="1917775"/>
+                </a:lnTo>
+                <a:lnTo>
+                  <a:pt x="12188952" y="1961319"/>
+                </a:lnTo>
+                <a:lnTo>
+                  <a:pt x="0" y="1961319"/>
+                </a:lnTo>
+                <a:lnTo>
+                  <a:pt x="0" y="1917775"/>
+                </a:lnTo>
+                <a:lnTo>
+                  <a:pt x="0" y="1264506"/>
+                </a:lnTo>
+                <a:close/>
+              </a:path>
+            </a:pathLst>
+          </a:custGeom>
+          <a:solidFill>
+            <a:srgbClr val="212121"/>
+          </a:solidFill>
+          <a:ln>
+            <a:noFill/>
+          </a:ln>
+        </p:spPr>
+        <p:style>
+          <a:lnRef idx="2">
+            <a:schemeClr val="accent1">
+              <a:shade val="50000"/>
+            </a:schemeClr>
+          </a:lnRef>
+          <a:fillRef idx="1">
+            <a:schemeClr val="accent1"/>
+          </a:fillRef>
+          <a:effectRef idx="0">
+            <a:schemeClr val="accent1"/>
+          </a:effectRef>
+          <a:fontRef idx="minor">
+            <a:schemeClr val="lt1"/>
+          </a:fontRef>
+        </p:style>
+        <p:txBody>
+          <a:bodyPr wrap="square" rtlCol="0" anchor="ctr">
+            <a:noAutofit/>
+          </a:bodyPr>
+          <a:lstStyle/>
+          <a:p>
+            <a:pPr algn="ctr"/>
+            <a:endParaRPr lang="en-US"/>
+          </a:p>
+        </p:txBody>
+      </p:sp>
+      <p:sp>
+        <p:nvSpPr>
+          <p:cNvPr id="9" name="Content Placeholder 8">
+            <a:extLst>
+              <a:ext uri="{FF2B5EF4-FFF2-40B4-BE49-F238E27FC236}">
+                <a16:creationId xmlns:a16="http://schemas.microsoft.com/office/drawing/2014/main" id="{A9E81FA9-5472-4DA5-B6F4-5928B7E28DA6}"/>
+              </a:ext>
+            </a:extLst>
+          </p:cNvPr>
+          <p:cNvSpPr>
+            <a:spLocks noGrp="1"/>
+          </p:cNvSpPr>
+          <p:nvPr>
+            <p:ph idx="1"/>
+          </p:nvPr>
+        </p:nvSpPr>
+        <p:spPr>
+          <a:xfrm>
+            <a:off x="810001" y="5280847"/>
+            <a:ext cx="3211393" cy="785656"/>
+          </a:xfrm>
+        </p:spPr>
+        <p:txBody>
+          <a:bodyPr vert="horz" lIns="91440" tIns="45720" rIns="91440" bIns="45720" rtlCol="0" anchor="t">
+            <a:normAutofit/>
+          </a:bodyPr>
+          <a:lstStyle/>
+          <a:p>
+            <a:pPr marL="0" indent="0">
+              <a:buNone/>
+            </a:pPr>
+            <a:r>
+              <a:rPr lang="en-US" kern="1200" dirty="0">
+                <a:solidFill>
+                  <a:srgbClr val="FFFFFF"/>
+                </a:solidFill>
+                <a:latin typeface="+mn-lt"/>
+                <a:ea typeface="+mn-ea"/>
+                <a:cs typeface="+mn-cs"/>
+              </a:rPr>
+              <a:t>Geography!</a:t>
+            </a:r>
+          </a:p>
+        </p:txBody>
+      </p:sp>
+      <p:sp>
+        <p:nvSpPr>
+          <p:cNvPr id="28" name="Rectangle 22">
+            <a:extLst>
+              <a:ext uri="{FF2B5EF4-FFF2-40B4-BE49-F238E27FC236}">
+                <a16:creationId xmlns:a16="http://schemas.microsoft.com/office/drawing/2014/main" id="{C701CDB4-05E2-481A-9165-2455B6FE22A8}"/>
+              </a:ext>
+              <a:ext uri="{C183D7F6-B498-43B3-948B-1728B52AA6E4}">
+                <adec:decorative xmlns:adec="http://schemas.microsoft.com/office/drawing/2017/decorative" val="1"/>
+              </a:ext>
+            </a:extLst>
+          </p:cNvPr>
+          <p:cNvSpPr>
+            <a:spLocks noGrp="1" noRot="1" noChangeAspect="1" noMove="1" noResize="1" noEditPoints="1" noAdjustHandles="1" noChangeArrowheads="1" noChangeShapeType="1" noTextEdit="1"/>
+          </p:cNvSpPr>
+          <p:nvPr>
+            <p:extLst>
+              <p:ext uri="{386F3935-93C4-4BCD-93E2-E3B085C9AB24}">
+                <p16:designElem xmlns:p16="http://schemas.microsoft.com/office/powerpoint/2015/main" val="1"/>
+              </p:ext>
+            </p:extLst>
+          </p:nvPr>
+        </p:nvSpPr>
+        <p:spPr>
+          <a:xfrm>
+            <a:off x="4650658" y="0"/>
+            <a:ext cx="7552944" cy="6858000"/>
+          </a:xfrm>
+          <a:prstGeom prst="rect">
+            <a:avLst/>
+          </a:prstGeom>
+          <a:solidFill>
+            <a:schemeClr val="bg1"/>
+          </a:solidFill>
+          <a:ln>
+            <a:noFill/>
+          </a:ln>
+        </p:spPr>
+        <p:style>
+          <a:lnRef idx="2">
+            <a:schemeClr val="accent1">
+              <a:shade val="50000"/>
+            </a:schemeClr>
+          </a:lnRef>
+          <a:fillRef idx="1">
+            <a:schemeClr val="accent1"/>
+          </a:fillRef>
+          <a:effectRef idx="0">
+            <a:schemeClr val="accent1"/>
+          </a:effectRef>
+          <a:fontRef idx="minor">
+            <a:schemeClr val="lt1"/>
+          </a:fontRef>
+        </p:style>
+        <p:txBody>
+          <a:bodyPr rtlCol="0" anchor="ctr"/>
+          <a:lstStyle/>
+          <a:p>
+            <a:pPr algn="ctr"/>
+            <a:endParaRPr lang="en-US"/>
+          </a:p>
+        </p:txBody>
+      </p:sp>
+      <p:sp>
+        <p:nvSpPr>
+          <p:cNvPr id="25" name="Rounded Rectangle 14">
+            <a:extLst>
+              <a:ext uri="{FF2B5EF4-FFF2-40B4-BE49-F238E27FC236}">
+                <a16:creationId xmlns:a16="http://schemas.microsoft.com/office/drawing/2014/main" id="{93C43E0F-EC0A-4928-BA40-42313C09961E}"/>
+              </a:ext>
+              <a:ext uri="{C183D7F6-B498-43B3-948B-1728B52AA6E4}">
+                <adec:decorative xmlns:adec="http://schemas.microsoft.com/office/drawing/2017/decorative" val="1"/>
+              </a:ext>
+            </a:extLst>
+          </p:cNvPr>
+          <p:cNvSpPr>
+            <a:spLocks noGrp="1" noRot="1" noChangeAspect="1" noMove="1" noResize="1" noEditPoints="1" noAdjustHandles="1" noChangeArrowheads="1" noChangeShapeType="1" noTextEdit="1"/>
+          </p:cNvSpPr>
+          <p:nvPr>
+            <p:extLst>
+              <p:ext uri="{386F3935-93C4-4BCD-93E2-E3B085C9AB24}">
+                <p16:designElem xmlns:p16="http://schemas.microsoft.com/office/powerpoint/2015/main" val="1"/>
+              </p:ext>
+            </p:extLst>
+          </p:nvPr>
+        </p:nvSpPr>
+        <p:spPr>
+          <a:xfrm>
+            <a:off x="5290386" y="958640"/>
+            <a:ext cx="6258150" cy="4945244"/>
+          </a:xfrm>
+          <a:prstGeom prst="roundRect">
+            <a:avLst>
+              <a:gd name="adj" fmla="val 3513"/>
+            </a:avLst>
+          </a:prstGeom>
+          <a:solidFill>
+            <a:schemeClr val="bg1"/>
+          </a:solidFill>
+          <a:ln>
+            <a:solidFill>
+              <a:schemeClr val="accent1"/>
+            </a:solidFill>
+          </a:ln>
+          <a:effectLst/>
+        </p:spPr>
+        <p:style>
+          <a:lnRef idx="2">
+            <a:schemeClr val="accent1">
+              <a:shade val="50000"/>
+            </a:schemeClr>
+          </a:lnRef>
+          <a:fillRef idx="1">
+            <a:schemeClr val="accent1"/>
+          </a:fillRef>
+          <a:effectRef idx="0">
+            <a:schemeClr val="accent1"/>
+          </a:effectRef>
+          <a:fontRef idx="minor">
+            <a:schemeClr val="lt1"/>
+          </a:fontRef>
+        </p:style>
+        <p:txBody>
+          <a:bodyPr rtlCol="0" anchor="ctr"/>
+          <a:lstStyle/>
+          <a:p>
+            <a:pPr algn="ctr"/>
+            <a:endParaRPr lang="en-US"/>
+          </a:p>
+        </p:txBody>
+      </p:sp>
+      <p:pic>
+        <p:nvPicPr>
+          <p:cNvPr id="5" name="Content Placeholder 4" descr="Chart, line chart&#10;&#10;Description automatically generated">
+            <a:extLst>
+              <a:ext uri="{FF2B5EF4-FFF2-40B4-BE49-F238E27FC236}">
+                <a16:creationId xmlns:a16="http://schemas.microsoft.com/office/drawing/2014/main" id="{2834F766-9F19-4D45-9206-08636DB19219}"/>
+              </a:ext>
+            </a:extLst>
+          </p:cNvPr>
+          <p:cNvPicPr>
+            <a:picLocks noChangeAspect="1"/>
+          </p:cNvPicPr>
+          <p:nvPr/>
+        </p:nvPicPr>
+        <p:blipFill>
+          <a:blip r:embed="rId2"/>
+          <a:stretch>
+            <a:fillRect/>
+          </a:stretch>
+        </p:blipFill>
+        <p:spPr>
+          <a:xfrm>
+            <a:off x="5612118" y="1380148"/>
+            <a:ext cx="5630441" cy="4067994"/>
+          </a:xfrm>
+          <a:prstGeom prst="rect">
+            <a:avLst/>
+          </a:prstGeom>
+        </p:spPr>
+      </p:pic>
+    </p:spTree>
+    <p:extLst>
+      <p:ext uri="{BB962C8B-B14F-4D97-AF65-F5344CB8AC3E}">
+        <p14:creationId xmlns:p14="http://schemas.microsoft.com/office/powerpoint/2010/main" val="2394870087"/>
+      </p:ext>
+    </p:extLst>
+  </p:cSld>
+  <p:clrMapOvr>
+    <a:overrideClrMapping bg1="lt1" tx1="dk1" bg2="lt2" tx2="dk2" accent1="accent1" accent2="accent2" accent3="accent3" accent4="accent4" accent5="accent5" accent6="accent6" hlink="hlink" folHlink="folHlink"/>
+  </p:clrMapOvr>
+</p:sld>
+</file>
+
+<file path=ppt/slides/slide2.xml><?xml version="1.0" encoding="utf-8"?>
+<p:sld xmlns:a="http://schemas.openxmlformats.org/drawingml/2006/main" xmlns:r="http://schemas.openxmlformats.org/officeDocument/2006/relationships" xmlns:p="http://schemas.openxmlformats.org/presentationml/2006/main">
+  <p:cSld>
+    <p:bg>
+      <p:bgPr>
+        <a:solidFill>
+          <a:schemeClr val="bg2"/>
+        </a:solidFill>
+        <a:effectLst/>
+      </p:bgPr>
+    </p:bg>
     <p:spTree>
       <p:nvGrpSpPr>
         <p:cNvPr id="1" name=""/>
@@ -9812,9 +13682,16 @@
             <p:ph type="title"/>
           </p:nvPr>
         </p:nvSpPr>
-        <p:spPr/>
+        <p:spPr>
+          <a:xfrm>
+            <a:off x="810000" y="447188"/>
+            <a:ext cx="10571998" cy="970450"/>
+          </a:xfrm>
+        </p:spPr>
         <p:txBody>
-          <a:bodyPr/>
+          <a:bodyPr>
+            <a:normAutofit/>
+          </a:bodyPr>
           <a:lstStyle/>
           <a:p>
             <a:r>
@@ -9840,7 +13717,12 @@
             <p:ph idx="1"/>
           </p:nvPr>
         </p:nvSpPr>
-        <p:spPr/>
+        <p:spPr>
+          <a:xfrm>
+            <a:off x="818713" y="2413000"/>
+            <a:ext cx="3835583" cy="3632200"/>
+          </a:xfrm>
+        </p:spPr>
         <p:txBody>
           <a:bodyPr>
             <a:normAutofit/>
@@ -9848,7 +13730,7 @@
           <a:lstStyle/>
           <a:p>
             <a:r>
-              <a:rPr lang="en-US" b="1" u="sng" dirty="0">
+              <a:rPr lang="en-US" sz="1600" b="1" u="sng" dirty="0">
                 <a:solidFill>
                   <a:srgbClr val="FFC000"/>
                 </a:solidFill>
@@ -9856,7 +13738,7 @@
               <a:t>Answer </a:t>
             </a:r>
             <a:r>
-              <a:rPr lang="en-US" b="1" u="sng" dirty="0">
+              <a:rPr lang="en-US" sz="1600" b="1" u="sng" dirty="0">
                 <a:solidFill>
                   <a:srgbClr val="FFC000"/>
                 </a:solidFill>
@@ -9864,7 +13746,7 @@
               </a:rPr>
               <a:t> Question</a:t>
             </a:r>
-            <a:endParaRPr lang="en-US" b="1" u="sng" dirty="0">
+            <a:endParaRPr lang="en-US" sz="1600" b="1" u="sng" dirty="0">
               <a:solidFill>
                 <a:srgbClr val="FFC000"/>
               </a:solidFill>
@@ -9872,19 +13754,19 @@
           </a:p>
           <a:p>
             <a:r>
-              <a:rPr lang="en-US" dirty="0"/>
+              <a:rPr lang="en-US" sz="1600" dirty="0"/>
               <a:t>Contestants are given quiz clues in the form of answers</a:t>
             </a:r>
           </a:p>
           <a:p>
             <a:r>
-              <a:rPr lang="en-US" dirty="0"/>
+              <a:rPr lang="en-US" sz="1600" dirty="0"/>
               <a:t>They must respond in the form of a question.</a:t>
             </a:r>
           </a:p>
           <a:p>
             <a:r>
-              <a:rPr lang="en-US" dirty="0"/>
+              <a:rPr lang="en-US" sz="1600" dirty="0"/>
               <a:t>Audition:</a:t>
             </a:r>
           </a:p>
@@ -9897,18 +13779,62 @@
           </a:p>
           <a:p>
             <a:r>
-              <a:rPr lang="en-US" dirty="0"/>
+              <a:rPr lang="en-US" sz="1600" dirty="0"/>
               <a:t>No previous contestants</a:t>
             </a:r>
           </a:p>
           <a:p>
             <a:r>
-              <a:rPr lang="en-US" dirty="0"/>
+              <a:rPr lang="en-US" sz="1600" dirty="0"/>
               <a:t>Have not auditioned for at least the past 18 months</a:t>
             </a:r>
           </a:p>
         </p:txBody>
       </p:sp>
+      <p:pic>
+        <p:nvPicPr>
+          <p:cNvPr id="5" name="Picture 4" descr="A screenshot of a computer&#10;&#10;Description automatically generated with low confidence">
+            <a:extLst>
+              <a:ext uri="{FF2B5EF4-FFF2-40B4-BE49-F238E27FC236}">
+                <a16:creationId xmlns:a16="http://schemas.microsoft.com/office/drawing/2014/main" id="{760D3C05-2727-410B-A15B-E809A52CBA8D}"/>
+              </a:ext>
+            </a:extLst>
+          </p:cNvPr>
+          <p:cNvPicPr>
+            <a:picLocks noChangeAspect="1"/>
+          </p:cNvPicPr>
+          <p:nvPr/>
+        </p:nvPicPr>
+        <p:blipFill>
+          <a:blip r:embed="rId2">
+            <a:extLst>
+              <a:ext uri="{837473B0-CC2E-450A-ABE3-18F120FF3D39}">
+                <a1611:picAttrSrcUrl xmlns:a1611="http://schemas.microsoft.com/office/drawing/2016/11/main" r:id="rId3"/>
+              </a:ext>
+            </a:extLst>
+          </a:blip>
+          <a:stretch>
+            <a:fillRect/>
+          </a:stretch>
+        </p:blipFill>
+        <p:spPr>
+          <a:xfrm>
+            <a:off x="5104375" y="2413000"/>
+            <a:ext cx="6272301" cy="3716338"/>
+          </a:xfrm>
+          <a:prstGeom prst="roundRect">
+            <a:avLst>
+              <a:gd name="adj" fmla="val 3876"/>
+            </a:avLst>
+          </a:prstGeom>
+          <a:ln>
+            <a:solidFill>
+              <a:schemeClr val="accent1"/>
+            </a:solidFill>
+          </a:ln>
+          <a:effectLst/>
+        </p:spPr>
+      </p:pic>
     </p:spTree>
     <p:extLst>
       <p:ext uri="{BB962C8B-B14F-4D97-AF65-F5344CB8AC3E}">
@@ -9922,9 +13848,512 @@
 </p:sld>
 </file>
 
+<file path=ppt/slides/slide3.xml><?xml version="1.0" encoding="utf-8"?>
+<p:sld xmlns:a="http://schemas.openxmlformats.org/drawingml/2006/main" xmlns:r="http://schemas.openxmlformats.org/officeDocument/2006/relationships" xmlns:p="http://schemas.openxmlformats.org/presentationml/2006/main">
+  <p:cSld>
+    <p:bg>
+      <p:bgPr>
+        <a:solidFill>
+          <a:schemeClr val="bg2"/>
+        </a:solidFill>
+        <a:effectLst/>
+      </p:bgPr>
+    </p:bg>
+    <p:spTree>
+      <p:nvGrpSpPr>
+        <p:cNvPr id="1" name=""/>
+        <p:cNvGrpSpPr/>
+        <p:nvPr/>
+      </p:nvGrpSpPr>
+      <p:grpSpPr>
+        <a:xfrm>
+          <a:off x="0" y="0"/>
+          <a:ext cx="0" cy="0"/>
+          <a:chOff x="0" y="0"/>
+          <a:chExt cx="0" cy="0"/>
+        </a:xfrm>
+      </p:grpSpPr>
+      <p:pic>
+        <p:nvPicPr>
+          <p:cNvPr id="5" name="Picture 4" descr="A person holding trophies&#10;&#10;Description automatically generated with medium confidence">
+            <a:extLst>
+              <a:ext uri="{FF2B5EF4-FFF2-40B4-BE49-F238E27FC236}">
+                <a16:creationId xmlns:a16="http://schemas.microsoft.com/office/drawing/2014/main" id="{41925D70-2A8A-4E8D-9DD2-4A3B2CE3FFC9}"/>
+              </a:ext>
+            </a:extLst>
+          </p:cNvPr>
+          <p:cNvPicPr>
+            <a:picLocks noChangeAspect="1"/>
+          </p:cNvPicPr>
+          <p:nvPr/>
+        </p:nvPicPr>
+        <p:blipFill rotWithShape="1">
+          <a:blip r:embed="rId2">
+            <a:duotone>
+              <a:schemeClr val="accent1">
+                <a:shade val="45000"/>
+                <a:satMod val="135000"/>
+              </a:schemeClr>
+              <a:prstClr val="white"/>
+            </a:duotone>
+            <a:extLst>
+              <a:ext uri="{837473B0-CC2E-450A-ABE3-18F120FF3D39}">
+                <a1611:picAttrSrcUrl xmlns:a1611="http://schemas.microsoft.com/office/drawing/2016/11/main" r:id="rId3"/>
+              </a:ext>
+            </a:extLst>
+          </a:blip>
+          <a:srcRect r="2" b="24888"/>
+          <a:stretch/>
+        </p:blipFill>
+        <p:spPr>
+          <a:xfrm>
+            <a:off x="6108700" y="-1"/>
+            <a:ext cx="6094450" cy="6858001"/>
+          </a:xfrm>
+          <a:prstGeom prst="rect">
+            <a:avLst/>
+          </a:prstGeom>
+        </p:spPr>
+      </p:pic>
+      <p:sp>
+        <p:nvSpPr>
+          <p:cNvPr id="11" name="Freeform 16">
+            <a:extLst>
+              <a:ext uri="{FF2B5EF4-FFF2-40B4-BE49-F238E27FC236}">
+                <a16:creationId xmlns:a16="http://schemas.microsoft.com/office/drawing/2014/main" id="{3994EE40-F54F-48E5-826B-B45158209684}"/>
+              </a:ext>
+              <a:ext uri="{C183D7F6-B498-43B3-948B-1728B52AA6E4}">
+                <adec:decorative xmlns:adec="http://schemas.microsoft.com/office/drawing/2017/decorative" val="1"/>
+              </a:ext>
+            </a:extLst>
+          </p:cNvPr>
+          <p:cNvSpPr>
+            <a:spLocks noGrp="1" noRot="1" noChangeAspect="1" noMove="1" noResize="1" noEditPoints="1" noAdjustHandles="1" noChangeArrowheads="1" noChangeShapeType="1" noTextEdit="1"/>
+          </p:cNvSpPr>
+          <p:nvPr>
+            <p:extLst>
+              <p:ext uri="{386F3935-93C4-4BCD-93E2-E3B085C9AB24}">
+                <p16:designElem xmlns:p16="http://schemas.microsoft.com/office/powerpoint/2015/main" val="1"/>
+              </p:ext>
+            </p:extLst>
+          </p:nvPr>
+        </p:nvSpPr>
+        <p:spPr bwMode="white">
+          <a:xfrm>
+            <a:off x="0" y="0"/>
+            <a:ext cx="6485467" cy="6858000"/>
+          </a:xfrm>
+          <a:custGeom>
+            <a:avLst/>
+            <a:gdLst>
+              <a:gd name="connsiteX0" fmla="*/ 0 w 6485467"/>
+              <a:gd name="connsiteY0" fmla="*/ 0 h 6858000"/>
+              <a:gd name="connsiteX1" fmla="*/ 6485467 w 6485467"/>
+              <a:gd name="connsiteY1" fmla="*/ 0 h 6858000"/>
+              <a:gd name="connsiteX2" fmla="*/ 6485467 w 6485467"/>
+              <a:gd name="connsiteY2" fmla="*/ 1900238 h 6858000"/>
+              <a:gd name="connsiteX3" fmla="*/ 6115051 w 6485467"/>
+              <a:gd name="connsiteY3" fmla="*/ 2178050 h 6858000"/>
+              <a:gd name="connsiteX4" fmla="*/ 6110817 w 6485467"/>
+              <a:gd name="connsiteY4" fmla="*/ 2184400 h 6858000"/>
+              <a:gd name="connsiteX5" fmla="*/ 6104467 w 6485467"/>
+              <a:gd name="connsiteY5" fmla="*/ 2193925 h 6858000"/>
+              <a:gd name="connsiteX6" fmla="*/ 6098117 w 6485467"/>
+              <a:gd name="connsiteY6" fmla="*/ 2201863 h 6858000"/>
+              <a:gd name="connsiteX7" fmla="*/ 6098117 w 6485467"/>
+              <a:gd name="connsiteY7" fmla="*/ 2211388 h 6858000"/>
+              <a:gd name="connsiteX8" fmla="*/ 6098117 w 6485467"/>
+              <a:gd name="connsiteY8" fmla="*/ 2220913 h 6858000"/>
+              <a:gd name="connsiteX9" fmla="*/ 6104467 w 6485467"/>
+              <a:gd name="connsiteY9" fmla="*/ 2228850 h 6858000"/>
+              <a:gd name="connsiteX10" fmla="*/ 6110817 w 6485467"/>
+              <a:gd name="connsiteY10" fmla="*/ 2238375 h 6858000"/>
+              <a:gd name="connsiteX11" fmla="*/ 6115051 w 6485467"/>
+              <a:gd name="connsiteY11" fmla="*/ 2244725 h 6858000"/>
+              <a:gd name="connsiteX12" fmla="*/ 6485467 w 6485467"/>
+              <a:gd name="connsiteY12" fmla="*/ 2522538 h 6858000"/>
+              <a:gd name="connsiteX13" fmla="*/ 6485467 w 6485467"/>
+              <a:gd name="connsiteY13" fmla="*/ 6858000 h 6858000"/>
+              <a:gd name="connsiteX14" fmla="*/ 0 w 6485467"/>
+              <a:gd name="connsiteY14" fmla="*/ 6858000 h 6858000"/>
+            </a:gdLst>
+            <a:ahLst/>
+            <a:cxnLst>
+              <a:cxn ang="0">
+                <a:pos x="connsiteX0" y="connsiteY0"/>
+              </a:cxn>
+              <a:cxn ang="0">
+                <a:pos x="connsiteX1" y="connsiteY1"/>
+              </a:cxn>
+              <a:cxn ang="0">
+                <a:pos x="connsiteX2" y="connsiteY2"/>
+              </a:cxn>
+              <a:cxn ang="0">
+                <a:pos x="connsiteX3" y="connsiteY3"/>
+              </a:cxn>
+              <a:cxn ang="0">
+                <a:pos x="connsiteX4" y="connsiteY4"/>
+              </a:cxn>
+              <a:cxn ang="0">
+                <a:pos x="connsiteX5" y="connsiteY5"/>
+              </a:cxn>
+              <a:cxn ang="0">
+                <a:pos x="connsiteX6" y="connsiteY6"/>
+              </a:cxn>
+              <a:cxn ang="0">
+                <a:pos x="connsiteX7" y="connsiteY7"/>
+              </a:cxn>
+              <a:cxn ang="0">
+                <a:pos x="connsiteX8" y="connsiteY8"/>
+              </a:cxn>
+              <a:cxn ang="0">
+                <a:pos x="connsiteX9" y="connsiteY9"/>
+              </a:cxn>
+              <a:cxn ang="0">
+                <a:pos x="connsiteX10" y="connsiteY10"/>
+              </a:cxn>
+              <a:cxn ang="0">
+                <a:pos x="connsiteX11" y="connsiteY11"/>
+              </a:cxn>
+              <a:cxn ang="0">
+                <a:pos x="connsiteX12" y="connsiteY12"/>
+              </a:cxn>
+              <a:cxn ang="0">
+                <a:pos x="connsiteX13" y="connsiteY13"/>
+              </a:cxn>
+              <a:cxn ang="0">
+                <a:pos x="connsiteX14" y="connsiteY14"/>
+              </a:cxn>
+            </a:cxnLst>
+            <a:rect l="l" t="t" r="r" b="b"/>
+            <a:pathLst>
+              <a:path w="6485467" h="6858000">
+                <a:moveTo>
+                  <a:pt x="0" y="0"/>
+                </a:moveTo>
+                <a:lnTo>
+                  <a:pt x="6485467" y="0"/>
+                </a:lnTo>
+                <a:lnTo>
+                  <a:pt x="6485467" y="1900238"/>
+                </a:lnTo>
+                <a:lnTo>
+                  <a:pt x="6115051" y="2178050"/>
+                </a:lnTo>
+                <a:lnTo>
+                  <a:pt x="6110817" y="2184400"/>
+                </a:lnTo>
+                <a:lnTo>
+                  <a:pt x="6104467" y="2193925"/>
+                </a:lnTo>
+                <a:lnTo>
+                  <a:pt x="6098117" y="2201863"/>
+                </a:lnTo>
+                <a:lnTo>
+                  <a:pt x="6098117" y="2211388"/>
+                </a:lnTo>
+                <a:lnTo>
+                  <a:pt x="6098117" y="2220913"/>
+                </a:lnTo>
+                <a:lnTo>
+                  <a:pt x="6104467" y="2228850"/>
+                </a:lnTo>
+                <a:lnTo>
+                  <a:pt x="6110817" y="2238375"/>
+                </a:lnTo>
+                <a:lnTo>
+                  <a:pt x="6115051" y="2244725"/>
+                </a:lnTo>
+                <a:lnTo>
+                  <a:pt x="6485467" y="2522538"/>
+                </a:lnTo>
+                <a:lnTo>
+                  <a:pt x="6485467" y="6858000"/>
+                </a:lnTo>
+                <a:lnTo>
+                  <a:pt x="0" y="6858000"/>
+                </a:lnTo>
+                <a:close/>
+              </a:path>
+            </a:pathLst>
+          </a:custGeom>
+          <a:solidFill>
+            <a:schemeClr val="bg1">
+              <a:lumMod val="85000"/>
+              <a:lumOff val="15000"/>
+            </a:schemeClr>
+          </a:solidFill>
+          <a:ln>
+            <a:noFill/>
+          </a:ln>
+          <a:effectLst/>
+        </p:spPr>
+        <p:style>
+          <a:lnRef idx="2">
+            <a:schemeClr val="accent1">
+              <a:shade val="50000"/>
+            </a:schemeClr>
+          </a:lnRef>
+          <a:fillRef idx="1">
+            <a:schemeClr val="accent1"/>
+          </a:fillRef>
+          <a:effectRef idx="0">
+            <a:schemeClr val="accent1"/>
+          </a:effectRef>
+          <a:fontRef idx="minor">
+            <a:schemeClr val="lt1"/>
+          </a:fontRef>
+        </p:style>
+        <p:txBody>
+          <a:bodyPr rtlCol="0" anchor="ctr"/>
+          <a:lstStyle/>
+          <a:p>
+            <a:pPr algn="ctr"/>
+            <a:endParaRPr lang="en-US"/>
+          </a:p>
+        </p:txBody>
+      </p:sp>
+      <p:sp>
+        <p:nvSpPr>
+          <p:cNvPr id="2" name="Title 1">
+            <a:extLst>
+              <a:ext uri="{FF2B5EF4-FFF2-40B4-BE49-F238E27FC236}">
+                <a16:creationId xmlns:a16="http://schemas.microsoft.com/office/drawing/2014/main" id="{65B8E735-EFA1-4699-ADB1-6B63F0532069}"/>
+              </a:ext>
+            </a:extLst>
+          </p:cNvPr>
+          <p:cNvSpPr>
+            <a:spLocks noGrp="1"/>
+          </p:cNvSpPr>
+          <p:nvPr>
+            <p:ph type="title"/>
+          </p:nvPr>
+        </p:nvSpPr>
+        <p:spPr>
+          <a:xfrm>
+            <a:off x="810000" y="447188"/>
+            <a:ext cx="5070100" cy="1559412"/>
+          </a:xfrm>
+        </p:spPr>
+        <p:txBody>
+          <a:bodyPr>
+            <a:normAutofit/>
+          </a:bodyPr>
+          <a:lstStyle/>
+          <a:p>
+            <a:r>
+              <a:rPr lang="en-US" dirty="0"/>
+              <a:t>Outline</a:t>
+            </a:r>
+          </a:p>
+        </p:txBody>
+      </p:sp>
+      <p:sp>
+        <p:nvSpPr>
+          <p:cNvPr id="3" name="Content Placeholder 2">
+            <a:extLst>
+              <a:ext uri="{FF2B5EF4-FFF2-40B4-BE49-F238E27FC236}">
+                <a16:creationId xmlns:a16="http://schemas.microsoft.com/office/drawing/2014/main" id="{0B10C3B7-6C0B-4C83-B41D-0C602E4A821B}"/>
+              </a:ext>
+            </a:extLst>
+          </p:cNvPr>
+          <p:cNvSpPr>
+            <a:spLocks noGrp="1"/>
+          </p:cNvSpPr>
+          <p:nvPr>
+            <p:ph idx="1"/>
+          </p:nvPr>
+        </p:nvSpPr>
+        <p:spPr>
+          <a:xfrm>
+            <a:off x="818712" y="2413000"/>
+            <a:ext cx="5055923" cy="3632200"/>
+          </a:xfrm>
+        </p:spPr>
+        <p:txBody>
+          <a:bodyPr>
+            <a:normAutofit lnSpcReduction="10000"/>
+          </a:bodyPr>
+          <a:lstStyle/>
+          <a:p>
+            <a:r>
+              <a:rPr lang="en-US" dirty="0"/>
+              <a:t>Dataset</a:t>
+            </a:r>
+          </a:p>
+          <a:p>
+            <a:pPr lvl="1"/>
+            <a:r>
+              <a:rPr lang="en-US" dirty="0"/>
+              <a:t>216k Jeopardy questions and answers </a:t>
+            </a:r>
+          </a:p>
+          <a:p>
+            <a:pPr lvl="2"/>
+            <a:r>
+              <a:rPr lang="en-US" dirty="0"/>
+              <a:t>Spans from 1984 to 2012</a:t>
+            </a:r>
+          </a:p>
+          <a:p>
+            <a:pPr lvl="2"/>
+            <a:r>
+              <a:rPr lang="en-US" dirty="0"/>
+              <a:t>Scrapped from J-archive by a Reddit User</a:t>
+            </a:r>
+          </a:p>
+          <a:p>
+            <a:r>
+              <a:rPr lang="en-US" dirty="0"/>
+              <a:t>EDA</a:t>
+            </a:r>
+          </a:p>
+          <a:p>
+            <a:pPr lvl="1"/>
+            <a:r>
+              <a:rPr lang="en-US" dirty="0"/>
+              <a:t>Tableau</a:t>
+            </a:r>
+          </a:p>
+          <a:p>
+            <a:r>
+              <a:rPr lang="en-US" dirty="0"/>
+              <a:t>Topic Modeling</a:t>
+            </a:r>
+          </a:p>
+          <a:p>
+            <a:pPr lvl="1"/>
+            <a:r>
+              <a:rPr lang="en-US" dirty="0"/>
+              <a:t>NLP tools: NLTK, </a:t>
+            </a:r>
+            <a:r>
+              <a:rPr lang="en-US" dirty="0" err="1"/>
+              <a:t>sklearn</a:t>
+            </a:r>
+            <a:endParaRPr lang="en-US" dirty="0"/>
+          </a:p>
+          <a:p>
+            <a:pPr lvl="1"/>
+            <a:r>
+              <a:rPr lang="en-US" dirty="0"/>
+              <a:t>Processing tools: pandas, regex</a:t>
+            </a:r>
+          </a:p>
+          <a:p>
+            <a:pPr lvl="1"/>
+            <a:r>
+              <a:rPr lang="en-US" dirty="0"/>
+              <a:t>Algo: NMF</a:t>
+            </a:r>
+          </a:p>
+        </p:txBody>
+      </p:sp>
+      <p:sp>
+        <p:nvSpPr>
+          <p:cNvPr id="6" name="TextBox 5">
+            <a:extLst>
+              <a:ext uri="{FF2B5EF4-FFF2-40B4-BE49-F238E27FC236}">
+                <a16:creationId xmlns:a16="http://schemas.microsoft.com/office/drawing/2014/main" id="{A11BBA42-0E70-498C-B6B8-CD3D9AF4C13C}"/>
+              </a:ext>
+            </a:extLst>
+          </p:cNvPr>
+          <p:cNvSpPr txBox="1"/>
+          <p:nvPr/>
+        </p:nvSpPr>
+        <p:spPr>
+          <a:xfrm>
+            <a:off x="9663673" y="6657945"/>
+            <a:ext cx="2539477" cy="200055"/>
+          </a:xfrm>
+          <a:prstGeom prst="rect">
+            <a:avLst/>
+          </a:prstGeom>
+          <a:solidFill>
+            <a:srgbClr val="000000"/>
+          </a:solidFill>
+        </p:spPr>
+        <p:txBody>
+          <a:bodyPr wrap="none" rtlCol="0">
+            <a:spAutoFit/>
+          </a:bodyPr>
+          <a:lstStyle/>
+          <a:p>
+            <a:pPr algn="r">
+              <a:spcAft>
+                <a:spcPts val="600"/>
+              </a:spcAft>
+            </a:pPr>
+            <a:r>
+              <a:rPr lang="en-US" sz="700">
+                <a:solidFill>
+                  <a:srgbClr val="FFFFFF"/>
+                </a:solidFill>
+                <a:hlinkClick r:id="rId3" tooltip="https://www.flickr.com/photos/79383703@N08/7269137352">
+                  <a:extLst>
+                    <a:ext uri="{A12FA001-AC4F-418D-AE19-62706E023703}">
+                      <ahyp:hlinkClr xmlns:ahyp="http://schemas.microsoft.com/office/drawing/2018/hyperlinkcolor" val="tx"/>
+                    </a:ext>
+                  </a:extLst>
+                </a:hlinkClick>
+              </a:rPr>
+              <a:t>This Photo</a:t>
+            </a:r>
+            <a:r>
+              <a:rPr lang="en-US" sz="700">
+                <a:solidFill>
+                  <a:srgbClr val="FFFFFF"/>
+                </a:solidFill>
+              </a:rPr>
+              <a:t> by Unknown Author is licensed under </a:t>
+            </a:r>
+            <a:r>
+              <a:rPr lang="en-US" sz="700">
+                <a:solidFill>
+                  <a:srgbClr val="FFFFFF"/>
+                </a:solidFill>
+                <a:hlinkClick r:id="rId4" tooltip="https://creativecommons.org/licenses/by/3.0/">
+                  <a:extLst>
+                    <a:ext uri="{A12FA001-AC4F-418D-AE19-62706E023703}">
+                      <ahyp:hlinkClr xmlns:ahyp="http://schemas.microsoft.com/office/drawing/2018/hyperlinkcolor" val="tx"/>
+                    </a:ext>
+                  </a:extLst>
+                </a:hlinkClick>
+              </a:rPr>
+              <a:t>CC BY</a:t>
+            </a:r>
+            <a:endParaRPr lang="en-US" sz="700">
+              <a:solidFill>
+                <a:srgbClr val="FFFFFF"/>
+              </a:solidFill>
+            </a:endParaRPr>
+          </a:p>
+        </p:txBody>
+      </p:sp>
+    </p:spTree>
+    <p:extLst>
+      <p:ext uri="{BB962C8B-B14F-4D97-AF65-F5344CB8AC3E}">
+        <p14:creationId xmlns:p14="http://schemas.microsoft.com/office/powerpoint/2010/main" val="4162706473"/>
+      </p:ext>
+    </p:extLst>
+  </p:cSld>
+  <p:clrMapOvr>
+    <a:masterClrMapping/>
+  </p:clrMapOvr>
+</p:sld>
+</file>
+
 <file path=ppt/slides/slide4.xml><?xml version="1.0" encoding="utf-8"?>
 <p:sld xmlns:a="http://schemas.openxmlformats.org/drawingml/2006/main" xmlns:r="http://schemas.openxmlformats.org/officeDocument/2006/relationships" xmlns:p="http://schemas.openxmlformats.org/presentationml/2006/main">
   <p:cSld>
+    <p:bg>
+      <p:bgPr>
+        <a:solidFill>
+          <a:schemeClr val="bg2"/>
+        </a:solidFill>
+        <a:effectLst/>
+      </p:bgPr>
+    </p:bg>
     <p:spTree>
       <p:nvGrpSpPr>
         <p:cNvPr id="1" name=""/>
@@ -9941,10 +14370,229 @@
       </p:grpSpPr>
       <p:sp>
         <p:nvSpPr>
+          <p:cNvPr id="9" name="Freeform 6">
+            <a:extLst>
+              <a:ext uri="{FF2B5EF4-FFF2-40B4-BE49-F238E27FC236}">
+                <a16:creationId xmlns:a16="http://schemas.microsoft.com/office/drawing/2014/main" id="{E446B7E6-8568-417F-959E-DB3D1E70F648}"/>
+              </a:ext>
+              <a:ext uri="{C183D7F6-B498-43B3-948B-1728B52AA6E4}">
+                <adec:decorative xmlns:adec="http://schemas.microsoft.com/office/drawing/2017/decorative" val="1"/>
+              </a:ext>
+            </a:extLst>
+          </p:cNvPr>
+          <p:cNvSpPr>
+            <a:spLocks noGrp="1" noRot="1" noChangeAspect="1" noMove="1" noResize="1" noEditPoints="1" noAdjustHandles="1" noChangeArrowheads="1" noChangeShapeType="1" noTextEdit="1"/>
+          </p:cNvSpPr>
+          <p:nvPr>
+            <p:extLst>
+              <p:ext uri="{386F3935-93C4-4BCD-93E2-E3B085C9AB24}">
+                <p16:designElem xmlns:p16="http://schemas.microsoft.com/office/powerpoint/2015/main" val="1"/>
+              </p:ext>
+            </p:extLst>
+          </p:nvPr>
+        </p:nvSpPr>
+        <p:spPr bwMode="auto">
+          <a:xfrm>
+            <a:off x="0" y="-3175"/>
+            <a:ext cx="12192000" cy="5203825"/>
+          </a:xfrm>
+          <a:custGeom>
+            <a:avLst/>
+            <a:gdLst/>
+            <a:ahLst/>
+            <a:cxnLst/>
+            <a:rect l="0" t="0" r="r" b="b"/>
+            <a:pathLst>
+              <a:path w="5760" h="3278">
+                <a:moveTo>
+                  <a:pt x="5760" y="0"/>
+                </a:moveTo>
+                <a:lnTo>
+                  <a:pt x="0" y="0"/>
+                </a:lnTo>
+                <a:lnTo>
+                  <a:pt x="0" y="3090"/>
+                </a:lnTo>
+                <a:lnTo>
+                  <a:pt x="943" y="3090"/>
+                </a:lnTo>
+                <a:lnTo>
+                  <a:pt x="1123" y="3270"/>
+                </a:lnTo>
+                <a:lnTo>
+                  <a:pt x="1123" y="3270"/>
+                </a:lnTo>
+                <a:lnTo>
+                  <a:pt x="1127" y="3272"/>
+                </a:lnTo>
+                <a:lnTo>
+                  <a:pt x="1133" y="3275"/>
+                </a:lnTo>
+                <a:lnTo>
+                  <a:pt x="1139" y="3278"/>
+                </a:lnTo>
+                <a:lnTo>
+                  <a:pt x="1144" y="3278"/>
+                </a:lnTo>
+                <a:lnTo>
+                  <a:pt x="1150" y="3278"/>
+                </a:lnTo>
+                <a:lnTo>
+                  <a:pt x="1155" y="3275"/>
+                </a:lnTo>
+                <a:lnTo>
+                  <a:pt x="1161" y="3272"/>
+                </a:lnTo>
+                <a:lnTo>
+                  <a:pt x="1165" y="3270"/>
+                </a:lnTo>
+                <a:lnTo>
+                  <a:pt x="1345" y="3090"/>
+                </a:lnTo>
+                <a:lnTo>
+                  <a:pt x="5760" y="3090"/>
+                </a:lnTo>
+                <a:lnTo>
+                  <a:pt x="5760" y="0"/>
+                </a:lnTo>
+                <a:close/>
+              </a:path>
+            </a:pathLst>
+          </a:custGeom>
+          <a:ln/>
+          <a:effectLst/>
+          <a:extLst>
+            <a:ext uri="{91240B29-F687-4f45-9708-019B960494DF}">
+              <a14:hiddenLine xmlns="" xmlns:a16="http://schemas.microsoft.com/office/drawing/2014/main" xmlns:p14="http://schemas.microsoft.com/office/powerpoint/2010/main" xmlns:a14="http://schemas.microsoft.com/office/drawing/2010/main" w="9525">
+                <a:solidFill>
+                  <a:srgbClr val="000000"/>
+                </a:solidFill>
+                <a:round/>
+                <a:headEnd/>
+                <a:tailEnd/>
+              </a14:hiddenLine>
+            </a:ext>
+          </a:extLst>
+        </p:spPr>
+        <p:style>
+          <a:lnRef idx="1">
+            <a:schemeClr val="accent1"/>
+          </a:lnRef>
+          <a:fillRef idx="3">
+            <a:schemeClr val="accent1"/>
+          </a:fillRef>
+          <a:effectRef idx="2">
+            <a:schemeClr val="accent1"/>
+          </a:effectRef>
+          <a:fontRef idx="minor">
+            <a:schemeClr val="lt1"/>
+          </a:fontRef>
+        </p:style>
+      </p:sp>
+      <p:sp useBgFill="1">
+        <p:nvSpPr>
+          <p:cNvPr id="11" name="Rectangle 10">
+            <a:extLst>
+              <a:ext uri="{FF2B5EF4-FFF2-40B4-BE49-F238E27FC236}">
+                <a16:creationId xmlns:a16="http://schemas.microsoft.com/office/drawing/2014/main" id="{54047A07-72EC-41BC-A55F-C264F639FB20}"/>
+              </a:ext>
+              <a:ext uri="{C183D7F6-B498-43B3-948B-1728B52AA6E4}">
+                <adec:decorative xmlns:adec="http://schemas.microsoft.com/office/drawing/2017/decorative" val="1"/>
+              </a:ext>
+            </a:extLst>
+          </p:cNvPr>
+          <p:cNvSpPr>
+            <a:spLocks noGrp="1" noRot="1" noChangeAspect="1" noMove="1" noResize="1" noEditPoints="1" noAdjustHandles="1" noChangeArrowheads="1" noChangeShapeType="1" noTextEdit="1"/>
+          </p:cNvSpPr>
+          <p:nvPr>
+            <p:extLst>
+              <p:ext uri="{386F3935-93C4-4BCD-93E2-E3B085C9AB24}">
+                <p16:designElem xmlns:p16="http://schemas.microsoft.com/office/powerpoint/2015/main" val="1"/>
+              </p:ext>
+            </p:extLst>
+          </p:nvPr>
+        </p:nvSpPr>
+        <p:spPr>
+          <a:xfrm>
+            <a:off x="0" y="0"/>
+            <a:ext cx="12192000" cy="6858000"/>
+          </a:xfrm>
+          <a:prstGeom prst="rect">
+            <a:avLst/>
+          </a:prstGeom>
+          <a:ln>
+            <a:noFill/>
+          </a:ln>
+        </p:spPr>
+        <p:style>
+          <a:lnRef idx="2">
+            <a:schemeClr val="accent1">
+              <a:shade val="50000"/>
+            </a:schemeClr>
+          </a:lnRef>
+          <a:fillRef idx="1">
+            <a:schemeClr val="accent1"/>
+          </a:fillRef>
+          <a:effectRef idx="0">
+            <a:schemeClr val="accent1"/>
+          </a:effectRef>
+          <a:fontRef idx="minor">
+            <a:schemeClr val="lt1"/>
+          </a:fontRef>
+        </p:style>
+        <p:txBody>
+          <a:bodyPr rtlCol="0" anchor="ctr"/>
+          <a:lstStyle/>
+          <a:p>
+            <a:pPr algn="ctr"/>
+            <a:endParaRPr lang="en-US"/>
+          </a:p>
+        </p:txBody>
+      </p:sp>
+      <p:pic>
+        <p:nvPicPr>
+          <p:cNvPr id="5" name="Picture 4" descr="Graphs and plots layered on a blue digital screen">
+            <a:extLst>
+              <a:ext uri="{FF2B5EF4-FFF2-40B4-BE49-F238E27FC236}">
+                <a16:creationId xmlns:a16="http://schemas.microsoft.com/office/drawing/2014/main" id="{C04783DD-1195-4D83-9C4D-AD9753171740}"/>
+              </a:ext>
+            </a:extLst>
+          </p:cNvPr>
+          <p:cNvPicPr>
+            <a:picLocks noChangeAspect="1"/>
+          </p:cNvPicPr>
+          <p:nvPr/>
+        </p:nvPicPr>
+        <p:blipFill rotWithShape="1">
+          <a:blip r:embed="rId2">
+            <a:duotone>
+              <a:schemeClr val="bg2">
+                <a:shade val="45000"/>
+                <a:satMod val="135000"/>
+              </a:schemeClr>
+              <a:prstClr val="white"/>
+            </a:duotone>
+            <a:alphaModFix amt="40000"/>
+          </a:blip>
+          <a:srcRect t="6893" b="18107"/>
+          <a:stretch/>
+        </p:blipFill>
+        <p:spPr>
+          <a:xfrm>
+            <a:off x="20" y="10"/>
+            <a:ext cx="12191980" cy="6857990"/>
+          </a:xfrm>
+          <a:prstGeom prst="rect">
+            <a:avLst/>
+          </a:prstGeom>
+        </p:spPr>
+      </p:pic>
+      <p:sp>
+        <p:nvSpPr>
           <p:cNvPr id="2" name="Title 1">
             <a:extLst>
               <a:ext uri="{FF2B5EF4-FFF2-40B4-BE49-F238E27FC236}">
-                <a16:creationId xmlns:a16="http://schemas.microsoft.com/office/drawing/2014/main" id="{6ED9181F-64C3-47E2-9AF0-F7F581153510}"/>
+                <a16:creationId xmlns:a16="http://schemas.microsoft.com/office/drawing/2014/main" id="{0B589D14-61BD-4EFB-AAE0-A14FDD91E6B6}"/>
               </a:ext>
             </a:extLst>
           </p:cNvPr>
@@ -9955,44 +14603,29 @@
             <p:ph type="title"/>
           </p:nvPr>
         </p:nvSpPr>
-        <p:spPr/>
+        <p:spPr>
+          <a:xfrm>
+            <a:off x="810001" y="1449147"/>
+            <a:ext cx="10572000" cy="3732453"/>
+          </a:xfrm>
+        </p:spPr>
         <p:txBody>
-          <a:bodyPr/>
+          <a:bodyPr vert="horz" lIns="91440" tIns="45720" rIns="91440" bIns="45720" rtlCol="0" anchor="b">
+            <a:normAutofit/>
+          </a:bodyPr>
           <a:lstStyle/>
           <a:p>
-            <a:endParaRPr lang="en-US"/>
-          </a:p>
-        </p:txBody>
-      </p:sp>
-      <p:sp>
-        <p:nvSpPr>
-          <p:cNvPr id="3" name="Content Placeholder 2">
-            <a:extLst>
-              <a:ext uri="{FF2B5EF4-FFF2-40B4-BE49-F238E27FC236}">
-                <a16:creationId xmlns:a16="http://schemas.microsoft.com/office/drawing/2014/main" id="{137D3938-706E-46FC-91AC-84E063AA7F50}"/>
-              </a:ext>
-            </a:extLst>
-          </p:cNvPr>
-          <p:cNvSpPr>
-            <a:spLocks noGrp="1"/>
-          </p:cNvSpPr>
-          <p:nvPr>
-            <p:ph idx="1"/>
-          </p:nvPr>
-        </p:nvSpPr>
-        <p:spPr/>
-        <p:txBody>
-          <a:bodyPr/>
-          <a:lstStyle/>
-          <a:p>
-            <a:endParaRPr lang="en-US"/>
+            <a:r>
+              <a:rPr lang="en-US" sz="5400"/>
+              <a:t>Exploratory Data Analysis</a:t>
+            </a:r>
           </a:p>
         </p:txBody>
       </p:sp>
     </p:spTree>
     <p:extLst>
       <p:ext uri="{BB962C8B-B14F-4D97-AF65-F5344CB8AC3E}">
-        <p14:creationId xmlns:p14="http://schemas.microsoft.com/office/powerpoint/2010/main" val="2636540550"/>
+        <p14:creationId xmlns:p14="http://schemas.microsoft.com/office/powerpoint/2010/main" val="142857599"/>
       </p:ext>
     </p:extLst>
   </p:cSld>
@@ -10005,6 +14638,14 @@
 <file path=ppt/slides/slide5.xml><?xml version="1.0" encoding="utf-8"?>
 <p:sld xmlns:a="http://schemas.openxmlformats.org/drawingml/2006/main" xmlns:r="http://schemas.openxmlformats.org/officeDocument/2006/relationships" xmlns:p="http://schemas.openxmlformats.org/presentationml/2006/main">
   <p:cSld>
+    <p:bg>
+      <p:bgPr>
+        <a:solidFill>
+          <a:schemeClr val="bg1"/>
+        </a:solidFill>
+        <a:effectLst/>
+      </p:bgPr>
+    </p:bg>
     <p:spTree>
       <p:nvGrpSpPr>
         <p:cNvPr id="1" name=""/>
@@ -10021,6 +14662,1080 @@
       </p:grpSpPr>
       <p:sp>
         <p:nvSpPr>
+          <p:cNvPr id="31" name="Freeform 6">
+            <a:extLst>
+              <a:ext uri="{FF2B5EF4-FFF2-40B4-BE49-F238E27FC236}">
+                <a16:creationId xmlns:a16="http://schemas.microsoft.com/office/drawing/2014/main" id="{133F8CB7-795C-4272-9073-64D8CF97F220}"/>
+              </a:ext>
+              <a:ext uri="{C183D7F6-B498-43B3-948B-1728B52AA6E4}">
+                <adec:decorative xmlns:adec="http://schemas.microsoft.com/office/drawing/2017/decorative" val="1"/>
+              </a:ext>
+            </a:extLst>
+          </p:cNvPr>
+          <p:cNvSpPr>
+            <a:spLocks noGrp="1" noRot="1" noChangeAspect="1" noMove="1" noResize="1" noEditPoints="1" noAdjustHandles="1" noChangeArrowheads="1" noChangeShapeType="1" noTextEdit="1"/>
+          </p:cNvSpPr>
+          <p:nvPr>
+            <p:extLst>
+              <p:ext uri="{386F3935-93C4-4BCD-93E2-E3B085C9AB24}">
+                <p16:designElem xmlns:p16="http://schemas.microsoft.com/office/powerpoint/2015/main" val="1"/>
+              </p:ext>
+            </p:extLst>
+          </p:nvPr>
+        </p:nvSpPr>
+        <p:spPr bwMode="auto">
+          <a:xfrm>
+            <a:off x="0" y="-3175"/>
+            <a:ext cx="12192000" cy="5203825"/>
+          </a:xfrm>
+          <a:custGeom>
+            <a:avLst/>
+            <a:gdLst/>
+            <a:ahLst/>
+            <a:cxnLst/>
+            <a:rect l="0" t="0" r="r" b="b"/>
+            <a:pathLst>
+              <a:path w="5760" h="3278">
+                <a:moveTo>
+                  <a:pt x="5760" y="0"/>
+                </a:moveTo>
+                <a:lnTo>
+                  <a:pt x="0" y="0"/>
+                </a:lnTo>
+                <a:lnTo>
+                  <a:pt x="0" y="3090"/>
+                </a:lnTo>
+                <a:lnTo>
+                  <a:pt x="943" y="3090"/>
+                </a:lnTo>
+                <a:lnTo>
+                  <a:pt x="1123" y="3270"/>
+                </a:lnTo>
+                <a:lnTo>
+                  <a:pt x="1123" y="3270"/>
+                </a:lnTo>
+                <a:lnTo>
+                  <a:pt x="1127" y="3272"/>
+                </a:lnTo>
+                <a:lnTo>
+                  <a:pt x="1133" y="3275"/>
+                </a:lnTo>
+                <a:lnTo>
+                  <a:pt x="1139" y="3278"/>
+                </a:lnTo>
+                <a:lnTo>
+                  <a:pt x="1144" y="3278"/>
+                </a:lnTo>
+                <a:lnTo>
+                  <a:pt x="1150" y="3278"/>
+                </a:lnTo>
+                <a:lnTo>
+                  <a:pt x="1155" y="3275"/>
+                </a:lnTo>
+                <a:lnTo>
+                  <a:pt x="1161" y="3272"/>
+                </a:lnTo>
+                <a:lnTo>
+                  <a:pt x="1165" y="3270"/>
+                </a:lnTo>
+                <a:lnTo>
+                  <a:pt x="1345" y="3090"/>
+                </a:lnTo>
+                <a:lnTo>
+                  <a:pt x="5760" y="3090"/>
+                </a:lnTo>
+                <a:lnTo>
+                  <a:pt x="5760" y="0"/>
+                </a:lnTo>
+                <a:close/>
+              </a:path>
+            </a:pathLst>
+          </a:custGeom>
+          <a:ln/>
+          <a:effectLst/>
+          <a:extLst>
+            <a:ext uri="{91240B29-F687-4f45-9708-019B960494DF}">
+              <a14:hiddenLine xmlns="" xmlns:a16="http://schemas.microsoft.com/office/drawing/2014/main" xmlns:p14="http://schemas.microsoft.com/office/powerpoint/2010/main" xmlns:a14="http://schemas.microsoft.com/office/drawing/2010/main" w="9525">
+                <a:solidFill>
+                  <a:srgbClr val="000000"/>
+                </a:solidFill>
+                <a:round/>
+                <a:headEnd/>
+                <a:tailEnd/>
+              </a14:hiddenLine>
+            </a:ext>
+          </a:extLst>
+        </p:spPr>
+        <p:style>
+          <a:lnRef idx="1">
+            <a:schemeClr val="accent1"/>
+          </a:lnRef>
+          <a:fillRef idx="3">
+            <a:schemeClr val="accent1"/>
+          </a:fillRef>
+          <a:effectRef idx="2">
+            <a:schemeClr val="accent1"/>
+          </a:effectRef>
+          <a:fontRef idx="minor">
+            <a:schemeClr val="lt1"/>
+          </a:fontRef>
+        </p:style>
+      </p:sp>
+      <p:sp>
+        <p:nvSpPr>
+          <p:cNvPr id="32" name="Rectangle 24">
+            <a:extLst>
+              <a:ext uri="{FF2B5EF4-FFF2-40B4-BE49-F238E27FC236}">
+                <a16:creationId xmlns:a16="http://schemas.microsoft.com/office/drawing/2014/main" id="{B7743172-17A8-4FA4-8434-B813E03B7665}"/>
+              </a:ext>
+              <a:ext uri="{C183D7F6-B498-43B3-948B-1728B52AA6E4}">
+                <adec:decorative xmlns:adec="http://schemas.microsoft.com/office/drawing/2017/decorative" val="1"/>
+              </a:ext>
+            </a:extLst>
+          </p:cNvPr>
+          <p:cNvSpPr>
+            <a:spLocks noGrp="1" noRot="1" noChangeAspect="1" noMove="1" noResize="1" noEditPoints="1" noAdjustHandles="1" noChangeArrowheads="1" noChangeShapeType="1" noTextEdit="1"/>
+          </p:cNvSpPr>
+          <p:nvPr>
+            <p:extLst>
+              <p:ext uri="{386F3935-93C4-4BCD-93E2-E3B085C9AB24}">
+                <p16:designElem xmlns:p16="http://schemas.microsoft.com/office/powerpoint/2015/main" val="1"/>
+              </p:ext>
+            </p:extLst>
+          </p:nvPr>
+        </p:nvSpPr>
+        <p:spPr>
+          <a:xfrm>
+            <a:off x="0" y="0"/>
+            <a:ext cx="12192000" cy="6858000"/>
+          </a:xfrm>
+          <a:prstGeom prst="rect">
+            <a:avLst/>
+          </a:prstGeom>
+          <a:solidFill>
+            <a:schemeClr val="bg1"/>
+          </a:solidFill>
+          <a:ln>
+            <a:noFill/>
+          </a:ln>
+        </p:spPr>
+        <p:style>
+          <a:lnRef idx="2">
+            <a:schemeClr val="accent1">
+              <a:shade val="50000"/>
+            </a:schemeClr>
+          </a:lnRef>
+          <a:fillRef idx="1">
+            <a:schemeClr val="accent1"/>
+          </a:fillRef>
+          <a:effectRef idx="0">
+            <a:schemeClr val="accent1"/>
+          </a:effectRef>
+          <a:fontRef idx="minor">
+            <a:schemeClr val="lt1"/>
+          </a:fontRef>
+        </p:style>
+        <p:txBody>
+          <a:bodyPr rtlCol="0" anchor="ctr"/>
+          <a:lstStyle/>
+          <a:p>
+            <a:pPr algn="ctr"/>
+            <a:endParaRPr lang="en-US"/>
+          </a:p>
+        </p:txBody>
+      </p:sp>
+      <p:sp>
+        <p:nvSpPr>
+          <p:cNvPr id="33" name="Freeform 23">
+            <a:extLst>
+              <a:ext uri="{FF2B5EF4-FFF2-40B4-BE49-F238E27FC236}">
+                <a16:creationId xmlns:a16="http://schemas.microsoft.com/office/drawing/2014/main" id="{4CE1233C-FD2F-489E-BFDE-086F5FED6491}"/>
+              </a:ext>
+              <a:ext uri="{C183D7F6-B498-43B3-948B-1728B52AA6E4}">
+                <adec:decorative xmlns:adec="http://schemas.microsoft.com/office/drawing/2017/decorative" val="1"/>
+              </a:ext>
+            </a:extLst>
+          </p:cNvPr>
+          <p:cNvSpPr>
+            <a:spLocks noGrp="1" noRot="1" noChangeAspect="1" noMove="1" noResize="1" noEditPoints="1" noAdjustHandles="1" noChangeArrowheads="1" noChangeShapeType="1" noTextEdit="1"/>
+          </p:cNvSpPr>
+          <p:nvPr>
+            <p:extLst>
+              <p:ext uri="{386F3935-93C4-4BCD-93E2-E3B085C9AB24}">
+                <p16:designElem xmlns:p16="http://schemas.microsoft.com/office/powerpoint/2015/main" val="1"/>
+              </p:ext>
+            </p:extLst>
+          </p:nvPr>
+        </p:nvSpPr>
+        <p:spPr bwMode="white">
+          <a:xfrm>
+            <a:off x="0" y="0"/>
+            <a:ext cx="4637005" cy="6858000"/>
+          </a:xfrm>
+          <a:custGeom>
+            <a:avLst/>
+            <a:gdLst>
+              <a:gd name="connsiteX0" fmla="*/ 0 w 4637005"/>
+              <a:gd name="connsiteY0" fmla="*/ 0 h 6858000"/>
+              <a:gd name="connsiteX1" fmla="*/ 4637005 w 4637005"/>
+              <a:gd name="connsiteY1" fmla="*/ 0 h 6858000"/>
+              <a:gd name="connsiteX2" fmla="*/ 4637005 w 4637005"/>
+              <a:gd name="connsiteY2" fmla="*/ 1900238 h 6858000"/>
+              <a:gd name="connsiteX3" fmla="*/ 4266589 w 4637005"/>
+              <a:gd name="connsiteY3" fmla="*/ 2178050 h 6858000"/>
+              <a:gd name="connsiteX4" fmla="*/ 4262355 w 4637005"/>
+              <a:gd name="connsiteY4" fmla="*/ 2184400 h 6858000"/>
+              <a:gd name="connsiteX5" fmla="*/ 4256005 w 4637005"/>
+              <a:gd name="connsiteY5" fmla="*/ 2193925 h 6858000"/>
+              <a:gd name="connsiteX6" fmla="*/ 4249655 w 4637005"/>
+              <a:gd name="connsiteY6" fmla="*/ 2201863 h 6858000"/>
+              <a:gd name="connsiteX7" fmla="*/ 4249655 w 4637005"/>
+              <a:gd name="connsiteY7" fmla="*/ 2211388 h 6858000"/>
+              <a:gd name="connsiteX8" fmla="*/ 4249655 w 4637005"/>
+              <a:gd name="connsiteY8" fmla="*/ 2220913 h 6858000"/>
+              <a:gd name="connsiteX9" fmla="*/ 4256005 w 4637005"/>
+              <a:gd name="connsiteY9" fmla="*/ 2228850 h 6858000"/>
+              <a:gd name="connsiteX10" fmla="*/ 4262355 w 4637005"/>
+              <a:gd name="connsiteY10" fmla="*/ 2238375 h 6858000"/>
+              <a:gd name="connsiteX11" fmla="*/ 4266589 w 4637005"/>
+              <a:gd name="connsiteY11" fmla="*/ 2244725 h 6858000"/>
+              <a:gd name="connsiteX12" fmla="*/ 4637005 w 4637005"/>
+              <a:gd name="connsiteY12" fmla="*/ 2522538 h 6858000"/>
+              <a:gd name="connsiteX13" fmla="*/ 4637005 w 4637005"/>
+              <a:gd name="connsiteY13" fmla="*/ 6858000 h 6858000"/>
+              <a:gd name="connsiteX14" fmla="*/ 0 w 4637005"/>
+              <a:gd name="connsiteY14" fmla="*/ 6858000 h 6858000"/>
+            </a:gdLst>
+            <a:ahLst/>
+            <a:cxnLst>
+              <a:cxn ang="0">
+                <a:pos x="connsiteX0" y="connsiteY0"/>
+              </a:cxn>
+              <a:cxn ang="0">
+                <a:pos x="connsiteX1" y="connsiteY1"/>
+              </a:cxn>
+              <a:cxn ang="0">
+                <a:pos x="connsiteX2" y="connsiteY2"/>
+              </a:cxn>
+              <a:cxn ang="0">
+                <a:pos x="connsiteX3" y="connsiteY3"/>
+              </a:cxn>
+              <a:cxn ang="0">
+                <a:pos x="connsiteX4" y="connsiteY4"/>
+              </a:cxn>
+              <a:cxn ang="0">
+                <a:pos x="connsiteX5" y="connsiteY5"/>
+              </a:cxn>
+              <a:cxn ang="0">
+                <a:pos x="connsiteX6" y="connsiteY6"/>
+              </a:cxn>
+              <a:cxn ang="0">
+                <a:pos x="connsiteX7" y="connsiteY7"/>
+              </a:cxn>
+              <a:cxn ang="0">
+                <a:pos x="connsiteX8" y="connsiteY8"/>
+              </a:cxn>
+              <a:cxn ang="0">
+                <a:pos x="connsiteX9" y="connsiteY9"/>
+              </a:cxn>
+              <a:cxn ang="0">
+                <a:pos x="connsiteX10" y="connsiteY10"/>
+              </a:cxn>
+              <a:cxn ang="0">
+                <a:pos x="connsiteX11" y="connsiteY11"/>
+              </a:cxn>
+              <a:cxn ang="0">
+                <a:pos x="connsiteX12" y="connsiteY12"/>
+              </a:cxn>
+              <a:cxn ang="0">
+                <a:pos x="connsiteX13" y="connsiteY13"/>
+              </a:cxn>
+              <a:cxn ang="0">
+                <a:pos x="connsiteX14" y="connsiteY14"/>
+              </a:cxn>
+            </a:cxnLst>
+            <a:rect l="l" t="t" r="r" b="b"/>
+            <a:pathLst>
+              <a:path w="4637005" h="6858000">
+                <a:moveTo>
+                  <a:pt x="0" y="0"/>
+                </a:moveTo>
+                <a:lnTo>
+                  <a:pt x="4637005" y="0"/>
+                </a:lnTo>
+                <a:lnTo>
+                  <a:pt x="4637005" y="1900238"/>
+                </a:lnTo>
+                <a:lnTo>
+                  <a:pt x="4266589" y="2178050"/>
+                </a:lnTo>
+                <a:lnTo>
+                  <a:pt x="4262355" y="2184400"/>
+                </a:lnTo>
+                <a:lnTo>
+                  <a:pt x="4256005" y="2193925"/>
+                </a:lnTo>
+                <a:lnTo>
+                  <a:pt x="4249655" y="2201863"/>
+                </a:lnTo>
+                <a:lnTo>
+                  <a:pt x="4249655" y="2211388"/>
+                </a:lnTo>
+                <a:lnTo>
+                  <a:pt x="4249655" y="2220913"/>
+                </a:lnTo>
+                <a:lnTo>
+                  <a:pt x="4256005" y="2228850"/>
+                </a:lnTo>
+                <a:lnTo>
+                  <a:pt x="4262355" y="2238375"/>
+                </a:lnTo>
+                <a:lnTo>
+                  <a:pt x="4266589" y="2244725"/>
+                </a:lnTo>
+                <a:lnTo>
+                  <a:pt x="4637005" y="2522538"/>
+                </a:lnTo>
+                <a:lnTo>
+                  <a:pt x="4637005" y="6858000"/>
+                </a:lnTo>
+                <a:lnTo>
+                  <a:pt x="0" y="6858000"/>
+                </a:lnTo>
+                <a:close/>
+              </a:path>
+            </a:pathLst>
+          </a:custGeom>
+          <a:blipFill>
+            <a:blip r:embed="rId2">
+              <a:duotone>
+                <a:schemeClr val="accent1">
+                  <a:tint val="98000"/>
+                  <a:lumMod val="102000"/>
+                </a:schemeClr>
+                <a:schemeClr val="accent1">
+                  <a:shade val="98000"/>
+                  <a:lumMod val="98000"/>
+                </a:schemeClr>
+              </a:duotone>
+            </a:blip>
+            <a:tile tx="0" ty="0" sx="100000" sy="100000" flip="none" algn="tl"/>
+          </a:blipFill>
+          <a:ln>
+            <a:headEnd/>
+            <a:tailEnd/>
+          </a:ln>
+        </p:spPr>
+        <p:style>
+          <a:lnRef idx="1">
+            <a:schemeClr val="accent1"/>
+          </a:lnRef>
+          <a:fillRef idx="3">
+            <a:schemeClr val="accent1"/>
+          </a:fillRef>
+          <a:effectRef idx="2">
+            <a:schemeClr val="accent1"/>
+          </a:effectRef>
+          <a:fontRef idx="minor">
+            <a:schemeClr val="lt1"/>
+          </a:fontRef>
+        </p:style>
+        <p:txBody>
+          <a:bodyPr wrap="square" rtlCol="0" anchor="ctr">
+            <a:noAutofit/>
+          </a:bodyPr>
+          <a:lstStyle/>
+          <a:p>
+            <a:pPr algn="ctr"/>
+            <a:endParaRPr lang="en-US"/>
+          </a:p>
+        </p:txBody>
+      </p:sp>
+      <p:sp>
+        <p:nvSpPr>
+          <p:cNvPr id="2" name="Title 1">
+            <a:extLst>
+              <a:ext uri="{FF2B5EF4-FFF2-40B4-BE49-F238E27FC236}">
+                <a16:creationId xmlns:a16="http://schemas.microsoft.com/office/drawing/2014/main" id="{6ED9181F-64C3-47E2-9AF0-F7F581153510}"/>
+              </a:ext>
+            </a:extLst>
+          </p:cNvPr>
+          <p:cNvSpPr>
+            <a:spLocks noGrp="1"/>
+          </p:cNvSpPr>
+          <p:nvPr>
+            <p:ph type="title"/>
+          </p:nvPr>
+        </p:nvSpPr>
+        <p:spPr>
+          <a:xfrm>
+            <a:off x="451514" y="1800225"/>
+            <a:ext cx="3444211" cy="4241136"/>
+          </a:xfrm>
+        </p:spPr>
+        <p:txBody>
+          <a:bodyPr vert="horz" lIns="91440" tIns="45720" rIns="91440" bIns="45720" rtlCol="0" anchor="t">
+            <a:normAutofit/>
+          </a:bodyPr>
+          <a:lstStyle/>
+          <a:p>
+            <a:r>
+              <a:rPr lang="en-US" sz="4400" dirty="0"/>
+              <a:t>Majority of Q’s in the 2000’s decade</a:t>
+            </a:r>
+          </a:p>
+        </p:txBody>
+      </p:sp>
+      <p:pic>
+        <p:nvPicPr>
+          <p:cNvPr id="5" name="Content Placeholder 4" descr="Chart, histogram&#10;&#10;Description automatically generated">
+            <a:extLst>
+              <a:ext uri="{FF2B5EF4-FFF2-40B4-BE49-F238E27FC236}">
+                <a16:creationId xmlns:a16="http://schemas.microsoft.com/office/drawing/2014/main" id="{004A9D10-9306-46DF-B7A1-4F30DFDCD21C}"/>
+              </a:ext>
+            </a:extLst>
+          </p:cNvPr>
+          <p:cNvPicPr>
+            <a:picLocks noGrp="1" noChangeAspect="1"/>
+          </p:cNvPicPr>
+          <p:nvPr>
+            <p:ph idx="1"/>
+          </p:nvPr>
+        </p:nvPicPr>
+        <p:blipFill>
+          <a:blip r:embed="rId3"/>
+          <a:stretch>
+            <a:fillRect/>
+          </a:stretch>
+        </p:blipFill>
+        <p:spPr>
+          <a:xfrm>
+            <a:off x="5280472" y="1164261"/>
+            <a:ext cx="6268062" cy="4356304"/>
+          </a:xfrm>
+          <a:prstGeom prst="roundRect">
+            <a:avLst>
+              <a:gd name="adj" fmla="val 3876"/>
+            </a:avLst>
+          </a:prstGeom>
+          <a:ln>
+            <a:solidFill>
+              <a:schemeClr val="accent1"/>
+            </a:solidFill>
+          </a:ln>
+          <a:effectLst/>
+        </p:spPr>
+      </p:pic>
+    </p:spTree>
+    <p:extLst>
+      <p:ext uri="{BB962C8B-B14F-4D97-AF65-F5344CB8AC3E}">
+        <p14:creationId xmlns:p14="http://schemas.microsoft.com/office/powerpoint/2010/main" val="2636540550"/>
+      </p:ext>
+    </p:extLst>
+  </p:cSld>
+  <p:clrMapOvr>
+    <a:overrideClrMapping bg1="lt1" tx1="dk1" bg2="lt2" tx2="dk2" accent1="accent1" accent2="accent2" accent3="accent3" accent4="accent4" accent5="accent5" accent6="accent6" hlink="hlink" folHlink="folHlink"/>
+  </p:clrMapOvr>
+</p:sld>
+</file>
+
+<file path=ppt/slides/slide6.xml><?xml version="1.0" encoding="utf-8"?>
+<p:sld xmlns:a="http://schemas.openxmlformats.org/drawingml/2006/main" xmlns:r="http://schemas.openxmlformats.org/officeDocument/2006/relationships" xmlns:p="http://schemas.openxmlformats.org/presentationml/2006/main">
+  <p:cSld>
+    <p:bg>
+      <p:bgPr>
+        <a:solidFill>
+          <a:schemeClr val="bg1"/>
+        </a:solidFill>
+        <a:effectLst/>
+      </p:bgPr>
+    </p:bg>
+    <p:spTree>
+      <p:nvGrpSpPr>
+        <p:cNvPr id="1" name=""/>
+        <p:cNvGrpSpPr/>
+        <p:nvPr/>
+      </p:nvGrpSpPr>
+      <p:grpSpPr>
+        <a:xfrm>
+          <a:off x="0" y="0"/>
+          <a:ext cx="0" cy="0"/>
+          <a:chOff x="0" y="0"/>
+          <a:chExt cx="0" cy="0"/>
+        </a:xfrm>
+      </p:grpSpPr>
+      <p:sp>
+        <p:nvSpPr>
+          <p:cNvPr id="15" name="Rectangle 11">
+            <a:extLst>
+              <a:ext uri="{FF2B5EF4-FFF2-40B4-BE49-F238E27FC236}">
+                <a16:creationId xmlns:a16="http://schemas.microsoft.com/office/drawing/2014/main" id="{9D336D4B-F9C3-4167-9191-8DA896C803E6}"/>
+              </a:ext>
+              <a:ext uri="{C183D7F6-B498-43B3-948B-1728B52AA6E4}">
+                <adec:decorative xmlns:adec="http://schemas.microsoft.com/office/drawing/2017/decorative" val="1"/>
+              </a:ext>
+            </a:extLst>
+          </p:cNvPr>
+          <p:cNvSpPr>
+            <a:spLocks noGrp="1" noRot="1" noChangeAspect="1" noMove="1" noResize="1" noEditPoints="1" noAdjustHandles="1" noChangeArrowheads="1" noChangeShapeType="1" noTextEdit="1"/>
+          </p:cNvSpPr>
+          <p:nvPr>
+            <p:extLst>
+              <p:ext uri="{386F3935-93C4-4BCD-93E2-E3B085C9AB24}">
+                <p16:designElem xmlns:p16="http://schemas.microsoft.com/office/powerpoint/2015/main" val="1"/>
+              </p:ext>
+            </p:extLst>
+          </p:nvPr>
+        </p:nvSpPr>
+        <p:spPr>
+          <a:xfrm>
+            <a:off x="0" y="0"/>
+            <a:ext cx="12192000" cy="6858000"/>
+          </a:xfrm>
+          <a:prstGeom prst="rect">
+            <a:avLst/>
+          </a:prstGeom>
+          <a:solidFill>
+            <a:schemeClr val="bg1"/>
+          </a:solidFill>
+          <a:ln>
+            <a:noFill/>
+          </a:ln>
+        </p:spPr>
+        <p:style>
+          <a:lnRef idx="2">
+            <a:schemeClr val="accent1">
+              <a:shade val="50000"/>
+            </a:schemeClr>
+          </a:lnRef>
+          <a:fillRef idx="1">
+            <a:schemeClr val="accent1"/>
+          </a:fillRef>
+          <a:effectRef idx="0">
+            <a:schemeClr val="accent1"/>
+          </a:effectRef>
+          <a:fontRef idx="minor">
+            <a:schemeClr val="lt1"/>
+          </a:fontRef>
+        </p:style>
+        <p:txBody>
+          <a:bodyPr rtlCol="0" anchor="ctr"/>
+          <a:lstStyle/>
+          <a:p>
+            <a:pPr algn="ctr"/>
+            <a:endParaRPr lang="en-US"/>
+          </a:p>
+        </p:txBody>
+      </p:sp>
+      <p:sp>
+        <p:nvSpPr>
+          <p:cNvPr id="14" name="Freeform 6">
+            <a:extLst>
+              <a:ext uri="{FF2B5EF4-FFF2-40B4-BE49-F238E27FC236}">
+                <a16:creationId xmlns:a16="http://schemas.microsoft.com/office/drawing/2014/main" id="{069BF0B4-2BF1-40F2-8D8E-9CFCED97D981}"/>
+              </a:ext>
+              <a:ext uri="{C183D7F6-B498-43B3-948B-1728B52AA6E4}">
+                <adec:decorative xmlns:adec="http://schemas.microsoft.com/office/drawing/2017/decorative" val="1"/>
+              </a:ext>
+            </a:extLst>
+          </p:cNvPr>
+          <p:cNvSpPr>
+            <a:spLocks noGrp="1" noRot="1" noChangeAspect="1" noMove="1" noResize="1" noEditPoints="1" noAdjustHandles="1" noChangeArrowheads="1" noChangeShapeType="1" noTextEdit="1"/>
+          </p:cNvSpPr>
+          <p:nvPr>
+            <p:extLst>
+              <p:ext uri="{386F3935-93C4-4BCD-93E2-E3B085C9AB24}">
+                <p16:designElem xmlns:p16="http://schemas.microsoft.com/office/powerpoint/2015/main" val="1"/>
+              </p:ext>
+            </p:extLst>
+          </p:nvPr>
+        </p:nvSpPr>
+        <p:spPr bwMode="auto">
+          <a:xfrm flipV="1">
+            <a:off x="0" y="4672012"/>
+            <a:ext cx="12192000" cy="2185988"/>
+          </a:xfrm>
+          <a:custGeom>
+            <a:avLst/>
+            <a:gdLst/>
+            <a:ahLst/>
+            <a:cxnLst/>
+            <a:rect l="0" t="0" r="r" b="b"/>
+            <a:pathLst>
+              <a:path w="5760" h="1377">
+                <a:moveTo>
+                  <a:pt x="5760" y="0"/>
+                </a:moveTo>
+                <a:lnTo>
+                  <a:pt x="0" y="0"/>
+                </a:lnTo>
+                <a:lnTo>
+                  <a:pt x="0" y="1189"/>
+                </a:lnTo>
+                <a:lnTo>
+                  <a:pt x="943" y="1189"/>
+                </a:lnTo>
+                <a:lnTo>
+                  <a:pt x="1123" y="1369"/>
+                </a:lnTo>
+                <a:lnTo>
+                  <a:pt x="1123" y="1369"/>
+                </a:lnTo>
+                <a:lnTo>
+                  <a:pt x="1127" y="1371"/>
+                </a:lnTo>
+                <a:lnTo>
+                  <a:pt x="1133" y="1374"/>
+                </a:lnTo>
+                <a:lnTo>
+                  <a:pt x="1139" y="1377"/>
+                </a:lnTo>
+                <a:lnTo>
+                  <a:pt x="1144" y="1377"/>
+                </a:lnTo>
+                <a:lnTo>
+                  <a:pt x="1150" y="1377"/>
+                </a:lnTo>
+                <a:lnTo>
+                  <a:pt x="1155" y="1374"/>
+                </a:lnTo>
+                <a:lnTo>
+                  <a:pt x="1161" y="1371"/>
+                </a:lnTo>
+                <a:lnTo>
+                  <a:pt x="1165" y="1369"/>
+                </a:lnTo>
+                <a:lnTo>
+                  <a:pt x="1345" y="1189"/>
+                </a:lnTo>
+                <a:lnTo>
+                  <a:pt x="5760" y="1189"/>
+                </a:lnTo>
+                <a:lnTo>
+                  <a:pt x="5760" y="0"/>
+                </a:lnTo>
+                <a:close/>
+              </a:path>
+            </a:pathLst>
+          </a:custGeom>
+          <a:solidFill>
+            <a:srgbClr val="212121"/>
+          </a:solidFill>
+          <a:ln>
+            <a:noFill/>
+          </a:ln>
+          <a:extLst>
+            <a:ext uri="{91240B29-F687-4f45-9708-019B960494DF}">
+              <a14:hiddenLine xmlns="" xmlns:a16="http://schemas.microsoft.com/office/drawing/2014/main" xmlns:p14="http://schemas.microsoft.com/office/powerpoint/2010/main" xmlns:a14="http://schemas.microsoft.com/office/drawing/2010/main" w="9525">
+                <a:solidFill>
+                  <a:srgbClr val="000000"/>
+                </a:solidFill>
+                <a:round/>
+                <a:headEnd/>
+                <a:tailEnd/>
+              </a14:hiddenLine>
+            </a:ext>
+          </a:extLst>
+        </p:spPr>
+        <p:style>
+          <a:lnRef idx="1">
+            <a:schemeClr val="accent1"/>
+          </a:lnRef>
+          <a:fillRef idx="3">
+            <a:schemeClr val="accent1"/>
+          </a:fillRef>
+          <a:effectRef idx="2">
+            <a:schemeClr val="accent1"/>
+          </a:effectRef>
+          <a:fontRef idx="minor">
+            <a:schemeClr val="lt1"/>
+          </a:fontRef>
+        </p:style>
+      </p:sp>
+      <p:sp>
+        <p:nvSpPr>
+          <p:cNvPr id="2" name="Title 1">
+            <a:extLst>
+              <a:ext uri="{FF2B5EF4-FFF2-40B4-BE49-F238E27FC236}">
+                <a16:creationId xmlns:a16="http://schemas.microsoft.com/office/drawing/2014/main" id="{7D45AD24-D240-4C99-8142-DA1798FDD255}"/>
+              </a:ext>
+            </a:extLst>
+          </p:cNvPr>
+          <p:cNvSpPr>
+            <a:spLocks noGrp="1"/>
+          </p:cNvSpPr>
+          <p:nvPr>
+            <p:ph type="title"/>
+          </p:nvPr>
+        </p:nvSpPr>
+        <p:spPr>
+          <a:xfrm>
+            <a:off x="451513" y="5176569"/>
+            <a:ext cx="4589009" cy="970450"/>
+          </a:xfrm>
+        </p:spPr>
+        <p:txBody>
+          <a:bodyPr anchor="ctr">
+            <a:normAutofit/>
+          </a:bodyPr>
+          <a:lstStyle/>
+          <a:p>
+            <a:r>
+              <a:rPr lang="en-US" sz="2400" dirty="0"/>
+              <a:t>Top 20 Categories</a:t>
+            </a:r>
+          </a:p>
+        </p:txBody>
+      </p:sp>
+      <p:pic>
+        <p:nvPicPr>
+          <p:cNvPr id="5" name="Content Placeholder 4" descr="Chart&#10;&#10;Description automatically generated">
+            <a:extLst>
+              <a:ext uri="{FF2B5EF4-FFF2-40B4-BE49-F238E27FC236}">
+                <a16:creationId xmlns:a16="http://schemas.microsoft.com/office/drawing/2014/main" id="{F9F32006-CB14-40BB-BC89-23F2FCD36B78}"/>
+              </a:ext>
+            </a:extLst>
+          </p:cNvPr>
+          <p:cNvPicPr>
+            <a:picLocks noChangeAspect="1"/>
+          </p:cNvPicPr>
+          <p:nvPr/>
+        </p:nvPicPr>
+        <p:blipFill>
+          <a:blip r:embed="rId2"/>
+          <a:stretch>
+            <a:fillRect/>
+          </a:stretch>
+        </p:blipFill>
+        <p:spPr>
+          <a:xfrm>
+            <a:off x="514351" y="514350"/>
+            <a:ext cx="10696441" cy="3930942"/>
+          </a:xfrm>
+          <a:prstGeom prst="roundRect">
+            <a:avLst>
+              <a:gd name="adj" fmla="val 3876"/>
+            </a:avLst>
+          </a:prstGeom>
+          <a:ln>
+            <a:solidFill>
+              <a:schemeClr val="accent1"/>
+            </a:solidFill>
+          </a:ln>
+          <a:effectLst/>
+        </p:spPr>
+      </p:pic>
+      <p:sp>
+        <p:nvSpPr>
+          <p:cNvPr id="9" name="Content Placeholder 8">
+            <a:extLst>
+              <a:ext uri="{FF2B5EF4-FFF2-40B4-BE49-F238E27FC236}">
+                <a16:creationId xmlns:a16="http://schemas.microsoft.com/office/drawing/2014/main" id="{5B5B9453-77F5-4816-B5A1-8161F1B1952E}"/>
+              </a:ext>
+            </a:extLst>
+          </p:cNvPr>
+          <p:cNvSpPr>
+            <a:spLocks noGrp="1"/>
+          </p:cNvSpPr>
+          <p:nvPr>
+            <p:ph idx="1"/>
+          </p:nvPr>
+        </p:nvSpPr>
+        <p:spPr>
+          <a:xfrm>
+            <a:off x="5344886" y="5176569"/>
+            <a:ext cx="6028400" cy="970450"/>
+          </a:xfrm>
+        </p:spPr>
+        <p:txBody>
+          <a:bodyPr>
+            <a:normAutofit fontScale="92500" lnSpcReduction="10000"/>
+          </a:bodyPr>
+          <a:lstStyle/>
+          <a:p>
+            <a:r>
+              <a:rPr lang="en-US" sz="1600" dirty="0">
+                <a:solidFill>
+                  <a:srgbClr val="FEFEFE"/>
+                </a:solidFill>
+              </a:rPr>
+              <a:t>Emphasis on Geography and History</a:t>
+            </a:r>
+          </a:p>
+          <a:p>
+            <a:r>
+              <a:rPr lang="en-US" sz="1600" dirty="0">
+                <a:solidFill>
+                  <a:srgbClr val="FEFEFE"/>
+                </a:solidFill>
+              </a:rPr>
+              <a:t>Before &amp; After = combo of 2 things to form an answer</a:t>
+            </a:r>
+          </a:p>
+          <a:p>
+            <a:r>
+              <a:rPr lang="en-US" sz="1600" dirty="0">
+                <a:solidFill>
+                  <a:srgbClr val="FEFEFE"/>
+                </a:solidFill>
+              </a:rPr>
+              <a:t>Potpourri = random unrelated questions</a:t>
+            </a:r>
+          </a:p>
+        </p:txBody>
+      </p:sp>
+    </p:spTree>
+    <p:extLst>
+      <p:ext uri="{BB962C8B-B14F-4D97-AF65-F5344CB8AC3E}">
+        <p14:creationId xmlns:p14="http://schemas.microsoft.com/office/powerpoint/2010/main" val="205478760"/>
+      </p:ext>
+    </p:extLst>
+  </p:cSld>
+  <p:clrMapOvr>
+    <a:overrideClrMapping bg1="lt1" tx1="dk1" bg2="lt2" tx2="dk2" accent1="accent1" accent2="accent2" accent3="accent3" accent4="accent4" accent5="accent5" accent6="accent6" hlink="hlink" folHlink="folHlink"/>
+  </p:clrMapOvr>
+</p:sld>
+</file>
+
+<file path=ppt/slides/slide7.xml><?xml version="1.0" encoding="utf-8"?>
+<p:sld xmlns:a="http://schemas.openxmlformats.org/drawingml/2006/main" xmlns:r="http://schemas.openxmlformats.org/officeDocument/2006/relationships" xmlns:p="http://schemas.openxmlformats.org/presentationml/2006/main">
+  <p:cSld>
+    <p:bg>
+      <p:bgPr>
+        <a:solidFill>
+          <a:schemeClr val="bg2"/>
+        </a:solidFill>
+        <a:effectLst/>
+      </p:bgPr>
+    </p:bg>
+    <p:spTree>
+      <p:nvGrpSpPr>
+        <p:cNvPr id="1" name=""/>
+        <p:cNvGrpSpPr/>
+        <p:nvPr/>
+      </p:nvGrpSpPr>
+      <p:grpSpPr>
+        <a:xfrm>
+          <a:off x="0" y="0"/>
+          <a:ext cx="0" cy="0"/>
+          <a:chOff x="0" y="0"/>
+          <a:chExt cx="0" cy="0"/>
+        </a:xfrm>
+      </p:grpSpPr>
+      <p:sp>
+        <p:nvSpPr>
+          <p:cNvPr id="9" name="Freeform 6">
+            <a:extLst>
+              <a:ext uri="{FF2B5EF4-FFF2-40B4-BE49-F238E27FC236}">
+                <a16:creationId xmlns:a16="http://schemas.microsoft.com/office/drawing/2014/main" id="{E446B7E6-8568-417F-959E-DB3D1E70F648}"/>
+              </a:ext>
+              <a:ext uri="{C183D7F6-B498-43B3-948B-1728B52AA6E4}">
+                <adec:decorative xmlns:adec="http://schemas.microsoft.com/office/drawing/2017/decorative" val="1"/>
+              </a:ext>
+            </a:extLst>
+          </p:cNvPr>
+          <p:cNvSpPr>
+            <a:spLocks noGrp="1" noRot="1" noChangeAspect="1" noMove="1" noResize="1" noEditPoints="1" noAdjustHandles="1" noChangeArrowheads="1" noChangeShapeType="1" noTextEdit="1"/>
+          </p:cNvSpPr>
+          <p:nvPr>
+            <p:extLst>
+              <p:ext uri="{386F3935-93C4-4BCD-93E2-E3B085C9AB24}">
+                <p16:designElem xmlns:p16="http://schemas.microsoft.com/office/powerpoint/2015/main" val="1"/>
+              </p:ext>
+            </p:extLst>
+          </p:nvPr>
+        </p:nvSpPr>
+        <p:spPr bwMode="auto">
+          <a:xfrm>
+            <a:off x="0" y="-3175"/>
+            <a:ext cx="12192000" cy="5203825"/>
+          </a:xfrm>
+          <a:custGeom>
+            <a:avLst/>
+            <a:gdLst/>
+            <a:ahLst/>
+            <a:cxnLst/>
+            <a:rect l="0" t="0" r="r" b="b"/>
+            <a:pathLst>
+              <a:path w="5760" h="3278">
+                <a:moveTo>
+                  <a:pt x="5760" y="0"/>
+                </a:moveTo>
+                <a:lnTo>
+                  <a:pt x="0" y="0"/>
+                </a:lnTo>
+                <a:lnTo>
+                  <a:pt x="0" y="3090"/>
+                </a:lnTo>
+                <a:lnTo>
+                  <a:pt x="943" y="3090"/>
+                </a:lnTo>
+                <a:lnTo>
+                  <a:pt x="1123" y="3270"/>
+                </a:lnTo>
+                <a:lnTo>
+                  <a:pt x="1123" y="3270"/>
+                </a:lnTo>
+                <a:lnTo>
+                  <a:pt x="1127" y="3272"/>
+                </a:lnTo>
+                <a:lnTo>
+                  <a:pt x="1133" y="3275"/>
+                </a:lnTo>
+                <a:lnTo>
+                  <a:pt x="1139" y="3278"/>
+                </a:lnTo>
+                <a:lnTo>
+                  <a:pt x="1144" y="3278"/>
+                </a:lnTo>
+                <a:lnTo>
+                  <a:pt x="1150" y="3278"/>
+                </a:lnTo>
+                <a:lnTo>
+                  <a:pt x="1155" y="3275"/>
+                </a:lnTo>
+                <a:lnTo>
+                  <a:pt x="1161" y="3272"/>
+                </a:lnTo>
+                <a:lnTo>
+                  <a:pt x="1165" y="3270"/>
+                </a:lnTo>
+                <a:lnTo>
+                  <a:pt x="1345" y="3090"/>
+                </a:lnTo>
+                <a:lnTo>
+                  <a:pt x="5760" y="3090"/>
+                </a:lnTo>
+                <a:lnTo>
+                  <a:pt x="5760" y="0"/>
+                </a:lnTo>
+                <a:close/>
+              </a:path>
+            </a:pathLst>
+          </a:custGeom>
+          <a:ln/>
+          <a:effectLst/>
+          <a:extLst>
+            <a:ext uri="{91240B29-F687-4f45-9708-019B960494DF}">
+              <a14:hiddenLine xmlns="" xmlns:a16="http://schemas.microsoft.com/office/drawing/2014/main" xmlns:p14="http://schemas.microsoft.com/office/powerpoint/2010/main" xmlns:a14="http://schemas.microsoft.com/office/drawing/2010/main" w="9525">
+                <a:solidFill>
+                  <a:srgbClr val="000000"/>
+                </a:solidFill>
+                <a:round/>
+                <a:headEnd/>
+                <a:tailEnd/>
+              </a14:hiddenLine>
+            </a:ext>
+          </a:extLst>
+        </p:spPr>
+        <p:style>
+          <a:lnRef idx="1">
+            <a:schemeClr val="accent1"/>
+          </a:lnRef>
+          <a:fillRef idx="3">
+            <a:schemeClr val="accent1"/>
+          </a:fillRef>
+          <a:effectRef idx="2">
+            <a:schemeClr val="accent1"/>
+          </a:effectRef>
+          <a:fontRef idx="minor">
+            <a:schemeClr val="lt1"/>
+          </a:fontRef>
+        </p:style>
+      </p:sp>
+      <p:sp useBgFill="1">
+        <p:nvSpPr>
+          <p:cNvPr id="11" name="Rectangle 10">
+            <a:extLst>
+              <a:ext uri="{FF2B5EF4-FFF2-40B4-BE49-F238E27FC236}">
+                <a16:creationId xmlns:a16="http://schemas.microsoft.com/office/drawing/2014/main" id="{54047A07-72EC-41BC-A55F-C264F639FB20}"/>
+              </a:ext>
+              <a:ext uri="{C183D7F6-B498-43B3-948B-1728B52AA6E4}">
+                <adec:decorative xmlns:adec="http://schemas.microsoft.com/office/drawing/2017/decorative" val="1"/>
+              </a:ext>
+            </a:extLst>
+          </p:cNvPr>
+          <p:cNvSpPr>
+            <a:spLocks noGrp="1" noRot="1" noChangeAspect="1" noMove="1" noResize="1" noEditPoints="1" noAdjustHandles="1" noChangeArrowheads="1" noChangeShapeType="1" noTextEdit="1"/>
+          </p:cNvSpPr>
+          <p:nvPr>
+            <p:extLst>
+              <p:ext uri="{386F3935-93C4-4BCD-93E2-E3B085C9AB24}">
+                <p16:designElem xmlns:p16="http://schemas.microsoft.com/office/powerpoint/2015/main" val="1"/>
+              </p:ext>
+            </p:extLst>
+          </p:nvPr>
+        </p:nvSpPr>
+        <p:spPr>
+          <a:xfrm>
+            <a:off x="0" y="0"/>
+            <a:ext cx="12192000" cy="6858000"/>
+          </a:xfrm>
+          <a:prstGeom prst="rect">
+            <a:avLst/>
+          </a:prstGeom>
+          <a:ln>
+            <a:noFill/>
+          </a:ln>
+        </p:spPr>
+        <p:style>
+          <a:lnRef idx="2">
+            <a:schemeClr val="accent1">
+              <a:shade val="50000"/>
+            </a:schemeClr>
+          </a:lnRef>
+          <a:fillRef idx="1">
+            <a:schemeClr val="accent1"/>
+          </a:fillRef>
+          <a:effectRef idx="0">
+            <a:schemeClr val="accent1"/>
+          </a:effectRef>
+          <a:fontRef idx="minor">
+            <a:schemeClr val="lt1"/>
+          </a:fontRef>
+        </p:style>
+        <p:txBody>
+          <a:bodyPr rtlCol="0" anchor="ctr"/>
+          <a:lstStyle/>
+          <a:p>
+            <a:pPr algn="ctr"/>
+            <a:endParaRPr lang="en-US"/>
+          </a:p>
+        </p:txBody>
+      </p:sp>
+      <p:pic>
+        <p:nvPicPr>
+          <p:cNvPr id="5" name="Picture 4" descr="Abstract background of blue mesh and nodes">
+            <a:extLst>
+              <a:ext uri="{FF2B5EF4-FFF2-40B4-BE49-F238E27FC236}">
+                <a16:creationId xmlns:a16="http://schemas.microsoft.com/office/drawing/2014/main" id="{6E493A8B-0EC5-450E-BC9E-7CCDFC3AB2D4}"/>
+              </a:ext>
+            </a:extLst>
+          </p:cNvPr>
+          <p:cNvPicPr>
+            <a:picLocks noChangeAspect="1"/>
+          </p:cNvPicPr>
+          <p:nvPr/>
+        </p:nvPicPr>
+        <p:blipFill rotWithShape="1">
+          <a:blip r:embed="rId2">
+            <a:alphaModFix amt="40000"/>
+          </a:blip>
+          <a:srcRect/>
+          <a:stretch/>
+        </p:blipFill>
+        <p:spPr>
+          <a:xfrm>
+            <a:off x="20" y="10"/>
+            <a:ext cx="12191980" cy="6857990"/>
+          </a:xfrm>
+          <a:prstGeom prst="rect">
+            <a:avLst/>
+          </a:prstGeom>
+        </p:spPr>
+      </p:pic>
+      <p:sp>
+        <p:nvSpPr>
           <p:cNvPr id="2" name="Title 1">
             <a:extLst>
               <a:ext uri="{FF2B5EF4-FFF2-40B4-BE49-F238E27FC236}">
@@ -10035,13 +15750,21 @@
             <p:ph type="title"/>
           </p:nvPr>
         </p:nvSpPr>
-        <p:spPr/>
+        <p:spPr>
+          <a:xfrm>
+            <a:off x="810001" y="1449147"/>
+            <a:ext cx="10572000" cy="3732453"/>
+          </a:xfrm>
+        </p:spPr>
         <p:txBody>
-          <a:bodyPr/>
+          <a:bodyPr vert="horz" lIns="91440" tIns="45720" rIns="91440" bIns="45720" rtlCol="0" anchor="b">
+            <a:normAutofit/>
+          </a:bodyPr>
           <a:lstStyle/>
           <a:p>
+            <a:pPr algn="l"/>
             <a:r>
-              <a:rPr lang="en-US" dirty="0"/>
+              <a:rPr lang="en-US" sz="5400"/>
               <a:t>Topic Modeling</a:t>
             </a:r>
           </a:p>
@@ -10063,11 +15786,19 @@
             <p:ph type="body" idx="1"/>
           </p:nvPr>
         </p:nvSpPr>
-        <p:spPr/>
+        <p:spPr>
+          <a:xfrm>
+            <a:off x="810001" y="5280847"/>
+            <a:ext cx="10572000" cy="434974"/>
+          </a:xfrm>
+        </p:spPr>
         <p:txBody>
-          <a:bodyPr/>
+          <a:bodyPr vert="horz" lIns="91440" tIns="45720" rIns="91440" bIns="45720" rtlCol="0" anchor="t">
+            <a:normAutofit/>
+          </a:bodyPr>
           <a:lstStyle/>
           <a:p>
+            <a:pPr algn="l"/>
             <a:endParaRPr lang="en-US"/>
           </a:p>
         </p:txBody>
@@ -10076,6 +15807,915 @@
     <p:extLst>
       <p:ext uri="{BB962C8B-B14F-4D97-AF65-F5344CB8AC3E}">
         <p14:creationId xmlns:p14="http://schemas.microsoft.com/office/powerpoint/2010/main" val="1974245869"/>
+      </p:ext>
+    </p:extLst>
+  </p:cSld>
+  <p:clrMapOvr>
+    <a:masterClrMapping/>
+  </p:clrMapOvr>
+</p:sld>
+</file>
+
+<file path=ppt/slides/slide8.xml><?xml version="1.0" encoding="utf-8"?>
+<p:sld xmlns:a="http://schemas.openxmlformats.org/drawingml/2006/main" xmlns:r="http://schemas.openxmlformats.org/officeDocument/2006/relationships" xmlns:p="http://schemas.openxmlformats.org/presentationml/2006/main">
+  <p:cSld>
+    <p:bg>
+      <p:bgPr>
+        <a:solidFill>
+          <a:schemeClr val="bg1"/>
+        </a:solidFill>
+        <a:effectLst/>
+      </p:bgPr>
+    </p:bg>
+    <p:spTree>
+      <p:nvGrpSpPr>
+        <p:cNvPr id="1" name=""/>
+        <p:cNvGrpSpPr/>
+        <p:nvPr/>
+      </p:nvGrpSpPr>
+      <p:grpSpPr>
+        <a:xfrm>
+          <a:off x="0" y="0"/>
+          <a:ext cx="0" cy="0"/>
+          <a:chOff x="0" y="0"/>
+          <a:chExt cx="0" cy="0"/>
+        </a:xfrm>
+      </p:grpSpPr>
+      <p:sp>
+        <p:nvSpPr>
+          <p:cNvPr id="10" name="Freeform 6">
+            <a:extLst>
+              <a:ext uri="{FF2B5EF4-FFF2-40B4-BE49-F238E27FC236}">
+                <a16:creationId xmlns:a16="http://schemas.microsoft.com/office/drawing/2014/main" id="{133F8CB7-795C-4272-9073-64D8CF97F220}"/>
+              </a:ext>
+              <a:ext uri="{C183D7F6-B498-43B3-948B-1728B52AA6E4}">
+                <adec:decorative xmlns:adec="http://schemas.microsoft.com/office/drawing/2017/decorative" val="1"/>
+              </a:ext>
+            </a:extLst>
+          </p:cNvPr>
+          <p:cNvSpPr>
+            <a:spLocks noGrp="1" noRot="1" noChangeAspect="1" noMove="1" noResize="1" noEditPoints="1" noAdjustHandles="1" noChangeArrowheads="1" noChangeShapeType="1" noTextEdit="1"/>
+          </p:cNvSpPr>
+          <p:nvPr>
+            <p:extLst>
+              <p:ext uri="{386F3935-93C4-4BCD-93E2-E3B085C9AB24}">
+                <p16:designElem xmlns:p16="http://schemas.microsoft.com/office/powerpoint/2015/main" val="1"/>
+              </p:ext>
+            </p:extLst>
+          </p:nvPr>
+        </p:nvSpPr>
+        <p:spPr bwMode="auto">
+          <a:xfrm>
+            <a:off x="0" y="-3175"/>
+            <a:ext cx="12192000" cy="5203825"/>
+          </a:xfrm>
+          <a:custGeom>
+            <a:avLst/>
+            <a:gdLst/>
+            <a:ahLst/>
+            <a:cxnLst/>
+            <a:rect l="0" t="0" r="r" b="b"/>
+            <a:pathLst>
+              <a:path w="5760" h="3278">
+                <a:moveTo>
+                  <a:pt x="5760" y="0"/>
+                </a:moveTo>
+                <a:lnTo>
+                  <a:pt x="0" y="0"/>
+                </a:lnTo>
+                <a:lnTo>
+                  <a:pt x="0" y="3090"/>
+                </a:lnTo>
+                <a:lnTo>
+                  <a:pt x="943" y="3090"/>
+                </a:lnTo>
+                <a:lnTo>
+                  <a:pt x="1123" y="3270"/>
+                </a:lnTo>
+                <a:lnTo>
+                  <a:pt x="1123" y="3270"/>
+                </a:lnTo>
+                <a:lnTo>
+                  <a:pt x="1127" y="3272"/>
+                </a:lnTo>
+                <a:lnTo>
+                  <a:pt x="1133" y="3275"/>
+                </a:lnTo>
+                <a:lnTo>
+                  <a:pt x="1139" y="3278"/>
+                </a:lnTo>
+                <a:lnTo>
+                  <a:pt x="1144" y="3278"/>
+                </a:lnTo>
+                <a:lnTo>
+                  <a:pt x="1150" y="3278"/>
+                </a:lnTo>
+                <a:lnTo>
+                  <a:pt x="1155" y="3275"/>
+                </a:lnTo>
+                <a:lnTo>
+                  <a:pt x="1161" y="3272"/>
+                </a:lnTo>
+                <a:lnTo>
+                  <a:pt x="1165" y="3270"/>
+                </a:lnTo>
+                <a:lnTo>
+                  <a:pt x="1345" y="3090"/>
+                </a:lnTo>
+                <a:lnTo>
+                  <a:pt x="5760" y="3090"/>
+                </a:lnTo>
+                <a:lnTo>
+                  <a:pt x="5760" y="0"/>
+                </a:lnTo>
+                <a:close/>
+              </a:path>
+            </a:pathLst>
+          </a:custGeom>
+          <a:ln/>
+          <a:effectLst/>
+          <a:extLst>
+            <a:ext uri="{91240B29-F687-4f45-9708-019B960494DF}">
+              <a14:hiddenLine xmlns="" xmlns:a16="http://schemas.microsoft.com/office/drawing/2014/main" xmlns:p14="http://schemas.microsoft.com/office/powerpoint/2010/main" xmlns:a14="http://schemas.microsoft.com/office/drawing/2010/main" w="9525">
+                <a:solidFill>
+                  <a:srgbClr val="000000"/>
+                </a:solidFill>
+                <a:round/>
+                <a:headEnd/>
+                <a:tailEnd/>
+              </a14:hiddenLine>
+            </a:ext>
+          </a:extLst>
+        </p:spPr>
+        <p:style>
+          <a:lnRef idx="1">
+            <a:schemeClr val="accent1"/>
+          </a:lnRef>
+          <a:fillRef idx="3">
+            <a:schemeClr val="accent1"/>
+          </a:fillRef>
+          <a:effectRef idx="2">
+            <a:schemeClr val="accent1"/>
+          </a:effectRef>
+          <a:fontRef idx="minor">
+            <a:schemeClr val="lt1"/>
+          </a:fontRef>
+        </p:style>
+      </p:sp>
+      <p:sp>
+        <p:nvSpPr>
+          <p:cNvPr id="12" name="Rectangle 11">
+            <a:extLst>
+              <a:ext uri="{FF2B5EF4-FFF2-40B4-BE49-F238E27FC236}">
+                <a16:creationId xmlns:a16="http://schemas.microsoft.com/office/drawing/2014/main" id="{B7743172-17A8-4FA4-8434-B813E03B7665}"/>
+              </a:ext>
+              <a:ext uri="{C183D7F6-B498-43B3-948B-1728B52AA6E4}">
+                <adec:decorative xmlns:adec="http://schemas.microsoft.com/office/drawing/2017/decorative" val="1"/>
+              </a:ext>
+            </a:extLst>
+          </p:cNvPr>
+          <p:cNvSpPr>
+            <a:spLocks noGrp="1" noRot="1" noChangeAspect="1" noMove="1" noResize="1" noEditPoints="1" noAdjustHandles="1" noChangeArrowheads="1" noChangeShapeType="1" noTextEdit="1"/>
+          </p:cNvSpPr>
+          <p:nvPr>
+            <p:extLst>
+              <p:ext uri="{386F3935-93C4-4BCD-93E2-E3B085C9AB24}">
+                <p16:designElem xmlns:p16="http://schemas.microsoft.com/office/powerpoint/2015/main" val="1"/>
+              </p:ext>
+            </p:extLst>
+          </p:nvPr>
+        </p:nvSpPr>
+        <p:spPr>
+          <a:xfrm>
+            <a:off x="0" y="0"/>
+            <a:ext cx="12192000" cy="6858000"/>
+          </a:xfrm>
+          <a:prstGeom prst="rect">
+            <a:avLst/>
+          </a:prstGeom>
+          <a:solidFill>
+            <a:schemeClr val="bg1"/>
+          </a:solidFill>
+          <a:ln>
+            <a:noFill/>
+          </a:ln>
+        </p:spPr>
+        <p:style>
+          <a:lnRef idx="2">
+            <a:schemeClr val="accent1">
+              <a:shade val="50000"/>
+            </a:schemeClr>
+          </a:lnRef>
+          <a:fillRef idx="1">
+            <a:schemeClr val="accent1"/>
+          </a:fillRef>
+          <a:effectRef idx="0">
+            <a:schemeClr val="accent1"/>
+          </a:effectRef>
+          <a:fontRef idx="minor">
+            <a:schemeClr val="lt1"/>
+          </a:fontRef>
+        </p:style>
+        <p:txBody>
+          <a:bodyPr rtlCol="0" anchor="ctr"/>
+          <a:lstStyle/>
+          <a:p>
+            <a:pPr algn="ctr"/>
+            <a:endParaRPr lang="en-US"/>
+          </a:p>
+        </p:txBody>
+      </p:sp>
+      <p:sp>
+        <p:nvSpPr>
+          <p:cNvPr id="14" name="Freeform 23">
+            <a:extLst>
+              <a:ext uri="{FF2B5EF4-FFF2-40B4-BE49-F238E27FC236}">
+                <a16:creationId xmlns:a16="http://schemas.microsoft.com/office/drawing/2014/main" id="{4CE1233C-FD2F-489E-BFDE-086F5FED6491}"/>
+              </a:ext>
+              <a:ext uri="{C183D7F6-B498-43B3-948B-1728B52AA6E4}">
+                <adec:decorative xmlns:adec="http://schemas.microsoft.com/office/drawing/2017/decorative" val="1"/>
+              </a:ext>
+            </a:extLst>
+          </p:cNvPr>
+          <p:cNvSpPr>
+            <a:spLocks noGrp="1" noRot="1" noChangeAspect="1" noMove="1" noResize="1" noEditPoints="1" noAdjustHandles="1" noChangeArrowheads="1" noChangeShapeType="1" noTextEdit="1"/>
+          </p:cNvSpPr>
+          <p:nvPr>
+            <p:extLst>
+              <p:ext uri="{386F3935-93C4-4BCD-93E2-E3B085C9AB24}">
+                <p16:designElem xmlns:p16="http://schemas.microsoft.com/office/powerpoint/2015/main" val="1"/>
+              </p:ext>
+            </p:extLst>
+          </p:nvPr>
+        </p:nvSpPr>
+        <p:spPr bwMode="white">
+          <a:xfrm>
+            <a:off x="0" y="0"/>
+            <a:ext cx="4637005" cy="6858000"/>
+          </a:xfrm>
+          <a:custGeom>
+            <a:avLst/>
+            <a:gdLst>
+              <a:gd name="connsiteX0" fmla="*/ 0 w 4637005"/>
+              <a:gd name="connsiteY0" fmla="*/ 0 h 6858000"/>
+              <a:gd name="connsiteX1" fmla="*/ 4637005 w 4637005"/>
+              <a:gd name="connsiteY1" fmla="*/ 0 h 6858000"/>
+              <a:gd name="connsiteX2" fmla="*/ 4637005 w 4637005"/>
+              <a:gd name="connsiteY2" fmla="*/ 1900238 h 6858000"/>
+              <a:gd name="connsiteX3" fmla="*/ 4266589 w 4637005"/>
+              <a:gd name="connsiteY3" fmla="*/ 2178050 h 6858000"/>
+              <a:gd name="connsiteX4" fmla="*/ 4262355 w 4637005"/>
+              <a:gd name="connsiteY4" fmla="*/ 2184400 h 6858000"/>
+              <a:gd name="connsiteX5" fmla="*/ 4256005 w 4637005"/>
+              <a:gd name="connsiteY5" fmla="*/ 2193925 h 6858000"/>
+              <a:gd name="connsiteX6" fmla="*/ 4249655 w 4637005"/>
+              <a:gd name="connsiteY6" fmla="*/ 2201863 h 6858000"/>
+              <a:gd name="connsiteX7" fmla="*/ 4249655 w 4637005"/>
+              <a:gd name="connsiteY7" fmla="*/ 2211388 h 6858000"/>
+              <a:gd name="connsiteX8" fmla="*/ 4249655 w 4637005"/>
+              <a:gd name="connsiteY8" fmla="*/ 2220913 h 6858000"/>
+              <a:gd name="connsiteX9" fmla="*/ 4256005 w 4637005"/>
+              <a:gd name="connsiteY9" fmla="*/ 2228850 h 6858000"/>
+              <a:gd name="connsiteX10" fmla="*/ 4262355 w 4637005"/>
+              <a:gd name="connsiteY10" fmla="*/ 2238375 h 6858000"/>
+              <a:gd name="connsiteX11" fmla="*/ 4266589 w 4637005"/>
+              <a:gd name="connsiteY11" fmla="*/ 2244725 h 6858000"/>
+              <a:gd name="connsiteX12" fmla="*/ 4637005 w 4637005"/>
+              <a:gd name="connsiteY12" fmla="*/ 2522538 h 6858000"/>
+              <a:gd name="connsiteX13" fmla="*/ 4637005 w 4637005"/>
+              <a:gd name="connsiteY13" fmla="*/ 6858000 h 6858000"/>
+              <a:gd name="connsiteX14" fmla="*/ 0 w 4637005"/>
+              <a:gd name="connsiteY14" fmla="*/ 6858000 h 6858000"/>
+            </a:gdLst>
+            <a:ahLst/>
+            <a:cxnLst>
+              <a:cxn ang="0">
+                <a:pos x="connsiteX0" y="connsiteY0"/>
+              </a:cxn>
+              <a:cxn ang="0">
+                <a:pos x="connsiteX1" y="connsiteY1"/>
+              </a:cxn>
+              <a:cxn ang="0">
+                <a:pos x="connsiteX2" y="connsiteY2"/>
+              </a:cxn>
+              <a:cxn ang="0">
+                <a:pos x="connsiteX3" y="connsiteY3"/>
+              </a:cxn>
+              <a:cxn ang="0">
+                <a:pos x="connsiteX4" y="connsiteY4"/>
+              </a:cxn>
+              <a:cxn ang="0">
+                <a:pos x="connsiteX5" y="connsiteY5"/>
+              </a:cxn>
+              <a:cxn ang="0">
+                <a:pos x="connsiteX6" y="connsiteY6"/>
+              </a:cxn>
+              <a:cxn ang="0">
+                <a:pos x="connsiteX7" y="connsiteY7"/>
+              </a:cxn>
+              <a:cxn ang="0">
+                <a:pos x="connsiteX8" y="connsiteY8"/>
+              </a:cxn>
+              <a:cxn ang="0">
+                <a:pos x="connsiteX9" y="connsiteY9"/>
+              </a:cxn>
+              <a:cxn ang="0">
+                <a:pos x="connsiteX10" y="connsiteY10"/>
+              </a:cxn>
+              <a:cxn ang="0">
+                <a:pos x="connsiteX11" y="connsiteY11"/>
+              </a:cxn>
+              <a:cxn ang="0">
+                <a:pos x="connsiteX12" y="connsiteY12"/>
+              </a:cxn>
+              <a:cxn ang="0">
+                <a:pos x="connsiteX13" y="connsiteY13"/>
+              </a:cxn>
+              <a:cxn ang="0">
+                <a:pos x="connsiteX14" y="connsiteY14"/>
+              </a:cxn>
+            </a:cxnLst>
+            <a:rect l="l" t="t" r="r" b="b"/>
+            <a:pathLst>
+              <a:path w="4637005" h="6858000">
+                <a:moveTo>
+                  <a:pt x="0" y="0"/>
+                </a:moveTo>
+                <a:lnTo>
+                  <a:pt x="4637005" y="0"/>
+                </a:lnTo>
+                <a:lnTo>
+                  <a:pt x="4637005" y="1900238"/>
+                </a:lnTo>
+                <a:lnTo>
+                  <a:pt x="4266589" y="2178050"/>
+                </a:lnTo>
+                <a:lnTo>
+                  <a:pt x="4262355" y="2184400"/>
+                </a:lnTo>
+                <a:lnTo>
+                  <a:pt x="4256005" y="2193925"/>
+                </a:lnTo>
+                <a:lnTo>
+                  <a:pt x="4249655" y="2201863"/>
+                </a:lnTo>
+                <a:lnTo>
+                  <a:pt x="4249655" y="2211388"/>
+                </a:lnTo>
+                <a:lnTo>
+                  <a:pt x="4249655" y="2220913"/>
+                </a:lnTo>
+                <a:lnTo>
+                  <a:pt x="4256005" y="2228850"/>
+                </a:lnTo>
+                <a:lnTo>
+                  <a:pt x="4262355" y="2238375"/>
+                </a:lnTo>
+                <a:lnTo>
+                  <a:pt x="4266589" y="2244725"/>
+                </a:lnTo>
+                <a:lnTo>
+                  <a:pt x="4637005" y="2522538"/>
+                </a:lnTo>
+                <a:lnTo>
+                  <a:pt x="4637005" y="6858000"/>
+                </a:lnTo>
+                <a:lnTo>
+                  <a:pt x="0" y="6858000"/>
+                </a:lnTo>
+                <a:close/>
+              </a:path>
+            </a:pathLst>
+          </a:custGeom>
+          <a:blipFill>
+            <a:blip r:embed="rId2">
+              <a:duotone>
+                <a:schemeClr val="accent1">
+                  <a:tint val="98000"/>
+                  <a:lumMod val="102000"/>
+                </a:schemeClr>
+                <a:schemeClr val="accent1">
+                  <a:shade val="98000"/>
+                  <a:lumMod val="98000"/>
+                </a:schemeClr>
+              </a:duotone>
+            </a:blip>
+            <a:tile tx="0" ty="0" sx="100000" sy="100000" flip="none" algn="tl"/>
+          </a:blipFill>
+          <a:ln>
+            <a:headEnd/>
+            <a:tailEnd/>
+          </a:ln>
+        </p:spPr>
+        <p:style>
+          <a:lnRef idx="1">
+            <a:schemeClr val="accent1"/>
+          </a:lnRef>
+          <a:fillRef idx="3">
+            <a:schemeClr val="accent1"/>
+          </a:fillRef>
+          <a:effectRef idx="2">
+            <a:schemeClr val="accent1"/>
+          </a:effectRef>
+          <a:fontRef idx="minor">
+            <a:schemeClr val="lt1"/>
+          </a:fontRef>
+        </p:style>
+        <p:txBody>
+          <a:bodyPr wrap="square" rtlCol="0" anchor="ctr">
+            <a:noAutofit/>
+          </a:bodyPr>
+          <a:lstStyle/>
+          <a:p>
+            <a:pPr algn="ctr"/>
+            <a:endParaRPr lang="en-US"/>
+          </a:p>
+        </p:txBody>
+      </p:sp>
+      <p:sp>
+        <p:nvSpPr>
+          <p:cNvPr id="2" name="Title 1">
+            <a:extLst>
+              <a:ext uri="{FF2B5EF4-FFF2-40B4-BE49-F238E27FC236}">
+                <a16:creationId xmlns:a16="http://schemas.microsoft.com/office/drawing/2014/main" id="{1CD4466A-F4E7-4824-88F3-CDD58CCD319E}"/>
+              </a:ext>
+            </a:extLst>
+          </p:cNvPr>
+          <p:cNvSpPr>
+            <a:spLocks noGrp="1"/>
+          </p:cNvSpPr>
+          <p:nvPr>
+            <p:ph type="title"/>
+          </p:nvPr>
+        </p:nvSpPr>
+        <p:spPr>
+          <a:xfrm>
+            <a:off x="451514" y="1800225"/>
+            <a:ext cx="3444211" cy="4241136"/>
+          </a:xfrm>
+        </p:spPr>
+        <p:txBody>
+          <a:bodyPr vert="horz" lIns="91440" tIns="45720" rIns="91440" bIns="45720" rtlCol="0" anchor="t">
+            <a:normAutofit/>
+          </a:bodyPr>
+          <a:lstStyle/>
+          <a:p>
+            <a:r>
+              <a:rPr lang="en-US" sz="4400" dirty="0"/>
+              <a:t>Increasing the number of topics</a:t>
+            </a:r>
+          </a:p>
+        </p:txBody>
+      </p:sp>
+      <p:pic>
+        <p:nvPicPr>
+          <p:cNvPr id="5" name="Content Placeholder 4" descr="Chart, line chart&#10;&#10;Description automatically generated">
+            <a:extLst>
+              <a:ext uri="{FF2B5EF4-FFF2-40B4-BE49-F238E27FC236}">
+                <a16:creationId xmlns:a16="http://schemas.microsoft.com/office/drawing/2014/main" id="{BEE962DC-5286-4FBA-8424-E07D7849F7F5}"/>
+              </a:ext>
+            </a:extLst>
+          </p:cNvPr>
+          <p:cNvPicPr>
+            <a:picLocks noGrp="1" noChangeAspect="1"/>
+          </p:cNvPicPr>
+          <p:nvPr>
+            <p:ph idx="1"/>
+          </p:nvPr>
+        </p:nvPicPr>
+        <p:blipFill>
+          <a:blip r:embed="rId3"/>
+          <a:stretch>
+            <a:fillRect/>
+          </a:stretch>
+        </p:blipFill>
+        <p:spPr>
+          <a:xfrm>
+            <a:off x="5280472" y="1164261"/>
+            <a:ext cx="6268062" cy="4356304"/>
+          </a:xfrm>
+          <a:prstGeom prst="roundRect">
+            <a:avLst>
+              <a:gd name="adj" fmla="val 3876"/>
+            </a:avLst>
+          </a:prstGeom>
+          <a:ln>
+            <a:solidFill>
+              <a:schemeClr val="accent1"/>
+            </a:solidFill>
+          </a:ln>
+          <a:effectLst/>
+        </p:spPr>
+      </p:pic>
+    </p:spTree>
+    <p:extLst>
+      <p:ext uri="{BB962C8B-B14F-4D97-AF65-F5344CB8AC3E}">
+        <p14:creationId xmlns:p14="http://schemas.microsoft.com/office/powerpoint/2010/main" val="471234251"/>
+      </p:ext>
+    </p:extLst>
+  </p:cSld>
+  <p:clrMapOvr>
+    <a:overrideClrMapping bg1="lt1" tx1="dk1" bg2="lt2" tx2="dk2" accent1="accent1" accent2="accent2" accent3="accent3" accent4="accent4" accent5="accent5" accent6="accent6" hlink="hlink" folHlink="folHlink"/>
+  </p:clrMapOvr>
+</p:sld>
+</file>
+
+<file path=ppt/slides/slide9.xml><?xml version="1.0" encoding="utf-8"?>
+<p:sld xmlns:a="http://schemas.openxmlformats.org/drawingml/2006/main" xmlns:r="http://schemas.openxmlformats.org/officeDocument/2006/relationships" xmlns:p="http://schemas.openxmlformats.org/presentationml/2006/main">
+  <p:cSld>
+    <p:bg>
+      <p:bgPr>
+        <a:solidFill>
+          <a:schemeClr val="bg2"/>
+        </a:solidFill>
+        <a:effectLst/>
+      </p:bgPr>
+    </p:bg>
+    <p:spTree>
+      <p:nvGrpSpPr>
+        <p:cNvPr id="1" name=""/>
+        <p:cNvGrpSpPr/>
+        <p:nvPr/>
+      </p:nvGrpSpPr>
+      <p:grpSpPr>
+        <a:xfrm>
+          <a:off x="0" y="0"/>
+          <a:ext cx="0" cy="0"/>
+          <a:chOff x="0" y="0"/>
+          <a:chExt cx="0" cy="0"/>
+        </a:xfrm>
+      </p:grpSpPr>
+      <p:sp useBgFill="1">
+        <p:nvSpPr>
+          <p:cNvPr id="45" name="Rectangle 44">
+            <a:extLst>
+              <a:ext uri="{FF2B5EF4-FFF2-40B4-BE49-F238E27FC236}">
+                <a16:creationId xmlns:a16="http://schemas.microsoft.com/office/drawing/2014/main" id="{A1DFCBE5-52C1-48A9-89CF-E7D68CCA1620}"/>
+              </a:ext>
+              <a:ext uri="{C183D7F6-B498-43B3-948B-1728B52AA6E4}">
+                <adec:decorative xmlns:adec="http://schemas.microsoft.com/office/drawing/2017/decorative" val="1"/>
+              </a:ext>
+            </a:extLst>
+          </p:cNvPr>
+          <p:cNvSpPr>
+            <a:spLocks noGrp="1" noRot="1" noChangeAspect="1" noMove="1" noResize="1" noEditPoints="1" noAdjustHandles="1" noChangeArrowheads="1" noChangeShapeType="1" noTextEdit="1"/>
+          </p:cNvSpPr>
+          <p:nvPr>
+            <p:extLst>
+              <p:ext uri="{386F3935-93C4-4BCD-93E2-E3B085C9AB24}">
+                <p16:designElem xmlns:p16="http://schemas.microsoft.com/office/powerpoint/2015/main" val="1"/>
+              </p:ext>
+            </p:extLst>
+          </p:nvPr>
+        </p:nvSpPr>
+        <p:spPr>
+          <a:xfrm>
+            <a:off x="0" y="0"/>
+            <a:ext cx="12188952" cy="6858000"/>
+          </a:xfrm>
+          <a:prstGeom prst="rect">
+            <a:avLst/>
+          </a:prstGeom>
+          <a:ln>
+            <a:noFill/>
+          </a:ln>
+        </p:spPr>
+        <p:style>
+          <a:lnRef idx="2">
+            <a:schemeClr val="accent1">
+              <a:shade val="50000"/>
+            </a:schemeClr>
+          </a:lnRef>
+          <a:fillRef idx="1">
+            <a:schemeClr val="accent1"/>
+          </a:fillRef>
+          <a:effectRef idx="0">
+            <a:schemeClr val="accent1"/>
+          </a:effectRef>
+          <a:fontRef idx="minor">
+            <a:schemeClr val="lt1"/>
+          </a:fontRef>
+        </p:style>
+        <p:txBody>
+          <a:bodyPr rtlCol="0" anchor="ctr"/>
+          <a:lstStyle/>
+          <a:p>
+            <a:pPr algn="ctr"/>
+            <a:endParaRPr lang="en-US"/>
+          </a:p>
+        </p:txBody>
+      </p:sp>
+      <p:sp>
+        <p:nvSpPr>
+          <p:cNvPr id="47" name="Freeform: Shape 46">
+            <a:extLst>
+              <a:ext uri="{FF2B5EF4-FFF2-40B4-BE49-F238E27FC236}">
+                <a16:creationId xmlns:a16="http://schemas.microsoft.com/office/drawing/2014/main" id="{06AB74CA-E76D-4922-91FE-A4AAF0487CE8}"/>
+              </a:ext>
+              <a:ext uri="{C183D7F6-B498-43B3-948B-1728B52AA6E4}">
+                <adec:decorative xmlns:adec="http://schemas.microsoft.com/office/drawing/2017/decorative" val="1"/>
+              </a:ext>
+            </a:extLst>
+          </p:cNvPr>
+          <p:cNvSpPr>
+            <a:spLocks noGrp="1" noRot="1" noChangeAspect="1" noMove="1" noResize="1" noEditPoints="1" noAdjustHandles="1" noChangeArrowheads="1" noChangeShapeType="1" noTextEdit="1"/>
+          </p:cNvSpPr>
+          <p:nvPr>
+            <p:extLst>
+              <p:ext uri="{386F3935-93C4-4BCD-93E2-E3B085C9AB24}">
+                <p16:designElem xmlns:p16="http://schemas.microsoft.com/office/powerpoint/2015/main" val="1"/>
+              </p:ext>
+            </p:extLst>
+          </p:nvPr>
+        </p:nvSpPr>
+        <p:spPr>
+          <a:xfrm>
+            <a:off x="0" y="3647203"/>
+            <a:ext cx="11707367" cy="2572622"/>
+          </a:xfrm>
+          <a:custGeom>
+            <a:avLst/>
+            <a:gdLst>
+              <a:gd name="connsiteX0" fmla="*/ 0 w 11707367"/>
+              <a:gd name="connsiteY0" fmla="*/ 0 h 2572622"/>
+              <a:gd name="connsiteX1" fmla="*/ 1888420 w 11707367"/>
+              <a:gd name="connsiteY1" fmla="*/ 0 h 2572622"/>
+              <a:gd name="connsiteX2" fmla="*/ 2198560 w 11707367"/>
+              <a:gd name="connsiteY2" fmla="*/ 310139 h 2572622"/>
+              <a:gd name="connsiteX3" fmla="*/ 2425431 w 11707367"/>
+              <a:gd name="connsiteY3" fmla="*/ 310139 h 2572622"/>
+              <a:gd name="connsiteX4" fmla="*/ 2735570 w 11707367"/>
+              <a:gd name="connsiteY4" fmla="*/ 0 h 2572622"/>
+              <a:gd name="connsiteX5" fmla="*/ 11707367 w 11707367"/>
+              <a:gd name="connsiteY5" fmla="*/ 0 h 2572622"/>
+              <a:gd name="connsiteX6" fmla="*/ 11707367 w 11707367"/>
+              <a:gd name="connsiteY6" fmla="*/ 2572622 h 2572622"/>
+              <a:gd name="connsiteX7" fmla="*/ 0 w 11707367"/>
+              <a:gd name="connsiteY7" fmla="*/ 2572622 h 2572622"/>
+            </a:gdLst>
+            <a:ahLst/>
+            <a:cxnLst>
+              <a:cxn ang="0">
+                <a:pos x="connsiteX0" y="connsiteY0"/>
+              </a:cxn>
+              <a:cxn ang="0">
+                <a:pos x="connsiteX1" y="connsiteY1"/>
+              </a:cxn>
+              <a:cxn ang="0">
+                <a:pos x="connsiteX2" y="connsiteY2"/>
+              </a:cxn>
+              <a:cxn ang="0">
+                <a:pos x="connsiteX3" y="connsiteY3"/>
+              </a:cxn>
+              <a:cxn ang="0">
+                <a:pos x="connsiteX4" y="connsiteY4"/>
+              </a:cxn>
+              <a:cxn ang="0">
+                <a:pos x="connsiteX5" y="connsiteY5"/>
+              </a:cxn>
+              <a:cxn ang="0">
+                <a:pos x="connsiteX6" y="connsiteY6"/>
+              </a:cxn>
+              <a:cxn ang="0">
+                <a:pos x="connsiteX7" y="connsiteY7"/>
+              </a:cxn>
+            </a:cxnLst>
+            <a:rect l="l" t="t" r="r" b="b"/>
+            <a:pathLst>
+              <a:path w="11707367" h="2572622">
+                <a:moveTo>
+                  <a:pt x="0" y="0"/>
+                </a:moveTo>
+                <a:lnTo>
+                  <a:pt x="1888420" y="0"/>
+                </a:lnTo>
+                <a:lnTo>
+                  <a:pt x="2198560" y="310139"/>
+                </a:lnTo>
+                <a:cubicBezTo>
+                  <a:pt x="2261209" y="372788"/>
+                  <a:pt x="2362782" y="372788"/>
+                  <a:pt x="2425431" y="310139"/>
+                </a:cubicBezTo>
+                <a:lnTo>
+                  <a:pt x="2735570" y="0"/>
+                </a:lnTo>
+                <a:lnTo>
+                  <a:pt x="11707367" y="0"/>
+                </a:lnTo>
+                <a:lnTo>
+                  <a:pt x="11707367" y="2572622"/>
+                </a:lnTo>
+                <a:lnTo>
+                  <a:pt x="0" y="2572622"/>
+                </a:lnTo>
+                <a:close/>
+              </a:path>
+            </a:pathLst>
+          </a:custGeom>
+          <a:solidFill>
+            <a:srgbClr val="595959">
+              <a:alpha val="89804"/>
+            </a:srgbClr>
+          </a:solidFill>
+          <a:ln>
+            <a:noFill/>
+          </a:ln>
+        </p:spPr>
+        <p:style>
+          <a:lnRef idx="2">
+            <a:schemeClr val="accent1">
+              <a:shade val="50000"/>
+            </a:schemeClr>
+          </a:lnRef>
+          <a:fillRef idx="1">
+            <a:schemeClr val="accent1"/>
+          </a:fillRef>
+          <a:effectRef idx="0">
+            <a:schemeClr val="accent1"/>
+          </a:effectRef>
+          <a:fontRef idx="minor">
+            <a:schemeClr val="lt1"/>
+          </a:fontRef>
+        </p:style>
+      </p:sp>
+      <p:sp>
+        <p:nvSpPr>
+          <p:cNvPr id="2" name="Title 1">
+            <a:extLst>
+              <a:ext uri="{FF2B5EF4-FFF2-40B4-BE49-F238E27FC236}">
+                <a16:creationId xmlns:a16="http://schemas.microsoft.com/office/drawing/2014/main" id="{995B9CCD-5010-464A-B716-565E6B1A2DB5}"/>
+              </a:ext>
+            </a:extLst>
+          </p:cNvPr>
+          <p:cNvSpPr>
+            <a:spLocks noGrp="1"/>
+          </p:cNvSpPr>
+          <p:nvPr>
+            <p:ph type="title"/>
+          </p:nvPr>
+        </p:nvSpPr>
+        <p:spPr>
+          <a:xfrm>
+            <a:off x="1063691" y="4049486"/>
+            <a:ext cx="4825480" cy="1883228"/>
+          </a:xfrm>
+        </p:spPr>
+        <p:txBody>
+          <a:bodyPr anchor="ctr">
+            <a:normAutofit/>
+          </a:bodyPr>
+          <a:lstStyle/>
+          <a:p>
+            <a:r>
+              <a:rPr lang="en-US">
+                <a:solidFill>
+                  <a:srgbClr val="FFFFFF"/>
+                </a:solidFill>
+              </a:rPr>
+              <a:t>The topics: examples</a:t>
+            </a:r>
+          </a:p>
+        </p:txBody>
+      </p:sp>
+      <p:pic>
+        <p:nvPicPr>
+          <p:cNvPr id="15" name="Picture 14" descr="Text&#10;&#10;Description automatically generated">
+            <a:extLst>
+              <a:ext uri="{FF2B5EF4-FFF2-40B4-BE49-F238E27FC236}">
+                <a16:creationId xmlns:a16="http://schemas.microsoft.com/office/drawing/2014/main" id="{F7DE9078-4D3C-410D-91A7-CCEDD4584EDE}"/>
+              </a:ext>
+            </a:extLst>
+          </p:cNvPr>
+          <p:cNvPicPr>
+            <a:picLocks noChangeAspect="1"/>
+          </p:cNvPicPr>
+          <p:nvPr/>
+        </p:nvPicPr>
+        <p:blipFill rotWithShape="1">
+          <a:blip r:embed="rId2"/>
+          <a:srcRect t="9778" r="-1" b="7882"/>
+          <a:stretch/>
+        </p:blipFill>
+        <p:spPr>
+          <a:xfrm>
+            <a:off x="1063691" y="496002"/>
+            <a:ext cx="5196897" cy="2852721"/>
+          </a:xfrm>
+          <a:prstGeom prst="rect">
+            <a:avLst/>
+          </a:prstGeom>
+        </p:spPr>
+      </p:pic>
+      <p:pic>
+        <p:nvPicPr>
+          <p:cNvPr id="5" name="Content Placeholder 4" descr="Text&#10;&#10;Description automatically generated">
+            <a:extLst>
+              <a:ext uri="{FF2B5EF4-FFF2-40B4-BE49-F238E27FC236}">
+                <a16:creationId xmlns:a16="http://schemas.microsoft.com/office/drawing/2014/main" id="{2F5F8465-405B-4240-BFEF-C261DF1DA8E1}"/>
+              </a:ext>
+            </a:extLst>
+          </p:cNvPr>
+          <p:cNvPicPr>
+            <a:picLocks noChangeAspect="1"/>
+          </p:cNvPicPr>
+          <p:nvPr/>
+        </p:nvPicPr>
+        <p:blipFill rotWithShape="1">
+          <a:blip r:embed="rId3"/>
+          <a:srcRect t="9072" r="-1" b="8260"/>
+          <a:stretch/>
+        </p:blipFill>
+        <p:spPr>
+          <a:xfrm>
+            <a:off x="6582321" y="510119"/>
+            <a:ext cx="5125047" cy="2824487"/>
+          </a:xfrm>
+          <a:prstGeom prst="rect">
+            <a:avLst/>
+          </a:prstGeom>
+        </p:spPr>
+      </p:pic>
+      <p:sp>
+        <p:nvSpPr>
+          <p:cNvPr id="9" name="Content Placeholder 8">
+            <a:extLst>
+              <a:ext uri="{FF2B5EF4-FFF2-40B4-BE49-F238E27FC236}">
+                <a16:creationId xmlns:a16="http://schemas.microsoft.com/office/drawing/2014/main" id="{E80586A5-C354-4688-A707-0C71288CE712}"/>
+              </a:ext>
+            </a:extLst>
+          </p:cNvPr>
+          <p:cNvSpPr>
+            <a:spLocks noGrp="1"/>
+          </p:cNvSpPr>
+          <p:nvPr>
+            <p:ph idx="1"/>
+          </p:nvPr>
+        </p:nvSpPr>
+        <p:spPr>
+          <a:xfrm>
+            <a:off x="6338316" y="4049485"/>
+            <a:ext cx="4846151" cy="1883229"/>
+          </a:xfrm>
+        </p:spPr>
+        <p:txBody>
+          <a:bodyPr>
+            <a:normAutofit/>
+          </a:bodyPr>
+          <a:lstStyle/>
+          <a:p>
+            <a:r>
+              <a:rPr lang="en-US" dirty="0">
+                <a:solidFill>
+                  <a:srgbClr val="FFFFFF"/>
+                </a:solidFill>
+              </a:rPr>
+              <a:t>Science-</a:t>
+            </a:r>
+            <a:r>
+              <a:rPr lang="en-US" dirty="0" err="1">
+                <a:solidFill>
+                  <a:srgbClr val="FFFFFF"/>
+                </a:solidFill>
+              </a:rPr>
+              <a:t>ish</a:t>
+            </a:r>
+            <a:endParaRPr lang="en-US" dirty="0">
+              <a:solidFill>
+                <a:srgbClr val="FFFFFF"/>
+              </a:solidFill>
+            </a:endParaRPr>
+          </a:p>
+          <a:p>
+            <a:r>
+              <a:rPr lang="en-US" dirty="0">
+                <a:solidFill>
+                  <a:srgbClr val="FFFFFF"/>
+                </a:solidFill>
+              </a:rPr>
+              <a:t>General arts</a:t>
+            </a:r>
+          </a:p>
+          <a:p>
+            <a:endParaRPr lang="en-US" dirty="0">
+              <a:solidFill>
+                <a:srgbClr val="FFFFFF"/>
+              </a:solidFill>
+            </a:endParaRPr>
+          </a:p>
+          <a:p>
+            <a:endParaRPr lang="en-US" dirty="0">
+              <a:solidFill>
+                <a:srgbClr val="FFFFFF"/>
+              </a:solidFill>
+            </a:endParaRPr>
+          </a:p>
+        </p:txBody>
+      </p:sp>
+    </p:spTree>
+    <p:extLst>
+      <p:ext uri="{BB962C8B-B14F-4D97-AF65-F5344CB8AC3E}">
+        <p14:creationId xmlns:p14="http://schemas.microsoft.com/office/powerpoint/2010/main" val="150936140"/>
       </p:ext>
     </p:extLst>
   </p:cSld>

--- a/Jeopardy_Questions.pptx
+++ b/Jeopardy_Questions.pptx
@@ -14172,7 +14172,7 @@
         </p:spPr>
         <p:txBody>
           <a:bodyPr>
-            <a:normAutofit lnSpcReduction="10000"/>
+            <a:normAutofit fontScale="92500" lnSpcReduction="10000"/>
           </a:bodyPr>
           <a:lstStyle/>
           <a:p>
@@ -14245,6 +14245,13 @@
             <a:r>
               <a:rPr lang="en-US" dirty="0"/>
               <a:t>Algo: NMF</a:t>
+            </a:r>
+          </a:p>
+          <a:p>
+            <a:pPr lvl="1"/>
+            <a:r>
+              <a:rPr lang="en-US" dirty="0"/>
+              <a:t>Vectorizer: TFIDF</a:t>
             </a:r>
           </a:p>
         </p:txBody>
